--- a/報告擋/玉山_題目一_組別二.pptx
+++ b/報告擋/玉山_題目一_組別二.pptx
@@ -5109,8 +5109,17 @@
                   <a:schemeClr val="tx1"/>
                 </a:solidFill>
               </a:rPr>
-              <a:t>後續將新聞訊息做切詞處理後，放入模型跑重要性評分與預期漲跌</a:t>
-            </a:r>
+              <a:t>後續將新聞訊息做切詞處理後，放入模型跑重要性評分與漲跌</a:t>
+            </a:r>
+            <a:r>
+              <a:rPr lang="zh-TW" altLang="en-US" dirty="0"/>
+              <a:t>預測</a:t>
+            </a:r>
+            <a:endParaRPr lang="zh-TW" altLang="en-US" dirty="0">
+              <a:solidFill>
+                <a:schemeClr val="tx1"/>
+              </a:solidFill>
+            </a:endParaRPr>
           </a:p>
         </p:txBody>
       </p:sp>

--- a/報告擋/玉山_題目一_組別二.pptx
+++ b/報告擋/玉山_題目一_組別二.pptx
@@ -5109,7 +5109,7 @@
                   <a:schemeClr val="tx1"/>
                 </a:solidFill>
               </a:rPr>
-              <a:t>後續將新聞訊息做切詞處理後，放入模型跑重要性評分與漲跌</a:t>
+              <a:t>後續將新聞訊息做切詞處理後，放入模型跑重要性評分與股價漲跌</a:t>
             </a:r>
             <a:r>
               <a:rPr lang="zh-TW" altLang="en-US" dirty="0"/>

--- a/報告擋/玉山_題目一_組別二.pptx
+++ b/報告擋/玉山_題目一_組別二.pptx
@@ -29630,7 +29630,7 @@
                   <a:latin typeface="Microsoft JhengHei" panose="020B0604030504040204" pitchFamily="34" charset="-120"/>
                   <a:ea typeface="Microsoft JhengHei" panose="020B0604030504040204" pitchFamily="34" charset="-120"/>
                 </a:rPr>
-                <a:t>手機版首面</a:t>
+                <a:t>手機版首頁</a:t>
               </a:r>
             </a:p>
           </p:txBody>

--- a/報告擋/玉山_題目一_組別二.pptx
+++ b/報告擋/玉山_題目一_組別二.pptx
@@ -32362,40 +32362,6 @@
           </a:p>
         </p:txBody>
       </p:sp>
-      <p:pic>
-        <p:nvPicPr>
-          <p:cNvPr id="30" name="內容版面配置區 3">
-            <a:extLst>
-              <a:ext uri="{FF2B5EF4-FFF2-40B4-BE49-F238E27FC236}">
-                <a16:creationId xmlns:a16="http://schemas.microsoft.com/office/drawing/2014/main" id="{B0A5DD23-53AF-0C4C-B87D-38C34C182FE7}"/>
-              </a:ext>
-            </a:extLst>
-          </p:cNvPr>
-          <p:cNvPicPr>
-            <a:picLocks noChangeAspect="1"/>
-          </p:cNvPicPr>
-          <p:nvPr/>
-        </p:nvPicPr>
-        <p:blipFill rotWithShape="1">
-          <a:blip r:embed="rId2"/>
-          <a:srcRect b="42967"/>
-          <a:stretch/>
-        </p:blipFill>
-        <p:spPr>
-          <a:xfrm>
-            <a:off x="3240732" y="2693857"/>
-            <a:ext cx="3312982" cy="1965960"/>
-          </a:xfrm>
-          <a:prstGeom prst="rect">
-            <a:avLst/>
-          </a:prstGeom>
-          <a:ln>
-            <a:solidFill>
-              <a:schemeClr val="tx1"/>
-            </a:solidFill>
-          </a:ln>
-        </p:spPr>
-      </p:pic>
       <p:sp>
         <p:nvSpPr>
           <p:cNvPr id="31" name="文字方塊 30">
@@ -32668,6 +32634,36 @@
           </a:p>
         </p:txBody>
       </p:sp>
+      <p:pic>
+        <p:nvPicPr>
+          <p:cNvPr id="3" name="圖片 2" descr="一張含有 螢幕擷取畫面 的圖片&#10;&#10;自動產生的描述">
+            <a:extLst>
+              <a:ext uri="{FF2B5EF4-FFF2-40B4-BE49-F238E27FC236}">
+                <a16:creationId xmlns:a16="http://schemas.microsoft.com/office/drawing/2014/main" id="{B2BA64A9-EC3E-6348-8305-55D83C18D576}"/>
+              </a:ext>
+            </a:extLst>
+          </p:cNvPr>
+          <p:cNvPicPr>
+            <a:picLocks noChangeAspect="1"/>
+          </p:cNvPicPr>
+          <p:nvPr/>
+        </p:nvPicPr>
+        <p:blipFill>
+          <a:blip r:embed="rId2"/>
+          <a:stretch>
+            <a:fillRect/>
+          </a:stretch>
+        </p:blipFill>
+        <p:spPr>
+          <a:xfrm>
+            <a:off x="3342428" y="2612967"/>
+            <a:ext cx="3062471" cy="2015976"/>
+          </a:xfrm>
+          <a:prstGeom prst="rect">
+            <a:avLst/>
+          </a:prstGeom>
+        </p:spPr>
+      </p:pic>
     </p:spTree>
     <p:extLst>
       <p:ext uri="{BB962C8B-B14F-4D97-AF65-F5344CB8AC3E}">

--- a/報告擋/玉山_題目一_組別二.pptx
+++ b/報告擋/玉山_題目一_組別二.pptx
@@ -3253,10 +3253,10 @@
       </p:grpSpPr>
       <p:pic>
         <p:nvPicPr>
-          <p:cNvPr id="8" name="圖片 7" descr="一張含有 文字, 地圖 的圖片&#10;&#10;自動產生的描述">
-            <a:extLst>
-              <a:ext uri="{FF2B5EF4-FFF2-40B4-BE49-F238E27FC236}">
-                <a16:creationId xmlns:a16="http://schemas.microsoft.com/office/drawing/2014/main" id="{C49D9CAD-B299-8447-AE7B-C727609AADD2}"/>
+          <p:cNvPr id="6" name="圖片 5">
+            <a:extLst>
+              <a:ext uri="{FF2B5EF4-FFF2-40B4-BE49-F238E27FC236}">
+                <a16:creationId xmlns:a16="http://schemas.microsoft.com/office/drawing/2014/main" id="{0AEE2EB9-43C0-2647-AC1E-7169ABF5E873}"/>
               </a:ext>
             </a:extLst>
           </p:cNvPr>
@@ -3273,8 +3273,8 @@
         </p:blipFill>
         <p:spPr>
           <a:xfrm>
-            <a:off x="873516" y="986076"/>
-            <a:ext cx="6613134" cy="5271937"/>
+            <a:off x="852564" y="817268"/>
+            <a:ext cx="7041961" cy="5613794"/>
           </a:xfrm>
           <a:prstGeom prst="rect">
             <a:avLst/>
@@ -3303,9 +3303,10 @@
           <a:lstStyle/>
           <a:p>
             <a:r>
-              <a:rPr kumimoji="1" lang="zh-TW" altLang="en-US" dirty="0"/>
+              <a:rPr kumimoji="1" lang="zh-TW" altLang="en-US"/>
               <a:t>專案流程圖</a:t>
             </a:r>
+            <a:endParaRPr kumimoji="1" lang="zh-TW" altLang="en-US" dirty="0"/>
           </a:p>
         </p:txBody>
       </p:sp>
@@ -3397,7 +3398,7 @@
           <a:lstStyle/>
           <a:p>
             <a:r>
-              <a:rPr kumimoji="1" lang="zh-TW" altLang="en-US" b="1" dirty="0">
+              <a:rPr kumimoji="1" lang="zh-TW" altLang="en-US" b="1">
                 <a:solidFill>
                   <a:srgbClr val="4AAC99"/>
                 </a:solidFill>
@@ -3406,6 +3407,13 @@
               </a:rPr>
               <a:t>模型訓練過程</a:t>
             </a:r>
+            <a:endParaRPr kumimoji="1" lang="zh-TW" altLang="en-US" b="1" dirty="0">
+              <a:solidFill>
+                <a:srgbClr val="4AAC99"/>
+              </a:solidFill>
+              <a:latin typeface="Microsoft JhengHei" panose="020B0604030504040204" pitchFamily="34" charset="-120"/>
+              <a:ea typeface="Microsoft JhengHei" panose="020B0604030504040204" pitchFamily="34" charset="-120"/>
+            </a:endParaRPr>
           </a:p>
         </p:txBody>
       </p:sp>
@@ -3439,7 +3447,7 @@
           <a:p>
             <a:pPr algn="ctr"/>
             <a:r>
-              <a:rPr kumimoji="1" lang="zh-TW" altLang="en-US" sz="1600" b="1" dirty="0">
+              <a:rPr kumimoji="1" lang="zh-TW" altLang="en-US" sz="1600" b="1">
                 <a:solidFill>
                   <a:srgbClr val="4AAC99"/>
                 </a:solidFill>
@@ -3449,7 +3457,7 @@
               <a:t>最新新聞評分</a:t>
             </a:r>
             <a:br>
-              <a:rPr kumimoji="1" lang="en-US" altLang="zh-TW" sz="1600" b="1" dirty="0">
+              <a:rPr kumimoji="1" lang="en-US" altLang="zh-TW" sz="1600" b="1">
                 <a:solidFill>
                   <a:srgbClr val="4AAC99"/>
                 </a:solidFill>
@@ -3458,7 +3466,7 @@
               </a:rPr>
             </a:br>
             <a:r>
-              <a:rPr kumimoji="1" lang="zh-TW" altLang="en-US" sz="1600" b="1" dirty="0">
+              <a:rPr kumimoji="1" lang="zh-TW" altLang="en-US" sz="1600" b="1">
                 <a:solidFill>
                   <a:srgbClr val="4AAC99"/>
                 </a:solidFill>
@@ -3467,6 +3475,13 @@
               </a:rPr>
               <a:t>與漲跌預測</a:t>
             </a:r>
+            <a:endParaRPr kumimoji="1" lang="zh-TW" altLang="en-US" sz="1600" b="1" dirty="0">
+              <a:solidFill>
+                <a:srgbClr val="4AAC99"/>
+              </a:solidFill>
+              <a:latin typeface="Microsoft JhengHei" panose="020B0604030504040204" pitchFamily="34" charset="-120"/>
+              <a:ea typeface="Microsoft JhengHei" panose="020B0604030504040204" pitchFamily="34" charset="-120"/>
+            </a:endParaRPr>
           </a:p>
         </p:txBody>
       </p:sp>
@@ -3500,7 +3515,7 @@
           <a:p>
             <a:pPr algn="ctr"/>
             <a:r>
-              <a:rPr kumimoji="1" lang="zh-TW" altLang="en-US" sz="1600" b="1" dirty="0">
+              <a:rPr kumimoji="1" lang="zh-TW" altLang="en-US" sz="1600" b="1">
                 <a:solidFill>
                   <a:srgbClr val="4AAC99"/>
                 </a:solidFill>
@@ -3509,6 +3524,13 @@
               </a:rPr>
               <a:t>結果呈現</a:t>
             </a:r>
+            <a:endParaRPr kumimoji="1" lang="zh-TW" altLang="en-US" sz="1600" b="1" dirty="0">
+              <a:solidFill>
+                <a:srgbClr val="4AAC99"/>
+              </a:solidFill>
+              <a:latin typeface="Microsoft JhengHei" panose="020B0604030504040204" pitchFamily="34" charset="-120"/>
+              <a:ea typeface="Microsoft JhengHei" panose="020B0604030504040204" pitchFamily="34" charset="-120"/>
+            </a:endParaRPr>
           </a:p>
         </p:txBody>
       </p:sp>

--- a/報告擋/玉山_題目一_組別二.pptx
+++ b/報告擋/玉山_題目一_組別二.pptx
@@ -254,7 +254,7 @@
           <a:p>
             <a:fld id="{0E2E485A-1DF2-EF4F-9782-8568C33662D6}" type="datetimeFigureOut">
               <a:rPr kumimoji="1" lang="zh-TW" altLang="en-US" smtClean="0"/>
-              <a:t>2020/6/18</a:t>
+              <a:t>2020/6/19</a:t>
             </a:fld>
             <a:endParaRPr kumimoji="1" lang="zh-TW" altLang="en-US"/>
           </a:p>
@@ -431,7 +431,7 @@
           <a:p>
             <a:fld id="{DD4483AA-B877-7C45-B5CE-2B8D690179FA}" type="datetimeFigureOut">
               <a:rPr kumimoji="1" lang="zh-TW" altLang="en-US" smtClean="0"/>
-              <a:t>2020/6/18</a:t>
+              <a:t>2020/6/19</a:t>
             </a:fld>
             <a:endParaRPr kumimoji="1" lang="zh-TW" altLang="en-US"/>
           </a:p>
@@ -1012,7 +1012,7 @@
             <a:fld id="{868F4FC5-FE50-A64D-A7E3-22233A0C6925}" type="datetime1">
               <a:rPr kumimoji="1" lang="zh-TW" altLang="en-US" smtClean="0"/>
               <a:pPr/>
-              <a:t>2020/6/18</a:t>
+              <a:t>2020/6/19</a:t>
             </a:fld>
             <a:endParaRPr kumimoji="1" lang="zh-TW" altLang="en-US" dirty="0"/>
           </a:p>
@@ -1528,7 +1528,7 @@
           <a:p>
             <a:fld id="{FAC3B233-0F11-2949-9778-845E9C940E45}" type="datetime1">
               <a:rPr kumimoji="1" lang="zh-TW" altLang="en-US" smtClean="0"/>
-              <a:t>2020/6/18</a:t>
+              <a:t>2020/6/19</a:t>
             </a:fld>
             <a:endParaRPr kumimoji="1" lang="zh-TW" altLang="en-US"/>
           </a:p>
@@ -1998,7 +1998,7 @@
           <a:p>
             <a:fld id="{B1502A10-1194-924D-B7D1-E321F36876AD}" type="datetime1">
               <a:rPr kumimoji="1" lang="zh-TW" altLang="en-US" smtClean="0"/>
-              <a:t>2020/6/18</a:t>
+              <a:t>2020/6/19</a:t>
             </a:fld>
             <a:endParaRPr kumimoji="1" lang="zh-TW" altLang="en-US"/>
           </a:p>
@@ -2816,7 +2816,7 @@
                   <a:schemeClr val="tx1"/>
                 </a:solidFill>
               </a:rPr>
-              <a:t>2020/6/18</a:t>
+              <a:t>2020/6/19</a:t>
             </a:fld>
             <a:endParaRPr kumimoji="1" lang="zh-TW" altLang="en-US" dirty="0">
               <a:solidFill>
@@ -3333,7 +3333,7 @@
           <a:p>
             <a:fld id="{868F4FC5-FE50-A64D-A7E3-22233A0C6925}" type="datetime1">
               <a:rPr kumimoji="1" lang="zh-TW" altLang="en-US" smtClean="0"/>
-              <a:t>2020/6/18</a:t>
+              <a:t>2020/6/19</a:t>
             </a:fld>
             <a:endParaRPr kumimoji="1" lang="zh-TW" altLang="en-US" dirty="0"/>
           </a:p>
@@ -3702,7 +3702,7 @@
             <a:fld id="{868F4FC5-FE50-A64D-A7E3-22233A0C6925}" type="datetime1">
               <a:rPr kumimoji="1" lang="zh-TW" altLang="en-US" smtClean="0"/>
               <a:pPr/>
-              <a:t>2020/6/18</a:t>
+              <a:t>2020/6/19</a:t>
             </a:fld>
             <a:endParaRPr kumimoji="1" lang="zh-TW" altLang="en-US" dirty="0"/>
           </a:p>
@@ -4076,7 +4076,7 @@
             <a:fld id="{868F4FC5-FE50-A64D-A7E3-22233A0C6925}" type="datetime1">
               <a:rPr kumimoji="1" lang="zh-TW" altLang="en-US" smtClean="0"/>
               <a:pPr/>
-              <a:t>2020/6/18</a:t>
+              <a:t>2020/6/19</a:t>
             </a:fld>
             <a:endParaRPr kumimoji="1" lang="zh-TW" altLang="en-US" dirty="0"/>
           </a:p>
@@ -4835,7 +4835,7 @@
             <a:fld id="{868F4FC5-FE50-A64D-A7E3-22233A0C6925}" type="datetime1">
               <a:rPr kumimoji="1" lang="zh-TW" altLang="en-US" smtClean="0"/>
               <a:pPr/>
-              <a:t>2020/6/18</a:t>
+              <a:t>2020/6/19</a:t>
             </a:fld>
             <a:endParaRPr kumimoji="1" lang="zh-TW" altLang="en-US" dirty="0"/>
           </a:p>
@@ -5199,7 +5199,7 @@
             <a:fld id="{868F4FC5-FE50-A64D-A7E3-22233A0C6925}" type="datetime1">
               <a:rPr kumimoji="1" lang="zh-TW" altLang="en-US" smtClean="0"/>
               <a:pPr/>
-              <a:t>2020/6/18</a:t>
+              <a:t>2020/6/19</a:t>
             </a:fld>
             <a:endParaRPr kumimoji="1" lang="zh-TW" altLang="en-US" dirty="0"/>
           </a:p>
@@ -6081,7 +6081,7 @@
             <a:fld id="{868F4FC5-FE50-A64D-A7E3-22233A0C6925}" type="datetime1">
               <a:rPr kumimoji="1" lang="zh-TW" altLang="en-US" smtClean="0"/>
               <a:pPr/>
-              <a:t>2020/6/18</a:t>
+              <a:t>2020/6/19</a:t>
             </a:fld>
             <a:endParaRPr kumimoji="1" lang="zh-TW" altLang="en-US" dirty="0"/>
           </a:p>
@@ -7175,7 +7175,7 @@
             <a:fld id="{868F4FC5-FE50-A64D-A7E3-22233A0C6925}" type="datetime1">
               <a:rPr kumimoji="1" lang="zh-TW" altLang="en-US" smtClean="0"/>
               <a:pPr/>
-              <a:t>2020/6/18</a:t>
+              <a:t>2020/6/19</a:t>
             </a:fld>
             <a:endParaRPr kumimoji="1" lang="zh-TW" altLang="en-US" dirty="0"/>
           </a:p>
@@ -7751,7 +7751,7 @@
             <a:fld id="{868F4FC5-FE50-A64D-A7E3-22233A0C6925}" type="datetime1">
               <a:rPr kumimoji="1" lang="zh-TW" altLang="en-US" smtClean="0"/>
               <a:pPr/>
-              <a:t>2020/6/18</a:t>
+              <a:t>2020/6/19</a:t>
             </a:fld>
             <a:endParaRPr kumimoji="1" lang="zh-TW" altLang="en-US" dirty="0"/>
           </a:p>
@@ -8717,7 +8717,7 @@
             <a:fld id="{868F4FC5-FE50-A64D-A7E3-22233A0C6925}" type="datetime1">
               <a:rPr kumimoji="1" lang="zh-TW" altLang="en-US" smtClean="0"/>
               <a:pPr/>
-              <a:t>2020/6/18</a:t>
+              <a:t>2020/6/19</a:t>
             </a:fld>
             <a:endParaRPr kumimoji="1" lang="zh-TW" altLang="en-US" dirty="0"/>
           </a:p>
@@ -9288,7 +9288,7 @@
             <a:fld id="{868F4FC5-FE50-A64D-A7E3-22233A0C6925}" type="datetime1">
               <a:rPr kumimoji="1" lang="zh-TW" altLang="en-US" smtClean="0"/>
               <a:pPr/>
-              <a:t>2020/6/18</a:t>
+              <a:t>2020/6/19</a:t>
             </a:fld>
             <a:endParaRPr kumimoji="1" lang="zh-TW" altLang="en-US" dirty="0"/>
           </a:p>
@@ -10488,7 +10488,7 @@
             <a:fld id="{868F4FC5-FE50-A64D-A7E3-22233A0C6925}" type="datetime1">
               <a:rPr kumimoji="1" lang="zh-TW" altLang="en-US" smtClean="0"/>
               <a:pPr/>
-              <a:t>2020/6/18</a:t>
+              <a:t>2020/6/19</a:t>
             </a:fld>
             <a:endParaRPr kumimoji="1" lang="zh-TW" altLang="en-US" dirty="0"/>
           </a:p>
@@ -11047,7 +11047,7 @@
             <a:fld id="{868F4FC5-FE50-A64D-A7E3-22233A0C6925}" type="datetime1">
               <a:rPr kumimoji="1" lang="zh-TW" altLang="en-US" smtClean="0"/>
               <a:pPr/>
-              <a:t>2020/6/18</a:t>
+              <a:t>2020/6/19</a:t>
             </a:fld>
             <a:endParaRPr kumimoji="1" lang="zh-TW" altLang="en-US" dirty="0"/>
           </a:p>
@@ -11246,7 +11246,7 @@
             <a:fld id="{868F4FC5-FE50-A64D-A7E3-22233A0C6925}" type="datetime1">
               <a:rPr kumimoji="1" lang="zh-TW" altLang="en-US" smtClean="0"/>
               <a:pPr/>
-              <a:t>2020/6/18</a:t>
+              <a:t>2020/6/19</a:t>
             </a:fld>
             <a:endParaRPr kumimoji="1" lang="zh-TW" altLang="en-US" dirty="0"/>
           </a:p>
@@ -12732,7 +12732,7 @@
             <a:fld id="{868F4FC5-FE50-A64D-A7E3-22233A0C6925}" type="datetime1">
               <a:rPr kumimoji="1" lang="zh-TW" altLang="en-US" smtClean="0"/>
               <a:pPr/>
-              <a:t>2020/6/18</a:t>
+              <a:t>2020/6/19</a:t>
             </a:fld>
             <a:endParaRPr kumimoji="1" lang="zh-TW" altLang="en-US" dirty="0"/>
           </a:p>
@@ -13918,7 +13918,7 @@
             <a:fld id="{868F4FC5-FE50-A64D-A7E3-22233A0C6925}" type="datetime1">
               <a:rPr kumimoji="1" lang="zh-TW" altLang="en-US" smtClean="0"/>
               <a:pPr/>
-              <a:t>2020/6/18</a:t>
+              <a:t>2020/6/19</a:t>
             </a:fld>
             <a:endParaRPr kumimoji="1" lang="zh-TW" altLang="en-US" dirty="0"/>
           </a:p>
@@ -14749,7 +14749,7 @@
             <a:fld id="{868F4FC5-FE50-A64D-A7E3-22233A0C6925}" type="datetime1">
               <a:rPr kumimoji="1" lang="zh-TW" altLang="en-US" smtClean="0"/>
               <a:pPr/>
-              <a:t>2020/6/18</a:t>
+              <a:t>2020/6/19</a:t>
             </a:fld>
             <a:endParaRPr kumimoji="1" lang="zh-TW" altLang="en-US" dirty="0"/>
           </a:p>
@@ -15310,7 +15310,7 @@
             <a:fld id="{868F4FC5-FE50-A64D-A7E3-22233A0C6925}" type="datetime1">
               <a:rPr kumimoji="1" lang="zh-TW" altLang="en-US" smtClean="0"/>
               <a:pPr/>
-              <a:t>2020/6/18</a:t>
+              <a:t>2020/6/19</a:t>
             </a:fld>
             <a:endParaRPr kumimoji="1" lang="zh-TW" altLang="en-US" dirty="0"/>
           </a:p>
@@ -15509,7 +15509,7 @@
             <a:fld id="{868F4FC5-FE50-A64D-A7E3-22233A0C6925}" type="datetime1">
               <a:rPr kumimoji="1" lang="zh-TW" altLang="en-US" smtClean="0"/>
               <a:pPr/>
-              <a:t>2020/6/18</a:t>
+              <a:t>2020/6/19</a:t>
             </a:fld>
             <a:endParaRPr kumimoji="1" lang="zh-TW" altLang="en-US" dirty="0"/>
           </a:p>
@@ -19331,7 +19331,7 @@
             <a:fld id="{868F4FC5-FE50-A64D-A7E3-22233A0C6925}" type="datetime1">
               <a:rPr kumimoji="1" lang="zh-TW" altLang="en-US" smtClean="0"/>
               <a:pPr/>
-              <a:t>2020/6/18</a:t>
+              <a:t>2020/6/19</a:t>
             </a:fld>
             <a:endParaRPr kumimoji="1" lang="zh-TW" altLang="en-US" dirty="0"/>
           </a:p>
@@ -20567,7 +20567,7 @@
             <a:fld id="{868F4FC5-FE50-A64D-A7E3-22233A0C6925}" type="datetime1">
               <a:rPr kumimoji="1" lang="zh-TW" altLang="en-US" smtClean="0"/>
               <a:pPr/>
-              <a:t>2020/6/18</a:t>
+              <a:t>2020/6/19</a:t>
             </a:fld>
             <a:endParaRPr kumimoji="1" lang="zh-TW" altLang="en-US" dirty="0"/>
           </a:p>
@@ -21565,7 +21565,7 @@
             <a:fld id="{868F4FC5-FE50-A64D-A7E3-22233A0C6925}" type="datetime1">
               <a:rPr kumimoji="1" lang="zh-TW" altLang="en-US" smtClean="0"/>
               <a:pPr/>
-              <a:t>2020/6/18</a:t>
+              <a:t>2020/6/19</a:t>
             </a:fld>
             <a:endParaRPr kumimoji="1" lang="zh-TW" altLang="en-US" dirty="0"/>
           </a:p>
@@ -23480,7 +23480,7 @@
             <a:fld id="{868F4FC5-FE50-A64D-A7E3-22233A0C6925}" type="datetime1">
               <a:rPr kumimoji="1" lang="zh-TW" altLang="en-US" smtClean="0"/>
               <a:pPr/>
-              <a:t>2020/6/18</a:t>
+              <a:t>2020/6/19</a:t>
             </a:fld>
             <a:endParaRPr kumimoji="1" lang="zh-TW" altLang="en-US" dirty="0"/>
           </a:p>
@@ -24311,7 +24311,7 @@
             <a:fld id="{868F4FC5-FE50-A64D-A7E3-22233A0C6925}" type="datetime1">
               <a:rPr kumimoji="1" lang="zh-TW" altLang="en-US" smtClean="0"/>
               <a:pPr/>
-              <a:t>2020/6/18</a:t>
+              <a:t>2020/6/19</a:t>
             </a:fld>
             <a:endParaRPr kumimoji="1" lang="zh-TW" altLang="en-US" dirty="0"/>
           </a:p>
@@ -25523,7 +25523,7 @@
             <a:fld id="{868F4FC5-FE50-A64D-A7E3-22233A0C6925}" type="datetime1">
               <a:rPr kumimoji="1" lang="zh-TW" altLang="en-US" smtClean="0"/>
               <a:pPr/>
-              <a:t>2020/6/18</a:t>
+              <a:t>2020/6/19</a:t>
             </a:fld>
             <a:endParaRPr kumimoji="1" lang="zh-TW" altLang="en-US" dirty="0"/>
           </a:p>
@@ -25863,7 +25863,7 @@
             <a:fld id="{868F4FC5-FE50-A64D-A7E3-22233A0C6925}" type="datetime1">
               <a:rPr kumimoji="1" lang="zh-TW" altLang="en-US" smtClean="0"/>
               <a:pPr/>
-              <a:t>2020/6/18</a:t>
+              <a:t>2020/6/19</a:t>
             </a:fld>
             <a:endParaRPr kumimoji="1" lang="zh-TW" altLang="en-US" dirty="0"/>
           </a:p>
@@ -26538,7 +26538,7 @@
             <a:fld id="{868F4FC5-FE50-A64D-A7E3-22233A0C6925}" type="datetime1">
               <a:rPr kumimoji="1" lang="zh-TW" altLang="en-US" smtClean="0"/>
               <a:pPr/>
-              <a:t>2020/6/18</a:t>
+              <a:t>2020/6/19</a:t>
             </a:fld>
             <a:endParaRPr kumimoji="1" lang="zh-TW" altLang="en-US" dirty="0"/>
           </a:p>
@@ -27585,7 +27585,7 @@
             <a:fld id="{868F4FC5-FE50-A64D-A7E3-22233A0C6925}" type="datetime1">
               <a:rPr kumimoji="1" lang="zh-TW" altLang="en-US" smtClean="0"/>
               <a:pPr/>
-              <a:t>2020/6/18</a:t>
+              <a:t>2020/6/19</a:t>
             </a:fld>
             <a:endParaRPr kumimoji="1" lang="zh-TW" altLang="en-US" dirty="0"/>
           </a:p>
@@ -28249,7 +28249,7 @@
             <a:fld id="{868F4FC5-FE50-A64D-A7E3-22233A0C6925}" type="datetime1">
               <a:rPr kumimoji="1" lang="zh-TW" altLang="en-US" smtClean="0"/>
               <a:pPr/>
-              <a:t>2020/6/18</a:t>
+              <a:t>2020/6/19</a:t>
             </a:fld>
             <a:endParaRPr kumimoji="1" lang="zh-TW" altLang="en-US" dirty="0"/>
           </a:p>
@@ -29430,7 +29430,7 @@
             <a:fld id="{868F4FC5-FE50-A64D-A7E3-22233A0C6925}" type="datetime1">
               <a:rPr kumimoji="1" lang="zh-TW" altLang="en-US" smtClean="0"/>
               <a:pPr/>
-              <a:t>2020/6/18</a:t>
+              <a:t>2020/6/19</a:t>
             </a:fld>
             <a:endParaRPr kumimoji="1" lang="zh-TW" altLang="en-US" dirty="0"/>
           </a:p>
@@ -29652,7 +29652,7 @@
                   <a:latin typeface="Microsoft JhengHei" panose="020B0604030504040204" pitchFamily="34" charset="-120"/>
                   <a:ea typeface="Microsoft JhengHei" panose="020B0604030504040204" pitchFamily="34" charset="-120"/>
                 </a:rPr>
-                <a:t>手機版首面</a:t>
+                <a:t>手機版頁面</a:t>
               </a:r>
             </a:p>
           </p:txBody>
@@ -29892,7 +29892,7 @@
             <a:fld id="{868F4FC5-FE50-A64D-A7E3-22233A0C6925}" type="datetime1">
               <a:rPr kumimoji="1" lang="zh-TW" altLang="en-US" smtClean="0"/>
               <a:pPr/>
-              <a:t>2020/6/18</a:t>
+              <a:t>2020/6/19</a:t>
             </a:fld>
             <a:endParaRPr kumimoji="1" lang="zh-TW" altLang="en-US" dirty="0"/>
           </a:p>
@@ -30487,7 +30487,7 @@
             <a:fld id="{868F4FC5-FE50-A64D-A7E3-22233A0C6925}" type="datetime1">
               <a:rPr kumimoji="1" lang="zh-TW" altLang="en-US" smtClean="0"/>
               <a:pPr/>
-              <a:t>2020/6/18</a:t>
+              <a:t>2020/6/19</a:t>
             </a:fld>
             <a:endParaRPr kumimoji="1" lang="zh-TW" altLang="en-US" dirty="0"/>
           </a:p>
@@ -31985,7 +31985,7 @@
             <a:fld id="{868F4FC5-FE50-A64D-A7E3-22233A0C6925}" type="datetime1">
               <a:rPr kumimoji="1" lang="zh-TW" altLang="en-US" smtClean="0"/>
               <a:pPr/>
-              <a:t>2020/6/18</a:t>
+              <a:t>2020/6/19</a:t>
             </a:fld>
             <a:endParaRPr kumimoji="1" lang="zh-TW" altLang="en-US" dirty="0"/>
           </a:p>
@@ -32740,7 +32740,7 @@
             <a:fld id="{868F4FC5-FE50-A64D-A7E3-22233A0C6925}" type="datetime1">
               <a:rPr kumimoji="1" lang="zh-TW" altLang="en-US" smtClean="0"/>
               <a:pPr/>
-              <a:t>2020/6/18</a:t>
+              <a:t>2020/6/19</a:t>
             </a:fld>
             <a:endParaRPr kumimoji="1" lang="zh-TW" altLang="en-US" dirty="0"/>
           </a:p>
@@ -33570,7 +33570,7 @@
             <a:fld id="{868F4FC5-FE50-A64D-A7E3-22233A0C6925}" type="datetime1">
               <a:rPr kumimoji="1" lang="zh-TW" altLang="en-US" smtClean="0"/>
               <a:pPr/>
-              <a:t>2020/6/18</a:t>
+              <a:t>2020/6/19</a:t>
             </a:fld>
             <a:endParaRPr kumimoji="1" lang="zh-TW" altLang="en-US" dirty="0"/>
           </a:p>
@@ -34442,7 +34442,7 @@
             <a:fld id="{868F4FC5-FE50-A64D-A7E3-22233A0C6925}" type="datetime1">
               <a:rPr kumimoji="1" lang="zh-TW" altLang="en-US" smtClean="0"/>
               <a:pPr/>
-              <a:t>2020/6/18</a:t>
+              <a:t>2020/6/19</a:t>
             </a:fld>
             <a:endParaRPr kumimoji="1" lang="zh-TW" altLang="en-US" dirty="0"/>
           </a:p>
@@ -35317,7 +35317,7 @@
             <a:fld id="{868F4FC5-FE50-A64D-A7E3-22233A0C6925}" type="datetime1">
               <a:rPr kumimoji="1" lang="zh-TW" altLang="en-US" smtClean="0"/>
               <a:pPr/>
-              <a:t>2020/6/18</a:t>
+              <a:t>2020/6/19</a:t>
             </a:fld>
             <a:endParaRPr kumimoji="1" lang="zh-TW" altLang="en-US" dirty="0"/>
           </a:p>

--- a/報告擋/玉山_題目一_組別二.pptx
+++ b/報告擋/玉山_題目一_組別二.pptx
@@ -254,7 +254,7 @@
           <a:p>
             <a:fld id="{0E2E485A-1DF2-EF4F-9782-8568C33662D6}" type="datetimeFigureOut">
               <a:rPr kumimoji="1" lang="zh-TW" altLang="en-US" smtClean="0"/>
-              <a:t>2020/6/19</a:t>
+              <a:t>2020/6/23</a:t>
             </a:fld>
             <a:endParaRPr kumimoji="1" lang="zh-TW" altLang="en-US"/>
           </a:p>
@@ -431,7 +431,7 @@
           <a:p>
             <a:fld id="{DD4483AA-B877-7C45-B5CE-2B8D690179FA}" type="datetimeFigureOut">
               <a:rPr kumimoji="1" lang="zh-TW" altLang="en-US" smtClean="0"/>
-              <a:t>2020/6/19</a:t>
+              <a:t>2020/6/23</a:t>
             </a:fld>
             <a:endParaRPr kumimoji="1" lang="zh-TW" altLang="en-US"/>
           </a:p>
@@ -1012,7 +1012,7 @@
             <a:fld id="{868F4FC5-FE50-A64D-A7E3-22233A0C6925}" type="datetime1">
               <a:rPr kumimoji="1" lang="zh-TW" altLang="en-US" smtClean="0"/>
               <a:pPr/>
-              <a:t>2020/6/19</a:t>
+              <a:t>2020/6/23</a:t>
             </a:fld>
             <a:endParaRPr kumimoji="1" lang="zh-TW" altLang="en-US" dirty="0"/>
           </a:p>
@@ -1528,7 +1528,7 @@
           <a:p>
             <a:fld id="{FAC3B233-0F11-2949-9778-845E9C940E45}" type="datetime1">
               <a:rPr kumimoji="1" lang="zh-TW" altLang="en-US" smtClean="0"/>
-              <a:t>2020/6/19</a:t>
+              <a:t>2020/6/23</a:t>
             </a:fld>
             <a:endParaRPr kumimoji="1" lang="zh-TW" altLang="en-US"/>
           </a:p>
@@ -1998,7 +1998,7 @@
           <a:p>
             <a:fld id="{B1502A10-1194-924D-B7D1-E321F36876AD}" type="datetime1">
               <a:rPr kumimoji="1" lang="zh-TW" altLang="en-US" smtClean="0"/>
-              <a:t>2020/6/19</a:t>
+              <a:t>2020/6/23</a:t>
             </a:fld>
             <a:endParaRPr kumimoji="1" lang="zh-TW" altLang="en-US"/>
           </a:p>
@@ -2816,7 +2816,7 @@
                   <a:schemeClr val="tx1"/>
                 </a:solidFill>
               </a:rPr>
-              <a:t>2020/6/19</a:t>
+              <a:t>2020/6/23</a:t>
             </a:fld>
             <a:endParaRPr kumimoji="1" lang="zh-TW" altLang="en-US" dirty="0">
               <a:solidFill>
@@ -3253,10 +3253,10 @@
       </p:grpSpPr>
       <p:pic>
         <p:nvPicPr>
-          <p:cNvPr id="6" name="圖片 5">
-            <a:extLst>
-              <a:ext uri="{FF2B5EF4-FFF2-40B4-BE49-F238E27FC236}">
-                <a16:creationId xmlns:a16="http://schemas.microsoft.com/office/drawing/2014/main" id="{0AEE2EB9-43C0-2647-AC1E-7169ABF5E873}"/>
+          <p:cNvPr id="7" name="圖片 6" descr="一張含有 文字, 地圖 的圖片&#10;&#10;自動產生的描述">
+            <a:extLst>
+              <a:ext uri="{FF2B5EF4-FFF2-40B4-BE49-F238E27FC236}">
+                <a16:creationId xmlns:a16="http://schemas.microsoft.com/office/drawing/2014/main" id="{B2121E07-9D9C-FB44-BFDA-89551F8A6414}"/>
               </a:ext>
             </a:extLst>
           </p:cNvPr>
@@ -3273,8 +3273,8 @@
         </p:blipFill>
         <p:spPr>
           <a:xfrm>
-            <a:off x="852564" y="817268"/>
-            <a:ext cx="7041961" cy="5613794"/>
+            <a:off x="594986" y="1227551"/>
+            <a:ext cx="8042451" cy="5109898"/>
           </a:xfrm>
           <a:prstGeom prst="rect">
             <a:avLst/>
@@ -3333,7 +3333,7 @@
           <a:p>
             <a:fld id="{868F4FC5-FE50-A64D-A7E3-22233A0C6925}" type="datetime1">
               <a:rPr kumimoji="1" lang="zh-TW" altLang="en-US" smtClean="0"/>
-              <a:t>2020/6/19</a:t>
+              <a:t>2020/6/23</a:t>
             </a:fld>
             <a:endParaRPr kumimoji="1" lang="zh-TW" altLang="en-US" dirty="0"/>
           </a:p>
@@ -3383,7 +3383,7 @@
         </p:nvSpPr>
         <p:spPr>
           <a:xfrm>
-            <a:off x="1734623" y="1056067"/>
+            <a:off x="1901220" y="1289004"/>
             <a:ext cx="1569660" cy="369332"/>
           </a:xfrm>
           <a:prstGeom prst="rect">
@@ -3431,7 +3431,7 @@
         </p:nvSpPr>
         <p:spPr>
           <a:xfrm>
-            <a:off x="7338426" y="3075230"/>
+            <a:off x="7728228" y="2783276"/>
             <a:ext cx="1415772" cy="584775"/>
           </a:xfrm>
           <a:prstGeom prst="rect">
@@ -3447,7 +3447,7 @@
           <a:p>
             <a:pPr algn="ctr"/>
             <a:r>
-              <a:rPr kumimoji="1" lang="zh-TW" altLang="en-US" sz="1600" b="1">
+              <a:rPr kumimoji="1" lang="zh-TW" altLang="en-US" sz="1600" b="1" dirty="0">
                 <a:solidFill>
                   <a:srgbClr val="4AAC99"/>
                 </a:solidFill>
@@ -3457,7 +3457,7 @@
               <a:t>最新新聞評分</a:t>
             </a:r>
             <a:br>
-              <a:rPr kumimoji="1" lang="en-US" altLang="zh-TW" sz="1600" b="1">
+              <a:rPr kumimoji="1" lang="en-US" altLang="zh-TW" sz="1600" b="1" dirty="0">
                 <a:solidFill>
                   <a:srgbClr val="4AAC99"/>
                 </a:solidFill>
@@ -3466,7 +3466,7 @@
               </a:rPr>
             </a:br>
             <a:r>
-              <a:rPr kumimoji="1" lang="zh-TW" altLang="en-US" sz="1600" b="1">
+              <a:rPr kumimoji="1" lang="zh-TW" altLang="en-US" sz="1600" b="1" dirty="0">
                 <a:solidFill>
                   <a:srgbClr val="4AAC99"/>
                 </a:solidFill>
@@ -3475,13 +3475,6 @@
               </a:rPr>
               <a:t>與漲跌預測</a:t>
             </a:r>
-            <a:endParaRPr kumimoji="1" lang="zh-TW" altLang="en-US" sz="1600" b="1" dirty="0">
-              <a:solidFill>
-                <a:srgbClr val="4AAC99"/>
-              </a:solidFill>
-              <a:latin typeface="Microsoft JhengHei" panose="020B0604030504040204" pitchFamily="34" charset="-120"/>
-              <a:ea typeface="Microsoft JhengHei" panose="020B0604030504040204" pitchFamily="34" charset="-120"/>
-            </a:endParaRPr>
           </a:p>
         </p:txBody>
       </p:sp>
@@ -3499,7 +3492,7 @@
         </p:nvSpPr>
         <p:spPr>
           <a:xfrm>
-            <a:off x="7543611" y="5508551"/>
+            <a:off x="7933412" y="5291895"/>
             <a:ext cx="1005403" cy="338554"/>
           </a:xfrm>
           <a:prstGeom prst="rect">
@@ -3515,7 +3508,7 @@
           <a:p>
             <a:pPr algn="ctr"/>
             <a:r>
-              <a:rPr kumimoji="1" lang="zh-TW" altLang="en-US" sz="1600" b="1">
+              <a:rPr kumimoji="1" lang="zh-TW" altLang="en-US" sz="1600" b="1" dirty="0">
                 <a:solidFill>
                   <a:srgbClr val="4AAC99"/>
                 </a:solidFill>
@@ -3524,13 +3517,6 @@
               </a:rPr>
               <a:t>結果呈現</a:t>
             </a:r>
-            <a:endParaRPr kumimoji="1" lang="zh-TW" altLang="en-US" sz="1600" b="1" dirty="0">
-              <a:solidFill>
-                <a:srgbClr val="4AAC99"/>
-              </a:solidFill>
-              <a:latin typeface="Microsoft JhengHei" panose="020B0604030504040204" pitchFamily="34" charset="-120"/>
-              <a:ea typeface="Microsoft JhengHei" panose="020B0604030504040204" pitchFamily="34" charset="-120"/>
-            </a:endParaRPr>
           </a:p>
         </p:txBody>
       </p:sp>
@@ -3702,7 +3688,7 @@
             <a:fld id="{868F4FC5-FE50-A64D-A7E3-22233A0C6925}" type="datetime1">
               <a:rPr kumimoji="1" lang="zh-TW" altLang="en-US" smtClean="0"/>
               <a:pPr/>
-              <a:t>2020/6/19</a:t>
+              <a:t>2020/6/23</a:t>
             </a:fld>
             <a:endParaRPr kumimoji="1" lang="zh-TW" altLang="en-US" dirty="0"/>
           </a:p>
@@ -4076,7 +4062,7 @@
             <a:fld id="{868F4FC5-FE50-A64D-A7E3-22233A0C6925}" type="datetime1">
               <a:rPr kumimoji="1" lang="zh-TW" altLang="en-US" smtClean="0"/>
               <a:pPr/>
-              <a:t>2020/6/19</a:t>
+              <a:t>2020/6/23</a:t>
             </a:fld>
             <a:endParaRPr kumimoji="1" lang="zh-TW" altLang="en-US" dirty="0"/>
           </a:p>
@@ -4835,7 +4821,7 @@
             <a:fld id="{868F4FC5-FE50-A64D-A7E3-22233A0C6925}" type="datetime1">
               <a:rPr kumimoji="1" lang="zh-TW" altLang="en-US" smtClean="0"/>
               <a:pPr/>
-              <a:t>2020/6/19</a:t>
+              <a:t>2020/6/23</a:t>
             </a:fld>
             <a:endParaRPr kumimoji="1" lang="zh-TW" altLang="en-US" dirty="0"/>
           </a:p>
@@ -5199,7 +5185,7 @@
             <a:fld id="{868F4FC5-FE50-A64D-A7E3-22233A0C6925}" type="datetime1">
               <a:rPr kumimoji="1" lang="zh-TW" altLang="en-US" smtClean="0"/>
               <a:pPr/>
-              <a:t>2020/6/19</a:t>
+              <a:t>2020/6/23</a:t>
             </a:fld>
             <a:endParaRPr kumimoji="1" lang="zh-TW" altLang="en-US" dirty="0"/>
           </a:p>
@@ -6081,7 +6067,7 @@
             <a:fld id="{868F4FC5-FE50-A64D-A7E3-22233A0C6925}" type="datetime1">
               <a:rPr kumimoji="1" lang="zh-TW" altLang="en-US" smtClean="0"/>
               <a:pPr/>
-              <a:t>2020/6/19</a:t>
+              <a:t>2020/6/23</a:t>
             </a:fld>
             <a:endParaRPr kumimoji="1" lang="zh-TW" altLang="en-US" dirty="0"/>
           </a:p>
@@ -7175,7 +7161,7 @@
             <a:fld id="{868F4FC5-FE50-A64D-A7E3-22233A0C6925}" type="datetime1">
               <a:rPr kumimoji="1" lang="zh-TW" altLang="en-US" smtClean="0"/>
               <a:pPr/>
-              <a:t>2020/6/19</a:t>
+              <a:t>2020/6/23</a:t>
             </a:fld>
             <a:endParaRPr kumimoji="1" lang="zh-TW" altLang="en-US" dirty="0"/>
           </a:p>
@@ -7751,7 +7737,7 @@
             <a:fld id="{868F4FC5-FE50-A64D-A7E3-22233A0C6925}" type="datetime1">
               <a:rPr kumimoji="1" lang="zh-TW" altLang="en-US" smtClean="0"/>
               <a:pPr/>
-              <a:t>2020/6/19</a:t>
+              <a:t>2020/6/23</a:t>
             </a:fld>
             <a:endParaRPr kumimoji="1" lang="zh-TW" altLang="en-US" dirty="0"/>
           </a:p>
@@ -8717,7 +8703,7 @@
             <a:fld id="{868F4FC5-FE50-A64D-A7E3-22233A0C6925}" type="datetime1">
               <a:rPr kumimoji="1" lang="zh-TW" altLang="en-US" smtClean="0"/>
               <a:pPr/>
-              <a:t>2020/6/19</a:t>
+              <a:t>2020/6/23</a:t>
             </a:fld>
             <a:endParaRPr kumimoji="1" lang="zh-TW" altLang="en-US" dirty="0"/>
           </a:p>
@@ -9288,7 +9274,7 @@
             <a:fld id="{868F4FC5-FE50-A64D-A7E3-22233A0C6925}" type="datetime1">
               <a:rPr kumimoji="1" lang="zh-TW" altLang="en-US" smtClean="0"/>
               <a:pPr/>
-              <a:t>2020/6/19</a:t>
+              <a:t>2020/6/23</a:t>
             </a:fld>
             <a:endParaRPr kumimoji="1" lang="zh-TW" altLang="en-US" dirty="0"/>
           </a:p>
@@ -10488,7 +10474,7 @@
             <a:fld id="{868F4FC5-FE50-A64D-A7E3-22233A0C6925}" type="datetime1">
               <a:rPr kumimoji="1" lang="zh-TW" altLang="en-US" smtClean="0"/>
               <a:pPr/>
-              <a:t>2020/6/19</a:t>
+              <a:t>2020/6/23</a:t>
             </a:fld>
             <a:endParaRPr kumimoji="1" lang="zh-TW" altLang="en-US" dirty="0"/>
           </a:p>
@@ -11047,7 +11033,7 @@
             <a:fld id="{868F4FC5-FE50-A64D-A7E3-22233A0C6925}" type="datetime1">
               <a:rPr kumimoji="1" lang="zh-TW" altLang="en-US" smtClean="0"/>
               <a:pPr/>
-              <a:t>2020/6/19</a:t>
+              <a:t>2020/6/23</a:t>
             </a:fld>
             <a:endParaRPr kumimoji="1" lang="zh-TW" altLang="en-US" dirty="0"/>
           </a:p>
@@ -11246,7 +11232,7 @@
             <a:fld id="{868F4FC5-FE50-A64D-A7E3-22233A0C6925}" type="datetime1">
               <a:rPr kumimoji="1" lang="zh-TW" altLang="en-US" smtClean="0"/>
               <a:pPr/>
-              <a:t>2020/6/19</a:t>
+              <a:t>2020/6/23</a:t>
             </a:fld>
             <a:endParaRPr kumimoji="1" lang="zh-TW" altLang="en-US" dirty="0"/>
           </a:p>
@@ -12732,7 +12718,7 @@
             <a:fld id="{868F4FC5-FE50-A64D-A7E3-22233A0C6925}" type="datetime1">
               <a:rPr kumimoji="1" lang="zh-TW" altLang="en-US" smtClean="0"/>
               <a:pPr/>
-              <a:t>2020/6/19</a:t>
+              <a:t>2020/6/23</a:t>
             </a:fld>
             <a:endParaRPr kumimoji="1" lang="zh-TW" altLang="en-US" dirty="0"/>
           </a:p>
@@ -13918,7 +13904,7 @@
             <a:fld id="{868F4FC5-FE50-A64D-A7E3-22233A0C6925}" type="datetime1">
               <a:rPr kumimoji="1" lang="zh-TW" altLang="en-US" smtClean="0"/>
               <a:pPr/>
-              <a:t>2020/6/19</a:t>
+              <a:t>2020/6/23</a:t>
             </a:fld>
             <a:endParaRPr kumimoji="1" lang="zh-TW" altLang="en-US" dirty="0"/>
           </a:p>
@@ -14749,7 +14735,7 @@
             <a:fld id="{868F4FC5-FE50-A64D-A7E3-22233A0C6925}" type="datetime1">
               <a:rPr kumimoji="1" lang="zh-TW" altLang="en-US" smtClean="0"/>
               <a:pPr/>
-              <a:t>2020/6/19</a:t>
+              <a:t>2020/6/23</a:t>
             </a:fld>
             <a:endParaRPr kumimoji="1" lang="zh-TW" altLang="en-US" dirty="0"/>
           </a:p>
@@ -15310,7 +15296,7 @@
             <a:fld id="{868F4FC5-FE50-A64D-A7E3-22233A0C6925}" type="datetime1">
               <a:rPr kumimoji="1" lang="zh-TW" altLang="en-US" smtClean="0"/>
               <a:pPr/>
-              <a:t>2020/6/19</a:t>
+              <a:t>2020/6/23</a:t>
             </a:fld>
             <a:endParaRPr kumimoji="1" lang="zh-TW" altLang="en-US" dirty="0"/>
           </a:p>
@@ -15509,7 +15495,7 @@
             <a:fld id="{868F4FC5-FE50-A64D-A7E3-22233A0C6925}" type="datetime1">
               <a:rPr kumimoji="1" lang="zh-TW" altLang="en-US" smtClean="0"/>
               <a:pPr/>
-              <a:t>2020/6/19</a:t>
+              <a:t>2020/6/23</a:t>
             </a:fld>
             <a:endParaRPr kumimoji="1" lang="zh-TW" altLang="en-US" dirty="0"/>
           </a:p>
@@ -19331,7 +19317,7 @@
             <a:fld id="{868F4FC5-FE50-A64D-A7E3-22233A0C6925}" type="datetime1">
               <a:rPr kumimoji="1" lang="zh-TW" altLang="en-US" smtClean="0"/>
               <a:pPr/>
-              <a:t>2020/6/19</a:t>
+              <a:t>2020/6/23</a:t>
             </a:fld>
             <a:endParaRPr kumimoji="1" lang="zh-TW" altLang="en-US" dirty="0"/>
           </a:p>
@@ -20567,7 +20553,7 @@
             <a:fld id="{868F4FC5-FE50-A64D-A7E3-22233A0C6925}" type="datetime1">
               <a:rPr kumimoji="1" lang="zh-TW" altLang="en-US" smtClean="0"/>
               <a:pPr/>
-              <a:t>2020/6/19</a:t>
+              <a:t>2020/6/23</a:t>
             </a:fld>
             <a:endParaRPr kumimoji="1" lang="zh-TW" altLang="en-US" dirty="0"/>
           </a:p>
@@ -21565,7 +21551,7 @@
             <a:fld id="{868F4FC5-FE50-A64D-A7E3-22233A0C6925}" type="datetime1">
               <a:rPr kumimoji="1" lang="zh-TW" altLang="en-US" smtClean="0"/>
               <a:pPr/>
-              <a:t>2020/6/19</a:t>
+              <a:t>2020/6/23</a:t>
             </a:fld>
             <a:endParaRPr kumimoji="1" lang="zh-TW" altLang="en-US" dirty="0"/>
           </a:p>
@@ -23480,7 +23466,7 @@
             <a:fld id="{868F4FC5-FE50-A64D-A7E3-22233A0C6925}" type="datetime1">
               <a:rPr kumimoji="1" lang="zh-TW" altLang="en-US" smtClean="0"/>
               <a:pPr/>
-              <a:t>2020/6/19</a:t>
+              <a:t>2020/6/23</a:t>
             </a:fld>
             <a:endParaRPr kumimoji="1" lang="zh-TW" altLang="en-US" dirty="0"/>
           </a:p>
@@ -24311,7 +24297,7 @@
             <a:fld id="{868F4FC5-FE50-A64D-A7E3-22233A0C6925}" type="datetime1">
               <a:rPr kumimoji="1" lang="zh-TW" altLang="en-US" smtClean="0"/>
               <a:pPr/>
-              <a:t>2020/6/19</a:t>
+              <a:t>2020/6/23</a:t>
             </a:fld>
             <a:endParaRPr kumimoji="1" lang="zh-TW" altLang="en-US" dirty="0"/>
           </a:p>
@@ -25523,7 +25509,7 @@
             <a:fld id="{868F4FC5-FE50-A64D-A7E3-22233A0C6925}" type="datetime1">
               <a:rPr kumimoji="1" lang="zh-TW" altLang="en-US" smtClean="0"/>
               <a:pPr/>
-              <a:t>2020/6/19</a:t>
+              <a:t>2020/6/23</a:t>
             </a:fld>
             <a:endParaRPr kumimoji="1" lang="zh-TW" altLang="en-US" dirty="0"/>
           </a:p>
@@ -25863,7 +25849,7 @@
             <a:fld id="{868F4FC5-FE50-A64D-A7E3-22233A0C6925}" type="datetime1">
               <a:rPr kumimoji="1" lang="zh-TW" altLang="en-US" smtClean="0"/>
               <a:pPr/>
-              <a:t>2020/6/19</a:t>
+              <a:t>2020/6/23</a:t>
             </a:fld>
             <a:endParaRPr kumimoji="1" lang="zh-TW" altLang="en-US" dirty="0"/>
           </a:p>
@@ -26538,7 +26524,7 @@
             <a:fld id="{868F4FC5-FE50-A64D-A7E3-22233A0C6925}" type="datetime1">
               <a:rPr kumimoji="1" lang="zh-TW" altLang="en-US" smtClean="0"/>
               <a:pPr/>
-              <a:t>2020/6/19</a:t>
+              <a:t>2020/6/23</a:t>
             </a:fld>
             <a:endParaRPr kumimoji="1" lang="zh-TW" altLang="en-US" dirty="0"/>
           </a:p>
@@ -27585,7 +27571,7 @@
             <a:fld id="{868F4FC5-FE50-A64D-A7E3-22233A0C6925}" type="datetime1">
               <a:rPr kumimoji="1" lang="zh-TW" altLang="en-US" smtClean="0"/>
               <a:pPr/>
-              <a:t>2020/6/19</a:t>
+              <a:t>2020/6/23</a:t>
             </a:fld>
             <a:endParaRPr kumimoji="1" lang="zh-TW" altLang="en-US" dirty="0"/>
           </a:p>
@@ -27997,8 +27983,8 @@
         </p:nvSpPr>
         <p:spPr>
           <a:xfrm>
-            <a:off x="472539" y="3955922"/>
-            <a:ext cx="8134350" cy="1754326"/>
+            <a:off x="472539" y="4141512"/>
+            <a:ext cx="8134350" cy="923330"/>
           </a:xfrm>
           <a:prstGeom prst="rect">
             <a:avLst/>
@@ -28041,29 +28027,6 @@
               <a:ea typeface="Microsoft JhengHei" panose="020B0604030504040204" pitchFamily="34" charset="-120"/>
             </a:endParaRPr>
           </a:p>
-          <a:p>
-            <a:pPr marL="285744" indent="-285744">
-              <a:buFont typeface="Arial" panose="020B0604020202020204" pitchFamily="34" charset="0"/>
-              <a:buChar char="•"/>
-            </a:pPr>
-            <a:endParaRPr kumimoji="1" lang="en-US" altLang="zh-CN" dirty="0">
-              <a:latin typeface="Microsoft JhengHei" panose="020B0604030504040204" pitchFamily="34" charset="-120"/>
-              <a:ea typeface="Microsoft JhengHei" panose="020B0604030504040204" pitchFamily="34" charset="-120"/>
-            </a:endParaRPr>
-          </a:p>
-          <a:p>
-            <a:pPr marL="285744" indent="-285744">
-              <a:buFont typeface="Arial" panose="020B0604020202020204" pitchFamily="34" charset="0"/>
-              <a:buChar char="•"/>
-            </a:pPr>
-            <a:r>
-              <a:rPr kumimoji="1" lang="zh-TW" altLang="en-US" dirty="0">
-                <a:latin typeface="Microsoft JhengHei" panose="020B0604030504040204" pitchFamily="34" charset="-120"/>
-                <a:ea typeface="Microsoft JhengHei" panose="020B0604030504040204" pitchFamily="34" charset="-120"/>
-              </a:rPr>
-              <a:t>不重要的新聞事件數占資料絕大部分，而這些新聞對股價影響力不大，卻又大量使用這些資料做機器學習，將評分絕對值高的事件的影響力給稀釋掉</a:t>
-            </a:r>
-          </a:p>
         </p:txBody>
       </p:sp>
       <p:sp>
@@ -28081,7 +28044,7 @@
         <p:spPr>
           <a:xfrm>
             <a:off x="472539" y="3685632"/>
-            <a:ext cx="8134350" cy="2161072"/>
+            <a:ext cx="8134350" cy="1619122"/>
           </a:xfrm>
           <a:prstGeom prst="rect">
             <a:avLst/>
@@ -28249,7 +28212,7 @@
             <a:fld id="{868F4FC5-FE50-A64D-A7E3-22233A0C6925}" type="datetime1">
               <a:rPr kumimoji="1" lang="zh-TW" altLang="en-US" smtClean="0"/>
               <a:pPr/>
-              <a:t>2020/6/19</a:t>
+              <a:t>2020/6/23</a:t>
             </a:fld>
             <a:endParaRPr kumimoji="1" lang="zh-TW" altLang="en-US" dirty="0"/>
           </a:p>
@@ -29430,7 +29393,7 @@
             <a:fld id="{868F4FC5-FE50-A64D-A7E3-22233A0C6925}" type="datetime1">
               <a:rPr kumimoji="1" lang="zh-TW" altLang="en-US" smtClean="0"/>
               <a:pPr/>
-              <a:t>2020/6/19</a:t>
+              <a:t>2020/6/23</a:t>
             </a:fld>
             <a:endParaRPr kumimoji="1" lang="zh-TW" altLang="en-US" dirty="0"/>
           </a:p>
@@ -29892,7 +29855,7 @@
             <a:fld id="{868F4FC5-FE50-A64D-A7E3-22233A0C6925}" type="datetime1">
               <a:rPr kumimoji="1" lang="zh-TW" altLang="en-US" smtClean="0"/>
               <a:pPr/>
-              <a:t>2020/6/19</a:t>
+              <a:t>2020/6/23</a:t>
             </a:fld>
             <a:endParaRPr kumimoji="1" lang="zh-TW" altLang="en-US" dirty="0"/>
           </a:p>
@@ -30487,7 +30450,7 @@
             <a:fld id="{868F4FC5-FE50-A64D-A7E3-22233A0C6925}" type="datetime1">
               <a:rPr kumimoji="1" lang="zh-TW" altLang="en-US" smtClean="0"/>
               <a:pPr/>
-              <a:t>2020/6/19</a:t>
+              <a:t>2020/6/23</a:t>
             </a:fld>
             <a:endParaRPr kumimoji="1" lang="zh-TW" altLang="en-US" dirty="0"/>
           </a:p>
@@ -31985,7 +31948,7 @@
             <a:fld id="{868F4FC5-FE50-A64D-A7E3-22233A0C6925}" type="datetime1">
               <a:rPr kumimoji="1" lang="zh-TW" altLang="en-US" smtClean="0"/>
               <a:pPr/>
-              <a:t>2020/6/19</a:t>
+              <a:t>2020/6/23</a:t>
             </a:fld>
             <a:endParaRPr kumimoji="1" lang="zh-TW" altLang="en-US" dirty="0"/>
           </a:p>
@@ -32740,7 +32703,7 @@
             <a:fld id="{868F4FC5-FE50-A64D-A7E3-22233A0C6925}" type="datetime1">
               <a:rPr kumimoji="1" lang="zh-TW" altLang="en-US" smtClean="0"/>
               <a:pPr/>
-              <a:t>2020/6/19</a:t>
+              <a:t>2020/6/23</a:t>
             </a:fld>
             <a:endParaRPr kumimoji="1" lang="zh-TW" altLang="en-US" dirty="0"/>
           </a:p>
@@ -33570,7 +33533,7 @@
             <a:fld id="{868F4FC5-FE50-A64D-A7E3-22233A0C6925}" type="datetime1">
               <a:rPr kumimoji="1" lang="zh-TW" altLang="en-US" smtClean="0"/>
               <a:pPr/>
-              <a:t>2020/6/19</a:t>
+              <a:t>2020/6/23</a:t>
             </a:fld>
             <a:endParaRPr kumimoji="1" lang="zh-TW" altLang="en-US" dirty="0"/>
           </a:p>
@@ -34442,7 +34405,7 @@
             <a:fld id="{868F4FC5-FE50-A64D-A7E3-22233A0C6925}" type="datetime1">
               <a:rPr kumimoji="1" lang="zh-TW" altLang="en-US" smtClean="0"/>
               <a:pPr/>
-              <a:t>2020/6/19</a:t>
+              <a:t>2020/6/23</a:t>
             </a:fld>
             <a:endParaRPr kumimoji="1" lang="zh-TW" altLang="en-US" dirty="0"/>
           </a:p>
@@ -35317,7 +35280,7 @@
             <a:fld id="{868F4FC5-FE50-A64D-A7E3-22233A0C6925}" type="datetime1">
               <a:rPr kumimoji="1" lang="zh-TW" altLang="en-US" smtClean="0"/>
               <a:pPr/>
-              <a:t>2020/6/19</a:t>
+              <a:t>2020/6/23</a:t>
             </a:fld>
             <a:endParaRPr kumimoji="1" lang="zh-TW" altLang="en-US" dirty="0"/>
           </a:p>

--- a/報告擋/玉山_題目一_組別二.pptx
+++ b/報告擋/玉山_題目一_組別二.pptx
@@ -5,10 +5,10 @@
     <p:sldMasterId id="2147483684" r:id="rId1"/>
   </p:sldMasterIdLst>
   <p:notesMasterIdLst>
-    <p:notesMasterId r:id="rId42"/>
+    <p:notesMasterId r:id="rId45"/>
   </p:notesMasterIdLst>
   <p:handoutMasterIdLst>
-    <p:handoutMasterId r:id="rId43"/>
+    <p:handoutMasterId r:id="rId46"/>
   </p:handoutMasterIdLst>
   <p:sldIdLst>
     <p:sldId id="257" r:id="rId2"/>
@@ -30,27 +30,30 @@
     <p:sldId id="441" r:id="rId18"/>
     <p:sldId id="460" r:id="rId19"/>
     <p:sldId id="461" r:id="rId20"/>
-    <p:sldId id="448" r:id="rId21"/>
-    <p:sldId id="464" r:id="rId22"/>
-    <p:sldId id="465" r:id="rId23"/>
-    <p:sldId id="466" r:id="rId24"/>
-    <p:sldId id="476" r:id="rId25"/>
-    <p:sldId id="469" r:id="rId26"/>
-    <p:sldId id="470" r:id="rId27"/>
-    <p:sldId id="468" r:id="rId28"/>
-    <p:sldId id="471" r:id="rId29"/>
-    <p:sldId id="467" r:id="rId30"/>
-    <p:sldId id="472" r:id="rId31"/>
-    <p:sldId id="444" r:id="rId32"/>
-    <p:sldId id="445" r:id="rId33"/>
-    <p:sldId id="446" r:id="rId34"/>
-    <p:sldId id="450" r:id="rId35"/>
-    <p:sldId id="453" r:id="rId36"/>
-    <p:sldId id="454" r:id="rId37"/>
-    <p:sldId id="452" r:id="rId38"/>
-    <p:sldId id="477" r:id="rId39"/>
-    <p:sldId id="462" r:id="rId40"/>
-    <p:sldId id="463" r:id="rId41"/>
+    <p:sldId id="478" r:id="rId21"/>
+    <p:sldId id="448" r:id="rId22"/>
+    <p:sldId id="464" r:id="rId23"/>
+    <p:sldId id="465" r:id="rId24"/>
+    <p:sldId id="466" r:id="rId25"/>
+    <p:sldId id="476" r:id="rId26"/>
+    <p:sldId id="469" r:id="rId27"/>
+    <p:sldId id="470" r:id="rId28"/>
+    <p:sldId id="468" r:id="rId29"/>
+    <p:sldId id="471" r:id="rId30"/>
+    <p:sldId id="467" r:id="rId31"/>
+    <p:sldId id="472" r:id="rId32"/>
+    <p:sldId id="444" r:id="rId33"/>
+    <p:sldId id="445" r:id="rId34"/>
+    <p:sldId id="446" r:id="rId35"/>
+    <p:sldId id="450" r:id="rId36"/>
+    <p:sldId id="453" r:id="rId37"/>
+    <p:sldId id="454" r:id="rId38"/>
+    <p:sldId id="452" r:id="rId39"/>
+    <p:sldId id="477" r:id="rId40"/>
+    <p:sldId id="479" r:id="rId41"/>
+    <p:sldId id="462" r:id="rId42"/>
+    <p:sldId id="480" r:id="rId43"/>
+    <p:sldId id="463" r:id="rId44"/>
   </p:sldIdLst>
   <p:sldSz cx="9144000" cy="6858000" type="screen4x3"/>
   <p:notesSz cx="6858000" cy="9144000"/>
@@ -3253,10 +3256,10 @@
       </p:grpSpPr>
       <p:pic>
         <p:nvPicPr>
-          <p:cNvPr id="7" name="圖片 6" descr="一張含有 文字, 地圖 的圖片&#10;&#10;自動產生的描述">
-            <a:extLst>
-              <a:ext uri="{FF2B5EF4-FFF2-40B4-BE49-F238E27FC236}">
-                <a16:creationId xmlns:a16="http://schemas.microsoft.com/office/drawing/2014/main" id="{B2121E07-9D9C-FB44-BFDA-89551F8A6414}"/>
+          <p:cNvPr id="6" name="圖片 5" descr="一張含有 文字, 地圖 的圖片&#10;&#10;自動產生的描述">
+            <a:extLst>
+              <a:ext uri="{FF2B5EF4-FFF2-40B4-BE49-F238E27FC236}">
+                <a16:creationId xmlns:a16="http://schemas.microsoft.com/office/drawing/2014/main" id="{F7CA2A8F-0F07-CD49-9C91-3CE057F06EE0}"/>
               </a:ext>
             </a:extLst>
           </p:cNvPr>
@@ -3273,8 +3276,8 @@
         </p:blipFill>
         <p:spPr>
           <a:xfrm>
-            <a:off x="594986" y="1227551"/>
-            <a:ext cx="8042451" cy="5109898"/>
+            <a:off x="465844" y="1119627"/>
+            <a:ext cx="8212311" cy="5217822"/>
           </a:xfrm>
           <a:prstGeom prst="rect">
             <a:avLst/>
@@ -3431,7 +3434,7 @@
         </p:nvSpPr>
         <p:spPr>
           <a:xfrm>
-            <a:off x="7728228" y="2783276"/>
+            <a:off x="7807464" y="2851375"/>
             <a:ext cx="1415772" cy="584775"/>
           </a:xfrm>
           <a:prstGeom prst="rect">
@@ -8649,6 +8652,181 @@
           </a:p>
         </p:txBody>
       </p:sp>
+      <p:sp>
+        <p:nvSpPr>
+          <p:cNvPr id="17" name="íṥļîḋe">
+            <a:extLst>
+              <a:ext uri="{FF2B5EF4-FFF2-40B4-BE49-F238E27FC236}">
+                <a16:creationId xmlns:a16="http://schemas.microsoft.com/office/drawing/2014/main" id="{B28CCA54-E89F-EC48-874C-A2CF63165892}"/>
+              </a:ext>
+            </a:extLst>
+          </p:cNvPr>
+          <p:cNvSpPr txBox="1"/>
+          <p:nvPr/>
+        </p:nvSpPr>
+        <p:spPr>
+          <a:xfrm>
+            <a:off x="2119938" y="5444481"/>
+            <a:ext cx="377747" cy="346249"/>
+          </a:xfrm>
+          <a:prstGeom prst="rect">
+            <a:avLst/>
+          </a:prstGeom>
+          <a:noFill/>
+        </p:spPr>
+        <p:txBody>
+          <a:bodyPr wrap="none" anchor="ctr">
+            <a:noAutofit/>
+          </a:bodyPr>
+          <a:lstStyle/>
+          <a:p>
+            <a:pPr algn="ctr"/>
+            <a:r>
+              <a:rPr lang="en-US" altLang="zh-CN" sz="4000" dirty="0">
+                <a:latin typeface="Microsoft JhengHei" panose="020B0604030504040204" pitchFamily="34" charset="-120"/>
+                <a:ea typeface="Microsoft JhengHei" panose="020B0604030504040204" pitchFamily="34" charset="-120"/>
+              </a:rPr>
+              <a:t>05</a:t>
+            </a:r>
+          </a:p>
+        </p:txBody>
+      </p:sp>
+      <p:sp>
+        <p:nvSpPr>
+          <p:cNvPr id="18" name="íśľíḓé">
+            <a:extLst>
+              <a:ext uri="{FF2B5EF4-FFF2-40B4-BE49-F238E27FC236}">
+                <a16:creationId xmlns:a16="http://schemas.microsoft.com/office/drawing/2014/main" id="{BAF1A3E0-4740-1A48-9958-9B390A1DBFCD}"/>
+              </a:ext>
+            </a:extLst>
+          </p:cNvPr>
+          <p:cNvSpPr txBox="1"/>
+          <p:nvPr/>
+        </p:nvSpPr>
+        <p:spPr bwMode="auto">
+          <a:xfrm>
+            <a:off x="3352801" y="5330696"/>
+            <a:ext cx="2623700" cy="490329"/>
+          </a:xfrm>
+          <a:prstGeom prst="rect">
+            <a:avLst/>
+          </a:prstGeom>
+          <a:noFill/>
+          <a:ln>
+            <a:noFill/>
+          </a:ln>
+          <a:extLst>
+            <a:ext uri="{909E8E84-426E-40DD-AFC4-6F175D3DCCD1}">
+              <a14:hiddenFill xmlns:a14="http://schemas.microsoft.com/office/drawing/2010/main">
+                <a:solidFill>
+                  <a:srgbClr val="FFFFFF"/>
+                </a:solidFill>
+              </a14:hiddenFill>
+            </a:ext>
+            <a:ext uri="{91240B29-F687-4F45-9708-019B960494DF}">
+              <a14:hiddenLine xmlns:a14="http://schemas.microsoft.com/office/drawing/2010/main" w="9525">
+                <a:solidFill>
+                  <a:srgbClr val="000000"/>
+                </a:solidFill>
+                <a:miter lim="800000"/>
+                <a:headEnd/>
+                <a:tailEnd/>
+              </a14:hiddenLine>
+            </a:ext>
+          </a:extLst>
+        </p:spPr>
+        <p:txBody>
+          <a:bodyPr wrap="none" lIns="67500" tIns="35100" rIns="67500" bIns="35100" anchor="b" anchorCtr="0">
+            <a:normAutofit lnSpcReduction="10000"/>
+          </a:bodyPr>
+          <a:lstStyle>
+            <a:defPPr>
+              <a:defRPr lang="zh-CN"/>
+            </a:defPPr>
+            <a:lvl1pPr marL="0" algn="l" defTabSz="914377" rtl="0" eaLnBrk="1" latinLnBrk="0" hangingPunct="1">
+              <a:defRPr sz="1800" kern="1200">
+                <a:solidFill>
+                  <a:schemeClr val="tx1"/>
+                </a:solidFill>
+              </a:defRPr>
+            </a:lvl1pPr>
+            <a:lvl2pPr marL="457189" algn="l" defTabSz="914377" rtl="0" eaLnBrk="1" latinLnBrk="0" hangingPunct="1">
+              <a:defRPr sz="1800" kern="1200">
+                <a:solidFill>
+                  <a:schemeClr val="tx1"/>
+                </a:solidFill>
+              </a:defRPr>
+            </a:lvl2pPr>
+            <a:lvl3pPr marL="914377" algn="l" defTabSz="914377" rtl="0" eaLnBrk="1" latinLnBrk="0" hangingPunct="1">
+              <a:defRPr sz="1800" kern="1200">
+                <a:solidFill>
+                  <a:schemeClr val="tx1"/>
+                </a:solidFill>
+              </a:defRPr>
+            </a:lvl3pPr>
+            <a:lvl4pPr marL="1371566" algn="l" defTabSz="914377" rtl="0" eaLnBrk="1" latinLnBrk="0" hangingPunct="1">
+              <a:defRPr sz="1800" kern="1200">
+                <a:solidFill>
+                  <a:schemeClr val="tx1"/>
+                </a:solidFill>
+              </a:defRPr>
+            </a:lvl4pPr>
+            <a:lvl5pPr marL="1828754" algn="l" defTabSz="914377" rtl="0" eaLnBrk="1" latinLnBrk="0" hangingPunct="1">
+              <a:defRPr sz="1800" kern="1200">
+                <a:solidFill>
+                  <a:schemeClr val="tx1"/>
+                </a:solidFill>
+              </a:defRPr>
+            </a:lvl5pPr>
+            <a:lvl6pPr marL="2285943" algn="l" defTabSz="914377" rtl="0" eaLnBrk="1" latinLnBrk="0" hangingPunct="1">
+              <a:defRPr sz="1800" kern="1200">
+                <a:solidFill>
+                  <a:schemeClr val="tx1"/>
+                </a:solidFill>
+              </a:defRPr>
+            </a:lvl6pPr>
+            <a:lvl7pPr marL="2743131" algn="l" defTabSz="914377" rtl="0" eaLnBrk="1" latinLnBrk="0" hangingPunct="1">
+              <a:defRPr sz="1800" kern="1200">
+                <a:solidFill>
+                  <a:schemeClr val="tx1"/>
+                </a:solidFill>
+              </a:defRPr>
+            </a:lvl7pPr>
+            <a:lvl8pPr marL="3200320" algn="l" defTabSz="914377" rtl="0" eaLnBrk="1" latinLnBrk="0" hangingPunct="1">
+              <a:defRPr sz="1800" kern="1200">
+                <a:solidFill>
+                  <a:schemeClr val="tx1"/>
+                </a:solidFill>
+              </a:defRPr>
+            </a:lvl8pPr>
+            <a:lvl9pPr marL="3657509" algn="l" defTabSz="914377" rtl="0" eaLnBrk="1" latinLnBrk="0" hangingPunct="1">
+              <a:defRPr sz="1800" kern="1200">
+                <a:solidFill>
+                  <a:schemeClr val="tx1"/>
+                </a:solidFill>
+              </a:defRPr>
+            </a:lvl9pPr>
+          </a:lstStyle>
+          <a:p>
+            <a:pPr>
+              <a:spcBef>
+                <a:spcPct val="0"/>
+              </a:spcBef>
+            </a:pPr>
+            <a:r>
+              <a:rPr lang="zh-CN" altLang="en-US" sz="2800" b="1" dirty="0">
+                <a:latin typeface="微軟正黑體" panose="020B0604030504040204" pitchFamily="34" charset="-120"/>
+                <a:ea typeface="微軟正黑體" panose="020B0604030504040204" pitchFamily="34" charset="-120"/>
+              </a:rPr>
+              <a:t>結論與小組分工</a:t>
+            </a:r>
+            <a:endParaRPr lang="en-US" altLang="zh-CN" sz="2800" b="1" dirty="0">
+              <a:latin typeface="微軟正黑體" panose="020B0604030504040204" pitchFamily="34" charset="-120"/>
+              <a:ea typeface="微軟正黑體" panose="020B0604030504040204" pitchFamily="34" charset="-120"/>
+            </a:endParaRPr>
+          </a:p>
+        </p:txBody>
+      </p:sp>
     </p:spTree>
     <p:extLst>
       <p:ext uri="{BB962C8B-B14F-4D97-AF65-F5344CB8AC3E}">
@@ -8734,6 +8912,468 @@
               <a:rPr kumimoji="1" lang="zh-TW" altLang="en-US" smtClean="0"/>
               <a:pPr/>
               <a:t>20</a:t>
+            </a:fld>
+            <a:endParaRPr kumimoji="1" lang="zh-TW" altLang="en-US" dirty="0"/>
+          </a:p>
+        </p:txBody>
+      </p:sp>
+      <p:sp>
+        <p:nvSpPr>
+          <p:cNvPr id="6" name="文字方塊 5">
+            <a:extLst>
+              <a:ext uri="{FF2B5EF4-FFF2-40B4-BE49-F238E27FC236}">
+                <a16:creationId xmlns:a16="http://schemas.microsoft.com/office/drawing/2014/main" id="{7D94E14C-36FB-B04C-B208-1F65084F5707}"/>
+              </a:ext>
+            </a:extLst>
+          </p:cNvPr>
+          <p:cNvSpPr txBox="1"/>
+          <p:nvPr/>
+        </p:nvSpPr>
+        <p:spPr>
+          <a:xfrm>
+            <a:off x="6243119" y="120951"/>
+            <a:ext cx="2646879" cy="338554"/>
+          </a:xfrm>
+          <a:prstGeom prst="rect">
+            <a:avLst/>
+          </a:prstGeom>
+          <a:noFill/>
+        </p:spPr>
+        <p:txBody>
+          <a:bodyPr wrap="none" rtlCol="0">
+            <a:spAutoFit/>
+          </a:bodyPr>
+          <a:lstStyle/>
+          <a:p>
+            <a:pPr algn="r"/>
+            <a:r>
+              <a:rPr lang="zh-CN" altLang="en-US" sz="1600" dirty="0">
+                <a:solidFill>
+                  <a:schemeClr val="tx1">
+                    <a:lumMod val="65000"/>
+                    <a:lumOff val="35000"/>
+                  </a:schemeClr>
+                </a:solidFill>
+                <a:latin typeface="Microsoft JhengHei" panose="020B0604030504040204" pitchFamily="34" charset="-120"/>
+                <a:ea typeface="Microsoft JhengHei" panose="020B0604030504040204" pitchFamily="34" charset="-120"/>
+              </a:rPr>
+              <a:t>爬蟲</a:t>
+            </a:r>
+            <a:r>
+              <a:rPr kumimoji="1" lang="zh-CN" altLang="en-US" sz="1600" dirty="0">
+                <a:solidFill>
+                  <a:schemeClr val="tx1">
+                    <a:lumMod val="65000"/>
+                    <a:lumOff val="35000"/>
+                  </a:schemeClr>
+                </a:solidFill>
+                <a:latin typeface="微軟正黑體" pitchFamily="34" charset="-120"/>
+                <a:ea typeface="微軟正黑體" pitchFamily="34" charset="-120"/>
+                <a:cs typeface="BiauKai"/>
+              </a:rPr>
+              <a:t>｜</a:t>
+            </a:r>
+            <a:r>
+              <a:rPr lang="zh-CN" altLang="en-US" sz="1600" b="1" dirty="0">
+                <a:latin typeface="Microsoft JhengHei" panose="020B0604030504040204" pitchFamily="34" charset="-120"/>
+                <a:ea typeface="Microsoft JhengHei" panose="020B0604030504040204" pitchFamily="34" charset="-120"/>
+              </a:rPr>
+              <a:t>斷詞</a:t>
+            </a:r>
+            <a:r>
+              <a:rPr kumimoji="1" lang="zh-CN" altLang="en-US" sz="1600" dirty="0">
+                <a:solidFill>
+                  <a:schemeClr val="tx1">
+                    <a:lumMod val="65000"/>
+                    <a:lumOff val="35000"/>
+                  </a:schemeClr>
+                </a:solidFill>
+                <a:latin typeface="微軟正黑體" pitchFamily="34" charset="-120"/>
+                <a:ea typeface="微軟正黑體" pitchFamily="34" charset="-120"/>
+                <a:cs typeface="BiauKai"/>
+              </a:rPr>
+              <a:t>｜</a:t>
+            </a:r>
+            <a:r>
+              <a:rPr lang="zh-CN" altLang="en-US" sz="1600" dirty="0">
+                <a:solidFill>
+                  <a:schemeClr val="tx1">
+                    <a:lumMod val="65000"/>
+                    <a:lumOff val="35000"/>
+                  </a:schemeClr>
+                </a:solidFill>
+                <a:latin typeface="Microsoft JhengHei" panose="020B0604030504040204" pitchFamily="34" charset="-120"/>
+                <a:ea typeface="Microsoft JhengHei" panose="020B0604030504040204" pitchFamily="34" charset="-120"/>
+              </a:rPr>
+              <a:t>新聞評分模型</a:t>
+            </a:r>
+            <a:endParaRPr kumimoji="1" lang="zh-TW" altLang="en-US" sz="1600" dirty="0">
+              <a:solidFill>
+                <a:schemeClr val="tx1">
+                  <a:lumMod val="65000"/>
+                  <a:lumOff val="35000"/>
+                </a:schemeClr>
+              </a:solidFill>
+              <a:latin typeface="微軟正黑體" pitchFamily="34" charset="-120"/>
+              <a:ea typeface="微軟正黑體" pitchFamily="34" charset="-120"/>
+              <a:cs typeface="BiauKai"/>
+            </a:endParaRPr>
+          </a:p>
+        </p:txBody>
+      </p:sp>
+      <p:sp>
+        <p:nvSpPr>
+          <p:cNvPr id="7" name="標題 1">
+            <a:extLst>
+              <a:ext uri="{FF2B5EF4-FFF2-40B4-BE49-F238E27FC236}">
+                <a16:creationId xmlns:a16="http://schemas.microsoft.com/office/drawing/2014/main" id="{CCC8CA5A-7961-A448-A597-A6A98F0D457D}"/>
+              </a:ext>
+            </a:extLst>
+          </p:cNvPr>
+          <p:cNvSpPr>
+            <a:spLocks noGrp="1"/>
+          </p:cNvSpPr>
+          <p:nvPr>
+            <p:ph type="title"/>
+          </p:nvPr>
+        </p:nvSpPr>
+        <p:spPr>
+          <a:xfrm>
+            <a:off x="628650" y="520551"/>
+            <a:ext cx="7886700" cy="599076"/>
+          </a:xfrm>
+        </p:spPr>
+        <p:txBody>
+          <a:bodyPr>
+            <a:normAutofit/>
+          </a:bodyPr>
+          <a:lstStyle/>
+          <a:p>
+            <a:r>
+              <a:rPr lang="zh-CN" altLang="en-US" dirty="0"/>
+              <a:t>建立字典與數字序列</a:t>
+            </a:r>
+            <a:endParaRPr kumimoji="1" lang="zh-TW" altLang="en-US" dirty="0"/>
+          </a:p>
+        </p:txBody>
+      </p:sp>
+      <p:sp>
+        <p:nvSpPr>
+          <p:cNvPr id="9" name="文字方塊 8">
+            <a:extLst>
+              <a:ext uri="{FF2B5EF4-FFF2-40B4-BE49-F238E27FC236}">
+                <a16:creationId xmlns:a16="http://schemas.microsoft.com/office/drawing/2014/main" id="{80D17552-0159-D147-8248-4EC6A308A483}"/>
+              </a:ext>
+            </a:extLst>
+          </p:cNvPr>
+          <p:cNvSpPr txBox="1"/>
+          <p:nvPr/>
+        </p:nvSpPr>
+        <p:spPr>
+          <a:xfrm>
+            <a:off x="3369129" y="2311430"/>
+            <a:ext cx="2999014" cy="584775"/>
+          </a:xfrm>
+          <a:prstGeom prst="rect">
+            <a:avLst/>
+          </a:prstGeom>
+          <a:noFill/>
+        </p:spPr>
+        <p:txBody>
+          <a:bodyPr wrap="square" rtlCol="0">
+            <a:spAutoFit/>
+          </a:bodyPr>
+          <a:lstStyle/>
+          <a:p>
+            <a:r>
+              <a:rPr lang="en-US" altLang="zh-TW" sz="3200" b="1" dirty="0">
+                <a:solidFill>
+                  <a:schemeClr val="bg1"/>
+                </a:solidFill>
+                <a:latin typeface="微軟正黑體" panose="020B0604030504040204" pitchFamily="34" charset="-120"/>
+                <a:ea typeface="微軟正黑體" panose="020B0604030504040204" pitchFamily="34" charset="-120"/>
+              </a:rPr>
+              <a:t>Ckiptagger</a:t>
+            </a:r>
+            <a:endParaRPr lang="zh-TW" altLang="en-US" sz="3200" b="1" dirty="0">
+              <a:solidFill>
+                <a:schemeClr val="bg1"/>
+              </a:solidFill>
+              <a:latin typeface="微軟正黑體" panose="020B0604030504040204" pitchFamily="34" charset="-120"/>
+              <a:ea typeface="微軟正黑體" panose="020B0604030504040204" pitchFamily="34" charset="-120"/>
+            </a:endParaRPr>
+          </a:p>
+        </p:txBody>
+      </p:sp>
+      <p:cxnSp>
+        <p:nvCxnSpPr>
+          <p:cNvPr id="10" name="直線接點 9">
+            <a:extLst>
+              <a:ext uri="{FF2B5EF4-FFF2-40B4-BE49-F238E27FC236}">
+                <a16:creationId xmlns:a16="http://schemas.microsoft.com/office/drawing/2014/main" id="{33E4CB28-0ABD-BD48-A977-D554EBD00D91}"/>
+              </a:ext>
+            </a:extLst>
+          </p:cNvPr>
+          <p:cNvCxnSpPr/>
+          <p:nvPr/>
+        </p:nvCxnSpPr>
+        <p:spPr>
+          <a:xfrm>
+            <a:off x="2502000" y="3013756"/>
+            <a:ext cx="4140000" cy="0"/>
+          </a:xfrm>
+          <a:prstGeom prst="line">
+            <a:avLst/>
+          </a:prstGeom>
+          <a:ln>
+            <a:solidFill>
+              <a:schemeClr val="bg1"/>
+            </a:solidFill>
+          </a:ln>
+        </p:spPr>
+        <p:style>
+          <a:lnRef idx="1">
+            <a:schemeClr val="accent1"/>
+          </a:lnRef>
+          <a:fillRef idx="0">
+            <a:schemeClr val="accent1"/>
+          </a:fillRef>
+          <a:effectRef idx="0">
+            <a:schemeClr val="accent1"/>
+          </a:effectRef>
+          <a:fontRef idx="minor">
+            <a:schemeClr val="tx1"/>
+          </a:fontRef>
+        </p:style>
+      </p:cxnSp>
+      <p:sp>
+        <p:nvSpPr>
+          <p:cNvPr id="13" name="Content Placeholder 2">
+            <a:extLst>
+              <a:ext uri="{FF2B5EF4-FFF2-40B4-BE49-F238E27FC236}">
+                <a16:creationId xmlns:a16="http://schemas.microsoft.com/office/drawing/2014/main" id="{1026B353-DDAA-334A-A3DD-659A2A144333}"/>
+              </a:ext>
+            </a:extLst>
+          </p:cNvPr>
+          <p:cNvSpPr>
+            <a:spLocks noGrp="1"/>
+          </p:cNvSpPr>
+          <p:nvPr>
+            <p:ph idx="1"/>
+          </p:nvPr>
+        </p:nvSpPr>
+        <p:spPr>
+          <a:xfrm>
+            <a:off x="628650" y="1986111"/>
+            <a:ext cx="7886700" cy="4351338"/>
+          </a:xfrm>
+        </p:spPr>
+        <p:txBody>
+          <a:bodyPr/>
+          <a:lstStyle/>
+          <a:p>
+            <a:r>
+              <a:rPr lang="zh-CN" altLang="en-US" dirty="0"/>
+              <a:t>將文本切成一個個有意義的詞彙（</a:t>
+            </a:r>
+            <a:r>
+              <a:rPr lang="en-US" altLang="zh-CN" dirty="0"/>
+              <a:t>Token</a:t>
+            </a:r>
+            <a:r>
+              <a:rPr lang="zh-CN" altLang="en-US" dirty="0"/>
+              <a:t>）後，我們需要建立字典並將文本轉成數字序列</a:t>
+            </a:r>
+            <a:endParaRPr lang="en-US" altLang="zh-CN" dirty="0"/>
+          </a:p>
+          <a:p>
+            <a:r>
+              <a:rPr lang="zh-CN" altLang="en-US" dirty="0"/>
+              <a:t>使用</a:t>
+            </a:r>
+            <a:r>
+              <a:rPr lang="zh-TW" altLang="en-US" dirty="0"/>
+              <a:t> </a:t>
+            </a:r>
+            <a:r>
+              <a:rPr lang="en-US" altLang="zh-CN" dirty="0" err="1"/>
+              <a:t>Keras</a:t>
+            </a:r>
+            <a:r>
+              <a:rPr lang="en-US" altLang="zh-CN" dirty="0"/>
+              <a:t> </a:t>
+            </a:r>
+            <a:r>
+              <a:rPr lang="zh-CN" altLang="en-US" dirty="0"/>
+              <a:t>套件的</a:t>
+            </a:r>
+            <a:r>
+              <a:rPr lang="zh-TW" altLang="en-US" dirty="0"/>
+              <a:t> </a:t>
+            </a:r>
+            <a:r>
+              <a:rPr lang="en-US" altLang="zh-CN" dirty="0"/>
+              <a:t>T</a:t>
+            </a:r>
+            <a:r>
+              <a:rPr lang="en-US" altLang="zh-TW" dirty="0"/>
+              <a:t>okenizer</a:t>
+            </a:r>
+            <a:r>
+              <a:rPr lang="zh-TW" altLang="en-US" dirty="0"/>
+              <a:t>，我們可以為斷詞後的詞彙建立一個字典，並將文本轉成數字序列</a:t>
+            </a:r>
+            <a:endParaRPr lang="en-US" altLang="zh-TW" dirty="0"/>
+          </a:p>
+          <a:p>
+            <a:r>
+              <a:rPr lang="zh-CN" altLang="en-US" dirty="0"/>
+              <a:t>為了讓不同長度的新聞文件能轉換成相同長度的數字序列（以方便建立模型），我們需要將長度較短的新聞文件補零（</a:t>
+            </a:r>
+            <a:r>
+              <a:rPr lang="en-US" dirty="0"/>
+              <a:t>Zero Padding</a:t>
+            </a:r>
+            <a:r>
+              <a:rPr lang="zh-CN" altLang="en-US" dirty="0"/>
+              <a:t>）</a:t>
+            </a:r>
+            <a:endParaRPr lang="en-US" altLang="zh-CN" dirty="0"/>
+          </a:p>
+          <a:p>
+            <a:r>
+              <a:rPr lang="zh-CN" altLang="en-US" dirty="0"/>
+              <a:t>程式碼的細節請見本組的</a:t>
+            </a:r>
+            <a:r>
+              <a:rPr lang="zh-TW" altLang="en-US" dirty="0"/>
+              <a:t> </a:t>
+            </a:r>
+            <a:r>
+              <a:rPr lang="en-US" altLang="zh-TW" dirty="0" err="1"/>
+              <a:t>github</a:t>
+            </a:r>
+            <a:r>
+              <a:rPr lang="zh-TW" altLang="en-US" dirty="0"/>
+              <a:t> </a:t>
+            </a:r>
+            <a:r>
+              <a:rPr lang="zh-CN" altLang="en-US" dirty="0"/>
+              <a:t>連結及</a:t>
+            </a:r>
+            <a:r>
+              <a:rPr lang="zh-TW" altLang="en-US" dirty="0"/>
+              <a:t> </a:t>
+            </a:r>
+            <a:r>
+              <a:rPr lang="en-US" altLang="zh-CN" dirty="0" err="1"/>
+              <a:t>Keras</a:t>
+            </a:r>
+            <a:r>
+              <a:rPr lang="zh-TW" altLang="en-US" dirty="0"/>
+              <a:t> </a:t>
+            </a:r>
+            <a:r>
+              <a:rPr lang="zh-CN" altLang="en-US" dirty="0"/>
+              <a:t>的</a:t>
+            </a:r>
+            <a:r>
+              <a:rPr lang="zh-TW" altLang="en-US" dirty="0"/>
+              <a:t> </a:t>
+            </a:r>
+            <a:r>
+              <a:rPr lang="en-US" altLang="zh-TW" dirty="0"/>
+              <a:t>documentation</a:t>
+            </a:r>
+            <a:endParaRPr lang="en-US" altLang="zh-CN" dirty="0"/>
+          </a:p>
+        </p:txBody>
+      </p:sp>
+    </p:spTree>
+    <p:extLst>
+      <p:ext uri="{BB962C8B-B14F-4D97-AF65-F5344CB8AC3E}">
+        <p14:creationId xmlns:p14="http://schemas.microsoft.com/office/powerpoint/2010/main" val="3570363880"/>
+      </p:ext>
+    </p:extLst>
+  </p:cSld>
+  <p:clrMapOvr>
+    <a:masterClrMapping/>
+  </p:clrMapOvr>
+</p:sld>
+</file>
+
+<file path=ppt/slides/slide21.xml><?xml version="1.0" encoding="utf-8"?>
+<p:sld xmlns:a="http://schemas.openxmlformats.org/drawingml/2006/main" xmlns:r="http://schemas.openxmlformats.org/officeDocument/2006/relationships" xmlns:p="http://schemas.openxmlformats.org/presentationml/2006/main">
+  <p:cSld>
+    <p:spTree>
+      <p:nvGrpSpPr>
+        <p:cNvPr id="1" name=""/>
+        <p:cNvGrpSpPr/>
+        <p:nvPr/>
+      </p:nvGrpSpPr>
+      <p:grpSpPr>
+        <a:xfrm>
+          <a:off x="0" y="0"/>
+          <a:ext cx="0" cy="0"/>
+          <a:chOff x="0" y="0"/>
+          <a:chExt cx="0" cy="0"/>
+        </a:xfrm>
+      </p:grpSpPr>
+      <p:sp>
+        <p:nvSpPr>
+          <p:cNvPr id="4" name="日期版面配置區 3">
+            <a:extLst>
+              <a:ext uri="{FF2B5EF4-FFF2-40B4-BE49-F238E27FC236}">
+                <a16:creationId xmlns:a16="http://schemas.microsoft.com/office/drawing/2014/main" id="{285B31FA-CCB5-ED41-8876-47FA5EE2ABAC}"/>
+              </a:ext>
+            </a:extLst>
+          </p:cNvPr>
+          <p:cNvSpPr>
+            <a:spLocks noGrp="1"/>
+          </p:cNvSpPr>
+          <p:nvPr>
+            <p:ph type="dt" sz="half" idx="10"/>
+          </p:nvPr>
+        </p:nvSpPr>
+        <p:spPr/>
+        <p:txBody>
+          <a:bodyPr/>
+          <a:lstStyle/>
+          <a:p>
+            <a:fld id="{868F4FC5-FE50-A64D-A7E3-22233A0C6925}" type="datetime1">
+              <a:rPr kumimoji="1" lang="zh-TW" altLang="en-US" smtClean="0"/>
+              <a:pPr/>
+              <a:t>2020/6/23</a:t>
+            </a:fld>
+            <a:endParaRPr kumimoji="1" lang="zh-TW" altLang="en-US" dirty="0"/>
+          </a:p>
+        </p:txBody>
+      </p:sp>
+      <p:sp>
+        <p:nvSpPr>
+          <p:cNvPr id="5" name="投影片編號版面配置區 4">
+            <a:extLst>
+              <a:ext uri="{FF2B5EF4-FFF2-40B4-BE49-F238E27FC236}">
+                <a16:creationId xmlns:a16="http://schemas.microsoft.com/office/drawing/2014/main" id="{105C58B2-7F10-8745-B700-1A1C6D51A714}"/>
+              </a:ext>
+            </a:extLst>
+          </p:cNvPr>
+          <p:cNvSpPr>
+            <a:spLocks noGrp="1"/>
+          </p:cNvSpPr>
+          <p:nvPr>
+            <p:ph type="sldNum" sz="quarter" idx="12"/>
+          </p:nvPr>
+        </p:nvSpPr>
+        <p:spPr/>
+        <p:txBody>
+          <a:bodyPr/>
+          <a:lstStyle/>
+          <a:p>
+            <a:fld id="{80929F01-733D-5847-83A7-C9CEA74310DB}" type="slidenum">
+              <a:rPr kumimoji="1" lang="zh-TW" altLang="en-US" smtClean="0"/>
+              <a:pPr/>
+              <a:t>21</a:t>
             </a:fld>
             <a:endParaRPr kumimoji="1" lang="zh-TW" altLang="en-US" dirty="0"/>
           </a:p>
@@ -9233,7 +9873,7 @@
 </p:sld>
 </file>
 
-<file path=ppt/slides/slide21.xml><?xml version="1.0" encoding="utf-8"?>
+<file path=ppt/slides/slide22.xml><?xml version="1.0" encoding="utf-8"?>
 <p:sld xmlns:a="http://schemas.openxmlformats.org/drawingml/2006/main" xmlns:r="http://schemas.openxmlformats.org/officeDocument/2006/relationships" xmlns:p="http://schemas.openxmlformats.org/presentationml/2006/main">
   <p:cSld>
     <p:spTree>
@@ -9304,7 +9944,7 @@
             <a:fld id="{80929F01-733D-5847-83A7-C9CEA74310DB}" type="slidenum">
               <a:rPr kumimoji="1" lang="zh-TW" altLang="en-US" smtClean="0"/>
               <a:pPr/>
-              <a:t>21</a:t>
+              <a:t>22</a:t>
             </a:fld>
             <a:endParaRPr kumimoji="1" lang="zh-TW" altLang="en-US" dirty="0"/>
           </a:p>
@@ -10433,7 +11073,7 @@
 </p:sld>
 </file>
 
-<file path=ppt/slides/slide22.xml><?xml version="1.0" encoding="utf-8"?>
+<file path=ppt/slides/slide23.xml><?xml version="1.0" encoding="utf-8"?>
 <p:sld xmlns:a="http://schemas.openxmlformats.org/drawingml/2006/main" xmlns:r="http://schemas.openxmlformats.org/officeDocument/2006/relationships" xmlns:p="http://schemas.openxmlformats.org/presentationml/2006/main">
   <p:cSld>
     <p:spTree>
@@ -10504,7 +11144,7 @@
             <a:fld id="{80929F01-733D-5847-83A7-C9CEA74310DB}" type="slidenum">
               <a:rPr kumimoji="1" lang="zh-TW" altLang="en-US" smtClean="0"/>
               <a:pPr/>
-              <a:t>22</a:t>
+              <a:t>23</a:t>
             </a:fld>
             <a:endParaRPr kumimoji="1" lang="zh-TW" altLang="en-US" dirty="0"/>
           </a:p>
@@ -10992,7 +11632,7 @@
 </p:sld>
 </file>
 
-<file path=ppt/slides/slide23.xml><?xml version="1.0" encoding="utf-8"?>
+<file path=ppt/slides/slide24.xml><?xml version="1.0" encoding="utf-8"?>
 <p:sld xmlns:a="http://schemas.openxmlformats.org/drawingml/2006/main" xmlns:r="http://schemas.openxmlformats.org/officeDocument/2006/relationships" xmlns:p="http://schemas.openxmlformats.org/presentationml/2006/main">
   <p:cSld>
     <p:spTree>
@@ -11063,7 +11703,7 @@
             <a:fld id="{80929F01-733D-5847-83A7-C9CEA74310DB}" type="slidenum">
               <a:rPr kumimoji="1" lang="zh-TW" altLang="en-US" smtClean="0"/>
               <a:pPr/>
-              <a:t>23</a:t>
+              <a:t>24</a:t>
             </a:fld>
             <a:endParaRPr kumimoji="1" lang="zh-TW" altLang="en-US" dirty="0"/>
           </a:p>
@@ -12677,7 +13317,7 @@
 </p:sld>
 </file>
 
-<file path=ppt/slides/slide24.xml><?xml version="1.0" encoding="utf-8"?>
+<file path=ppt/slides/slide25.xml><?xml version="1.0" encoding="utf-8"?>
 <p:sld xmlns:a="http://schemas.openxmlformats.org/drawingml/2006/main" xmlns:r="http://schemas.openxmlformats.org/officeDocument/2006/relationships" xmlns:p="http://schemas.openxmlformats.org/presentationml/2006/main">
   <p:cSld>
     <p:spTree>
@@ -12748,7 +13388,7 @@
             <a:fld id="{80929F01-733D-5847-83A7-C9CEA74310DB}" type="slidenum">
               <a:rPr kumimoji="1" lang="zh-TW" altLang="en-US" smtClean="0"/>
               <a:pPr/>
-              <a:t>24</a:t>
+              <a:t>25</a:t>
             </a:fld>
             <a:endParaRPr kumimoji="1" lang="zh-TW" altLang="en-US" dirty="0"/>
           </a:p>
@@ -13863,7 +14503,7 @@
 </p:sld>
 </file>
 
-<file path=ppt/slides/slide25.xml><?xml version="1.0" encoding="utf-8"?>
+<file path=ppt/slides/slide26.xml><?xml version="1.0" encoding="utf-8"?>
 <p:sld xmlns:a="http://schemas.openxmlformats.org/drawingml/2006/main" xmlns:r="http://schemas.openxmlformats.org/officeDocument/2006/relationships" xmlns:p="http://schemas.openxmlformats.org/presentationml/2006/main">
   <p:cSld>
     <p:spTree>
@@ -13934,7 +14574,7 @@
             <a:fld id="{80929F01-733D-5847-83A7-C9CEA74310DB}" type="slidenum">
               <a:rPr kumimoji="1" lang="zh-TW" altLang="en-US" smtClean="0"/>
               <a:pPr/>
-              <a:t>25</a:t>
+              <a:t>26</a:t>
             </a:fld>
             <a:endParaRPr kumimoji="1" lang="zh-TW" altLang="en-US" dirty="0"/>
           </a:p>
@@ -14694,7 +15334,7 @@
 </p:sld>
 </file>
 
-<file path=ppt/slides/slide26.xml><?xml version="1.0" encoding="utf-8"?>
+<file path=ppt/slides/slide27.xml><?xml version="1.0" encoding="utf-8"?>
 <p:sld xmlns:a="http://schemas.openxmlformats.org/drawingml/2006/main" xmlns:r="http://schemas.openxmlformats.org/officeDocument/2006/relationships" xmlns:p="http://schemas.openxmlformats.org/presentationml/2006/main">
   <p:cSld>
     <p:spTree>
@@ -14765,7 +15405,7 @@
             <a:fld id="{80929F01-733D-5847-83A7-C9CEA74310DB}" type="slidenum">
               <a:rPr kumimoji="1" lang="zh-TW" altLang="en-US" smtClean="0"/>
               <a:pPr/>
-              <a:t>26</a:t>
+              <a:t>27</a:t>
             </a:fld>
             <a:endParaRPr kumimoji="1" lang="zh-TW" altLang="en-US" dirty="0"/>
           </a:p>
@@ -15255,7 +15895,7 @@
 </p:sld>
 </file>
 
-<file path=ppt/slides/slide27.xml><?xml version="1.0" encoding="utf-8"?>
+<file path=ppt/slides/slide28.xml><?xml version="1.0" encoding="utf-8"?>
 <p:sld xmlns:a="http://schemas.openxmlformats.org/drawingml/2006/main" xmlns:r="http://schemas.openxmlformats.org/officeDocument/2006/relationships" xmlns:p="http://schemas.openxmlformats.org/presentationml/2006/main">
   <p:cSld>
     <p:spTree>
@@ -15326,7 +15966,7 @@
             <a:fld id="{80929F01-733D-5847-83A7-C9CEA74310DB}" type="slidenum">
               <a:rPr kumimoji="1" lang="zh-TW" altLang="en-US" smtClean="0"/>
               <a:pPr/>
-              <a:t>27</a:t>
+              <a:t>28</a:t>
             </a:fld>
             <a:endParaRPr kumimoji="1" lang="zh-TW" altLang="en-US" dirty="0"/>
           </a:p>
@@ -19276,7 +19916,7 @@
 </p:sld>
 </file>
 
-<file path=ppt/slides/slide28.xml><?xml version="1.0" encoding="utf-8"?>
+<file path=ppt/slides/slide29.xml><?xml version="1.0" encoding="utf-8"?>
 <p:sld xmlns:a="http://schemas.openxmlformats.org/drawingml/2006/main" xmlns:r="http://schemas.openxmlformats.org/officeDocument/2006/relationships" xmlns:p="http://schemas.openxmlformats.org/presentationml/2006/main">
   <p:cSld>
     <p:spTree>
@@ -19347,7 +19987,7 @@
             <a:fld id="{80929F01-733D-5847-83A7-C9CEA74310DB}" type="slidenum">
               <a:rPr kumimoji="1" lang="zh-TW" altLang="en-US" smtClean="0"/>
               <a:pPr/>
-              <a:t>28</a:t>
+              <a:t>29</a:t>
             </a:fld>
             <a:endParaRPr kumimoji="1" lang="zh-TW" altLang="en-US" dirty="0"/>
           </a:p>
@@ -20512,7 +21152,439 @@
 </p:sld>
 </file>
 
-<file path=ppt/slides/slide29.xml><?xml version="1.0" encoding="utf-8"?>
+<file path=ppt/slides/slide3.xml><?xml version="1.0" encoding="utf-8"?>
+<p:sld xmlns:a="http://schemas.openxmlformats.org/drawingml/2006/main" xmlns:r="http://schemas.openxmlformats.org/officeDocument/2006/relationships" xmlns:p="http://schemas.openxmlformats.org/presentationml/2006/main">
+  <p:cSld>
+    <p:spTree>
+      <p:nvGrpSpPr>
+        <p:cNvPr id="1" name=""/>
+        <p:cNvGrpSpPr/>
+        <p:nvPr/>
+      </p:nvGrpSpPr>
+      <p:grpSpPr>
+        <a:xfrm>
+          <a:off x="0" y="0"/>
+          <a:ext cx="0" cy="0"/>
+          <a:chOff x="0" y="0"/>
+          <a:chExt cx="0" cy="0"/>
+        </a:xfrm>
+      </p:grpSpPr>
+      <p:sp>
+        <p:nvSpPr>
+          <p:cNvPr id="4" name="標題 3">
+            <a:extLst>
+              <a:ext uri="{FF2B5EF4-FFF2-40B4-BE49-F238E27FC236}">
+                <a16:creationId xmlns:a16="http://schemas.microsoft.com/office/drawing/2014/main" id="{65D8D0B7-A88F-8444-A50B-614843E904C6}"/>
+              </a:ext>
+            </a:extLst>
+          </p:cNvPr>
+          <p:cNvSpPr>
+            <a:spLocks noGrp="1"/>
+          </p:cNvSpPr>
+          <p:nvPr>
+            <p:ph type="title"/>
+          </p:nvPr>
+        </p:nvSpPr>
+        <p:spPr/>
+        <p:txBody>
+          <a:bodyPr/>
+          <a:lstStyle/>
+          <a:p>
+            <a:r>
+              <a:rPr lang="en-US" altLang="zh-TW" dirty="0">
+                <a:solidFill>
+                  <a:srgbClr val="4AAC99"/>
+                </a:solidFill>
+                <a:latin typeface="Microsoft JhengHei" panose="020B0604030504040204" pitchFamily="34" charset="-120"/>
+              </a:rPr>
+              <a:t>01</a:t>
+            </a:r>
+            <a:endParaRPr lang="zh-TW" altLang="en-US" dirty="0">
+              <a:solidFill>
+                <a:srgbClr val="4AAC99"/>
+              </a:solidFill>
+              <a:latin typeface="Microsoft JhengHei" panose="020B0604030504040204" pitchFamily="34" charset="-120"/>
+            </a:endParaRPr>
+          </a:p>
+        </p:txBody>
+      </p:sp>
+      <p:sp>
+        <p:nvSpPr>
+          <p:cNvPr id="5" name="文字版面配置區 4">
+            <a:extLst>
+              <a:ext uri="{FF2B5EF4-FFF2-40B4-BE49-F238E27FC236}">
+                <a16:creationId xmlns:a16="http://schemas.microsoft.com/office/drawing/2014/main" id="{001D45A4-756B-054A-88C9-BD20D1A2C25B}"/>
+              </a:ext>
+            </a:extLst>
+          </p:cNvPr>
+          <p:cNvSpPr>
+            <a:spLocks noGrp="1"/>
+          </p:cNvSpPr>
+          <p:nvPr>
+            <p:ph type="body" sz="quarter" idx="13"/>
+          </p:nvPr>
+        </p:nvSpPr>
+        <p:spPr>
+          <a:xfrm>
+            <a:off x="2104373" y="3171031"/>
+            <a:ext cx="4982227" cy="515938"/>
+          </a:xfrm>
+        </p:spPr>
+        <p:txBody>
+          <a:bodyPr/>
+          <a:lstStyle/>
+          <a:p>
+            <a:r>
+              <a:rPr lang="zh-TW" altLang="en-US" dirty="0">
+                <a:latin typeface="Microsoft JhengHei" panose="020B0604030504040204" pitchFamily="34" charset="-120"/>
+                <a:ea typeface="Microsoft JhengHei" panose="020B0604030504040204" pitchFamily="34" charset="-120"/>
+              </a:rPr>
+              <a:t>現有問題描述</a:t>
+            </a:r>
+            <a:r>
+              <a:rPr lang="en-US" altLang="zh-TW" dirty="0">
+                <a:latin typeface="Microsoft JhengHei" panose="020B0604030504040204" pitchFamily="34" charset="-120"/>
+                <a:ea typeface="Microsoft JhengHei" panose="020B0604030504040204" pitchFamily="34" charset="-120"/>
+              </a:rPr>
+              <a:t> &amp; </a:t>
+            </a:r>
+            <a:r>
+              <a:rPr lang="zh-TW" altLang="en-US" dirty="0">
+                <a:latin typeface="Microsoft JhengHei" panose="020B0604030504040204" pitchFamily="34" charset="-120"/>
+                <a:ea typeface="Microsoft JhengHei" panose="020B0604030504040204" pitchFamily="34" charset="-120"/>
+              </a:rPr>
+              <a:t>本專案優勢</a:t>
+            </a:r>
+          </a:p>
+        </p:txBody>
+      </p:sp>
+      <p:sp>
+        <p:nvSpPr>
+          <p:cNvPr id="7" name="文字版面配置區 5">
+            <a:extLst>
+              <a:ext uri="{FF2B5EF4-FFF2-40B4-BE49-F238E27FC236}">
+                <a16:creationId xmlns:a16="http://schemas.microsoft.com/office/drawing/2014/main" id="{CF12E081-28BC-3540-9573-6482A85FF98C}"/>
+              </a:ext>
+            </a:extLst>
+          </p:cNvPr>
+          <p:cNvSpPr>
+            <a:spLocks noGrp="1"/>
+          </p:cNvSpPr>
+          <p:nvPr>
+            <p:ph type="body" sz="quarter" idx="14"/>
+          </p:nvPr>
+        </p:nvSpPr>
+        <p:spPr>
+          <a:xfrm>
+            <a:off x="1649476" y="4057721"/>
+            <a:ext cx="3540179" cy="2090044"/>
+          </a:xfrm>
+        </p:spPr>
+        <p:txBody>
+          <a:bodyPr/>
+          <a:lstStyle/>
+          <a:p>
+            <a:r>
+              <a:rPr lang="zh-CN" altLang="en-US" dirty="0">
+                <a:latin typeface="Microsoft JhengHei" panose="020B0604030504040204" pitchFamily="34" charset="-120"/>
+                <a:ea typeface="Microsoft JhengHei" panose="020B0604030504040204" pitchFamily="34" charset="-120"/>
+              </a:rPr>
+              <a:t>新聞重要性篩選</a:t>
+            </a:r>
+            <a:endParaRPr lang="en-US" altLang="zh-CN" dirty="0">
+              <a:latin typeface="Microsoft JhengHei" panose="020B0604030504040204" pitchFamily="34" charset="-120"/>
+              <a:ea typeface="Microsoft JhengHei" panose="020B0604030504040204" pitchFamily="34" charset="-120"/>
+            </a:endParaRPr>
+          </a:p>
+          <a:p>
+            <a:r>
+              <a:rPr lang="zh-CN" altLang="en-US" dirty="0">
+                <a:latin typeface="Microsoft JhengHei" panose="020B0604030504040204" pitchFamily="34" charset="-120"/>
+                <a:ea typeface="Microsoft JhengHei" panose="020B0604030504040204" pitchFamily="34" charset="-120"/>
+              </a:rPr>
+              <a:t>評分延遲</a:t>
+            </a:r>
+            <a:endParaRPr lang="en-US" altLang="zh-CN" dirty="0">
+              <a:latin typeface="Microsoft JhengHei" panose="020B0604030504040204" pitchFamily="34" charset="-120"/>
+              <a:ea typeface="Microsoft JhengHei" panose="020B0604030504040204" pitchFamily="34" charset="-120"/>
+            </a:endParaRPr>
+          </a:p>
+          <a:p>
+            <a:r>
+              <a:rPr lang="zh-CN" altLang="en-US" dirty="0">
+                <a:latin typeface="Microsoft JhengHei" panose="020B0604030504040204" pitchFamily="34" charset="-120"/>
+                <a:ea typeface="Microsoft JhengHei" panose="020B0604030504040204" pitchFamily="34" charset="-120"/>
+              </a:rPr>
+              <a:t>專家看法不一致</a:t>
+            </a:r>
+            <a:endParaRPr lang="en-US" altLang="zh-CN" dirty="0">
+              <a:latin typeface="Microsoft JhengHei" panose="020B0604030504040204" pitchFamily="34" charset="-120"/>
+              <a:ea typeface="Microsoft JhengHei" panose="020B0604030504040204" pitchFamily="34" charset="-120"/>
+            </a:endParaRPr>
+          </a:p>
+          <a:p>
+            <a:endParaRPr lang="zh-CN" altLang="en-US" dirty="0">
+              <a:latin typeface="Microsoft JhengHei" panose="020B0604030504040204" pitchFamily="34" charset="-120"/>
+              <a:ea typeface="Microsoft JhengHei" panose="020B0604030504040204" pitchFamily="34" charset="-120"/>
+            </a:endParaRPr>
+          </a:p>
+        </p:txBody>
+      </p:sp>
+      <p:sp>
+        <p:nvSpPr>
+          <p:cNvPr id="6" name="文字版面配置區 5">
+            <a:extLst>
+              <a:ext uri="{FF2B5EF4-FFF2-40B4-BE49-F238E27FC236}">
+                <a16:creationId xmlns:a16="http://schemas.microsoft.com/office/drawing/2014/main" id="{F8CB9A80-E793-504E-8E30-6280D6E91964}"/>
+              </a:ext>
+            </a:extLst>
+          </p:cNvPr>
+          <p:cNvSpPr txBox="1">
+            <a:spLocks/>
+          </p:cNvSpPr>
+          <p:nvPr/>
+        </p:nvSpPr>
+        <p:spPr>
+          <a:xfrm>
+            <a:off x="4267495" y="3872345"/>
+            <a:ext cx="3540179" cy="2090044"/>
+          </a:xfrm>
+          <a:prstGeom prst="rect">
+            <a:avLst/>
+          </a:prstGeom>
+        </p:spPr>
+        <p:txBody>
+          <a:bodyPr vert="horz" lIns="91440" tIns="45720" rIns="91440" bIns="45720" rtlCol="0">
+            <a:noAutofit/>
+          </a:bodyPr>
+          <a:lstStyle>
+            <a:lvl1pPr marL="0" indent="0" algn="ctr" defTabSz="914400" rtl="0" eaLnBrk="1" latinLnBrk="0" hangingPunct="1">
+              <a:lnSpc>
+                <a:spcPct val="90000"/>
+              </a:lnSpc>
+              <a:spcBef>
+                <a:spcPts val="1000"/>
+              </a:spcBef>
+              <a:buFont typeface="Arial" panose="020B0604020202020204" pitchFamily="34" charset="0"/>
+              <a:buNone/>
+              <a:defRPr sz="2000" b="0" kern="1200">
+                <a:solidFill>
+                  <a:schemeClr val="tx1"/>
+                </a:solidFill>
+                <a:latin typeface="+mj-ea"/>
+                <a:ea typeface="+mj-ea"/>
+                <a:cs typeface="+mn-cs"/>
+              </a:defRPr>
+            </a:lvl1pPr>
+            <a:lvl2pPr marL="457200" indent="0" algn="l" defTabSz="914400" rtl="0" eaLnBrk="1" latinLnBrk="0" hangingPunct="1">
+              <a:lnSpc>
+                <a:spcPct val="90000"/>
+              </a:lnSpc>
+              <a:spcBef>
+                <a:spcPts val="500"/>
+              </a:spcBef>
+              <a:buFont typeface="Arial" panose="020B0604020202020204" pitchFamily="34" charset="0"/>
+              <a:buNone/>
+              <a:defRPr sz="2400" kern="1200">
+                <a:solidFill>
+                  <a:schemeClr val="tx1"/>
+                </a:solidFill>
+                <a:latin typeface="Microsoft JhengHei" panose="020B0604030504040204" pitchFamily="34" charset="-120"/>
+                <a:ea typeface="Microsoft JhengHei" panose="020B0604030504040204" pitchFamily="34" charset="-120"/>
+                <a:cs typeface="+mn-cs"/>
+              </a:defRPr>
+            </a:lvl2pPr>
+            <a:lvl3pPr marL="914400" indent="0" algn="l" defTabSz="914400" rtl="0" eaLnBrk="1" latinLnBrk="0" hangingPunct="1">
+              <a:lnSpc>
+                <a:spcPct val="90000"/>
+              </a:lnSpc>
+              <a:spcBef>
+                <a:spcPts val="500"/>
+              </a:spcBef>
+              <a:buFont typeface="Arial" panose="020B0604020202020204" pitchFamily="34" charset="0"/>
+              <a:buNone/>
+              <a:defRPr sz="2000" kern="1200">
+                <a:solidFill>
+                  <a:schemeClr val="tx1"/>
+                </a:solidFill>
+                <a:latin typeface="Microsoft JhengHei" panose="020B0604030504040204" pitchFamily="34" charset="-120"/>
+                <a:ea typeface="Microsoft JhengHei" panose="020B0604030504040204" pitchFamily="34" charset="-120"/>
+                <a:cs typeface="+mn-cs"/>
+              </a:defRPr>
+            </a:lvl3pPr>
+            <a:lvl4pPr marL="1371600" indent="0" algn="l" defTabSz="914400" rtl="0" eaLnBrk="1" latinLnBrk="0" hangingPunct="1">
+              <a:lnSpc>
+                <a:spcPct val="90000"/>
+              </a:lnSpc>
+              <a:spcBef>
+                <a:spcPts val="500"/>
+              </a:spcBef>
+              <a:buFont typeface="Arial" panose="020B0604020202020204" pitchFamily="34" charset="0"/>
+              <a:buNone/>
+              <a:defRPr sz="1800" kern="1200">
+                <a:solidFill>
+                  <a:schemeClr val="tx1"/>
+                </a:solidFill>
+                <a:latin typeface="Microsoft JhengHei" panose="020B0604030504040204" pitchFamily="34" charset="-120"/>
+                <a:ea typeface="Microsoft JhengHei" panose="020B0604030504040204" pitchFamily="34" charset="-120"/>
+                <a:cs typeface="+mn-cs"/>
+              </a:defRPr>
+            </a:lvl4pPr>
+            <a:lvl5pPr marL="1828800" indent="0" algn="l" defTabSz="914400" rtl="0" eaLnBrk="1" latinLnBrk="0" hangingPunct="1">
+              <a:lnSpc>
+                <a:spcPct val="90000"/>
+              </a:lnSpc>
+              <a:spcBef>
+                <a:spcPts val="500"/>
+              </a:spcBef>
+              <a:buFont typeface="Arial" panose="020B0604020202020204" pitchFamily="34" charset="0"/>
+              <a:buNone/>
+              <a:defRPr sz="1800" kern="1200">
+                <a:solidFill>
+                  <a:schemeClr val="tx1"/>
+                </a:solidFill>
+                <a:latin typeface="Microsoft JhengHei" panose="020B0604030504040204" pitchFamily="34" charset="-120"/>
+                <a:ea typeface="Microsoft JhengHei" panose="020B0604030504040204" pitchFamily="34" charset="-120"/>
+                <a:cs typeface="+mn-cs"/>
+              </a:defRPr>
+            </a:lvl5pPr>
+            <a:lvl6pPr marL="2514600" indent="-228600" algn="l" defTabSz="914400" rtl="0" eaLnBrk="1" latinLnBrk="0" hangingPunct="1">
+              <a:lnSpc>
+                <a:spcPct val="90000"/>
+              </a:lnSpc>
+              <a:spcBef>
+                <a:spcPts val="500"/>
+              </a:spcBef>
+              <a:buFont typeface="Arial" panose="020B0604020202020204" pitchFamily="34" charset="0"/>
+              <a:buChar char="•"/>
+              <a:defRPr sz="1800" kern="1200">
+                <a:solidFill>
+                  <a:schemeClr val="tx1"/>
+                </a:solidFill>
+                <a:latin typeface="+mn-lt"/>
+                <a:ea typeface="+mn-ea"/>
+                <a:cs typeface="+mn-cs"/>
+              </a:defRPr>
+            </a:lvl6pPr>
+            <a:lvl7pPr marL="2971800" indent="-228600" algn="l" defTabSz="914400" rtl="0" eaLnBrk="1" latinLnBrk="0" hangingPunct="1">
+              <a:lnSpc>
+                <a:spcPct val="90000"/>
+              </a:lnSpc>
+              <a:spcBef>
+                <a:spcPts val="500"/>
+              </a:spcBef>
+              <a:buFont typeface="Arial" panose="020B0604020202020204" pitchFamily="34" charset="0"/>
+              <a:buChar char="•"/>
+              <a:defRPr sz="1800" kern="1200">
+                <a:solidFill>
+                  <a:schemeClr val="tx1"/>
+                </a:solidFill>
+                <a:latin typeface="+mn-lt"/>
+                <a:ea typeface="+mn-ea"/>
+                <a:cs typeface="+mn-cs"/>
+              </a:defRPr>
+            </a:lvl7pPr>
+            <a:lvl8pPr marL="3429000" indent="-228600" algn="l" defTabSz="914400" rtl="0" eaLnBrk="1" latinLnBrk="0" hangingPunct="1">
+              <a:lnSpc>
+                <a:spcPct val="90000"/>
+              </a:lnSpc>
+              <a:spcBef>
+                <a:spcPts val="500"/>
+              </a:spcBef>
+              <a:buFont typeface="Arial" panose="020B0604020202020204" pitchFamily="34" charset="0"/>
+              <a:buChar char="•"/>
+              <a:defRPr sz="1800" kern="1200">
+                <a:solidFill>
+                  <a:schemeClr val="tx1"/>
+                </a:solidFill>
+                <a:latin typeface="+mn-lt"/>
+                <a:ea typeface="+mn-ea"/>
+                <a:cs typeface="+mn-cs"/>
+              </a:defRPr>
+            </a:lvl8pPr>
+            <a:lvl9pPr marL="3886200" indent="-228600" algn="l" defTabSz="914400" rtl="0" eaLnBrk="1" latinLnBrk="0" hangingPunct="1">
+              <a:lnSpc>
+                <a:spcPct val="90000"/>
+              </a:lnSpc>
+              <a:spcBef>
+                <a:spcPts val="500"/>
+              </a:spcBef>
+              <a:buFont typeface="Arial" panose="020B0604020202020204" pitchFamily="34" charset="0"/>
+              <a:buChar char="•"/>
+              <a:defRPr sz="1800" kern="1200">
+                <a:solidFill>
+                  <a:schemeClr val="tx1"/>
+                </a:solidFill>
+                <a:latin typeface="+mn-lt"/>
+                <a:ea typeface="+mn-ea"/>
+                <a:cs typeface="+mn-cs"/>
+              </a:defRPr>
+            </a:lvl9pPr>
+          </a:lstStyle>
+          <a:p>
+            <a:r>
+              <a:rPr lang="zh-CN" altLang="en-US" dirty="0">
+                <a:latin typeface="Microsoft JhengHei" panose="020B0604030504040204" pitchFamily="34" charset="-120"/>
+                <a:ea typeface="Microsoft JhengHei" panose="020B0604030504040204" pitchFamily="34" charset="-120"/>
+              </a:rPr>
+              <a:t>準確的新聞評分</a:t>
+            </a:r>
+            <a:endParaRPr lang="en-US" altLang="zh-CN" dirty="0">
+              <a:latin typeface="Microsoft JhengHei" panose="020B0604030504040204" pitchFamily="34" charset="-120"/>
+              <a:ea typeface="Microsoft JhengHei" panose="020B0604030504040204" pitchFamily="34" charset="-120"/>
+            </a:endParaRPr>
+          </a:p>
+          <a:p>
+            <a:r>
+              <a:rPr lang="zh-TW" altLang="en-US" dirty="0">
+                <a:latin typeface="Microsoft JhengHei" panose="020B0604030504040204" pitchFamily="34" charset="-120"/>
+                <a:ea typeface="Microsoft JhengHei" panose="020B0604030504040204" pitchFamily="34" charset="-120"/>
+              </a:rPr>
+              <a:t>過濾不重要的訊息</a:t>
+            </a:r>
+            <a:endParaRPr lang="en-US" altLang="zh-TW" dirty="0">
+              <a:latin typeface="Microsoft JhengHei" panose="020B0604030504040204" pitchFamily="34" charset="-120"/>
+              <a:ea typeface="Microsoft JhengHei" panose="020B0604030504040204" pitchFamily="34" charset="-120"/>
+            </a:endParaRPr>
+          </a:p>
+          <a:p>
+            <a:r>
+              <a:rPr lang="zh-TW" altLang="en-US" dirty="0">
+                <a:latin typeface="Microsoft JhengHei" panose="020B0604030504040204" pitchFamily="34" charset="-120"/>
+                <a:ea typeface="Microsoft JhengHei" panose="020B0604030504040204" pitchFamily="34" charset="-120"/>
+              </a:rPr>
+              <a:t>提供即時資訊</a:t>
+            </a:r>
+            <a:endParaRPr lang="en-US" altLang="zh-TW" dirty="0">
+              <a:latin typeface="Microsoft JhengHei" panose="020B0604030504040204" pitchFamily="34" charset="-120"/>
+              <a:ea typeface="Microsoft JhengHei" panose="020B0604030504040204" pitchFamily="34" charset="-120"/>
+            </a:endParaRPr>
+          </a:p>
+          <a:p>
+            <a:r>
+              <a:rPr lang="zh-CN" altLang="en-US" dirty="0">
+                <a:latin typeface="Microsoft JhengHei" panose="020B0604030504040204" pitchFamily="34" charset="-120"/>
+                <a:ea typeface="Microsoft JhengHei" panose="020B0604030504040204" pitchFamily="34" charset="-120"/>
+              </a:rPr>
+              <a:t>可作為投資參考工具</a:t>
+            </a:r>
+          </a:p>
+        </p:txBody>
+      </p:sp>
+    </p:spTree>
+    <p:extLst>
+      <p:ext uri="{BB962C8B-B14F-4D97-AF65-F5344CB8AC3E}">
+        <p14:creationId xmlns:p14="http://schemas.microsoft.com/office/powerpoint/2010/main" val="1277360429"/>
+      </p:ext>
+    </p:extLst>
+  </p:cSld>
+  <p:clrMapOvr>
+    <a:masterClrMapping/>
+  </p:clrMapOvr>
+</p:sld>
+</file>
+
+<file path=ppt/slides/slide30.xml><?xml version="1.0" encoding="utf-8"?>
 <p:sld xmlns:a="http://schemas.openxmlformats.org/drawingml/2006/main" xmlns:r="http://schemas.openxmlformats.org/officeDocument/2006/relationships" xmlns:p="http://schemas.openxmlformats.org/presentationml/2006/main">
   <p:cSld>
     <p:spTree>
@@ -20583,7 +21655,7 @@
             <a:fld id="{80929F01-733D-5847-83A7-C9CEA74310DB}" type="slidenum">
               <a:rPr kumimoji="1" lang="zh-TW" altLang="en-US" smtClean="0"/>
               <a:pPr/>
-              <a:t>29</a:t>
+              <a:t>30</a:t>
             </a:fld>
             <a:endParaRPr kumimoji="1" lang="zh-TW" altLang="en-US" dirty="0"/>
           </a:p>
@@ -21078,439 +22150,7 @@
 </p:sld>
 </file>
 
-<file path=ppt/slides/slide3.xml><?xml version="1.0" encoding="utf-8"?>
-<p:sld xmlns:a="http://schemas.openxmlformats.org/drawingml/2006/main" xmlns:r="http://schemas.openxmlformats.org/officeDocument/2006/relationships" xmlns:p="http://schemas.openxmlformats.org/presentationml/2006/main">
-  <p:cSld>
-    <p:spTree>
-      <p:nvGrpSpPr>
-        <p:cNvPr id="1" name=""/>
-        <p:cNvGrpSpPr/>
-        <p:nvPr/>
-      </p:nvGrpSpPr>
-      <p:grpSpPr>
-        <a:xfrm>
-          <a:off x="0" y="0"/>
-          <a:ext cx="0" cy="0"/>
-          <a:chOff x="0" y="0"/>
-          <a:chExt cx="0" cy="0"/>
-        </a:xfrm>
-      </p:grpSpPr>
-      <p:sp>
-        <p:nvSpPr>
-          <p:cNvPr id="4" name="標題 3">
-            <a:extLst>
-              <a:ext uri="{FF2B5EF4-FFF2-40B4-BE49-F238E27FC236}">
-                <a16:creationId xmlns:a16="http://schemas.microsoft.com/office/drawing/2014/main" id="{65D8D0B7-A88F-8444-A50B-614843E904C6}"/>
-              </a:ext>
-            </a:extLst>
-          </p:cNvPr>
-          <p:cNvSpPr>
-            <a:spLocks noGrp="1"/>
-          </p:cNvSpPr>
-          <p:nvPr>
-            <p:ph type="title"/>
-          </p:nvPr>
-        </p:nvSpPr>
-        <p:spPr/>
-        <p:txBody>
-          <a:bodyPr/>
-          <a:lstStyle/>
-          <a:p>
-            <a:r>
-              <a:rPr lang="en-US" altLang="zh-TW" dirty="0">
-                <a:solidFill>
-                  <a:srgbClr val="4AAC99"/>
-                </a:solidFill>
-                <a:latin typeface="Microsoft JhengHei" panose="020B0604030504040204" pitchFamily="34" charset="-120"/>
-              </a:rPr>
-              <a:t>01</a:t>
-            </a:r>
-            <a:endParaRPr lang="zh-TW" altLang="en-US" dirty="0">
-              <a:solidFill>
-                <a:srgbClr val="4AAC99"/>
-              </a:solidFill>
-              <a:latin typeface="Microsoft JhengHei" panose="020B0604030504040204" pitchFamily="34" charset="-120"/>
-            </a:endParaRPr>
-          </a:p>
-        </p:txBody>
-      </p:sp>
-      <p:sp>
-        <p:nvSpPr>
-          <p:cNvPr id="5" name="文字版面配置區 4">
-            <a:extLst>
-              <a:ext uri="{FF2B5EF4-FFF2-40B4-BE49-F238E27FC236}">
-                <a16:creationId xmlns:a16="http://schemas.microsoft.com/office/drawing/2014/main" id="{001D45A4-756B-054A-88C9-BD20D1A2C25B}"/>
-              </a:ext>
-            </a:extLst>
-          </p:cNvPr>
-          <p:cNvSpPr>
-            <a:spLocks noGrp="1"/>
-          </p:cNvSpPr>
-          <p:nvPr>
-            <p:ph type="body" sz="quarter" idx="13"/>
-          </p:nvPr>
-        </p:nvSpPr>
-        <p:spPr>
-          <a:xfrm>
-            <a:off x="2104373" y="3171031"/>
-            <a:ext cx="4982227" cy="515938"/>
-          </a:xfrm>
-        </p:spPr>
-        <p:txBody>
-          <a:bodyPr/>
-          <a:lstStyle/>
-          <a:p>
-            <a:r>
-              <a:rPr lang="zh-TW" altLang="en-US" dirty="0">
-                <a:latin typeface="Microsoft JhengHei" panose="020B0604030504040204" pitchFamily="34" charset="-120"/>
-                <a:ea typeface="Microsoft JhengHei" panose="020B0604030504040204" pitchFamily="34" charset="-120"/>
-              </a:rPr>
-              <a:t>現有問題描述</a:t>
-            </a:r>
-            <a:r>
-              <a:rPr lang="en-US" altLang="zh-TW" dirty="0">
-                <a:latin typeface="Microsoft JhengHei" panose="020B0604030504040204" pitchFamily="34" charset="-120"/>
-                <a:ea typeface="Microsoft JhengHei" panose="020B0604030504040204" pitchFamily="34" charset="-120"/>
-              </a:rPr>
-              <a:t> &amp; </a:t>
-            </a:r>
-            <a:r>
-              <a:rPr lang="zh-TW" altLang="en-US" dirty="0">
-                <a:latin typeface="Microsoft JhengHei" panose="020B0604030504040204" pitchFamily="34" charset="-120"/>
-                <a:ea typeface="Microsoft JhengHei" panose="020B0604030504040204" pitchFamily="34" charset="-120"/>
-              </a:rPr>
-              <a:t>本專案優勢</a:t>
-            </a:r>
-          </a:p>
-        </p:txBody>
-      </p:sp>
-      <p:sp>
-        <p:nvSpPr>
-          <p:cNvPr id="7" name="文字版面配置區 5">
-            <a:extLst>
-              <a:ext uri="{FF2B5EF4-FFF2-40B4-BE49-F238E27FC236}">
-                <a16:creationId xmlns:a16="http://schemas.microsoft.com/office/drawing/2014/main" id="{CF12E081-28BC-3540-9573-6482A85FF98C}"/>
-              </a:ext>
-            </a:extLst>
-          </p:cNvPr>
-          <p:cNvSpPr>
-            <a:spLocks noGrp="1"/>
-          </p:cNvSpPr>
-          <p:nvPr>
-            <p:ph type="body" sz="quarter" idx="14"/>
-          </p:nvPr>
-        </p:nvSpPr>
-        <p:spPr>
-          <a:xfrm>
-            <a:off x="1649476" y="4057721"/>
-            <a:ext cx="3540179" cy="2090044"/>
-          </a:xfrm>
-        </p:spPr>
-        <p:txBody>
-          <a:bodyPr/>
-          <a:lstStyle/>
-          <a:p>
-            <a:r>
-              <a:rPr lang="zh-CN" altLang="en-US" dirty="0">
-                <a:latin typeface="Microsoft JhengHei" panose="020B0604030504040204" pitchFamily="34" charset="-120"/>
-                <a:ea typeface="Microsoft JhengHei" panose="020B0604030504040204" pitchFamily="34" charset="-120"/>
-              </a:rPr>
-              <a:t>新聞重要性篩選</a:t>
-            </a:r>
-            <a:endParaRPr lang="en-US" altLang="zh-CN" dirty="0">
-              <a:latin typeface="Microsoft JhengHei" panose="020B0604030504040204" pitchFamily="34" charset="-120"/>
-              <a:ea typeface="Microsoft JhengHei" panose="020B0604030504040204" pitchFamily="34" charset="-120"/>
-            </a:endParaRPr>
-          </a:p>
-          <a:p>
-            <a:r>
-              <a:rPr lang="zh-CN" altLang="en-US" dirty="0">
-                <a:latin typeface="Microsoft JhengHei" panose="020B0604030504040204" pitchFamily="34" charset="-120"/>
-                <a:ea typeface="Microsoft JhengHei" panose="020B0604030504040204" pitchFamily="34" charset="-120"/>
-              </a:rPr>
-              <a:t>評分延遲</a:t>
-            </a:r>
-            <a:endParaRPr lang="en-US" altLang="zh-CN" dirty="0">
-              <a:latin typeface="Microsoft JhengHei" panose="020B0604030504040204" pitchFamily="34" charset="-120"/>
-              <a:ea typeface="Microsoft JhengHei" panose="020B0604030504040204" pitchFamily="34" charset="-120"/>
-            </a:endParaRPr>
-          </a:p>
-          <a:p>
-            <a:r>
-              <a:rPr lang="zh-CN" altLang="en-US" dirty="0">
-                <a:latin typeface="Microsoft JhengHei" panose="020B0604030504040204" pitchFamily="34" charset="-120"/>
-                <a:ea typeface="Microsoft JhengHei" panose="020B0604030504040204" pitchFamily="34" charset="-120"/>
-              </a:rPr>
-              <a:t>專家看法不一致</a:t>
-            </a:r>
-            <a:endParaRPr lang="en-US" altLang="zh-CN" dirty="0">
-              <a:latin typeface="Microsoft JhengHei" panose="020B0604030504040204" pitchFamily="34" charset="-120"/>
-              <a:ea typeface="Microsoft JhengHei" panose="020B0604030504040204" pitchFamily="34" charset="-120"/>
-            </a:endParaRPr>
-          </a:p>
-          <a:p>
-            <a:endParaRPr lang="zh-CN" altLang="en-US" dirty="0">
-              <a:latin typeface="Microsoft JhengHei" panose="020B0604030504040204" pitchFamily="34" charset="-120"/>
-              <a:ea typeface="Microsoft JhengHei" panose="020B0604030504040204" pitchFamily="34" charset="-120"/>
-            </a:endParaRPr>
-          </a:p>
-        </p:txBody>
-      </p:sp>
-      <p:sp>
-        <p:nvSpPr>
-          <p:cNvPr id="6" name="文字版面配置區 5">
-            <a:extLst>
-              <a:ext uri="{FF2B5EF4-FFF2-40B4-BE49-F238E27FC236}">
-                <a16:creationId xmlns:a16="http://schemas.microsoft.com/office/drawing/2014/main" id="{F8CB9A80-E793-504E-8E30-6280D6E91964}"/>
-              </a:ext>
-            </a:extLst>
-          </p:cNvPr>
-          <p:cNvSpPr txBox="1">
-            <a:spLocks/>
-          </p:cNvSpPr>
-          <p:nvPr/>
-        </p:nvSpPr>
-        <p:spPr>
-          <a:xfrm>
-            <a:off x="4267495" y="3872345"/>
-            <a:ext cx="3540179" cy="2090044"/>
-          </a:xfrm>
-          <a:prstGeom prst="rect">
-            <a:avLst/>
-          </a:prstGeom>
-        </p:spPr>
-        <p:txBody>
-          <a:bodyPr vert="horz" lIns="91440" tIns="45720" rIns="91440" bIns="45720" rtlCol="0">
-            <a:noAutofit/>
-          </a:bodyPr>
-          <a:lstStyle>
-            <a:lvl1pPr marL="0" indent="0" algn="ctr" defTabSz="914400" rtl="0" eaLnBrk="1" latinLnBrk="0" hangingPunct="1">
-              <a:lnSpc>
-                <a:spcPct val="90000"/>
-              </a:lnSpc>
-              <a:spcBef>
-                <a:spcPts val="1000"/>
-              </a:spcBef>
-              <a:buFont typeface="Arial" panose="020B0604020202020204" pitchFamily="34" charset="0"/>
-              <a:buNone/>
-              <a:defRPr sz="2000" b="0" kern="1200">
-                <a:solidFill>
-                  <a:schemeClr val="tx1"/>
-                </a:solidFill>
-                <a:latin typeface="+mj-ea"/>
-                <a:ea typeface="+mj-ea"/>
-                <a:cs typeface="+mn-cs"/>
-              </a:defRPr>
-            </a:lvl1pPr>
-            <a:lvl2pPr marL="457200" indent="0" algn="l" defTabSz="914400" rtl="0" eaLnBrk="1" latinLnBrk="0" hangingPunct="1">
-              <a:lnSpc>
-                <a:spcPct val="90000"/>
-              </a:lnSpc>
-              <a:spcBef>
-                <a:spcPts val="500"/>
-              </a:spcBef>
-              <a:buFont typeface="Arial" panose="020B0604020202020204" pitchFamily="34" charset="0"/>
-              <a:buNone/>
-              <a:defRPr sz="2400" kern="1200">
-                <a:solidFill>
-                  <a:schemeClr val="tx1"/>
-                </a:solidFill>
-                <a:latin typeface="Microsoft JhengHei" panose="020B0604030504040204" pitchFamily="34" charset="-120"/>
-                <a:ea typeface="Microsoft JhengHei" panose="020B0604030504040204" pitchFamily="34" charset="-120"/>
-                <a:cs typeface="+mn-cs"/>
-              </a:defRPr>
-            </a:lvl2pPr>
-            <a:lvl3pPr marL="914400" indent="0" algn="l" defTabSz="914400" rtl="0" eaLnBrk="1" latinLnBrk="0" hangingPunct="1">
-              <a:lnSpc>
-                <a:spcPct val="90000"/>
-              </a:lnSpc>
-              <a:spcBef>
-                <a:spcPts val="500"/>
-              </a:spcBef>
-              <a:buFont typeface="Arial" panose="020B0604020202020204" pitchFamily="34" charset="0"/>
-              <a:buNone/>
-              <a:defRPr sz="2000" kern="1200">
-                <a:solidFill>
-                  <a:schemeClr val="tx1"/>
-                </a:solidFill>
-                <a:latin typeface="Microsoft JhengHei" panose="020B0604030504040204" pitchFamily="34" charset="-120"/>
-                <a:ea typeface="Microsoft JhengHei" panose="020B0604030504040204" pitchFamily="34" charset="-120"/>
-                <a:cs typeface="+mn-cs"/>
-              </a:defRPr>
-            </a:lvl3pPr>
-            <a:lvl4pPr marL="1371600" indent="0" algn="l" defTabSz="914400" rtl="0" eaLnBrk="1" latinLnBrk="0" hangingPunct="1">
-              <a:lnSpc>
-                <a:spcPct val="90000"/>
-              </a:lnSpc>
-              <a:spcBef>
-                <a:spcPts val="500"/>
-              </a:spcBef>
-              <a:buFont typeface="Arial" panose="020B0604020202020204" pitchFamily="34" charset="0"/>
-              <a:buNone/>
-              <a:defRPr sz="1800" kern="1200">
-                <a:solidFill>
-                  <a:schemeClr val="tx1"/>
-                </a:solidFill>
-                <a:latin typeface="Microsoft JhengHei" panose="020B0604030504040204" pitchFamily="34" charset="-120"/>
-                <a:ea typeface="Microsoft JhengHei" panose="020B0604030504040204" pitchFamily="34" charset="-120"/>
-                <a:cs typeface="+mn-cs"/>
-              </a:defRPr>
-            </a:lvl4pPr>
-            <a:lvl5pPr marL="1828800" indent="0" algn="l" defTabSz="914400" rtl="0" eaLnBrk="1" latinLnBrk="0" hangingPunct="1">
-              <a:lnSpc>
-                <a:spcPct val="90000"/>
-              </a:lnSpc>
-              <a:spcBef>
-                <a:spcPts val="500"/>
-              </a:spcBef>
-              <a:buFont typeface="Arial" panose="020B0604020202020204" pitchFamily="34" charset="0"/>
-              <a:buNone/>
-              <a:defRPr sz="1800" kern="1200">
-                <a:solidFill>
-                  <a:schemeClr val="tx1"/>
-                </a:solidFill>
-                <a:latin typeface="Microsoft JhengHei" panose="020B0604030504040204" pitchFamily="34" charset="-120"/>
-                <a:ea typeface="Microsoft JhengHei" panose="020B0604030504040204" pitchFamily="34" charset="-120"/>
-                <a:cs typeface="+mn-cs"/>
-              </a:defRPr>
-            </a:lvl5pPr>
-            <a:lvl6pPr marL="2514600" indent="-228600" algn="l" defTabSz="914400" rtl="0" eaLnBrk="1" latinLnBrk="0" hangingPunct="1">
-              <a:lnSpc>
-                <a:spcPct val="90000"/>
-              </a:lnSpc>
-              <a:spcBef>
-                <a:spcPts val="500"/>
-              </a:spcBef>
-              <a:buFont typeface="Arial" panose="020B0604020202020204" pitchFamily="34" charset="0"/>
-              <a:buChar char="•"/>
-              <a:defRPr sz="1800" kern="1200">
-                <a:solidFill>
-                  <a:schemeClr val="tx1"/>
-                </a:solidFill>
-                <a:latin typeface="+mn-lt"/>
-                <a:ea typeface="+mn-ea"/>
-                <a:cs typeface="+mn-cs"/>
-              </a:defRPr>
-            </a:lvl6pPr>
-            <a:lvl7pPr marL="2971800" indent="-228600" algn="l" defTabSz="914400" rtl="0" eaLnBrk="1" latinLnBrk="0" hangingPunct="1">
-              <a:lnSpc>
-                <a:spcPct val="90000"/>
-              </a:lnSpc>
-              <a:spcBef>
-                <a:spcPts val="500"/>
-              </a:spcBef>
-              <a:buFont typeface="Arial" panose="020B0604020202020204" pitchFamily="34" charset="0"/>
-              <a:buChar char="•"/>
-              <a:defRPr sz="1800" kern="1200">
-                <a:solidFill>
-                  <a:schemeClr val="tx1"/>
-                </a:solidFill>
-                <a:latin typeface="+mn-lt"/>
-                <a:ea typeface="+mn-ea"/>
-                <a:cs typeface="+mn-cs"/>
-              </a:defRPr>
-            </a:lvl7pPr>
-            <a:lvl8pPr marL="3429000" indent="-228600" algn="l" defTabSz="914400" rtl="0" eaLnBrk="1" latinLnBrk="0" hangingPunct="1">
-              <a:lnSpc>
-                <a:spcPct val="90000"/>
-              </a:lnSpc>
-              <a:spcBef>
-                <a:spcPts val="500"/>
-              </a:spcBef>
-              <a:buFont typeface="Arial" panose="020B0604020202020204" pitchFamily="34" charset="0"/>
-              <a:buChar char="•"/>
-              <a:defRPr sz="1800" kern="1200">
-                <a:solidFill>
-                  <a:schemeClr val="tx1"/>
-                </a:solidFill>
-                <a:latin typeface="+mn-lt"/>
-                <a:ea typeface="+mn-ea"/>
-                <a:cs typeface="+mn-cs"/>
-              </a:defRPr>
-            </a:lvl8pPr>
-            <a:lvl9pPr marL="3886200" indent="-228600" algn="l" defTabSz="914400" rtl="0" eaLnBrk="1" latinLnBrk="0" hangingPunct="1">
-              <a:lnSpc>
-                <a:spcPct val="90000"/>
-              </a:lnSpc>
-              <a:spcBef>
-                <a:spcPts val="500"/>
-              </a:spcBef>
-              <a:buFont typeface="Arial" panose="020B0604020202020204" pitchFamily="34" charset="0"/>
-              <a:buChar char="•"/>
-              <a:defRPr sz="1800" kern="1200">
-                <a:solidFill>
-                  <a:schemeClr val="tx1"/>
-                </a:solidFill>
-                <a:latin typeface="+mn-lt"/>
-                <a:ea typeface="+mn-ea"/>
-                <a:cs typeface="+mn-cs"/>
-              </a:defRPr>
-            </a:lvl9pPr>
-          </a:lstStyle>
-          <a:p>
-            <a:r>
-              <a:rPr lang="zh-CN" altLang="en-US" dirty="0">
-                <a:latin typeface="Microsoft JhengHei" panose="020B0604030504040204" pitchFamily="34" charset="-120"/>
-                <a:ea typeface="Microsoft JhengHei" panose="020B0604030504040204" pitchFamily="34" charset="-120"/>
-              </a:rPr>
-              <a:t>準確的新聞評分</a:t>
-            </a:r>
-            <a:endParaRPr lang="en-US" altLang="zh-CN" dirty="0">
-              <a:latin typeface="Microsoft JhengHei" panose="020B0604030504040204" pitchFamily="34" charset="-120"/>
-              <a:ea typeface="Microsoft JhengHei" panose="020B0604030504040204" pitchFamily="34" charset="-120"/>
-            </a:endParaRPr>
-          </a:p>
-          <a:p>
-            <a:r>
-              <a:rPr lang="zh-TW" altLang="en-US" dirty="0">
-                <a:latin typeface="Microsoft JhengHei" panose="020B0604030504040204" pitchFamily="34" charset="-120"/>
-                <a:ea typeface="Microsoft JhengHei" panose="020B0604030504040204" pitchFamily="34" charset="-120"/>
-              </a:rPr>
-              <a:t>過濾不重要的訊息</a:t>
-            </a:r>
-            <a:endParaRPr lang="en-US" altLang="zh-TW" dirty="0">
-              <a:latin typeface="Microsoft JhengHei" panose="020B0604030504040204" pitchFamily="34" charset="-120"/>
-              <a:ea typeface="Microsoft JhengHei" panose="020B0604030504040204" pitchFamily="34" charset="-120"/>
-            </a:endParaRPr>
-          </a:p>
-          <a:p>
-            <a:r>
-              <a:rPr lang="zh-TW" altLang="en-US" dirty="0">
-                <a:latin typeface="Microsoft JhengHei" panose="020B0604030504040204" pitchFamily="34" charset="-120"/>
-                <a:ea typeface="Microsoft JhengHei" panose="020B0604030504040204" pitchFamily="34" charset="-120"/>
-              </a:rPr>
-              <a:t>提供即時資訊</a:t>
-            </a:r>
-            <a:endParaRPr lang="en-US" altLang="zh-TW" dirty="0">
-              <a:latin typeface="Microsoft JhengHei" panose="020B0604030504040204" pitchFamily="34" charset="-120"/>
-              <a:ea typeface="Microsoft JhengHei" panose="020B0604030504040204" pitchFamily="34" charset="-120"/>
-            </a:endParaRPr>
-          </a:p>
-          <a:p>
-            <a:r>
-              <a:rPr lang="zh-CN" altLang="en-US" dirty="0">
-                <a:latin typeface="Microsoft JhengHei" panose="020B0604030504040204" pitchFamily="34" charset="-120"/>
-                <a:ea typeface="Microsoft JhengHei" panose="020B0604030504040204" pitchFamily="34" charset="-120"/>
-              </a:rPr>
-              <a:t>可作為投資參考工具</a:t>
-            </a:r>
-          </a:p>
-        </p:txBody>
-      </p:sp>
-    </p:spTree>
-    <p:extLst>
-      <p:ext uri="{BB962C8B-B14F-4D97-AF65-F5344CB8AC3E}">
-        <p14:creationId xmlns:p14="http://schemas.microsoft.com/office/powerpoint/2010/main" val="1277360429"/>
-      </p:ext>
-    </p:extLst>
-  </p:cSld>
-  <p:clrMapOvr>
-    <a:masterClrMapping/>
-  </p:clrMapOvr>
-</p:sld>
-</file>
-
-<file path=ppt/slides/slide30.xml><?xml version="1.0" encoding="utf-8"?>
+<file path=ppt/slides/slide31.xml><?xml version="1.0" encoding="utf-8"?>
 <p:sld xmlns:a="http://schemas.openxmlformats.org/drawingml/2006/main" xmlns:r="http://schemas.openxmlformats.org/officeDocument/2006/relationships" xmlns:p="http://schemas.openxmlformats.org/presentationml/2006/main">
   <p:cSld>
     <p:spTree>
@@ -21581,7 +22221,7 @@
             <a:fld id="{80929F01-733D-5847-83A7-C9CEA74310DB}" type="slidenum">
               <a:rPr kumimoji="1" lang="zh-TW" altLang="en-US" smtClean="0"/>
               <a:pPr/>
-              <a:t>30</a:t>
+              <a:t>31</a:t>
             </a:fld>
             <a:endParaRPr kumimoji="1" lang="zh-TW" altLang="en-US" dirty="0"/>
           </a:p>
@@ -23374,7 +24014,7 @@
 </p:sld>
 </file>
 
-<file path=ppt/slides/slide31.xml><?xml version="1.0" encoding="utf-8"?>
+<file path=ppt/slides/slide32.xml><?xml version="1.0" encoding="utf-8"?>
 <p:sld xmlns:a="http://schemas.openxmlformats.org/drawingml/2006/main" xmlns:r="http://schemas.openxmlformats.org/officeDocument/2006/relationships" xmlns:p="http://schemas.openxmlformats.org/presentationml/2006/main">
   <p:cSld>
     <p:spTree>
@@ -23496,7 +24136,7 @@
             <a:fld id="{80929F01-733D-5847-83A7-C9CEA74310DB}" type="slidenum">
               <a:rPr kumimoji="1" lang="zh-TW" altLang="en-US" smtClean="0"/>
               <a:pPr/>
-              <a:t>31</a:t>
+              <a:t>32</a:t>
             </a:fld>
             <a:endParaRPr kumimoji="1" lang="zh-TW" altLang="en-US" dirty="0"/>
           </a:p>
@@ -24224,7 +24864,7 @@
 </p:sld>
 </file>
 
-<file path=ppt/slides/slide32.xml><?xml version="1.0" encoding="utf-8"?>
+<file path=ppt/slides/slide33.xml><?xml version="1.0" encoding="utf-8"?>
 <p:sld xmlns:a="http://schemas.openxmlformats.org/drawingml/2006/main" xmlns:r="http://schemas.openxmlformats.org/officeDocument/2006/relationships" xmlns:p="http://schemas.openxmlformats.org/presentationml/2006/main">
   <p:cSld>
     <p:spTree>
@@ -24327,7 +24967,7 @@
             <a:fld id="{80929F01-733D-5847-83A7-C9CEA74310DB}" type="slidenum">
               <a:rPr kumimoji="1" lang="zh-TW" altLang="en-US" smtClean="0"/>
               <a:pPr/>
-              <a:t>32</a:t>
+              <a:t>33</a:t>
             </a:fld>
             <a:endParaRPr kumimoji="1" lang="zh-TW" altLang="en-US" dirty="0"/>
           </a:p>
@@ -25363,7 +26003,7 @@
 </p:sld>
 </file>
 
-<file path=ppt/slides/slide33.xml><?xml version="1.0" encoding="utf-8"?>
+<file path=ppt/slides/slide34.xml><?xml version="1.0" encoding="utf-8"?>
 <p:sld xmlns:a="http://schemas.openxmlformats.org/drawingml/2006/main" xmlns:r="http://schemas.openxmlformats.org/officeDocument/2006/relationships" xmlns:p="http://schemas.openxmlformats.org/presentationml/2006/main">
   <p:cSld>
     <p:spTree>
@@ -25539,7 +26179,7 @@
             <a:fld id="{80929F01-733D-5847-83A7-C9CEA74310DB}" type="slidenum">
               <a:rPr kumimoji="1" lang="zh-TW" altLang="en-US" smtClean="0"/>
               <a:pPr/>
-              <a:t>33</a:t>
+              <a:t>34</a:t>
             </a:fld>
             <a:endParaRPr kumimoji="1" lang="zh-TW" altLang="en-US" dirty="0"/>
           </a:p>
@@ -25696,7 +26336,7 @@
 </p:sld>
 </file>
 
-<file path=ppt/slides/slide34.xml><?xml version="1.0" encoding="utf-8"?>
+<file path=ppt/slides/slide35.xml><?xml version="1.0" encoding="utf-8"?>
 <p:sld xmlns:a="http://schemas.openxmlformats.org/drawingml/2006/main" xmlns:r="http://schemas.openxmlformats.org/officeDocument/2006/relationships" xmlns:p="http://schemas.openxmlformats.org/presentationml/2006/main">
   <p:cSld>
     <p:spTree>
@@ -25879,7 +26519,7 @@
             <a:fld id="{80929F01-733D-5847-83A7-C9CEA74310DB}" type="slidenum">
               <a:rPr kumimoji="1" lang="zh-TW" altLang="en-US" smtClean="0"/>
               <a:pPr/>
-              <a:t>34</a:t>
+              <a:t>35</a:t>
             </a:fld>
             <a:endParaRPr kumimoji="1" lang="zh-TW" altLang="en-US" dirty="0"/>
           </a:p>
@@ -26455,7 +27095,7 @@
 </p:sld>
 </file>
 
-<file path=ppt/slides/slide35.xml><?xml version="1.0" encoding="utf-8"?>
+<file path=ppt/slides/slide36.xml><?xml version="1.0" encoding="utf-8"?>
 <p:sld xmlns:a="http://schemas.openxmlformats.org/drawingml/2006/main" xmlns:r="http://schemas.openxmlformats.org/officeDocument/2006/relationships" xmlns:p="http://schemas.openxmlformats.org/presentationml/2006/main">
   <p:cSld>
     <p:spTree>
@@ -26554,7 +27194,7 @@
             <a:fld id="{80929F01-733D-5847-83A7-C9CEA74310DB}" type="slidenum">
               <a:rPr kumimoji="1" lang="zh-TW" altLang="en-US" smtClean="0"/>
               <a:pPr/>
-              <a:t>35</a:t>
+              <a:t>36</a:t>
             </a:fld>
             <a:endParaRPr kumimoji="1" lang="zh-TW" altLang="en-US" dirty="0"/>
           </a:p>
@@ -27172,7 +27812,7 @@
           <p:nvPr>
             <p:extLst>
               <p:ext uri="{D42A27DB-BD31-4B8C-83A1-F6EECF244321}">
-                <p14:modId xmlns:p14="http://schemas.microsoft.com/office/powerpoint/2010/main" val="4262583109"/>
+                <p14:modId xmlns:p14="http://schemas.microsoft.com/office/powerpoint/2010/main" val="3599135759"/>
               </p:ext>
             </p:extLst>
           </p:nvPr>
@@ -27374,13 +28014,19 @@
                     <a:p>
                       <a:pPr algn="ctr"/>
                       <a:r>
-                        <a:rPr lang="en-US" altLang="zh-TW" dirty="0">
+                        <a:rPr lang="en-US" altLang="zh-TW" b="1" dirty="0">
+                          <a:solidFill>
+                            <a:srgbClr val="FF0000"/>
+                          </a:solidFill>
                           <a:latin typeface="Microsoft JhengHei" panose="020B0604030504040204" pitchFamily="34" charset="-120"/>
                           <a:ea typeface="Microsoft JhengHei" panose="020B0604030504040204" pitchFamily="34" charset="-120"/>
                         </a:rPr>
                         <a:t>0.716</a:t>
                       </a:r>
-                      <a:endParaRPr lang="zh-TW" altLang="en-US" dirty="0">
+                      <a:endParaRPr lang="zh-TW" altLang="en-US" b="1" dirty="0">
+                        <a:solidFill>
+                          <a:srgbClr val="FF0000"/>
+                        </a:solidFill>
                         <a:latin typeface="Microsoft JhengHei" panose="020B0604030504040204" pitchFamily="34" charset="-120"/>
                         <a:ea typeface="Microsoft JhengHei" panose="020B0604030504040204" pitchFamily="34" charset="-120"/>
                       </a:endParaRPr>
@@ -27502,7 +28148,7 @@
 </p:sld>
 </file>
 
-<file path=ppt/slides/slide36.xml><?xml version="1.0" encoding="utf-8"?>
+<file path=ppt/slides/slide37.xml><?xml version="1.0" encoding="utf-8"?>
 <p:sld xmlns:a="http://schemas.openxmlformats.org/drawingml/2006/main" xmlns:r="http://schemas.openxmlformats.org/officeDocument/2006/relationships" xmlns:p="http://schemas.openxmlformats.org/presentationml/2006/main">
   <p:cSld>
     <p:spTree>
@@ -27601,7 +28247,7 @@
             <a:fld id="{80929F01-733D-5847-83A7-C9CEA74310DB}" type="slidenum">
               <a:rPr kumimoji="1" lang="zh-TW" altLang="en-US" smtClean="0"/>
               <a:pPr/>
-              <a:t>36</a:t>
+              <a:t>37</a:t>
             </a:fld>
             <a:endParaRPr kumimoji="1" lang="zh-TW" altLang="en-US" dirty="0"/>
           </a:p>
@@ -28143,7 +28789,7 @@
 </p:sld>
 </file>
 
-<file path=ppt/slides/slide37.xml><?xml version="1.0" encoding="utf-8"?>
+<file path=ppt/slides/slide38.xml><?xml version="1.0" encoding="utf-8"?>
 <p:sld xmlns:a="http://schemas.openxmlformats.org/drawingml/2006/main" xmlns:r="http://schemas.openxmlformats.org/officeDocument/2006/relationships" xmlns:p="http://schemas.openxmlformats.org/presentationml/2006/main">
   <p:cSld>
     <p:spTree>
@@ -28242,7 +28888,7 @@
             <a:fld id="{80929F01-733D-5847-83A7-C9CEA74310DB}" type="slidenum">
               <a:rPr kumimoji="1" lang="zh-TW" altLang="en-US" smtClean="0"/>
               <a:pPr/>
-              <a:t>37</a:t>
+              <a:t>38</a:t>
             </a:fld>
             <a:endParaRPr kumimoji="1" lang="zh-TW" altLang="en-US" dirty="0"/>
           </a:p>
@@ -28424,8 +29070,8 @@
         </p:nvSpPr>
         <p:spPr>
           <a:xfrm>
-            <a:off x="341682" y="1344663"/>
-            <a:ext cx="2878035" cy="4832092"/>
+            <a:off x="334788" y="1180673"/>
+            <a:ext cx="2878035" cy="5170646"/>
           </a:xfrm>
           <a:prstGeom prst="rect">
             <a:avLst/>
@@ -28443,20 +29089,20 @@
               <a:buChar char="•"/>
             </a:pPr>
             <a:r>
-              <a:rPr kumimoji="1" lang="zh-TW" altLang="en-US" dirty="0">
-                <a:latin typeface="Microsoft JhengHei" panose="020B0604030504040204" pitchFamily="34" charset="-120"/>
-                <a:ea typeface="Microsoft JhengHei" panose="020B0604030504040204" pitchFamily="34" charset="-120"/>
-              </a:rPr>
-              <a:t>在將資料輸入上傳到網頁前，我們會將：</a:t>
-            </a:r>
-            <a:endParaRPr kumimoji="1" lang="en-US" altLang="zh-TW" dirty="0">
+              <a:rPr kumimoji="1" lang="zh-TW" altLang="en-US" sz="1600" dirty="0">
+                <a:latin typeface="Microsoft JhengHei" panose="020B0604030504040204" pitchFamily="34" charset="-120"/>
+                <a:ea typeface="Microsoft JhengHei" panose="020B0604030504040204" pitchFamily="34" charset="-120"/>
+              </a:rPr>
+              <a:t>在將資料輸入上傳到網頁的同時，我們會將：</a:t>
+            </a:r>
+            <a:endParaRPr kumimoji="1" lang="en-US" altLang="zh-TW" sz="1600" dirty="0">
               <a:latin typeface="Microsoft JhengHei" panose="020B0604030504040204" pitchFamily="34" charset="-120"/>
               <a:ea typeface="Microsoft JhengHei" panose="020B0604030504040204" pitchFamily="34" charset="-120"/>
             </a:endParaRPr>
           </a:p>
           <a:p>
             <a:pPr lvl="1"/>
-            <a:endParaRPr kumimoji="1" lang="en-US" altLang="zh-TW" sz="1000" dirty="0">
+            <a:endParaRPr kumimoji="1" lang="en-US" altLang="zh-TW" sz="900" dirty="0">
               <a:latin typeface="Microsoft JhengHei" panose="020B0604030504040204" pitchFamily="34" charset="-120"/>
               <a:ea typeface="Microsoft JhengHei" panose="020B0604030504040204" pitchFamily="34" charset="-120"/>
             </a:endParaRPr>
@@ -28466,13 +29112,13 @@
               <a:buAutoNum type="arabicPeriod"/>
             </a:pPr>
             <a:r>
-              <a:rPr kumimoji="1" lang="zh-CN" altLang="en-US" dirty="0">
+              <a:rPr kumimoji="1" lang="zh-CN" altLang="en-US" sz="1600" dirty="0">
                 <a:latin typeface="Microsoft JhengHei" panose="020B0604030504040204" pitchFamily="34" charset="-120"/>
                 <a:ea typeface="Microsoft JhengHei" panose="020B0604030504040204" pitchFamily="34" charset="-120"/>
               </a:rPr>
               <a:t>股票代碼</a:t>
             </a:r>
-            <a:endParaRPr kumimoji="1" lang="en-US" altLang="zh-CN" dirty="0">
+            <a:endParaRPr kumimoji="1" lang="en-US" altLang="zh-CN" sz="1600" dirty="0">
               <a:latin typeface="Microsoft JhengHei" panose="020B0604030504040204" pitchFamily="34" charset="-120"/>
               <a:ea typeface="Microsoft JhengHei" panose="020B0604030504040204" pitchFamily="34" charset="-120"/>
             </a:endParaRPr>
@@ -28482,13 +29128,13 @@
               <a:buAutoNum type="arabicPeriod"/>
             </a:pPr>
             <a:r>
-              <a:rPr kumimoji="1" lang="zh-TW" altLang="en-US" dirty="0">
+              <a:rPr kumimoji="1" lang="zh-TW" altLang="en-US" sz="1600" dirty="0">
                 <a:latin typeface="Microsoft JhengHei" panose="020B0604030504040204" pitchFamily="34" charset="-120"/>
                 <a:ea typeface="Microsoft JhengHei" panose="020B0604030504040204" pitchFamily="34" charset="-120"/>
               </a:rPr>
               <a:t>公司名稱</a:t>
             </a:r>
-            <a:endParaRPr kumimoji="1" lang="en-US" altLang="zh-TW" dirty="0">
+            <a:endParaRPr kumimoji="1" lang="en-US" altLang="zh-TW" sz="1600" dirty="0">
               <a:latin typeface="Microsoft JhengHei" panose="020B0604030504040204" pitchFamily="34" charset="-120"/>
               <a:ea typeface="Microsoft JhengHei" panose="020B0604030504040204" pitchFamily="34" charset="-120"/>
             </a:endParaRPr>
@@ -28498,13 +29144,13 @@
               <a:buAutoNum type="arabicPeriod"/>
             </a:pPr>
             <a:r>
-              <a:rPr kumimoji="1" lang="zh-CN" altLang="en-US" dirty="0">
-                <a:latin typeface="Microsoft JhengHei" panose="020B0604030504040204" pitchFamily="34" charset="-120"/>
-                <a:ea typeface="Microsoft JhengHei" panose="020B0604030504040204" pitchFamily="34" charset="-120"/>
-              </a:rPr>
-              <a:t>發生時間</a:t>
-            </a:r>
-            <a:endParaRPr kumimoji="1" lang="en-US" altLang="zh-TW" dirty="0">
+              <a:rPr kumimoji="1" lang="zh-CN" altLang="en-US" sz="1600" dirty="0">
+                <a:latin typeface="Microsoft JhengHei" panose="020B0604030504040204" pitchFamily="34" charset="-120"/>
+                <a:ea typeface="Microsoft JhengHei" panose="020B0604030504040204" pitchFamily="34" charset="-120"/>
+              </a:rPr>
+              <a:t>發生日期</a:t>
+            </a:r>
+            <a:endParaRPr kumimoji="1" lang="en-US" altLang="zh-CN" sz="1600" dirty="0">
               <a:latin typeface="Microsoft JhengHei" panose="020B0604030504040204" pitchFamily="34" charset="-120"/>
               <a:ea typeface="Microsoft JhengHei" panose="020B0604030504040204" pitchFamily="34" charset="-120"/>
             </a:endParaRPr>
@@ -28514,84 +29160,135 @@
               <a:buAutoNum type="arabicPeriod"/>
             </a:pPr>
             <a:r>
-              <a:rPr kumimoji="1" lang="zh-TW" altLang="en-US" dirty="0">
-                <a:latin typeface="Microsoft JhengHei" panose="020B0604030504040204" pitchFamily="34" charset="-120"/>
-                <a:ea typeface="Microsoft JhengHei" panose="020B0604030504040204" pitchFamily="34" charset="-120"/>
-              </a:rPr>
-              <a:t>預測漲跌狀態</a:t>
-            </a:r>
-            <a:endParaRPr kumimoji="1" lang="en-US" altLang="zh-TW" dirty="0">
+              <a:rPr kumimoji="1" lang="zh-CN" altLang="en-US" sz="1600" dirty="0">
+                <a:latin typeface="Microsoft JhengHei" panose="020B0604030504040204" pitchFamily="34" charset="-120"/>
+                <a:ea typeface="Microsoft JhengHei" panose="020B0604030504040204" pitchFamily="34" charset="-120"/>
+              </a:rPr>
+              <a:t>發生時間</a:t>
+            </a:r>
+            <a:endParaRPr kumimoji="1" lang="en-US" altLang="zh-TW" sz="1600" dirty="0">
               <a:latin typeface="Microsoft JhengHei" panose="020B0604030504040204" pitchFamily="34" charset="-120"/>
               <a:ea typeface="Microsoft JhengHei" panose="020B0604030504040204" pitchFamily="34" charset="-120"/>
             </a:endParaRPr>
           </a:p>
           <a:p>
-            <a:pPr marL="800100" lvl="1" indent="-342900">
-              <a:buFont typeface="+mj-lt"/>
-              <a:buAutoNum type="arabicPeriod" startAt="5"/>
+            <a:pPr marL="800091" lvl="1" indent="-342891">
+              <a:buAutoNum type="arabicPeriod"/>
             </a:pPr>
             <a:r>
-              <a:rPr kumimoji="1" lang="zh-TW" altLang="en-US" dirty="0">
-                <a:latin typeface="Microsoft JhengHei" panose="020B0604030504040204" pitchFamily="34" charset="-120"/>
-                <a:ea typeface="Microsoft JhengHei" panose="020B0604030504040204" pitchFamily="34" charset="-120"/>
-              </a:rPr>
-              <a:t>事件強度評分</a:t>
-            </a:r>
-            <a:endParaRPr kumimoji="1" lang="en-US" altLang="zh-TW" dirty="0">
+              <a:rPr kumimoji="1" lang="zh-TW" altLang="en-US" sz="1600" dirty="0">
+                <a:latin typeface="Microsoft JhengHei" panose="020B0604030504040204" pitchFamily="34" charset="-120"/>
+                <a:ea typeface="Microsoft JhengHei" panose="020B0604030504040204" pitchFamily="34" charset="-120"/>
+              </a:rPr>
+              <a:t>預測漲跌狀態</a:t>
+            </a:r>
+            <a:endParaRPr kumimoji="1" lang="en-US" altLang="zh-TW" sz="1600" dirty="0">
               <a:latin typeface="Microsoft JhengHei" panose="020B0604030504040204" pitchFamily="34" charset="-120"/>
               <a:ea typeface="Microsoft JhengHei" panose="020B0604030504040204" pitchFamily="34" charset="-120"/>
             </a:endParaRPr>
           </a:p>
           <a:p>
-            <a:pPr marL="800100" lvl="1" indent="-342900">
-              <a:buFont typeface="+mj-lt"/>
-              <a:buAutoNum type="arabicPeriod" startAt="5"/>
+            <a:pPr marL="800091" lvl="1" indent="-342891">
+              <a:buAutoNum type="arabicPeriod"/>
             </a:pPr>
             <a:r>
-              <a:rPr kumimoji="1" lang="zh-TW" altLang="en-US" dirty="0">
-                <a:latin typeface="Microsoft JhengHei" panose="020B0604030504040204" pitchFamily="34" charset="-120"/>
-                <a:ea typeface="Microsoft JhengHei" panose="020B0604030504040204" pitchFamily="34" charset="-120"/>
-              </a:rPr>
-              <a:t>新聞內容</a:t>
-            </a:r>
-            <a:endParaRPr kumimoji="1" lang="en-US" altLang="zh-TW" dirty="0">
+              <a:rPr kumimoji="1" lang="zh-TW" altLang="en-US" sz="1600" dirty="0">
+                <a:latin typeface="Microsoft JhengHei" panose="020B0604030504040204" pitchFamily="34" charset="-120"/>
+                <a:ea typeface="Microsoft JhengHei" panose="020B0604030504040204" pitchFamily="34" charset="-120"/>
+              </a:rPr>
+              <a:t>事件強度評分</a:t>
+            </a:r>
+            <a:endParaRPr kumimoji="1" lang="en-US" altLang="zh-TW" sz="1600" dirty="0">
               <a:latin typeface="Microsoft JhengHei" panose="020B0604030504040204" pitchFamily="34" charset="-120"/>
               <a:ea typeface="Microsoft JhengHei" panose="020B0604030504040204" pitchFamily="34" charset="-120"/>
             </a:endParaRPr>
           </a:p>
           <a:p>
-            <a:pPr marL="800100" lvl="1" indent="-342900">
-              <a:buFont typeface="+mj-lt"/>
-              <a:buAutoNum type="arabicPeriod" startAt="5"/>
+            <a:pPr marL="800091" lvl="1" indent="-342891">
+              <a:buAutoNum type="arabicPeriod"/>
             </a:pPr>
             <a:r>
-              <a:rPr kumimoji="1" lang="zh-TW" altLang="en-US" dirty="0">
-                <a:latin typeface="Microsoft JhengHei" panose="020B0604030504040204" pitchFamily="34" charset="-120"/>
-                <a:ea typeface="Microsoft JhengHei" panose="020B0604030504040204" pitchFamily="34" charset="-120"/>
-              </a:rPr>
-              <a:t>新聞切詞結果</a:t>
-            </a:r>
-            <a:endParaRPr kumimoji="1" lang="en-US" altLang="zh-TW" dirty="0">
+              <a:rPr kumimoji="1" lang="zh-TW" altLang="en-US" sz="1600" dirty="0">
+                <a:latin typeface="Microsoft JhengHei" panose="020B0604030504040204" pitchFamily="34" charset="-120"/>
+                <a:ea typeface="Microsoft JhengHei" panose="020B0604030504040204" pitchFamily="34" charset="-120"/>
+              </a:rPr>
+              <a:t>大事件類別預測</a:t>
+            </a:r>
+            <a:endParaRPr kumimoji="1" lang="en-US" altLang="zh-TW" sz="1600" dirty="0">
               <a:latin typeface="Microsoft JhengHei" panose="020B0604030504040204" pitchFamily="34" charset="-120"/>
               <a:ea typeface="Microsoft JhengHei" panose="020B0604030504040204" pitchFamily="34" charset="-120"/>
             </a:endParaRPr>
           </a:p>
           <a:p>
-            <a:endParaRPr kumimoji="1" lang="en-US" altLang="zh-TW" sz="1000" dirty="0">
+            <a:pPr marL="800091" lvl="1" indent="-342891">
+              <a:buAutoNum type="arabicPeriod"/>
+            </a:pPr>
+            <a:r>
+              <a:rPr kumimoji="1" lang="zh-TW" altLang="en-US" sz="1600" dirty="0">
+                <a:latin typeface="Microsoft JhengHei" panose="020B0604030504040204" pitchFamily="34" charset="-120"/>
+                <a:ea typeface="Microsoft JhengHei" panose="020B0604030504040204" pitchFamily="34" charset="-120"/>
+              </a:rPr>
+              <a:t>小事件類別預測</a:t>
+            </a:r>
+            <a:endParaRPr kumimoji="1" lang="en-US" altLang="zh-TW" sz="1600" dirty="0">
               <a:latin typeface="Microsoft JhengHei" panose="020B0604030504040204" pitchFamily="34" charset="-120"/>
               <a:ea typeface="Microsoft JhengHei" panose="020B0604030504040204" pitchFamily="34" charset="-120"/>
             </a:endParaRPr>
           </a:p>
           <a:p>
+            <a:pPr marL="800091" lvl="1" indent="-342891">
+              <a:buAutoNum type="arabicPeriod"/>
+            </a:pPr>
+            <a:r>
+              <a:rPr kumimoji="1" lang="zh-TW" altLang="en-US" sz="1600" dirty="0">
+                <a:latin typeface="Microsoft JhengHei" panose="020B0604030504040204" pitchFamily="34" charset="-120"/>
+                <a:ea typeface="Microsoft JhengHei" panose="020B0604030504040204" pitchFamily="34" charset="-120"/>
+              </a:rPr>
+              <a:t>新聞內容</a:t>
+            </a:r>
+            <a:endParaRPr kumimoji="1" lang="en-US" altLang="zh-TW" sz="1600" dirty="0">
+              <a:latin typeface="Microsoft JhengHei" panose="020B0604030504040204" pitchFamily="34" charset="-120"/>
+              <a:ea typeface="Microsoft JhengHei" panose="020B0604030504040204" pitchFamily="34" charset="-120"/>
+            </a:endParaRPr>
+          </a:p>
+          <a:p>
+            <a:pPr marL="800091" lvl="1" indent="-342891">
+              <a:buAutoNum type="arabicPeriod"/>
+            </a:pPr>
+            <a:r>
+              <a:rPr kumimoji="1" lang="zh-TW" altLang="en-US" sz="1600" dirty="0">
+                <a:latin typeface="Microsoft JhengHei" panose="020B0604030504040204" pitchFamily="34" charset="-120"/>
+                <a:ea typeface="Microsoft JhengHei" panose="020B0604030504040204" pitchFamily="34" charset="-120"/>
+              </a:rPr>
+              <a:t>新聞切詞結果</a:t>
+            </a:r>
+            <a:endParaRPr kumimoji="1" lang="en-US" altLang="zh-TW" sz="1600" dirty="0">
+              <a:latin typeface="Microsoft JhengHei" panose="020B0604030504040204" pitchFamily="34" charset="-120"/>
+              <a:ea typeface="Microsoft JhengHei" panose="020B0604030504040204" pitchFamily="34" charset="-120"/>
+            </a:endParaRPr>
+          </a:p>
+          <a:p>
+            <a:endParaRPr kumimoji="1" lang="en-US" altLang="zh-TW" sz="900" dirty="0">
+              <a:latin typeface="Microsoft JhengHei" panose="020B0604030504040204" pitchFamily="34" charset="-120"/>
+              <a:ea typeface="Microsoft JhengHei" panose="020B0604030504040204" pitchFamily="34" charset="-120"/>
+            </a:endParaRPr>
+          </a:p>
+          <a:p>
             <a:pPr lvl="1"/>
             <a:r>
-              <a:rPr kumimoji="1" lang="zh-TW" altLang="en-US" dirty="0">
+              <a:rPr kumimoji="1" lang="zh-TW" altLang="en-US" sz="1600" dirty="0">
                 <a:latin typeface="Microsoft JhengHei" panose="020B0604030504040204" pitchFamily="34" charset="-120"/>
                 <a:ea typeface="Microsoft JhengHei" panose="020B0604030504040204" pitchFamily="34" charset="-120"/>
               </a:rPr>
               <a:t>等資料存放在資料庫中，若未來公司需要使用即可直接存取</a:t>
             </a:r>
-            <a:endParaRPr kumimoji="1" lang="en-US" altLang="zh-TW" dirty="0">
+            <a:endParaRPr kumimoji="1" lang="en-US" altLang="zh-TW" sz="1600" dirty="0">
+              <a:latin typeface="Microsoft JhengHei" panose="020B0604030504040204" pitchFamily="34" charset="-120"/>
+              <a:ea typeface="Microsoft JhengHei" panose="020B0604030504040204" pitchFamily="34" charset="-120"/>
+            </a:endParaRPr>
+          </a:p>
+          <a:p>
+            <a:endParaRPr kumimoji="1" lang="en-US" altLang="zh-TW" sz="1600" dirty="0">
               <a:latin typeface="Microsoft JhengHei" panose="020B0604030504040204" pitchFamily="34" charset="-120"/>
               <a:ea typeface="Microsoft JhengHei" panose="020B0604030504040204" pitchFamily="34" charset="-120"/>
             </a:endParaRPr>
@@ -28601,32 +29298,22 @@
               <a:buFont typeface="Arial" panose="020B0604020202020204" pitchFamily="34" charset="0"/>
               <a:buChar char="•"/>
             </a:pPr>
-            <a:endParaRPr kumimoji="1" lang="en-US" altLang="zh-TW" dirty="0">
-              <a:latin typeface="Microsoft JhengHei" panose="020B0604030504040204" pitchFamily="34" charset="-120"/>
-              <a:ea typeface="Microsoft JhengHei" panose="020B0604030504040204" pitchFamily="34" charset="-120"/>
-            </a:endParaRPr>
-          </a:p>
-          <a:p>
-            <a:pPr marL="285750" indent="-285750">
-              <a:buFont typeface="Arial" panose="020B0604020202020204" pitchFamily="34" charset="0"/>
-              <a:buChar char="•"/>
-            </a:pPr>
-            <a:r>
-              <a:rPr kumimoji="1" lang="zh-TW" altLang="en-US" dirty="0">
+            <a:r>
+              <a:rPr kumimoji="1" lang="zh-TW" altLang="en-US" sz="1600" dirty="0">
                 <a:latin typeface="Microsoft JhengHei" panose="020B0604030504040204" pitchFamily="34" charset="-120"/>
                 <a:ea typeface="Microsoft JhengHei" panose="020B0604030504040204" pitchFamily="34" charset="-120"/>
               </a:rPr>
               <a:t>比較過後，本組採用</a:t>
             </a:r>
             <a:r>
-              <a:rPr kumimoji="1" lang="en-US" altLang="zh-TW" dirty="0">
+              <a:rPr kumimoji="1" lang="en-US" altLang="zh-TW" sz="1600" dirty="0">
                 <a:latin typeface="Microsoft JhengHei" panose="020B0604030504040204" pitchFamily="34" charset="-120"/>
                 <a:ea typeface="Microsoft JhengHei" panose="020B0604030504040204" pitchFamily="34" charset="-120"/>
               </a:rPr>
               <a:t>MySQL</a:t>
             </a:r>
             <a:r>
-              <a:rPr kumimoji="1" lang="zh-TW" altLang="en-US" dirty="0">
+              <a:rPr kumimoji="1" lang="zh-TW" altLang="en-US" sz="1600" dirty="0">
                 <a:latin typeface="Microsoft JhengHei" panose="020B0604030504040204" pitchFamily="34" charset="-120"/>
                 <a:ea typeface="Microsoft JhengHei" panose="020B0604030504040204" pitchFamily="34" charset="-120"/>
               </a:rPr>
@@ -29191,6 +29878,42 @@
           </a:graphicData>
         </a:graphic>
       </p:graphicFrame>
+      <p:pic>
+        <p:nvPicPr>
+          <p:cNvPr id="10" name="圖形 9">
+            <a:extLst>
+              <a:ext uri="{FF2B5EF4-FFF2-40B4-BE49-F238E27FC236}">
+                <a16:creationId xmlns:a16="http://schemas.microsoft.com/office/drawing/2014/main" id="{F0676254-A063-6B46-977A-FC0D7F1F322A}"/>
+              </a:ext>
+            </a:extLst>
+          </p:cNvPr>
+          <p:cNvPicPr>
+            <a:picLocks noChangeAspect="1"/>
+          </p:cNvPicPr>
+          <p:nvPr/>
+        </p:nvPicPr>
+        <p:blipFill>
+          <a:blip r:embed="rId4">
+            <a:extLst>
+              <a:ext uri="{96DAC541-7B7A-43D3-8B79-37D633B846F1}">
+                <asvg:svgBlip xmlns:asvg="http://schemas.microsoft.com/office/drawing/2016/SVG/main" r:embed="rId5"/>
+              </a:ext>
+            </a:extLst>
+          </a:blip>
+          <a:stretch>
+            <a:fillRect/>
+          </a:stretch>
+        </p:blipFill>
+        <p:spPr>
+          <a:xfrm rot="1223652">
+            <a:off x="6839449" y="1230821"/>
+            <a:ext cx="584777" cy="584777"/>
+          </a:xfrm>
+          <a:prstGeom prst="rect">
+            <a:avLst/>
+          </a:prstGeom>
+        </p:spPr>
+      </p:pic>
     </p:spTree>
     <p:extLst>
       <p:ext uri="{BB962C8B-B14F-4D97-AF65-F5344CB8AC3E}">
@@ -29204,7 +29927,7 @@
 </p:sld>
 </file>
 
-<file path=ppt/slides/slide38.xml><?xml version="1.0" encoding="utf-8"?>
+<file path=ppt/slides/slide39.xml><?xml version="1.0" encoding="utf-8"?>
 <p:sld xmlns:a="http://schemas.openxmlformats.org/drawingml/2006/main" xmlns:r="http://schemas.openxmlformats.org/officeDocument/2006/relationships" xmlns:p="http://schemas.openxmlformats.org/presentationml/2006/main">
   <p:cSld>
     <p:spTree>
@@ -29423,7 +30146,7 @@
             <a:fld id="{80929F01-733D-5847-83A7-C9CEA74310DB}" type="slidenum">
               <a:rPr kumimoji="1" lang="zh-TW" altLang="en-US" smtClean="0"/>
               <a:pPr/>
-              <a:t>38</a:t>
+              <a:t>39</a:t>
             </a:fld>
             <a:endParaRPr kumimoji="1" lang="zh-TW" altLang="en-US" dirty="0"/>
           </a:p>
@@ -29643,42 +30366,8 @@
         </p:blipFill>
         <p:spPr>
           <a:xfrm>
-            <a:off x="284334" y="4139237"/>
-            <a:ext cx="3587699" cy="1735469"/>
-          </a:xfrm>
-          <a:prstGeom prst="rect">
-            <a:avLst/>
-          </a:prstGeom>
-          <a:ln>
-            <a:solidFill>
-              <a:schemeClr val="tx1"/>
-            </a:solidFill>
-          </a:ln>
-        </p:spPr>
-      </p:pic>
-      <p:pic>
-        <p:nvPicPr>
-          <p:cNvPr id="17" name="圖片 16" descr="一張含有 螢幕擷取畫面 的圖片&#10;&#10;自動產生的描述">
-            <a:extLst>
-              <a:ext uri="{FF2B5EF4-FFF2-40B4-BE49-F238E27FC236}">
-                <a16:creationId xmlns:a16="http://schemas.microsoft.com/office/drawing/2014/main" id="{23EB1BB4-7C47-40E6-8297-37CA0A3A09F5}"/>
-              </a:ext>
-            </a:extLst>
-          </p:cNvPr>
-          <p:cNvPicPr>
-            <a:picLocks noChangeAspect="1"/>
-          </p:cNvPicPr>
-          <p:nvPr/>
-        </p:nvPicPr>
-        <p:blipFill rotWithShape="1">
-          <a:blip r:embed="rId4"/>
-          <a:srcRect b="59855"/>
-          <a:stretch/>
-        </p:blipFill>
-        <p:spPr>
-          <a:xfrm>
-            <a:off x="4235801" y="4139238"/>
-            <a:ext cx="1962793" cy="1582304"/>
+            <a:off x="628650" y="4145275"/>
+            <a:ext cx="2546344" cy="1735469"/>
           </a:xfrm>
           <a:prstGeom prst="rect">
             <a:avLst/>
@@ -29704,7 +30393,7 @@
         </p:nvSpPr>
         <p:spPr>
           <a:xfrm>
-            <a:off x="4509312" y="3713441"/>
+            <a:off x="4077047" y="3721836"/>
             <a:ext cx="1415772" cy="338554"/>
           </a:xfrm>
           <a:prstGeom prst="rect">
@@ -29742,7 +30431,7 @@
         </p:nvSpPr>
         <p:spPr>
           <a:xfrm>
-            <a:off x="1152013" y="3680246"/>
+            <a:off x="949982" y="3721836"/>
             <a:ext cx="1678665" cy="338554"/>
           </a:xfrm>
           <a:prstGeom prst="rect">
@@ -29773,633 +30462,44 @@
           </a:p>
         </p:txBody>
       </p:sp>
+      <p:pic>
+        <p:nvPicPr>
+          <p:cNvPr id="9" name="圖片 8" descr="一張含有 螢幕擷取畫面, 鳥 的圖片&#10;&#10;自動產生的描述">
+            <a:extLst>
+              <a:ext uri="{FF2B5EF4-FFF2-40B4-BE49-F238E27FC236}">
+                <a16:creationId xmlns:a16="http://schemas.microsoft.com/office/drawing/2014/main" id="{32224E3A-39DC-014A-ADFF-D5BBA578DC4C}"/>
+              </a:ext>
+            </a:extLst>
+          </p:cNvPr>
+          <p:cNvPicPr>
+            <a:picLocks noChangeAspect="1"/>
+          </p:cNvPicPr>
+          <p:nvPr/>
+        </p:nvPicPr>
+        <p:blipFill rotWithShape="1">
+          <a:blip r:embed="rId4"/>
+          <a:srcRect r="17459"/>
+          <a:stretch/>
+        </p:blipFill>
+        <p:spPr>
+          <a:xfrm>
+            <a:off x="3510260" y="4060390"/>
+            <a:ext cx="2583013" cy="1971236"/>
+          </a:xfrm>
+          <a:prstGeom prst="rect">
+            <a:avLst/>
+          </a:prstGeom>
+          <a:ln>
+            <a:solidFill>
+              <a:schemeClr val="tx1"/>
+            </a:solidFill>
+          </a:ln>
+        </p:spPr>
+      </p:pic>
     </p:spTree>
     <p:extLst>
       <p:ext uri="{BB962C8B-B14F-4D97-AF65-F5344CB8AC3E}">
         <p14:creationId xmlns:p14="http://schemas.microsoft.com/office/powerpoint/2010/main" val="2360991936"/>
-      </p:ext>
-    </p:extLst>
-  </p:cSld>
-  <p:clrMapOvr>
-    <a:masterClrMapping/>
-  </p:clrMapOvr>
-</p:sld>
-</file>
-
-<file path=ppt/slides/slide39.xml><?xml version="1.0" encoding="utf-8"?>
-<p:sld xmlns:a="http://schemas.openxmlformats.org/drawingml/2006/main" xmlns:r="http://schemas.openxmlformats.org/officeDocument/2006/relationships" xmlns:p="http://schemas.openxmlformats.org/presentationml/2006/main">
-  <p:cSld>
-    <p:spTree>
-      <p:nvGrpSpPr>
-        <p:cNvPr id="1" name=""/>
-        <p:cNvGrpSpPr/>
-        <p:nvPr/>
-      </p:nvGrpSpPr>
-      <p:grpSpPr>
-        <a:xfrm>
-          <a:off x="0" y="0"/>
-          <a:ext cx="0" cy="0"/>
-          <a:chOff x="0" y="0"/>
-          <a:chExt cx="0" cy="0"/>
-        </a:xfrm>
-      </p:grpSpPr>
-      <p:sp>
-        <p:nvSpPr>
-          <p:cNvPr id="2" name="標題 1">
-            <a:extLst>
-              <a:ext uri="{FF2B5EF4-FFF2-40B4-BE49-F238E27FC236}">
-                <a16:creationId xmlns:a16="http://schemas.microsoft.com/office/drawing/2014/main" id="{127CA863-CCF2-1E44-BD7D-F315ED2EAA75}"/>
-              </a:ext>
-            </a:extLst>
-          </p:cNvPr>
-          <p:cNvSpPr>
-            <a:spLocks noGrp="1"/>
-          </p:cNvSpPr>
-          <p:nvPr>
-            <p:ph type="title"/>
-          </p:nvPr>
-        </p:nvSpPr>
-        <p:spPr/>
-        <p:txBody>
-          <a:bodyPr/>
-          <a:lstStyle/>
-          <a:p>
-            <a:r>
-              <a:rPr kumimoji="1" lang="zh-TW" altLang="en-US" dirty="0"/>
-              <a:t>小組分工</a:t>
-            </a:r>
-          </a:p>
-        </p:txBody>
-      </p:sp>
-      <p:sp>
-        <p:nvSpPr>
-          <p:cNvPr id="4" name="日期版面配置區 3">
-            <a:extLst>
-              <a:ext uri="{FF2B5EF4-FFF2-40B4-BE49-F238E27FC236}">
-                <a16:creationId xmlns:a16="http://schemas.microsoft.com/office/drawing/2014/main" id="{3B50F989-6512-0F40-B991-413E8929AA00}"/>
-              </a:ext>
-            </a:extLst>
-          </p:cNvPr>
-          <p:cNvSpPr>
-            <a:spLocks noGrp="1"/>
-          </p:cNvSpPr>
-          <p:nvPr>
-            <p:ph type="dt" sz="half" idx="10"/>
-          </p:nvPr>
-        </p:nvSpPr>
-        <p:spPr/>
-        <p:txBody>
-          <a:bodyPr/>
-          <a:lstStyle/>
-          <a:p>
-            <a:fld id="{868F4FC5-FE50-A64D-A7E3-22233A0C6925}" type="datetime1">
-              <a:rPr kumimoji="1" lang="zh-TW" altLang="en-US" smtClean="0"/>
-              <a:pPr/>
-              <a:t>2020/6/23</a:t>
-            </a:fld>
-            <a:endParaRPr kumimoji="1" lang="zh-TW" altLang="en-US" dirty="0"/>
-          </a:p>
-        </p:txBody>
-      </p:sp>
-      <p:sp>
-        <p:nvSpPr>
-          <p:cNvPr id="5" name="投影片編號版面配置區 4">
-            <a:extLst>
-              <a:ext uri="{FF2B5EF4-FFF2-40B4-BE49-F238E27FC236}">
-                <a16:creationId xmlns:a16="http://schemas.microsoft.com/office/drawing/2014/main" id="{B98337BB-9D01-A648-832D-F70BF5845104}"/>
-              </a:ext>
-            </a:extLst>
-          </p:cNvPr>
-          <p:cNvSpPr>
-            <a:spLocks noGrp="1"/>
-          </p:cNvSpPr>
-          <p:nvPr>
-            <p:ph type="sldNum" sz="quarter" idx="12"/>
-          </p:nvPr>
-        </p:nvSpPr>
-        <p:spPr/>
-        <p:txBody>
-          <a:bodyPr/>
-          <a:lstStyle/>
-          <a:p>
-            <a:fld id="{80929F01-733D-5847-83A7-C9CEA74310DB}" type="slidenum">
-              <a:rPr kumimoji="1" lang="zh-TW" altLang="en-US" smtClean="0"/>
-              <a:pPr/>
-              <a:t>39</a:t>
-            </a:fld>
-            <a:endParaRPr kumimoji="1" lang="zh-TW" altLang="en-US" dirty="0"/>
-          </a:p>
-        </p:txBody>
-      </p:sp>
-      <p:sp>
-        <p:nvSpPr>
-          <p:cNvPr id="6" name="內容版面配置區 2">
-            <a:extLst>
-              <a:ext uri="{FF2B5EF4-FFF2-40B4-BE49-F238E27FC236}">
-                <a16:creationId xmlns:a16="http://schemas.microsoft.com/office/drawing/2014/main" id="{7208F1E8-AB6F-E24A-B21E-EC32FEA8A1E8}"/>
-              </a:ext>
-            </a:extLst>
-          </p:cNvPr>
-          <p:cNvSpPr>
-            <a:spLocks noGrp="1"/>
-          </p:cNvSpPr>
-          <p:nvPr>
-            <p:ph idx="1"/>
-          </p:nvPr>
-        </p:nvSpPr>
-        <p:spPr>
-          <a:xfrm>
-            <a:off x="915379" y="1657673"/>
-            <a:ext cx="7313242" cy="1862070"/>
-          </a:xfrm>
-        </p:spPr>
-        <p:txBody>
-          <a:bodyPr>
-            <a:normAutofit/>
-          </a:bodyPr>
-          <a:lstStyle/>
-          <a:p>
-            <a:pPr marL="0" indent="0">
-              <a:buNone/>
-            </a:pPr>
-            <a:r>
-              <a:rPr lang="zh-TW" altLang="en-US" sz="2000" dirty="0">
-                <a:solidFill>
-                  <a:schemeClr val="tx1"/>
-                </a:solidFill>
-                <a:latin typeface="Microsoft JhengHei" panose="020B0604030504040204" pitchFamily="34" charset="-120"/>
-                <a:ea typeface="Microsoft JhengHei" panose="020B0604030504040204" pitchFamily="34" charset="-120"/>
-              </a:rPr>
-              <a:t>劉品妤：</a:t>
-            </a:r>
-            <a:r>
-              <a:rPr lang="en-US" altLang="zh-TW" sz="2000" dirty="0">
-                <a:solidFill>
-                  <a:schemeClr val="tx1"/>
-                </a:solidFill>
-                <a:latin typeface="Microsoft JhengHei" panose="020B0604030504040204" pitchFamily="34" charset="-120"/>
-                <a:ea typeface="Microsoft JhengHei" panose="020B0604030504040204" pitchFamily="34" charset="-120"/>
-              </a:rPr>
-              <a:t>AWS</a:t>
-            </a:r>
-            <a:r>
-              <a:rPr lang="zh-TW" altLang="en-US" sz="2000" dirty="0">
-                <a:solidFill>
-                  <a:schemeClr val="tx1"/>
-                </a:solidFill>
-                <a:latin typeface="Microsoft JhengHei" panose="020B0604030504040204" pitchFamily="34" charset="-120"/>
-                <a:ea typeface="Microsoft JhengHei" panose="020B0604030504040204" pitchFamily="34" charset="-120"/>
-              </a:rPr>
-              <a:t> </a:t>
-            </a:r>
-            <a:r>
-              <a:rPr lang="zh-CN" altLang="en-US" sz="2000" dirty="0">
-                <a:solidFill>
-                  <a:schemeClr val="tx1"/>
-                </a:solidFill>
-                <a:latin typeface="Microsoft JhengHei" panose="020B0604030504040204" pitchFamily="34" charset="-120"/>
-                <a:ea typeface="Microsoft JhengHei" panose="020B0604030504040204" pitchFamily="34" charset="-120"/>
-              </a:rPr>
-              <a:t>與</a:t>
-            </a:r>
-            <a:r>
-              <a:rPr lang="zh-TW" altLang="en-US" sz="2000" dirty="0">
-                <a:solidFill>
-                  <a:schemeClr val="tx1"/>
-                </a:solidFill>
-                <a:latin typeface="Microsoft JhengHei" panose="020B0604030504040204" pitchFamily="34" charset="-120"/>
-                <a:ea typeface="Microsoft JhengHei" panose="020B0604030504040204" pitchFamily="34" charset="-120"/>
-              </a:rPr>
-              <a:t> </a:t>
-            </a:r>
-            <a:r>
-              <a:rPr lang="en-US" altLang="zh-CN" sz="2000" dirty="0">
-                <a:solidFill>
-                  <a:schemeClr val="tx1"/>
-                </a:solidFill>
-                <a:latin typeface="Microsoft JhengHei" panose="020B0604030504040204" pitchFamily="34" charset="-120"/>
-                <a:ea typeface="Microsoft JhengHei" panose="020B0604030504040204" pitchFamily="34" charset="-120"/>
-              </a:rPr>
-              <a:t>WordPress</a:t>
-            </a:r>
-            <a:r>
-              <a:rPr lang="zh-TW" altLang="en-US" sz="2000" dirty="0">
-                <a:solidFill>
-                  <a:schemeClr val="tx1"/>
-                </a:solidFill>
-                <a:latin typeface="Microsoft JhengHei" panose="020B0604030504040204" pitchFamily="34" charset="-120"/>
-                <a:ea typeface="Microsoft JhengHei" panose="020B0604030504040204" pitchFamily="34" charset="-120"/>
-              </a:rPr>
-              <a:t> 網頁製作、爬蟲最新新聞資料</a:t>
-            </a:r>
-            <a:endParaRPr lang="en-US" altLang="zh-TW" sz="2000" dirty="0">
-              <a:solidFill>
-                <a:schemeClr val="tx1"/>
-              </a:solidFill>
-              <a:latin typeface="Microsoft JhengHei" panose="020B0604030504040204" pitchFamily="34" charset="-120"/>
-              <a:ea typeface="Microsoft JhengHei" panose="020B0604030504040204" pitchFamily="34" charset="-120"/>
-            </a:endParaRPr>
-          </a:p>
-          <a:p>
-            <a:pPr marL="0" indent="0">
-              <a:buNone/>
-            </a:pPr>
-            <a:r>
-              <a:rPr lang="zh-TW" altLang="en-US" sz="2000" dirty="0">
-                <a:solidFill>
-                  <a:schemeClr val="tx1"/>
-                </a:solidFill>
-                <a:latin typeface="Microsoft JhengHei" panose="020B0604030504040204" pitchFamily="34" charset="-120"/>
-                <a:ea typeface="Microsoft JhengHei" panose="020B0604030504040204" pitchFamily="34" charset="-120"/>
-              </a:rPr>
-              <a:t>王昱達：</a:t>
-            </a:r>
-            <a:r>
-              <a:rPr lang="zh-CN" altLang="en-US" sz="2000" dirty="0">
-                <a:solidFill>
-                  <a:schemeClr val="tx1"/>
-                </a:solidFill>
-                <a:latin typeface="Microsoft JhengHei" panose="020B0604030504040204" pitchFamily="34" charset="-120"/>
-                <a:ea typeface="Microsoft JhengHei" panose="020B0604030504040204" pitchFamily="34" charset="-120"/>
-              </a:rPr>
-              <a:t>股價資料整理、資料庫建立、網頁串接</a:t>
-            </a:r>
-            <a:r>
-              <a:rPr lang="zh-CN" altLang="en-US" dirty="0"/>
-              <a:t>、簡報整理</a:t>
-            </a:r>
-            <a:endParaRPr lang="en-US" altLang="zh-TW" sz="2000" dirty="0">
-              <a:solidFill>
-                <a:schemeClr val="tx1"/>
-              </a:solidFill>
-              <a:latin typeface="Microsoft JhengHei" panose="020B0604030504040204" pitchFamily="34" charset="-120"/>
-              <a:ea typeface="Microsoft JhengHei" panose="020B0604030504040204" pitchFamily="34" charset="-120"/>
-            </a:endParaRPr>
-          </a:p>
-          <a:p>
-            <a:pPr marL="0" indent="0">
-              <a:buNone/>
-            </a:pPr>
-            <a:r>
-              <a:rPr lang="zh-TW" altLang="en-US" sz="2000" dirty="0">
-                <a:solidFill>
-                  <a:schemeClr val="tx1"/>
-                </a:solidFill>
-                <a:latin typeface="Microsoft JhengHei" panose="020B0604030504040204" pitchFamily="34" charset="-120"/>
-                <a:ea typeface="Microsoft JhengHei" panose="020B0604030504040204" pitchFamily="34" charset="-120"/>
-              </a:rPr>
-              <a:t>楊廣元：新聞評分與股價預測模型的建立與調整參數</a:t>
-            </a:r>
-            <a:endParaRPr lang="en-US" altLang="zh-TW" sz="2000" dirty="0">
-              <a:solidFill>
-                <a:schemeClr val="tx1"/>
-              </a:solidFill>
-              <a:latin typeface="Microsoft JhengHei" panose="020B0604030504040204" pitchFamily="34" charset="-120"/>
-              <a:ea typeface="Microsoft JhengHei" panose="020B0604030504040204" pitchFamily="34" charset="-120"/>
-            </a:endParaRPr>
-          </a:p>
-          <a:p>
-            <a:pPr marL="0" indent="0">
-              <a:buNone/>
-            </a:pPr>
-            <a:r>
-              <a:rPr lang="zh-TW" altLang="en-US" sz="2000" dirty="0">
-                <a:solidFill>
-                  <a:schemeClr val="tx1"/>
-                </a:solidFill>
-                <a:latin typeface="Microsoft JhengHei" panose="020B0604030504040204" pitchFamily="34" charset="-120"/>
-                <a:ea typeface="Microsoft JhengHei" panose="020B0604030504040204" pitchFamily="34" charset="-120"/>
-              </a:rPr>
-              <a:t>呂明諺：</a:t>
-            </a:r>
-            <a:r>
-              <a:rPr lang="zh-CN" altLang="en-US" sz="2000" dirty="0">
-                <a:solidFill>
-                  <a:schemeClr val="tx1"/>
-                </a:solidFill>
-                <a:latin typeface="Microsoft JhengHei" panose="020B0604030504040204" pitchFamily="34" charset="-120"/>
-                <a:ea typeface="Microsoft JhengHei" panose="020B0604030504040204" pitchFamily="34" charset="-120"/>
-              </a:rPr>
-              <a:t>切詞與進一步的優化</a:t>
-            </a:r>
-            <a:r>
-              <a:rPr lang="zh-CN" altLang="en-US" dirty="0"/>
-              <a:t>、簡報整理</a:t>
-            </a:r>
-            <a:endParaRPr lang="en-US" altLang="zh-CN" sz="2000" dirty="0">
-              <a:solidFill>
-                <a:schemeClr val="tx1"/>
-              </a:solidFill>
-              <a:latin typeface="Microsoft JhengHei" panose="020B0604030504040204" pitchFamily="34" charset="-120"/>
-              <a:ea typeface="Microsoft JhengHei" panose="020B0604030504040204" pitchFamily="34" charset="-120"/>
-            </a:endParaRPr>
-          </a:p>
-        </p:txBody>
-      </p:sp>
-      <p:sp>
-        <p:nvSpPr>
-          <p:cNvPr id="7" name="文字方塊 6">
-            <a:extLst>
-              <a:ext uri="{FF2B5EF4-FFF2-40B4-BE49-F238E27FC236}">
-                <a16:creationId xmlns:a16="http://schemas.microsoft.com/office/drawing/2014/main" id="{B6ED4D8E-2437-3E4D-B8D7-B5BEE87BDE38}"/>
-              </a:ext>
-            </a:extLst>
-          </p:cNvPr>
-          <p:cNvSpPr txBox="1"/>
-          <p:nvPr/>
-        </p:nvSpPr>
-        <p:spPr>
-          <a:xfrm>
-            <a:off x="552450" y="3809773"/>
-            <a:ext cx="3236181" cy="646331"/>
-          </a:xfrm>
-          <a:prstGeom prst="rect">
-            <a:avLst/>
-          </a:prstGeom>
-          <a:noFill/>
-        </p:spPr>
-        <p:txBody>
-          <a:bodyPr wrap="square" rtlCol="0">
-            <a:spAutoFit/>
-          </a:bodyPr>
-          <a:lstStyle/>
-          <a:p>
-            <a:r>
-              <a:rPr lang="en-US" altLang="zh-TW" dirty="0">
-                <a:latin typeface="Microsoft JhengHei" panose="020B0604030504040204" pitchFamily="34" charset="-120"/>
-                <a:ea typeface="Microsoft JhengHei" panose="020B0604030504040204" pitchFamily="34" charset="-120"/>
-              </a:rPr>
-              <a:t>Trello </a:t>
-            </a:r>
-            <a:r>
-              <a:rPr lang="zh-TW" altLang="en-US" dirty="0">
-                <a:latin typeface="Microsoft JhengHei" panose="020B0604030504040204" pitchFamily="34" charset="-120"/>
-                <a:ea typeface="Microsoft JhengHei" panose="020B0604030504040204" pitchFamily="34" charset="-120"/>
-              </a:rPr>
-              <a:t>連結</a:t>
-            </a:r>
-            <a:r>
-              <a:rPr lang="en-US" altLang="zh-TW" dirty="0">
-                <a:latin typeface="Microsoft JhengHei" panose="020B0604030504040204" pitchFamily="34" charset="-120"/>
-                <a:ea typeface="Microsoft JhengHei" panose="020B0604030504040204" pitchFamily="34" charset="-120"/>
-              </a:rPr>
-              <a:t>:</a:t>
-            </a:r>
-            <a:r>
-              <a:rPr lang="en-US" altLang="zh-TW" dirty="0">
-                <a:latin typeface="Microsoft JhengHei" panose="020B0604030504040204" pitchFamily="34" charset="-120"/>
-                <a:ea typeface="Microsoft JhengHei" panose="020B0604030504040204" pitchFamily="34" charset="-120"/>
-                <a:hlinkClick r:id="rId2"/>
-              </a:rPr>
-              <a:t> </a:t>
-            </a:r>
-            <a:r>
-              <a:rPr lang="zh-TW" altLang="en-US" dirty="0">
-                <a:latin typeface="Microsoft JhengHei" panose="020B0604030504040204" pitchFamily="34" charset="-120"/>
-                <a:ea typeface="Microsoft JhengHei" panose="020B0604030504040204" pitchFamily="34" charset="-120"/>
-              </a:rPr>
-              <a:t> </a:t>
-            </a:r>
-            <a:endParaRPr lang="en-US" altLang="zh-TW" dirty="0">
-              <a:latin typeface="Microsoft JhengHei" panose="020B0604030504040204" pitchFamily="34" charset="-120"/>
-              <a:ea typeface="Microsoft JhengHei" panose="020B0604030504040204" pitchFamily="34" charset="-120"/>
-            </a:endParaRPr>
-          </a:p>
-          <a:p>
-            <a:r>
-              <a:rPr lang="en-US" altLang="zh-TW" dirty="0">
-                <a:latin typeface="Microsoft JhengHei" panose="020B0604030504040204" pitchFamily="34" charset="-120"/>
-                <a:ea typeface="Microsoft JhengHei" panose="020B0604030504040204" pitchFamily="34" charset="-120"/>
-                <a:hlinkClick r:id="rId3"/>
-              </a:rPr>
-              <a:t>https://reurl.cc/Mvozzv</a:t>
-            </a:r>
-            <a:endParaRPr lang="zh-TW" altLang="en-US" dirty="0">
-              <a:latin typeface="Microsoft JhengHei" panose="020B0604030504040204" pitchFamily="34" charset="-120"/>
-              <a:ea typeface="Microsoft JhengHei" panose="020B0604030504040204" pitchFamily="34" charset="-120"/>
-            </a:endParaRPr>
-          </a:p>
-        </p:txBody>
-      </p:sp>
-      <p:sp>
-        <p:nvSpPr>
-          <p:cNvPr id="8" name="文字方塊 7">
-            <a:extLst>
-              <a:ext uri="{FF2B5EF4-FFF2-40B4-BE49-F238E27FC236}">
-                <a16:creationId xmlns:a16="http://schemas.microsoft.com/office/drawing/2014/main" id="{EEE55893-E5A1-1446-AF90-BD781F0D4A69}"/>
-              </a:ext>
-            </a:extLst>
-          </p:cNvPr>
-          <p:cNvSpPr txBox="1"/>
-          <p:nvPr/>
-        </p:nvSpPr>
-        <p:spPr>
-          <a:xfrm>
-            <a:off x="3302794" y="3809773"/>
-            <a:ext cx="3236181" cy="646331"/>
-          </a:xfrm>
-          <a:prstGeom prst="rect">
-            <a:avLst/>
-          </a:prstGeom>
-          <a:noFill/>
-        </p:spPr>
-        <p:txBody>
-          <a:bodyPr wrap="square" rtlCol="0">
-            <a:spAutoFit/>
-          </a:bodyPr>
-          <a:lstStyle/>
-          <a:p>
-            <a:r>
-              <a:rPr lang="en-US" altLang="zh-TW" dirty="0">
-                <a:latin typeface="Microsoft JhengHei" panose="020B0604030504040204" pitchFamily="34" charset="-120"/>
-                <a:ea typeface="Microsoft JhengHei" panose="020B0604030504040204" pitchFamily="34" charset="-120"/>
-              </a:rPr>
-              <a:t>Github </a:t>
-            </a:r>
-            <a:r>
-              <a:rPr lang="zh-TW" altLang="en-US" dirty="0">
-                <a:latin typeface="Microsoft JhengHei" panose="020B0604030504040204" pitchFamily="34" charset="-120"/>
-                <a:ea typeface="Microsoft JhengHei" panose="020B0604030504040204" pitchFamily="34" charset="-120"/>
-              </a:rPr>
-              <a:t>連結</a:t>
-            </a:r>
-            <a:r>
-              <a:rPr lang="en-US" altLang="zh-TW" dirty="0">
-                <a:latin typeface="Microsoft JhengHei" panose="020B0604030504040204" pitchFamily="34" charset="-120"/>
-                <a:ea typeface="Microsoft JhengHei" panose="020B0604030504040204" pitchFamily="34" charset="-120"/>
-              </a:rPr>
-              <a:t>:</a:t>
-            </a:r>
-            <a:r>
-              <a:rPr lang="en-US" altLang="zh-TW" dirty="0">
-                <a:latin typeface="Microsoft JhengHei" panose="020B0604030504040204" pitchFamily="34" charset="-120"/>
-                <a:ea typeface="Microsoft JhengHei" panose="020B0604030504040204" pitchFamily="34" charset="-120"/>
-                <a:hlinkClick r:id="rId2"/>
-              </a:rPr>
-              <a:t> </a:t>
-            </a:r>
-            <a:r>
-              <a:rPr lang="zh-TW" altLang="en-US" dirty="0">
-                <a:latin typeface="Microsoft JhengHei" panose="020B0604030504040204" pitchFamily="34" charset="-120"/>
-                <a:ea typeface="Microsoft JhengHei" panose="020B0604030504040204" pitchFamily="34" charset="-120"/>
-              </a:rPr>
-              <a:t> </a:t>
-            </a:r>
-            <a:endParaRPr lang="en-US" altLang="zh-TW" dirty="0">
-              <a:latin typeface="Microsoft JhengHei" panose="020B0604030504040204" pitchFamily="34" charset="-120"/>
-              <a:ea typeface="Microsoft JhengHei" panose="020B0604030504040204" pitchFamily="34" charset="-120"/>
-            </a:endParaRPr>
-          </a:p>
-          <a:p>
-            <a:r>
-              <a:rPr lang="en-US" altLang="zh-TW" dirty="0">
-                <a:latin typeface="Microsoft JhengHei" panose="020B0604030504040204" pitchFamily="34" charset="-120"/>
-                <a:ea typeface="Microsoft JhengHei" panose="020B0604030504040204" pitchFamily="34" charset="-120"/>
-                <a:hlinkClick r:id="rId4"/>
-              </a:rPr>
-              <a:t>https://reurl.cc/E7vQQk</a:t>
-            </a:r>
-            <a:endParaRPr lang="zh-TW" altLang="en-US" dirty="0">
-              <a:latin typeface="Microsoft JhengHei" panose="020B0604030504040204" pitchFamily="34" charset="-120"/>
-              <a:ea typeface="Microsoft JhengHei" panose="020B0604030504040204" pitchFamily="34" charset="-120"/>
-            </a:endParaRPr>
-          </a:p>
-        </p:txBody>
-      </p:sp>
-      <p:sp>
-        <p:nvSpPr>
-          <p:cNvPr id="9" name="文字方塊 8">
-            <a:extLst>
-              <a:ext uri="{FF2B5EF4-FFF2-40B4-BE49-F238E27FC236}">
-                <a16:creationId xmlns:a16="http://schemas.microsoft.com/office/drawing/2014/main" id="{654C2932-115C-F64A-B658-B10766DAA04D}"/>
-              </a:ext>
-            </a:extLst>
-          </p:cNvPr>
-          <p:cNvSpPr txBox="1"/>
-          <p:nvPr/>
-        </p:nvSpPr>
-        <p:spPr>
-          <a:xfrm>
-            <a:off x="6194116" y="3622078"/>
-            <a:ext cx="3236181" cy="1200329"/>
-          </a:xfrm>
-          <a:prstGeom prst="rect">
-            <a:avLst/>
-          </a:prstGeom>
-          <a:noFill/>
-        </p:spPr>
-        <p:txBody>
-          <a:bodyPr wrap="square" rtlCol="0">
-            <a:spAutoFit/>
-          </a:bodyPr>
-          <a:lstStyle/>
-          <a:p>
-            <a:r>
-              <a:rPr lang="zh-CN" altLang="en-US" dirty="0">
-                <a:latin typeface="Microsoft JhengHei" panose="020B0604030504040204" pitchFamily="34" charset="-120"/>
-                <a:ea typeface="Microsoft JhengHei" panose="020B0604030504040204" pitchFamily="34" charset="-120"/>
-              </a:rPr>
-              <a:t>成果網站</a:t>
-            </a:r>
-            <a:r>
-              <a:rPr lang="zh-TW" altLang="en-US" dirty="0">
-                <a:latin typeface="Microsoft JhengHei" panose="020B0604030504040204" pitchFamily="34" charset="-120"/>
-                <a:ea typeface="Microsoft JhengHei" panose="020B0604030504040204" pitchFamily="34" charset="-120"/>
-              </a:rPr>
-              <a:t>連結</a:t>
-            </a:r>
-            <a:r>
-              <a:rPr lang="en-US" altLang="zh-TW" dirty="0">
-                <a:latin typeface="Microsoft JhengHei" panose="020B0604030504040204" pitchFamily="34" charset="-120"/>
-                <a:ea typeface="Microsoft JhengHei" panose="020B0604030504040204" pitchFamily="34" charset="-120"/>
-              </a:rPr>
-              <a:t>:</a:t>
-            </a:r>
-            <a:r>
-              <a:rPr lang="en-US" altLang="zh-TW" dirty="0">
-                <a:latin typeface="Microsoft JhengHei" panose="020B0604030504040204" pitchFamily="34" charset="-120"/>
-                <a:ea typeface="Microsoft JhengHei" panose="020B0604030504040204" pitchFamily="34" charset="-120"/>
-                <a:hlinkClick r:id="rId2"/>
-              </a:rPr>
-              <a:t> </a:t>
-            </a:r>
-            <a:r>
-              <a:rPr lang="zh-TW" altLang="en-US" dirty="0">
-                <a:latin typeface="Microsoft JhengHei" panose="020B0604030504040204" pitchFamily="34" charset="-120"/>
-                <a:ea typeface="Microsoft JhengHei" panose="020B0604030504040204" pitchFamily="34" charset="-120"/>
-              </a:rPr>
-              <a:t> </a:t>
-            </a:r>
-            <a:endParaRPr lang="en-US" altLang="zh-TW" dirty="0">
-              <a:latin typeface="Microsoft JhengHei" panose="020B0604030504040204" pitchFamily="34" charset="-120"/>
-              <a:ea typeface="Microsoft JhengHei" panose="020B0604030504040204" pitchFamily="34" charset="-120"/>
-            </a:endParaRPr>
-          </a:p>
-          <a:p>
-            <a:r>
-              <a:rPr lang="en" altLang="zh-TW" dirty="0">
-                <a:latin typeface="Microsoft JhengHei" panose="020B0604030504040204" pitchFamily="34" charset="-120"/>
-                <a:ea typeface="Microsoft JhengHei" panose="020B0604030504040204" pitchFamily="34" charset="-120"/>
-                <a:hlinkClick r:id="rId5"/>
-              </a:rPr>
-              <a:t>http://ec2-52-87-157-212.compute-1.amazonaws.com/</a:t>
-            </a:r>
-            <a:endParaRPr kumimoji="1" lang="zh-TW" altLang="en-US" dirty="0">
-              <a:latin typeface="Microsoft JhengHei" panose="020B0604030504040204" pitchFamily="34" charset="-120"/>
-              <a:ea typeface="Microsoft JhengHei" panose="020B0604030504040204" pitchFamily="34" charset="-120"/>
-            </a:endParaRPr>
-          </a:p>
-        </p:txBody>
-      </p:sp>
-      <p:sp>
-        <p:nvSpPr>
-          <p:cNvPr id="10" name="文字方塊 9">
-            <a:extLst>
-              <a:ext uri="{FF2B5EF4-FFF2-40B4-BE49-F238E27FC236}">
-                <a16:creationId xmlns:a16="http://schemas.microsoft.com/office/drawing/2014/main" id="{4D388D2E-6004-9E46-830C-F7DA3195DAA2}"/>
-              </a:ext>
-            </a:extLst>
-          </p:cNvPr>
-          <p:cNvSpPr txBox="1"/>
-          <p:nvPr/>
-        </p:nvSpPr>
-        <p:spPr>
-          <a:xfrm>
-            <a:off x="915379" y="5200327"/>
-            <a:ext cx="7492021" cy="646331"/>
-          </a:xfrm>
-          <a:prstGeom prst="rect">
-            <a:avLst/>
-          </a:prstGeom>
-          <a:noFill/>
-        </p:spPr>
-        <p:txBody>
-          <a:bodyPr wrap="square" rtlCol="0">
-            <a:spAutoFit/>
-          </a:bodyPr>
-          <a:lstStyle/>
-          <a:p>
-            <a:r>
-              <a:rPr kumimoji="1" lang="en-US" altLang="zh-TW" dirty="0">
-                <a:latin typeface="Microsoft JhengHei" panose="020B0604030504040204" pitchFamily="34" charset="-120"/>
-                <a:ea typeface="Microsoft JhengHei" panose="020B0604030504040204" pitchFamily="34" charset="-120"/>
-              </a:rPr>
-              <a:t>P.S. </a:t>
-            </a:r>
-            <a:r>
-              <a:rPr kumimoji="1" lang="zh-TW" altLang="en-US" dirty="0">
-                <a:latin typeface="Microsoft JhengHei" panose="020B0604030504040204" pitchFamily="34" charset="-120"/>
-                <a:ea typeface="Microsoft JhengHei" panose="020B0604030504040204" pitchFamily="34" charset="-120"/>
-              </a:rPr>
-              <a:t>目前最後的資料庫與網頁串接部分尚未完成，因此目前網站僅有架構，整個產品還未正式上線，完成後會在下週以影片來呈現</a:t>
-            </a:r>
-          </a:p>
-        </p:txBody>
-      </p:sp>
-    </p:spTree>
-    <p:extLst>
-      <p:ext uri="{BB962C8B-B14F-4D97-AF65-F5344CB8AC3E}">
-        <p14:creationId xmlns:p14="http://schemas.microsoft.com/office/powerpoint/2010/main" val="1493918605"/>
       </p:ext>
     </p:extLst>
   </p:cSld>
@@ -31851,6 +31951,1206 @@
       </p:grpSpPr>
       <p:sp>
         <p:nvSpPr>
+          <p:cNvPr id="4" name="標題 3">
+            <a:extLst>
+              <a:ext uri="{FF2B5EF4-FFF2-40B4-BE49-F238E27FC236}">
+                <a16:creationId xmlns:a16="http://schemas.microsoft.com/office/drawing/2014/main" id="{65D8D0B7-A88F-8444-A50B-614843E904C6}"/>
+              </a:ext>
+            </a:extLst>
+          </p:cNvPr>
+          <p:cNvSpPr>
+            <a:spLocks noGrp="1"/>
+          </p:cNvSpPr>
+          <p:nvPr>
+            <p:ph type="title"/>
+          </p:nvPr>
+        </p:nvSpPr>
+        <p:spPr/>
+        <p:txBody>
+          <a:bodyPr/>
+          <a:lstStyle/>
+          <a:p>
+            <a:r>
+              <a:rPr lang="en-US" altLang="zh-TW" dirty="0">
+                <a:solidFill>
+                  <a:srgbClr val="4AAC99"/>
+                </a:solidFill>
+                <a:latin typeface="Microsoft JhengHei" panose="020B0604030504040204" pitchFamily="34" charset="-120"/>
+              </a:rPr>
+              <a:t>05</a:t>
+            </a:r>
+            <a:endParaRPr lang="zh-TW" altLang="en-US" dirty="0">
+              <a:solidFill>
+                <a:srgbClr val="4AAC99"/>
+              </a:solidFill>
+              <a:latin typeface="Microsoft JhengHei" panose="020B0604030504040204" pitchFamily="34" charset="-120"/>
+            </a:endParaRPr>
+          </a:p>
+        </p:txBody>
+      </p:sp>
+      <p:sp>
+        <p:nvSpPr>
+          <p:cNvPr id="5" name="文字版面配置區 4">
+            <a:extLst>
+              <a:ext uri="{FF2B5EF4-FFF2-40B4-BE49-F238E27FC236}">
+                <a16:creationId xmlns:a16="http://schemas.microsoft.com/office/drawing/2014/main" id="{001D45A4-756B-054A-88C9-BD20D1A2C25B}"/>
+              </a:ext>
+            </a:extLst>
+          </p:cNvPr>
+          <p:cNvSpPr>
+            <a:spLocks noGrp="1"/>
+          </p:cNvSpPr>
+          <p:nvPr>
+            <p:ph type="body" sz="quarter" idx="13"/>
+          </p:nvPr>
+        </p:nvSpPr>
+        <p:spPr>
+          <a:xfrm>
+            <a:off x="2104373" y="3171031"/>
+            <a:ext cx="4982227" cy="515938"/>
+          </a:xfrm>
+        </p:spPr>
+        <p:txBody>
+          <a:bodyPr/>
+          <a:lstStyle/>
+          <a:p>
+            <a:pPr>
+              <a:spcBef>
+                <a:spcPct val="0"/>
+              </a:spcBef>
+            </a:pPr>
+            <a:r>
+              <a:rPr lang="zh-CN" altLang="en-US" dirty="0">
+                <a:latin typeface="微軟正黑體" panose="020B0604030504040204" pitchFamily="34" charset="-120"/>
+                <a:ea typeface="微軟正黑體" panose="020B0604030504040204" pitchFamily="34" charset="-120"/>
+              </a:rPr>
+              <a:t>結論與小組分工</a:t>
+            </a:r>
+            <a:endParaRPr lang="en-US" altLang="zh-CN" dirty="0">
+              <a:latin typeface="微軟正黑體" panose="020B0604030504040204" pitchFamily="34" charset="-120"/>
+              <a:ea typeface="微軟正黑體" panose="020B0604030504040204" pitchFamily="34" charset="-120"/>
+            </a:endParaRPr>
+          </a:p>
+        </p:txBody>
+      </p:sp>
+    </p:spTree>
+    <p:extLst>
+      <p:ext uri="{BB962C8B-B14F-4D97-AF65-F5344CB8AC3E}">
+        <p14:creationId xmlns:p14="http://schemas.microsoft.com/office/powerpoint/2010/main" val="665831414"/>
+      </p:ext>
+    </p:extLst>
+  </p:cSld>
+  <p:clrMapOvr>
+    <a:masterClrMapping/>
+  </p:clrMapOvr>
+</p:sld>
+</file>
+
+<file path=ppt/slides/slide41.xml><?xml version="1.0" encoding="utf-8"?>
+<p:sld xmlns:a="http://schemas.openxmlformats.org/drawingml/2006/main" xmlns:r="http://schemas.openxmlformats.org/officeDocument/2006/relationships" xmlns:p="http://schemas.openxmlformats.org/presentationml/2006/main">
+  <p:cSld>
+    <p:spTree>
+      <p:nvGrpSpPr>
+        <p:cNvPr id="1" name=""/>
+        <p:cNvGrpSpPr/>
+        <p:nvPr/>
+      </p:nvGrpSpPr>
+      <p:grpSpPr>
+        <a:xfrm>
+          <a:off x="0" y="0"/>
+          <a:ext cx="0" cy="0"/>
+          <a:chOff x="0" y="0"/>
+          <a:chExt cx="0" cy="0"/>
+        </a:xfrm>
+      </p:grpSpPr>
+      <p:sp>
+        <p:nvSpPr>
+          <p:cNvPr id="2" name="標題 1">
+            <a:extLst>
+              <a:ext uri="{FF2B5EF4-FFF2-40B4-BE49-F238E27FC236}">
+                <a16:creationId xmlns:a16="http://schemas.microsoft.com/office/drawing/2014/main" id="{127CA863-CCF2-1E44-BD7D-F315ED2EAA75}"/>
+              </a:ext>
+            </a:extLst>
+          </p:cNvPr>
+          <p:cNvSpPr>
+            <a:spLocks noGrp="1"/>
+          </p:cNvSpPr>
+          <p:nvPr>
+            <p:ph type="title"/>
+          </p:nvPr>
+        </p:nvSpPr>
+        <p:spPr/>
+        <p:txBody>
+          <a:bodyPr/>
+          <a:lstStyle/>
+          <a:p>
+            <a:r>
+              <a:rPr lang="zh-CN" altLang="en-US" dirty="0"/>
+              <a:t>結論</a:t>
+            </a:r>
+            <a:endParaRPr kumimoji="1" lang="zh-TW" altLang="en-US" dirty="0"/>
+          </a:p>
+        </p:txBody>
+      </p:sp>
+      <p:sp>
+        <p:nvSpPr>
+          <p:cNvPr id="4" name="日期版面配置區 3">
+            <a:extLst>
+              <a:ext uri="{FF2B5EF4-FFF2-40B4-BE49-F238E27FC236}">
+                <a16:creationId xmlns:a16="http://schemas.microsoft.com/office/drawing/2014/main" id="{3B50F989-6512-0F40-B991-413E8929AA00}"/>
+              </a:ext>
+            </a:extLst>
+          </p:cNvPr>
+          <p:cNvSpPr>
+            <a:spLocks noGrp="1"/>
+          </p:cNvSpPr>
+          <p:nvPr>
+            <p:ph type="dt" sz="half" idx="10"/>
+          </p:nvPr>
+        </p:nvSpPr>
+        <p:spPr/>
+        <p:txBody>
+          <a:bodyPr/>
+          <a:lstStyle/>
+          <a:p>
+            <a:fld id="{868F4FC5-FE50-A64D-A7E3-22233A0C6925}" type="datetime1">
+              <a:rPr kumimoji="1" lang="zh-TW" altLang="en-US" smtClean="0"/>
+              <a:pPr/>
+              <a:t>2020/6/23</a:t>
+            </a:fld>
+            <a:endParaRPr kumimoji="1" lang="zh-TW" altLang="en-US" dirty="0"/>
+          </a:p>
+        </p:txBody>
+      </p:sp>
+      <p:sp>
+        <p:nvSpPr>
+          <p:cNvPr id="5" name="投影片編號版面配置區 4">
+            <a:extLst>
+              <a:ext uri="{FF2B5EF4-FFF2-40B4-BE49-F238E27FC236}">
+                <a16:creationId xmlns:a16="http://schemas.microsoft.com/office/drawing/2014/main" id="{B98337BB-9D01-A648-832D-F70BF5845104}"/>
+              </a:ext>
+            </a:extLst>
+          </p:cNvPr>
+          <p:cNvSpPr>
+            <a:spLocks noGrp="1"/>
+          </p:cNvSpPr>
+          <p:nvPr>
+            <p:ph type="sldNum" sz="quarter" idx="12"/>
+          </p:nvPr>
+        </p:nvSpPr>
+        <p:spPr/>
+        <p:txBody>
+          <a:bodyPr/>
+          <a:lstStyle/>
+          <a:p>
+            <a:fld id="{80929F01-733D-5847-83A7-C9CEA74310DB}" type="slidenum">
+              <a:rPr kumimoji="1" lang="zh-TW" altLang="en-US" smtClean="0"/>
+              <a:pPr/>
+              <a:t>41</a:t>
+            </a:fld>
+            <a:endParaRPr kumimoji="1" lang="zh-TW" altLang="en-US" dirty="0"/>
+          </a:p>
+        </p:txBody>
+      </p:sp>
+      <p:sp>
+        <p:nvSpPr>
+          <p:cNvPr id="11" name="內容版面配置區 10">
+            <a:extLst>
+              <a:ext uri="{FF2B5EF4-FFF2-40B4-BE49-F238E27FC236}">
+                <a16:creationId xmlns:a16="http://schemas.microsoft.com/office/drawing/2014/main" id="{7FFE45D2-2E41-174F-A43B-82318957F6FD}"/>
+              </a:ext>
+            </a:extLst>
+          </p:cNvPr>
+          <p:cNvSpPr>
+            <a:spLocks noGrp="1"/>
+          </p:cNvSpPr>
+          <p:nvPr>
+            <p:ph idx="1"/>
+          </p:nvPr>
+        </p:nvSpPr>
+        <p:spPr>
+          <a:xfrm>
+            <a:off x="628650" y="1121086"/>
+            <a:ext cx="7886700" cy="1961995"/>
+          </a:xfrm>
+        </p:spPr>
+        <p:txBody>
+          <a:bodyPr/>
+          <a:lstStyle/>
+          <a:p>
+            <a:pPr marL="457200" indent="-457200">
+              <a:buFont typeface="+mj-lt"/>
+              <a:buAutoNum type="arabicPeriod"/>
+            </a:pPr>
+            <a:r>
+              <a:rPr lang="zh-TW" altLang="en-US" dirty="0"/>
+              <a:t>透過長短期記憶模型，我們建立了事件強度分類器、大事件類別分類器、小事件類別分類器。這些分類器對於看門狗系統的新聞內容有很好的分類能力</a:t>
+            </a:r>
+            <a:endParaRPr lang="en-US" altLang="zh-TW" dirty="0"/>
+          </a:p>
+          <a:p>
+            <a:pPr marL="457200" indent="-457200">
+              <a:buFont typeface="+mj-lt"/>
+              <a:buAutoNum type="arabicPeriod"/>
+            </a:pPr>
+            <a:r>
+              <a:rPr lang="zh-TW" altLang="en-US" dirty="0"/>
+              <a:t>透過長短期記憶模型，我們能從新聞事件中取得未來股價變動的一些資訊</a:t>
+            </a:r>
+            <a:endParaRPr lang="en-US" altLang="zh-TW" dirty="0"/>
+          </a:p>
+          <a:p>
+            <a:endParaRPr lang="zh-TW" altLang="en-US" dirty="0"/>
+          </a:p>
+        </p:txBody>
+      </p:sp>
+      <p:sp>
+        <p:nvSpPr>
+          <p:cNvPr id="12" name="標題 1">
+            <a:extLst>
+              <a:ext uri="{FF2B5EF4-FFF2-40B4-BE49-F238E27FC236}">
+                <a16:creationId xmlns:a16="http://schemas.microsoft.com/office/drawing/2014/main" id="{C328858B-1272-CF46-8C47-257C4F9A0336}"/>
+              </a:ext>
+            </a:extLst>
+          </p:cNvPr>
+          <p:cNvSpPr txBox="1">
+            <a:spLocks/>
+          </p:cNvSpPr>
+          <p:nvPr/>
+        </p:nvSpPr>
+        <p:spPr>
+          <a:xfrm>
+            <a:off x="628651" y="3278468"/>
+            <a:ext cx="7886700" cy="599076"/>
+          </a:xfrm>
+          <a:prstGeom prst="rect">
+            <a:avLst/>
+          </a:prstGeom>
+        </p:spPr>
+        <p:txBody>
+          <a:bodyPr vert="horz" lIns="91440" tIns="45720" rIns="91440" bIns="45720" rtlCol="0" anchor="ctr">
+            <a:normAutofit/>
+          </a:bodyPr>
+          <a:lstStyle>
+            <a:lvl1pPr algn="l" defTabSz="914400" rtl="0" eaLnBrk="1" latinLnBrk="0" hangingPunct="1">
+              <a:lnSpc>
+                <a:spcPct val="90000"/>
+              </a:lnSpc>
+              <a:spcBef>
+                <a:spcPct val="0"/>
+              </a:spcBef>
+              <a:buNone/>
+              <a:defRPr lang="zh-TW" altLang="en-US" sz="2400" b="1" kern="1200" spc="-5" dirty="0" smtClean="0">
+                <a:solidFill>
+                  <a:srgbClr val="4AAC99"/>
+                </a:solidFill>
+                <a:latin typeface="微軟正黑體" pitchFamily="34" charset="-120"/>
+                <a:ea typeface="微軟正黑體" pitchFamily="34" charset="-120"/>
+                <a:cs typeface="+mj-cs"/>
+              </a:defRPr>
+            </a:lvl1pPr>
+          </a:lstStyle>
+          <a:p>
+            <a:r>
+              <a:rPr kumimoji="1" lang="zh-CN" altLang="en-US" dirty="0"/>
+              <a:t>未來展望</a:t>
+            </a:r>
+          </a:p>
+        </p:txBody>
+      </p:sp>
+      <p:sp>
+        <p:nvSpPr>
+          <p:cNvPr id="13" name="Content Placeholder 2">
+            <a:extLst>
+              <a:ext uri="{FF2B5EF4-FFF2-40B4-BE49-F238E27FC236}">
+                <a16:creationId xmlns:a16="http://schemas.microsoft.com/office/drawing/2014/main" id="{98AC754A-CE3B-954F-84FA-98486830A6AC}"/>
+              </a:ext>
+            </a:extLst>
+          </p:cNvPr>
+          <p:cNvSpPr txBox="1">
+            <a:spLocks/>
+          </p:cNvSpPr>
+          <p:nvPr/>
+        </p:nvSpPr>
+        <p:spPr>
+          <a:xfrm>
+            <a:off x="628650" y="3877544"/>
+            <a:ext cx="7886699" cy="1961995"/>
+          </a:xfrm>
+          <a:prstGeom prst="rect">
+            <a:avLst/>
+          </a:prstGeom>
+        </p:spPr>
+        <p:txBody>
+          <a:bodyPr vert="horz" lIns="91440" tIns="45720" rIns="91440" bIns="45720" rtlCol="0">
+            <a:normAutofit/>
+          </a:bodyPr>
+          <a:lstStyle>
+            <a:lvl1pPr marL="228600" indent="-228600" algn="l" defTabSz="914400" rtl="0" eaLnBrk="1" latinLnBrk="0" hangingPunct="1">
+              <a:lnSpc>
+                <a:spcPct val="100000"/>
+              </a:lnSpc>
+              <a:spcBef>
+                <a:spcPts val="1000"/>
+              </a:spcBef>
+              <a:buFont typeface="Arial" panose="020B0604020202020204" pitchFamily="34" charset="0"/>
+              <a:buChar char="•"/>
+              <a:defRPr sz="2000" kern="1200">
+                <a:solidFill>
+                  <a:schemeClr val="tx1"/>
+                </a:solidFill>
+                <a:latin typeface="Microsoft JhengHei" panose="020B0604030504040204" pitchFamily="34" charset="-120"/>
+                <a:ea typeface="Microsoft JhengHei" panose="020B0604030504040204" pitchFamily="34" charset="-120"/>
+                <a:cs typeface="+mn-cs"/>
+              </a:defRPr>
+            </a:lvl1pPr>
+            <a:lvl2pPr marL="685800" indent="-228600" algn="l" defTabSz="914400" rtl="0" eaLnBrk="1" latinLnBrk="0" hangingPunct="1">
+              <a:lnSpc>
+                <a:spcPct val="100000"/>
+              </a:lnSpc>
+              <a:spcBef>
+                <a:spcPts val="500"/>
+              </a:spcBef>
+              <a:buFont typeface="Arial" panose="020B0604020202020204" pitchFamily="34" charset="0"/>
+              <a:buChar char="•"/>
+              <a:defRPr sz="1800" kern="1200">
+                <a:solidFill>
+                  <a:schemeClr val="tx1"/>
+                </a:solidFill>
+                <a:latin typeface="Microsoft JhengHei" panose="020B0604030504040204" pitchFamily="34" charset="-120"/>
+                <a:ea typeface="Microsoft JhengHei" panose="020B0604030504040204" pitchFamily="34" charset="-120"/>
+                <a:cs typeface="+mn-cs"/>
+              </a:defRPr>
+            </a:lvl2pPr>
+            <a:lvl3pPr marL="1143000" indent="-228600" algn="l" defTabSz="914400" rtl="0" eaLnBrk="1" latinLnBrk="0" hangingPunct="1">
+              <a:lnSpc>
+                <a:spcPct val="100000"/>
+              </a:lnSpc>
+              <a:spcBef>
+                <a:spcPts val="500"/>
+              </a:spcBef>
+              <a:buFont typeface="Arial" panose="020B0604020202020204" pitchFamily="34" charset="0"/>
+              <a:buChar char="•"/>
+              <a:defRPr sz="1600" kern="1200">
+                <a:solidFill>
+                  <a:schemeClr val="tx1"/>
+                </a:solidFill>
+                <a:latin typeface="Microsoft JhengHei" panose="020B0604030504040204" pitchFamily="34" charset="-120"/>
+                <a:ea typeface="Microsoft JhengHei" panose="020B0604030504040204" pitchFamily="34" charset="-120"/>
+                <a:cs typeface="+mn-cs"/>
+              </a:defRPr>
+            </a:lvl3pPr>
+            <a:lvl4pPr marL="1600200" indent="-228600" algn="l" defTabSz="914400" rtl="0" eaLnBrk="1" latinLnBrk="0" hangingPunct="1">
+              <a:lnSpc>
+                <a:spcPct val="100000"/>
+              </a:lnSpc>
+              <a:spcBef>
+                <a:spcPts val="500"/>
+              </a:spcBef>
+              <a:buFont typeface="Arial" panose="020B0604020202020204" pitchFamily="34" charset="0"/>
+              <a:buChar char="•"/>
+              <a:defRPr sz="1400" kern="1200">
+                <a:solidFill>
+                  <a:schemeClr val="tx1"/>
+                </a:solidFill>
+                <a:latin typeface="Microsoft JhengHei" panose="020B0604030504040204" pitchFamily="34" charset="-120"/>
+                <a:ea typeface="Microsoft JhengHei" panose="020B0604030504040204" pitchFamily="34" charset="-120"/>
+                <a:cs typeface="+mn-cs"/>
+              </a:defRPr>
+            </a:lvl4pPr>
+            <a:lvl5pPr marL="2057400" indent="-228600" algn="l" defTabSz="914400" rtl="0" eaLnBrk="1" latinLnBrk="0" hangingPunct="1">
+              <a:lnSpc>
+                <a:spcPct val="100000"/>
+              </a:lnSpc>
+              <a:spcBef>
+                <a:spcPts val="500"/>
+              </a:spcBef>
+              <a:buFont typeface="Arial" panose="020B0604020202020204" pitchFamily="34" charset="0"/>
+              <a:buChar char="•"/>
+              <a:defRPr sz="1400" kern="1200">
+                <a:solidFill>
+                  <a:schemeClr val="tx1"/>
+                </a:solidFill>
+                <a:latin typeface="Microsoft JhengHei" panose="020B0604030504040204" pitchFamily="34" charset="-120"/>
+                <a:ea typeface="Microsoft JhengHei" panose="020B0604030504040204" pitchFamily="34" charset="-120"/>
+                <a:cs typeface="+mn-cs"/>
+              </a:defRPr>
+            </a:lvl5pPr>
+            <a:lvl6pPr marL="2514600" indent="-228600" algn="l" defTabSz="914400" rtl="0" eaLnBrk="1" latinLnBrk="0" hangingPunct="1">
+              <a:lnSpc>
+                <a:spcPct val="90000"/>
+              </a:lnSpc>
+              <a:spcBef>
+                <a:spcPts val="500"/>
+              </a:spcBef>
+              <a:buFont typeface="Arial" panose="020B0604020202020204" pitchFamily="34" charset="0"/>
+              <a:buChar char="•"/>
+              <a:defRPr sz="1800" kern="1200">
+                <a:solidFill>
+                  <a:schemeClr val="tx1"/>
+                </a:solidFill>
+                <a:latin typeface="+mn-lt"/>
+                <a:ea typeface="+mn-ea"/>
+                <a:cs typeface="+mn-cs"/>
+              </a:defRPr>
+            </a:lvl6pPr>
+            <a:lvl7pPr marL="2971800" indent="-228600" algn="l" defTabSz="914400" rtl="0" eaLnBrk="1" latinLnBrk="0" hangingPunct="1">
+              <a:lnSpc>
+                <a:spcPct val="90000"/>
+              </a:lnSpc>
+              <a:spcBef>
+                <a:spcPts val="500"/>
+              </a:spcBef>
+              <a:buFont typeface="Arial" panose="020B0604020202020204" pitchFamily="34" charset="0"/>
+              <a:buChar char="•"/>
+              <a:defRPr sz="1800" kern="1200">
+                <a:solidFill>
+                  <a:schemeClr val="tx1"/>
+                </a:solidFill>
+                <a:latin typeface="+mn-lt"/>
+                <a:ea typeface="+mn-ea"/>
+                <a:cs typeface="+mn-cs"/>
+              </a:defRPr>
+            </a:lvl7pPr>
+            <a:lvl8pPr marL="3429000" indent="-228600" algn="l" defTabSz="914400" rtl="0" eaLnBrk="1" latinLnBrk="0" hangingPunct="1">
+              <a:lnSpc>
+                <a:spcPct val="90000"/>
+              </a:lnSpc>
+              <a:spcBef>
+                <a:spcPts val="500"/>
+              </a:spcBef>
+              <a:buFont typeface="Arial" panose="020B0604020202020204" pitchFamily="34" charset="0"/>
+              <a:buChar char="•"/>
+              <a:defRPr sz="1800" kern="1200">
+                <a:solidFill>
+                  <a:schemeClr val="tx1"/>
+                </a:solidFill>
+                <a:latin typeface="+mn-lt"/>
+                <a:ea typeface="+mn-ea"/>
+                <a:cs typeface="+mn-cs"/>
+              </a:defRPr>
+            </a:lvl8pPr>
+            <a:lvl9pPr marL="3886200" indent="-228600" algn="l" defTabSz="914400" rtl="0" eaLnBrk="1" latinLnBrk="0" hangingPunct="1">
+              <a:lnSpc>
+                <a:spcPct val="90000"/>
+              </a:lnSpc>
+              <a:spcBef>
+                <a:spcPts val="500"/>
+              </a:spcBef>
+              <a:buFont typeface="Arial" panose="020B0604020202020204" pitchFamily="34" charset="0"/>
+              <a:buChar char="•"/>
+              <a:defRPr sz="1800" kern="1200">
+                <a:solidFill>
+                  <a:schemeClr val="tx1"/>
+                </a:solidFill>
+                <a:latin typeface="+mn-lt"/>
+                <a:ea typeface="+mn-ea"/>
+                <a:cs typeface="+mn-cs"/>
+              </a:defRPr>
+            </a:lvl9pPr>
+          </a:lstStyle>
+          <a:p>
+            <a:pPr marL="457200" indent="-457200">
+              <a:buFont typeface="+mj-lt"/>
+              <a:buAutoNum type="arabicPeriod"/>
+            </a:pPr>
+            <a:r>
+              <a:rPr lang="zh-TW" altLang="en-US" dirty="0"/>
+              <a:t>使用的訓練資料侷限於看門狗系統的新聞內容。對於其它來源的新聞，模型的分類能力尚有改善空間。未來若能使用更多來源的新聞資料進行訓練，便能進一步提升此模型的適用範圍</a:t>
+            </a:r>
+            <a:endParaRPr lang="en-US" altLang="zh-TW" dirty="0"/>
+          </a:p>
+          <a:p>
+            <a:pPr marL="457200" indent="-457200">
+              <a:buFont typeface="+mj-lt"/>
+              <a:buAutoNum type="arabicPeriod"/>
+            </a:pPr>
+            <a:r>
+              <a:rPr lang="zh-CN" altLang="en-US" dirty="0"/>
+              <a:t>股價預測模型的表現尚有改善空間。未來若能使用更為細緻的股價資料（</a:t>
+            </a:r>
+            <a:r>
+              <a:rPr lang="en-US" altLang="zh-TW" dirty="0"/>
+              <a:t>ex:</a:t>
+            </a:r>
+            <a:r>
+              <a:rPr lang="zh-TW" altLang="en-US" dirty="0"/>
+              <a:t> </a:t>
+            </a:r>
+            <a:r>
+              <a:rPr lang="en-US" altLang="zh-TW" dirty="0"/>
+              <a:t>Intraday data</a:t>
+            </a:r>
+            <a:r>
+              <a:rPr lang="zh-CN" altLang="en-US" dirty="0"/>
+              <a:t>），便能進一步提升此模型的表現</a:t>
+            </a:r>
+            <a:endParaRPr lang="en-US" altLang="zh-TW" dirty="0"/>
+          </a:p>
+          <a:p>
+            <a:pPr marL="0" indent="0">
+              <a:buFont typeface="Arial" panose="020B0604020202020204" pitchFamily="34" charset="0"/>
+              <a:buNone/>
+            </a:pPr>
+            <a:endParaRPr lang="en-US" dirty="0"/>
+          </a:p>
+        </p:txBody>
+      </p:sp>
+    </p:spTree>
+    <p:extLst>
+      <p:ext uri="{BB962C8B-B14F-4D97-AF65-F5344CB8AC3E}">
+        <p14:creationId xmlns:p14="http://schemas.microsoft.com/office/powerpoint/2010/main" val="1493918605"/>
+      </p:ext>
+    </p:extLst>
+  </p:cSld>
+  <p:clrMapOvr>
+    <a:masterClrMapping/>
+  </p:clrMapOvr>
+</p:sld>
+</file>
+
+<file path=ppt/slides/slide42.xml><?xml version="1.0" encoding="utf-8"?>
+<p:sld xmlns:a="http://schemas.openxmlformats.org/drawingml/2006/main" xmlns:r="http://schemas.openxmlformats.org/officeDocument/2006/relationships" xmlns:p="http://schemas.openxmlformats.org/presentationml/2006/main">
+  <p:cSld>
+    <p:spTree>
+      <p:nvGrpSpPr>
+        <p:cNvPr id="1" name=""/>
+        <p:cNvGrpSpPr/>
+        <p:nvPr/>
+      </p:nvGrpSpPr>
+      <p:grpSpPr>
+        <a:xfrm>
+          <a:off x="0" y="0"/>
+          <a:ext cx="0" cy="0"/>
+          <a:chOff x="0" y="0"/>
+          <a:chExt cx="0" cy="0"/>
+        </a:xfrm>
+      </p:grpSpPr>
+      <p:sp>
+        <p:nvSpPr>
+          <p:cNvPr id="2" name="標題 1">
+            <a:extLst>
+              <a:ext uri="{FF2B5EF4-FFF2-40B4-BE49-F238E27FC236}">
+                <a16:creationId xmlns:a16="http://schemas.microsoft.com/office/drawing/2014/main" id="{127CA863-CCF2-1E44-BD7D-F315ED2EAA75}"/>
+              </a:ext>
+            </a:extLst>
+          </p:cNvPr>
+          <p:cNvSpPr>
+            <a:spLocks noGrp="1"/>
+          </p:cNvSpPr>
+          <p:nvPr>
+            <p:ph type="title"/>
+          </p:nvPr>
+        </p:nvSpPr>
+        <p:spPr/>
+        <p:txBody>
+          <a:bodyPr/>
+          <a:lstStyle/>
+          <a:p>
+            <a:r>
+              <a:rPr kumimoji="1" lang="zh-TW" altLang="en-US" dirty="0"/>
+              <a:t>小組分工</a:t>
+            </a:r>
+          </a:p>
+        </p:txBody>
+      </p:sp>
+      <p:sp>
+        <p:nvSpPr>
+          <p:cNvPr id="4" name="日期版面配置區 3">
+            <a:extLst>
+              <a:ext uri="{FF2B5EF4-FFF2-40B4-BE49-F238E27FC236}">
+                <a16:creationId xmlns:a16="http://schemas.microsoft.com/office/drawing/2014/main" id="{3B50F989-6512-0F40-B991-413E8929AA00}"/>
+              </a:ext>
+            </a:extLst>
+          </p:cNvPr>
+          <p:cNvSpPr>
+            <a:spLocks noGrp="1"/>
+          </p:cNvSpPr>
+          <p:nvPr>
+            <p:ph type="dt" sz="half" idx="10"/>
+          </p:nvPr>
+        </p:nvSpPr>
+        <p:spPr/>
+        <p:txBody>
+          <a:bodyPr/>
+          <a:lstStyle/>
+          <a:p>
+            <a:fld id="{868F4FC5-FE50-A64D-A7E3-22233A0C6925}" type="datetime1">
+              <a:rPr kumimoji="1" lang="zh-TW" altLang="en-US" smtClean="0"/>
+              <a:pPr/>
+              <a:t>2020/6/23</a:t>
+            </a:fld>
+            <a:endParaRPr kumimoji="1" lang="zh-TW" altLang="en-US" dirty="0"/>
+          </a:p>
+        </p:txBody>
+      </p:sp>
+      <p:sp>
+        <p:nvSpPr>
+          <p:cNvPr id="5" name="投影片編號版面配置區 4">
+            <a:extLst>
+              <a:ext uri="{FF2B5EF4-FFF2-40B4-BE49-F238E27FC236}">
+                <a16:creationId xmlns:a16="http://schemas.microsoft.com/office/drawing/2014/main" id="{B98337BB-9D01-A648-832D-F70BF5845104}"/>
+              </a:ext>
+            </a:extLst>
+          </p:cNvPr>
+          <p:cNvSpPr>
+            <a:spLocks noGrp="1"/>
+          </p:cNvSpPr>
+          <p:nvPr>
+            <p:ph type="sldNum" sz="quarter" idx="12"/>
+          </p:nvPr>
+        </p:nvSpPr>
+        <p:spPr/>
+        <p:txBody>
+          <a:bodyPr/>
+          <a:lstStyle/>
+          <a:p>
+            <a:fld id="{80929F01-733D-5847-83A7-C9CEA74310DB}" type="slidenum">
+              <a:rPr kumimoji="1" lang="zh-TW" altLang="en-US" smtClean="0"/>
+              <a:pPr/>
+              <a:t>42</a:t>
+            </a:fld>
+            <a:endParaRPr kumimoji="1" lang="zh-TW" altLang="en-US" dirty="0"/>
+          </a:p>
+        </p:txBody>
+      </p:sp>
+      <p:sp>
+        <p:nvSpPr>
+          <p:cNvPr id="6" name="內容版面配置區 2">
+            <a:extLst>
+              <a:ext uri="{FF2B5EF4-FFF2-40B4-BE49-F238E27FC236}">
+                <a16:creationId xmlns:a16="http://schemas.microsoft.com/office/drawing/2014/main" id="{7208F1E8-AB6F-E24A-B21E-EC32FEA8A1E8}"/>
+              </a:ext>
+            </a:extLst>
+          </p:cNvPr>
+          <p:cNvSpPr>
+            <a:spLocks noGrp="1"/>
+          </p:cNvSpPr>
+          <p:nvPr>
+            <p:ph idx="1"/>
+          </p:nvPr>
+        </p:nvSpPr>
+        <p:spPr>
+          <a:xfrm>
+            <a:off x="915379" y="1657673"/>
+            <a:ext cx="7313242" cy="1862070"/>
+          </a:xfrm>
+        </p:spPr>
+        <p:txBody>
+          <a:bodyPr>
+            <a:normAutofit/>
+          </a:bodyPr>
+          <a:lstStyle/>
+          <a:p>
+            <a:pPr marL="0" indent="0">
+              <a:buNone/>
+            </a:pPr>
+            <a:r>
+              <a:rPr lang="zh-TW" altLang="en-US" sz="2000" dirty="0">
+                <a:solidFill>
+                  <a:schemeClr val="tx1"/>
+                </a:solidFill>
+                <a:latin typeface="Microsoft JhengHei" panose="020B0604030504040204" pitchFamily="34" charset="-120"/>
+                <a:ea typeface="Microsoft JhengHei" panose="020B0604030504040204" pitchFamily="34" charset="-120"/>
+              </a:rPr>
+              <a:t>劉品妤：</a:t>
+            </a:r>
+            <a:r>
+              <a:rPr lang="en-US" altLang="zh-TW" sz="2000" dirty="0">
+                <a:solidFill>
+                  <a:schemeClr val="tx1"/>
+                </a:solidFill>
+                <a:latin typeface="Microsoft JhengHei" panose="020B0604030504040204" pitchFamily="34" charset="-120"/>
+                <a:ea typeface="Microsoft JhengHei" panose="020B0604030504040204" pitchFamily="34" charset="-120"/>
+              </a:rPr>
+              <a:t>AWS</a:t>
+            </a:r>
+            <a:r>
+              <a:rPr lang="zh-TW" altLang="en-US" sz="2000" dirty="0">
+                <a:solidFill>
+                  <a:schemeClr val="tx1"/>
+                </a:solidFill>
+                <a:latin typeface="Microsoft JhengHei" panose="020B0604030504040204" pitchFamily="34" charset="-120"/>
+                <a:ea typeface="Microsoft JhengHei" panose="020B0604030504040204" pitchFamily="34" charset="-120"/>
+              </a:rPr>
+              <a:t> </a:t>
+            </a:r>
+            <a:r>
+              <a:rPr lang="zh-CN" altLang="en-US" sz="2000" dirty="0">
+                <a:solidFill>
+                  <a:schemeClr val="tx1"/>
+                </a:solidFill>
+                <a:latin typeface="Microsoft JhengHei" panose="020B0604030504040204" pitchFamily="34" charset="-120"/>
+                <a:ea typeface="Microsoft JhengHei" panose="020B0604030504040204" pitchFamily="34" charset="-120"/>
+              </a:rPr>
+              <a:t>與</a:t>
+            </a:r>
+            <a:r>
+              <a:rPr lang="zh-TW" altLang="en-US" sz="2000" dirty="0">
+                <a:solidFill>
+                  <a:schemeClr val="tx1"/>
+                </a:solidFill>
+                <a:latin typeface="Microsoft JhengHei" panose="020B0604030504040204" pitchFamily="34" charset="-120"/>
+                <a:ea typeface="Microsoft JhengHei" panose="020B0604030504040204" pitchFamily="34" charset="-120"/>
+              </a:rPr>
+              <a:t> </a:t>
+            </a:r>
+            <a:r>
+              <a:rPr lang="en-US" altLang="zh-CN" sz="2000" dirty="0">
+                <a:solidFill>
+                  <a:schemeClr val="tx1"/>
+                </a:solidFill>
+                <a:latin typeface="Microsoft JhengHei" panose="020B0604030504040204" pitchFamily="34" charset="-120"/>
+                <a:ea typeface="Microsoft JhengHei" panose="020B0604030504040204" pitchFamily="34" charset="-120"/>
+              </a:rPr>
+              <a:t>WordPress</a:t>
+            </a:r>
+            <a:r>
+              <a:rPr lang="zh-TW" altLang="en-US" sz="2000" dirty="0">
+                <a:solidFill>
+                  <a:schemeClr val="tx1"/>
+                </a:solidFill>
+                <a:latin typeface="Microsoft JhengHei" panose="020B0604030504040204" pitchFamily="34" charset="-120"/>
+                <a:ea typeface="Microsoft JhengHei" panose="020B0604030504040204" pitchFamily="34" charset="-120"/>
+              </a:rPr>
+              <a:t> 網頁製作、爬蟲最新新聞資料</a:t>
+            </a:r>
+            <a:endParaRPr lang="en-US" altLang="zh-TW" sz="2000" dirty="0">
+              <a:solidFill>
+                <a:schemeClr val="tx1"/>
+              </a:solidFill>
+              <a:latin typeface="Microsoft JhengHei" panose="020B0604030504040204" pitchFamily="34" charset="-120"/>
+              <a:ea typeface="Microsoft JhengHei" panose="020B0604030504040204" pitchFamily="34" charset="-120"/>
+            </a:endParaRPr>
+          </a:p>
+          <a:p>
+            <a:pPr marL="0" indent="0">
+              <a:buNone/>
+            </a:pPr>
+            <a:r>
+              <a:rPr lang="zh-TW" altLang="en-US" sz="2000" dirty="0">
+                <a:solidFill>
+                  <a:schemeClr val="tx1"/>
+                </a:solidFill>
+                <a:latin typeface="Microsoft JhengHei" panose="020B0604030504040204" pitchFamily="34" charset="-120"/>
+                <a:ea typeface="Microsoft JhengHei" panose="020B0604030504040204" pitchFamily="34" charset="-120"/>
+              </a:rPr>
+              <a:t>王昱達：</a:t>
+            </a:r>
+            <a:r>
+              <a:rPr lang="zh-CN" altLang="en-US" sz="2000" dirty="0">
+                <a:solidFill>
+                  <a:schemeClr val="tx1"/>
+                </a:solidFill>
+                <a:latin typeface="Microsoft JhengHei" panose="020B0604030504040204" pitchFamily="34" charset="-120"/>
+                <a:ea typeface="Microsoft JhengHei" panose="020B0604030504040204" pitchFamily="34" charset="-120"/>
+              </a:rPr>
+              <a:t>股價資料整理、資料庫建立、網頁串接</a:t>
+            </a:r>
+            <a:r>
+              <a:rPr lang="zh-CN" altLang="en-US" dirty="0"/>
+              <a:t>、簡報整理</a:t>
+            </a:r>
+            <a:endParaRPr lang="en-US" altLang="zh-TW" sz="2000" dirty="0">
+              <a:solidFill>
+                <a:schemeClr val="tx1"/>
+              </a:solidFill>
+              <a:latin typeface="Microsoft JhengHei" panose="020B0604030504040204" pitchFamily="34" charset="-120"/>
+              <a:ea typeface="Microsoft JhengHei" panose="020B0604030504040204" pitchFamily="34" charset="-120"/>
+            </a:endParaRPr>
+          </a:p>
+          <a:p>
+            <a:pPr marL="0" indent="0">
+              <a:buNone/>
+            </a:pPr>
+            <a:r>
+              <a:rPr lang="zh-TW" altLang="en-US" sz="2000" dirty="0">
+                <a:solidFill>
+                  <a:schemeClr val="tx1"/>
+                </a:solidFill>
+                <a:latin typeface="Microsoft JhengHei" panose="020B0604030504040204" pitchFamily="34" charset="-120"/>
+                <a:ea typeface="Microsoft JhengHei" panose="020B0604030504040204" pitchFamily="34" charset="-120"/>
+              </a:rPr>
+              <a:t>楊廣元：新聞評分與股價預測模型的建立與調整參數</a:t>
+            </a:r>
+            <a:endParaRPr lang="en-US" altLang="zh-TW" sz="2000" dirty="0">
+              <a:solidFill>
+                <a:schemeClr val="tx1"/>
+              </a:solidFill>
+              <a:latin typeface="Microsoft JhengHei" panose="020B0604030504040204" pitchFamily="34" charset="-120"/>
+              <a:ea typeface="Microsoft JhengHei" panose="020B0604030504040204" pitchFamily="34" charset="-120"/>
+            </a:endParaRPr>
+          </a:p>
+          <a:p>
+            <a:pPr marL="0" indent="0">
+              <a:buNone/>
+            </a:pPr>
+            <a:r>
+              <a:rPr lang="zh-TW" altLang="en-US" sz="2000" dirty="0">
+                <a:solidFill>
+                  <a:schemeClr val="tx1"/>
+                </a:solidFill>
+                <a:latin typeface="Microsoft JhengHei" panose="020B0604030504040204" pitchFamily="34" charset="-120"/>
+                <a:ea typeface="Microsoft JhengHei" panose="020B0604030504040204" pitchFamily="34" charset="-120"/>
+              </a:rPr>
+              <a:t>呂明諺：</a:t>
+            </a:r>
+            <a:r>
+              <a:rPr lang="zh-CN" altLang="en-US" sz="2000" dirty="0">
+                <a:solidFill>
+                  <a:schemeClr val="tx1"/>
+                </a:solidFill>
+                <a:latin typeface="Microsoft JhengHei" panose="020B0604030504040204" pitchFamily="34" charset="-120"/>
+                <a:ea typeface="Microsoft JhengHei" panose="020B0604030504040204" pitchFamily="34" charset="-120"/>
+              </a:rPr>
+              <a:t>切詞與進一步的優化</a:t>
+            </a:r>
+            <a:r>
+              <a:rPr lang="zh-CN" altLang="en-US" dirty="0"/>
+              <a:t>、簡報整理</a:t>
+            </a:r>
+            <a:endParaRPr lang="en-US" altLang="zh-CN" sz="2000" dirty="0">
+              <a:solidFill>
+                <a:schemeClr val="tx1"/>
+              </a:solidFill>
+              <a:latin typeface="Microsoft JhengHei" panose="020B0604030504040204" pitchFamily="34" charset="-120"/>
+              <a:ea typeface="Microsoft JhengHei" panose="020B0604030504040204" pitchFamily="34" charset="-120"/>
+            </a:endParaRPr>
+          </a:p>
+        </p:txBody>
+      </p:sp>
+      <p:sp>
+        <p:nvSpPr>
+          <p:cNvPr id="7" name="文字方塊 6">
+            <a:extLst>
+              <a:ext uri="{FF2B5EF4-FFF2-40B4-BE49-F238E27FC236}">
+                <a16:creationId xmlns:a16="http://schemas.microsoft.com/office/drawing/2014/main" id="{B6ED4D8E-2437-3E4D-B8D7-B5BEE87BDE38}"/>
+              </a:ext>
+            </a:extLst>
+          </p:cNvPr>
+          <p:cNvSpPr txBox="1"/>
+          <p:nvPr/>
+        </p:nvSpPr>
+        <p:spPr>
+          <a:xfrm>
+            <a:off x="552450" y="3809773"/>
+            <a:ext cx="3236181" cy="646331"/>
+          </a:xfrm>
+          <a:prstGeom prst="rect">
+            <a:avLst/>
+          </a:prstGeom>
+          <a:noFill/>
+        </p:spPr>
+        <p:txBody>
+          <a:bodyPr wrap="square" rtlCol="0">
+            <a:spAutoFit/>
+          </a:bodyPr>
+          <a:lstStyle/>
+          <a:p>
+            <a:r>
+              <a:rPr lang="en-US" altLang="zh-TW" dirty="0">
+                <a:latin typeface="Microsoft JhengHei" panose="020B0604030504040204" pitchFamily="34" charset="-120"/>
+                <a:ea typeface="Microsoft JhengHei" panose="020B0604030504040204" pitchFamily="34" charset="-120"/>
+              </a:rPr>
+              <a:t>Trello </a:t>
+            </a:r>
+            <a:r>
+              <a:rPr lang="zh-TW" altLang="en-US" dirty="0">
+                <a:latin typeface="Microsoft JhengHei" panose="020B0604030504040204" pitchFamily="34" charset="-120"/>
+                <a:ea typeface="Microsoft JhengHei" panose="020B0604030504040204" pitchFamily="34" charset="-120"/>
+              </a:rPr>
+              <a:t>連結</a:t>
+            </a:r>
+            <a:r>
+              <a:rPr lang="en-US" altLang="zh-TW" dirty="0">
+                <a:latin typeface="Microsoft JhengHei" panose="020B0604030504040204" pitchFamily="34" charset="-120"/>
+                <a:ea typeface="Microsoft JhengHei" panose="020B0604030504040204" pitchFamily="34" charset="-120"/>
+              </a:rPr>
+              <a:t>:</a:t>
+            </a:r>
+            <a:r>
+              <a:rPr lang="en-US" altLang="zh-TW" dirty="0">
+                <a:latin typeface="Microsoft JhengHei" panose="020B0604030504040204" pitchFamily="34" charset="-120"/>
+                <a:ea typeface="Microsoft JhengHei" panose="020B0604030504040204" pitchFamily="34" charset="-120"/>
+                <a:hlinkClick r:id="rId2"/>
+              </a:rPr>
+              <a:t> </a:t>
+            </a:r>
+            <a:r>
+              <a:rPr lang="zh-TW" altLang="en-US" dirty="0">
+                <a:latin typeface="Microsoft JhengHei" panose="020B0604030504040204" pitchFamily="34" charset="-120"/>
+                <a:ea typeface="Microsoft JhengHei" panose="020B0604030504040204" pitchFamily="34" charset="-120"/>
+              </a:rPr>
+              <a:t> </a:t>
+            </a:r>
+            <a:endParaRPr lang="en-US" altLang="zh-TW" dirty="0">
+              <a:latin typeface="Microsoft JhengHei" panose="020B0604030504040204" pitchFamily="34" charset="-120"/>
+              <a:ea typeface="Microsoft JhengHei" panose="020B0604030504040204" pitchFamily="34" charset="-120"/>
+            </a:endParaRPr>
+          </a:p>
+          <a:p>
+            <a:r>
+              <a:rPr lang="en-US" altLang="zh-TW" dirty="0">
+                <a:latin typeface="Microsoft JhengHei" panose="020B0604030504040204" pitchFamily="34" charset="-120"/>
+                <a:ea typeface="Microsoft JhengHei" panose="020B0604030504040204" pitchFamily="34" charset="-120"/>
+                <a:hlinkClick r:id="rId3"/>
+              </a:rPr>
+              <a:t>https://reurl.cc/Mvozzv</a:t>
+            </a:r>
+            <a:endParaRPr lang="zh-TW" altLang="en-US" dirty="0">
+              <a:latin typeface="Microsoft JhengHei" panose="020B0604030504040204" pitchFamily="34" charset="-120"/>
+              <a:ea typeface="Microsoft JhengHei" panose="020B0604030504040204" pitchFamily="34" charset="-120"/>
+            </a:endParaRPr>
+          </a:p>
+        </p:txBody>
+      </p:sp>
+      <p:sp>
+        <p:nvSpPr>
+          <p:cNvPr id="8" name="文字方塊 7">
+            <a:extLst>
+              <a:ext uri="{FF2B5EF4-FFF2-40B4-BE49-F238E27FC236}">
+                <a16:creationId xmlns:a16="http://schemas.microsoft.com/office/drawing/2014/main" id="{EEE55893-E5A1-1446-AF90-BD781F0D4A69}"/>
+              </a:ext>
+            </a:extLst>
+          </p:cNvPr>
+          <p:cNvSpPr txBox="1"/>
+          <p:nvPr/>
+        </p:nvSpPr>
+        <p:spPr>
+          <a:xfrm>
+            <a:off x="3302794" y="3809773"/>
+            <a:ext cx="3236181" cy="646331"/>
+          </a:xfrm>
+          <a:prstGeom prst="rect">
+            <a:avLst/>
+          </a:prstGeom>
+          <a:noFill/>
+        </p:spPr>
+        <p:txBody>
+          <a:bodyPr wrap="square" rtlCol="0">
+            <a:spAutoFit/>
+          </a:bodyPr>
+          <a:lstStyle/>
+          <a:p>
+            <a:r>
+              <a:rPr lang="en-US" altLang="zh-TW" dirty="0">
+                <a:latin typeface="Microsoft JhengHei" panose="020B0604030504040204" pitchFamily="34" charset="-120"/>
+                <a:ea typeface="Microsoft JhengHei" panose="020B0604030504040204" pitchFamily="34" charset="-120"/>
+              </a:rPr>
+              <a:t>Github </a:t>
+            </a:r>
+            <a:r>
+              <a:rPr lang="zh-TW" altLang="en-US" dirty="0">
+                <a:latin typeface="Microsoft JhengHei" panose="020B0604030504040204" pitchFamily="34" charset="-120"/>
+                <a:ea typeface="Microsoft JhengHei" panose="020B0604030504040204" pitchFamily="34" charset="-120"/>
+              </a:rPr>
+              <a:t>連結</a:t>
+            </a:r>
+            <a:r>
+              <a:rPr lang="en-US" altLang="zh-TW" dirty="0">
+                <a:latin typeface="Microsoft JhengHei" panose="020B0604030504040204" pitchFamily="34" charset="-120"/>
+                <a:ea typeface="Microsoft JhengHei" panose="020B0604030504040204" pitchFamily="34" charset="-120"/>
+              </a:rPr>
+              <a:t>:</a:t>
+            </a:r>
+            <a:r>
+              <a:rPr lang="en-US" altLang="zh-TW" dirty="0">
+                <a:latin typeface="Microsoft JhengHei" panose="020B0604030504040204" pitchFamily="34" charset="-120"/>
+                <a:ea typeface="Microsoft JhengHei" panose="020B0604030504040204" pitchFamily="34" charset="-120"/>
+                <a:hlinkClick r:id="rId2"/>
+              </a:rPr>
+              <a:t> </a:t>
+            </a:r>
+            <a:r>
+              <a:rPr lang="zh-TW" altLang="en-US" dirty="0">
+                <a:latin typeface="Microsoft JhengHei" panose="020B0604030504040204" pitchFamily="34" charset="-120"/>
+                <a:ea typeface="Microsoft JhengHei" panose="020B0604030504040204" pitchFamily="34" charset="-120"/>
+              </a:rPr>
+              <a:t> </a:t>
+            </a:r>
+            <a:endParaRPr lang="en-US" altLang="zh-TW" dirty="0">
+              <a:latin typeface="Microsoft JhengHei" panose="020B0604030504040204" pitchFamily="34" charset="-120"/>
+              <a:ea typeface="Microsoft JhengHei" panose="020B0604030504040204" pitchFamily="34" charset="-120"/>
+            </a:endParaRPr>
+          </a:p>
+          <a:p>
+            <a:r>
+              <a:rPr lang="en-US" altLang="zh-TW" dirty="0">
+                <a:latin typeface="Microsoft JhengHei" panose="020B0604030504040204" pitchFamily="34" charset="-120"/>
+                <a:ea typeface="Microsoft JhengHei" panose="020B0604030504040204" pitchFamily="34" charset="-120"/>
+                <a:hlinkClick r:id="rId4"/>
+              </a:rPr>
+              <a:t>https://reurl.cc/E7vQQk</a:t>
+            </a:r>
+            <a:endParaRPr lang="zh-TW" altLang="en-US" dirty="0">
+              <a:latin typeface="Microsoft JhengHei" panose="020B0604030504040204" pitchFamily="34" charset="-120"/>
+              <a:ea typeface="Microsoft JhengHei" panose="020B0604030504040204" pitchFamily="34" charset="-120"/>
+            </a:endParaRPr>
+          </a:p>
+        </p:txBody>
+      </p:sp>
+      <p:sp>
+        <p:nvSpPr>
+          <p:cNvPr id="9" name="文字方塊 8">
+            <a:extLst>
+              <a:ext uri="{FF2B5EF4-FFF2-40B4-BE49-F238E27FC236}">
+                <a16:creationId xmlns:a16="http://schemas.microsoft.com/office/drawing/2014/main" id="{654C2932-115C-F64A-B658-B10766DAA04D}"/>
+              </a:ext>
+            </a:extLst>
+          </p:cNvPr>
+          <p:cNvSpPr txBox="1"/>
+          <p:nvPr/>
+        </p:nvSpPr>
+        <p:spPr>
+          <a:xfrm>
+            <a:off x="6194116" y="3622078"/>
+            <a:ext cx="3236181" cy="1200329"/>
+          </a:xfrm>
+          <a:prstGeom prst="rect">
+            <a:avLst/>
+          </a:prstGeom>
+          <a:noFill/>
+        </p:spPr>
+        <p:txBody>
+          <a:bodyPr wrap="square" rtlCol="0">
+            <a:spAutoFit/>
+          </a:bodyPr>
+          <a:lstStyle/>
+          <a:p>
+            <a:r>
+              <a:rPr lang="zh-CN" altLang="en-US" dirty="0">
+                <a:latin typeface="Microsoft JhengHei" panose="020B0604030504040204" pitchFamily="34" charset="-120"/>
+                <a:ea typeface="Microsoft JhengHei" panose="020B0604030504040204" pitchFamily="34" charset="-120"/>
+              </a:rPr>
+              <a:t>成果網站</a:t>
+            </a:r>
+            <a:r>
+              <a:rPr lang="zh-TW" altLang="en-US" dirty="0">
+                <a:latin typeface="Microsoft JhengHei" panose="020B0604030504040204" pitchFamily="34" charset="-120"/>
+                <a:ea typeface="Microsoft JhengHei" panose="020B0604030504040204" pitchFamily="34" charset="-120"/>
+              </a:rPr>
+              <a:t>連結</a:t>
+            </a:r>
+            <a:r>
+              <a:rPr lang="en-US" altLang="zh-TW" dirty="0">
+                <a:latin typeface="Microsoft JhengHei" panose="020B0604030504040204" pitchFamily="34" charset="-120"/>
+                <a:ea typeface="Microsoft JhengHei" panose="020B0604030504040204" pitchFamily="34" charset="-120"/>
+              </a:rPr>
+              <a:t>:</a:t>
+            </a:r>
+            <a:r>
+              <a:rPr lang="en-US" altLang="zh-TW" dirty="0">
+                <a:latin typeface="Microsoft JhengHei" panose="020B0604030504040204" pitchFamily="34" charset="-120"/>
+                <a:ea typeface="Microsoft JhengHei" panose="020B0604030504040204" pitchFamily="34" charset="-120"/>
+                <a:hlinkClick r:id="rId2"/>
+              </a:rPr>
+              <a:t> </a:t>
+            </a:r>
+            <a:r>
+              <a:rPr lang="zh-TW" altLang="en-US" dirty="0">
+                <a:latin typeface="Microsoft JhengHei" panose="020B0604030504040204" pitchFamily="34" charset="-120"/>
+                <a:ea typeface="Microsoft JhengHei" panose="020B0604030504040204" pitchFamily="34" charset="-120"/>
+              </a:rPr>
+              <a:t> </a:t>
+            </a:r>
+            <a:endParaRPr lang="en-US" altLang="zh-TW" dirty="0">
+              <a:latin typeface="Microsoft JhengHei" panose="020B0604030504040204" pitchFamily="34" charset="-120"/>
+              <a:ea typeface="Microsoft JhengHei" panose="020B0604030504040204" pitchFamily="34" charset="-120"/>
+            </a:endParaRPr>
+          </a:p>
+          <a:p>
+            <a:r>
+              <a:rPr lang="en" altLang="zh-TW" dirty="0">
+                <a:latin typeface="Microsoft JhengHei" panose="020B0604030504040204" pitchFamily="34" charset="-120"/>
+                <a:ea typeface="Microsoft JhengHei" panose="020B0604030504040204" pitchFamily="34" charset="-120"/>
+                <a:hlinkClick r:id="rId5"/>
+              </a:rPr>
+              <a:t>http://ec2-52-87-157-212.compute-1.amazonaws.com/</a:t>
+            </a:r>
+            <a:endParaRPr kumimoji="1" lang="zh-TW" altLang="en-US" dirty="0">
+              <a:latin typeface="Microsoft JhengHei" panose="020B0604030504040204" pitchFamily="34" charset="-120"/>
+              <a:ea typeface="Microsoft JhengHei" panose="020B0604030504040204" pitchFamily="34" charset="-120"/>
+            </a:endParaRPr>
+          </a:p>
+        </p:txBody>
+      </p:sp>
+      <p:sp>
+        <p:nvSpPr>
+          <p:cNvPr id="10" name="文字方塊 9">
+            <a:extLst>
+              <a:ext uri="{FF2B5EF4-FFF2-40B4-BE49-F238E27FC236}">
+                <a16:creationId xmlns:a16="http://schemas.microsoft.com/office/drawing/2014/main" id="{4D388D2E-6004-9E46-830C-F7DA3195DAA2}"/>
+              </a:ext>
+            </a:extLst>
+          </p:cNvPr>
+          <p:cNvSpPr txBox="1"/>
+          <p:nvPr/>
+        </p:nvSpPr>
+        <p:spPr>
+          <a:xfrm>
+            <a:off x="915379" y="5200327"/>
+            <a:ext cx="7492021" cy="646331"/>
+          </a:xfrm>
+          <a:prstGeom prst="rect">
+            <a:avLst/>
+          </a:prstGeom>
+          <a:noFill/>
+        </p:spPr>
+        <p:txBody>
+          <a:bodyPr wrap="square" rtlCol="0">
+            <a:spAutoFit/>
+          </a:bodyPr>
+          <a:lstStyle/>
+          <a:p>
+            <a:r>
+              <a:rPr kumimoji="1" lang="en-US" altLang="zh-TW" dirty="0">
+                <a:latin typeface="Microsoft JhengHei" panose="020B0604030504040204" pitchFamily="34" charset="-120"/>
+                <a:ea typeface="Microsoft JhengHei" panose="020B0604030504040204" pitchFamily="34" charset="-120"/>
+              </a:rPr>
+              <a:t>P.S. </a:t>
+            </a:r>
+            <a:r>
+              <a:rPr kumimoji="1" lang="zh-TW" altLang="en-US" dirty="0">
+                <a:latin typeface="Microsoft JhengHei" panose="020B0604030504040204" pitchFamily="34" charset="-120"/>
+                <a:ea typeface="Microsoft JhengHei" panose="020B0604030504040204" pitchFamily="34" charset="-120"/>
+              </a:rPr>
+              <a:t>目前最後的資料庫與網頁串接部分尚未完成，因此目前網站僅有架構，整個產品還未正式上線，完成後會在下週以影片來呈現</a:t>
+            </a:r>
+          </a:p>
+        </p:txBody>
+      </p:sp>
+    </p:spTree>
+    <p:extLst>
+      <p:ext uri="{BB962C8B-B14F-4D97-AF65-F5344CB8AC3E}">
+        <p14:creationId xmlns:p14="http://schemas.microsoft.com/office/powerpoint/2010/main" val="1296729055"/>
+      </p:ext>
+    </p:extLst>
+  </p:cSld>
+  <p:clrMapOvr>
+    <a:masterClrMapping/>
+  </p:clrMapOvr>
+</p:sld>
+</file>
+
+<file path=ppt/slides/slide43.xml><?xml version="1.0" encoding="utf-8"?>
+<p:sld xmlns:a="http://schemas.openxmlformats.org/drawingml/2006/main" xmlns:r="http://schemas.openxmlformats.org/officeDocument/2006/relationships" xmlns:p="http://schemas.openxmlformats.org/presentationml/2006/main">
+  <p:cSld>
+    <p:spTree>
+      <p:nvGrpSpPr>
+        <p:cNvPr id="1" name=""/>
+        <p:cNvGrpSpPr/>
+        <p:nvPr/>
+      </p:nvGrpSpPr>
+      <p:grpSpPr>
+        <a:xfrm>
+          <a:off x="0" y="0"/>
+          <a:ext cx="0" cy="0"/>
+          <a:chOff x="0" y="0"/>
+          <a:chExt cx="0" cy="0"/>
+        </a:xfrm>
+      </p:grpSpPr>
+      <p:sp>
+        <p:nvSpPr>
           <p:cNvPr id="8" name="矩形 7">
             <a:extLst>
               <a:ext uri="{FF2B5EF4-FFF2-40B4-BE49-F238E27FC236}">
@@ -32621,10 +33921,10 @@
       </p:sp>
       <p:pic>
         <p:nvPicPr>
-          <p:cNvPr id="3" name="圖片 2" descr="一張含有 螢幕擷取畫面 的圖片&#10;&#10;自動產生的描述">
-            <a:extLst>
-              <a:ext uri="{FF2B5EF4-FFF2-40B4-BE49-F238E27FC236}">
-                <a16:creationId xmlns:a16="http://schemas.microsoft.com/office/drawing/2014/main" id="{B2BA64A9-EC3E-6348-8305-55D83C18D576}"/>
+          <p:cNvPr id="19" name="圖片 18">
+            <a:extLst>
+              <a:ext uri="{FF2B5EF4-FFF2-40B4-BE49-F238E27FC236}">
+                <a16:creationId xmlns:a16="http://schemas.microsoft.com/office/drawing/2014/main" id="{C5BE6493-71B0-544A-A916-69D915737F19}"/>
               </a:ext>
             </a:extLst>
           </p:cNvPr>
@@ -32633,16 +33933,15 @@
           </p:cNvPicPr>
           <p:nvPr/>
         </p:nvPicPr>
-        <p:blipFill>
+        <p:blipFill rotWithShape="1">
           <a:blip r:embed="rId2"/>
-          <a:stretch>
-            <a:fillRect/>
-          </a:stretch>
+          <a:srcRect r="18711"/>
+          <a:stretch/>
         </p:blipFill>
         <p:spPr>
           <a:xfrm>
-            <a:off x="3342428" y="2612967"/>
-            <a:ext cx="3062471" cy="2015976"/>
+            <a:off x="3278249" y="2605886"/>
+            <a:ext cx="3055149" cy="2086117"/>
           </a:xfrm>
           <a:prstGeom prst="rect">
             <a:avLst/>

--- a/報告擋/玉山_題目一_組別二.pptx
+++ b/報告擋/玉山_題目一_組別二.pptx
@@ -5,10 +5,10 @@
     <p:sldMasterId id="2147483684" r:id="rId1"/>
   </p:sldMasterIdLst>
   <p:notesMasterIdLst>
-    <p:notesMasterId r:id="rId45"/>
+    <p:notesMasterId r:id="rId46"/>
   </p:notesMasterIdLst>
   <p:handoutMasterIdLst>
-    <p:handoutMasterId r:id="rId46"/>
+    <p:handoutMasterId r:id="rId47"/>
   </p:handoutMasterIdLst>
   <p:sldIdLst>
     <p:sldId id="257" r:id="rId2"/>
@@ -48,12 +48,13 @@
     <p:sldId id="450" r:id="rId36"/>
     <p:sldId id="453" r:id="rId37"/>
     <p:sldId id="454" r:id="rId38"/>
-    <p:sldId id="452" r:id="rId39"/>
-    <p:sldId id="477" r:id="rId40"/>
-    <p:sldId id="479" r:id="rId41"/>
-    <p:sldId id="462" r:id="rId42"/>
-    <p:sldId id="480" r:id="rId43"/>
-    <p:sldId id="463" r:id="rId44"/>
+    <p:sldId id="481" r:id="rId39"/>
+    <p:sldId id="452" r:id="rId40"/>
+    <p:sldId id="477" r:id="rId41"/>
+    <p:sldId id="479" r:id="rId42"/>
+    <p:sldId id="462" r:id="rId43"/>
+    <p:sldId id="480" r:id="rId44"/>
+    <p:sldId id="463" r:id="rId45"/>
   </p:sldIdLst>
   <p:sldSz cx="9144000" cy="6858000" type="screen4x3"/>
   <p:notesSz cx="6858000" cy="9144000"/>
@@ -257,7 +258,7 @@
           <a:p>
             <a:fld id="{0E2E485A-1DF2-EF4F-9782-8568C33662D6}" type="datetimeFigureOut">
               <a:rPr kumimoji="1" lang="zh-TW" altLang="en-US" smtClean="0"/>
-              <a:t>2020/6/23</a:t>
+              <a:t>2020/6/24</a:t>
             </a:fld>
             <a:endParaRPr kumimoji="1" lang="zh-TW" altLang="en-US"/>
           </a:p>
@@ -434,7 +435,7 @@
           <a:p>
             <a:fld id="{DD4483AA-B877-7C45-B5CE-2B8D690179FA}" type="datetimeFigureOut">
               <a:rPr kumimoji="1" lang="zh-TW" altLang="en-US" smtClean="0"/>
-              <a:t>2020/6/23</a:t>
+              <a:t>2020/6/24</a:t>
             </a:fld>
             <a:endParaRPr kumimoji="1" lang="zh-TW" altLang="en-US"/>
           </a:p>
@@ -1015,7 +1016,7 @@
             <a:fld id="{868F4FC5-FE50-A64D-A7E3-22233A0C6925}" type="datetime1">
               <a:rPr kumimoji="1" lang="zh-TW" altLang="en-US" smtClean="0"/>
               <a:pPr/>
-              <a:t>2020/6/23</a:t>
+              <a:t>2020/6/24</a:t>
             </a:fld>
             <a:endParaRPr kumimoji="1" lang="zh-TW" altLang="en-US" dirty="0"/>
           </a:p>
@@ -1531,7 +1532,7 @@
           <a:p>
             <a:fld id="{FAC3B233-0F11-2949-9778-845E9C940E45}" type="datetime1">
               <a:rPr kumimoji="1" lang="zh-TW" altLang="en-US" smtClean="0"/>
-              <a:t>2020/6/23</a:t>
+              <a:t>2020/6/24</a:t>
             </a:fld>
             <a:endParaRPr kumimoji="1" lang="zh-TW" altLang="en-US"/>
           </a:p>
@@ -2001,7 +2002,7 @@
           <a:p>
             <a:fld id="{B1502A10-1194-924D-B7D1-E321F36876AD}" type="datetime1">
               <a:rPr kumimoji="1" lang="zh-TW" altLang="en-US" smtClean="0"/>
-              <a:t>2020/6/23</a:t>
+              <a:t>2020/6/24</a:t>
             </a:fld>
             <a:endParaRPr kumimoji="1" lang="zh-TW" altLang="en-US"/>
           </a:p>
@@ -2819,7 +2820,7 @@
                   <a:schemeClr val="tx1"/>
                 </a:solidFill>
               </a:rPr>
-              <a:t>2020/6/23</a:t>
+              <a:t>2020/6/24</a:t>
             </a:fld>
             <a:endParaRPr kumimoji="1" lang="zh-TW" altLang="en-US" dirty="0">
               <a:solidFill>
@@ -3336,7 +3337,7 @@
           <a:p>
             <a:fld id="{868F4FC5-FE50-A64D-A7E3-22233A0C6925}" type="datetime1">
               <a:rPr kumimoji="1" lang="zh-TW" altLang="en-US" smtClean="0"/>
-              <a:t>2020/6/23</a:t>
+              <a:t>2020/6/24</a:t>
             </a:fld>
             <a:endParaRPr kumimoji="1" lang="zh-TW" altLang="en-US" dirty="0"/>
           </a:p>
@@ -3691,7 +3692,7 @@
             <a:fld id="{868F4FC5-FE50-A64D-A7E3-22233A0C6925}" type="datetime1">
               <a:rPr kumimoji="1" lang="zh-TW" altLang="en-US" smtClean="0"/>
               <a:pPr/>
-              <a:t>2020/6/23</a:t>
+              <a:t>2020/6/24</a:t>
             </a:fld>
             <a:endParaRPr kumimoji="1" lang="zh-TW" altLang="en-US" dirty="0"/>
           </a:p>
@@ -4065,7 +4066,7 @@
             <a:fld id="{868F4FC5-FE50-A64D-A7E3-22233A0C6925}" type="datetime1">
               <a:rPr kumimoji="1" lang="zh-TW" altLang="en-US" smtClean="0"/>
               <a:pPr/>
-              <a:t>2020/6/23</a:t>
+              <a:t>2020/6/24</a:t>
             </a:fld>
             <a:endParaRPr kumimoji="1" lang="zh-TW" altLang="en-US" dirty="0"/>
           </a:p>
@@ -4824,7 +4825,7 @@
             <a:fld id="{868F4FC5-FE50-A64D-A7E3-22233A0C6925}" type="datetime1">
               <a:rPr kumimoji="1" lang="zh-TW" altLang="en-US" smtClean="0"/>
               <a:pPr/>
-              <a:t>2020/6/23</a:t>
+              <a:t>2020/6/24</a:t>
             </a:fld>
             <a:endParaRPr kumimoji="1" lang="zh-TW" altLang="en-US" dirty="0"/>
           </a:p>
@@ -5013,7 +5014,7 @@
         <p:spPr>
           <a:xfrm>
             <a:off x="219011" y="1679336"/>
-            <a:ext cx="3564088" cy="4147152"/>
+            <a:ext cx="3564088" cy="3679728"/>
           </a:xfrm>
         </p:spPr>
         <p:txBody>
@@ -5097,7 +5098,7 @@
                   <a:schemeClr val="tx1"/>
                 </a:solidFill>
               </a:rPr>
-              <a:t> 10 </a:t>
+              <a:t> 120 </a:t>
             </a:r>
             <a:r>
               <a:rPr lang="zh-TW" altLang="en-US" dirty="0">
@@ -5131,6 +5132,65 @@
                 <a:schemeClr val="tx1"/>
               </a:solidFill>
             </a:endParaRPr>
+          </a:p>
+        </p:txBody>
+      </p:sp>
+      <p:sp>
+        <p:nvSpPr>
+          <p:cNvPr id="3" name="文字方塊 2">
+            <a:extLst>
+              <a:ext uri="{FF2B5EF4-FFF2-40B4-BE49-F238E27FC236}">
+                <a16:creationId xmlns:a16="http://schemas.microsoft.com/office/drawing/2014/main" id="{5755C7E6-B615-A748-BB8E-B6FCFDFC66B0}"/>
+              </a:ext>
+            </a:extLst>
+          </p:cNvPr>
+          <p:cNvSpPr txBox="1"/>
+          <p:nvPr/>
+        </p:nvSpPr>
+        <p:spPr>
+          <a:xfrm>
+            <a:off x="552417" y="6229827"/>
+            <a:ext cx="7943200" cy="261610"/>
+          </a:xfrm>
+          <a:prstGeom prst="rect">
+            <a:avLst/>
+          </a:prstGeom>
+          <a:noFill/>
+        </p:spPr>
+        <p:txBody>
+          <a:bodyPr wrap="none" rtlCol="0">
+            <a:spAutoFit/>
+          </a:bodyPr>
+          <a:lstStyle/>
+          <a:p>
+            <a:r>
+              <a:rPr kumimoji="1" lang="en-US" altLang="zh-TW" sz="1100" dirty="0">
+                <a:latin typeface="Microsoft JhengHei" panose="020B0604030504040204" pitchFamily="34" charset="-120"/>
+                <a:ea typeface="Microsoft JhengHei" panose="020B0604030504040204" pitchFamily="34" charset="-120"/>
+              </a:rPr>
+              <a:t>P.S. 20200624 </a:t>
+            </a:r>
+            <a:r>
+              <a:rPr kumimoji="1" lang="zh-TW" altLang="en-US" sz="1100" dirty="0">
+                <a:latin typeface="Microsoft JhengHei" panose="020B0604030504040204" pitchFamily="34" charset="-120"/>
+                <a:ea typeface="Microsoft JhengHei" panose="020B0604030504040204" pitchFamily="34" charset="-120"/>
+              </a:rPr>
+              <a:t>發現公開資訊觀測站每三分鐘才刷新一次最新資料，考慮程式所需的計算時間後，本組改設每 </a:t>
+            </a:r>
+            <a:r>
+              <a:rPr kumimoji="1" lang="en-US" altLang="zh-TW" sz="1100" dirty="0">
+                <a:latin typeface="Microsoft JhengHei" panose="020B0604030504040204" pitchFamily="34" charset="-120"/>
+                <a:ea typeface="Microsoft JhengHei" panose="020B0604030504040204" pitchFamily="34" charset="-120"/>
+              </a:rPr>
+              <a:t>120</a:t>
+            </a:r>
+            <a:r>
+              <a:rPr kumimoji="1" lang="zh-TW" altLang="en-US" sz="1100" dirty="0">
+                <a:latin typeface="Microsoft JhengHei" panose="020B0604030504040204" pitchFamily="34" charset="-120"/>
+                <a:ea typeface="Microsoft JhengHei" panose="020B0604030504040204" pitchFamily="34" charset="-120"/>
+              </a:rPr>
+              <a:t> 秒爬蟲一次</a:t>
+            </a:r>
           </a:p>
         </p:txBody>
       </p:sp>
@@ -5188,7 +5248,7 @@
             <a:fld id="{868F4FC5-FE50-A64D-A7E3-22233A0C6925}" type="datetime1">
               <a:rPr kumimoji="1" lang="zh-TW" altLang="en-US" smtClean="0"/>
               <a:pPr/>
-              <a:t>2020/6/23</a:t>
+              <a:t>2020/6/24</a:t>
             </a:fld>
             <a:endParaRPr kumimoji="1" lang="zh-TW" altLang="en-US" dirty="0"/>
           </a:p>
@@ -6070,7 +6130,7 @@
             <a:fld id="{868F4FC5-FE50-A64D-A7E3-22233A0C6925}" type="datetime1">
               <a:rPr kumimoji="1" lang="zh-TW" altLang="en-US" smtClean="0"/>
               <a:pPr/>
-              <a:t>2020/6/23</a:t>
+              <a:t>2020/6/24</a:t>
             </a:fld>
             <a:endParaRPr kumimoji="1" lang="zh-TW" altLang="en-US" dirty="0"/>
           </a:p>
@@ -7164,7 +7224,7 @@
             <a:fld id="{868F4FC5-FE50-A64D-A7E3-22233A0C6925}" type="datetime1">
               <a:rPr kumimoji="1" lang="zh-TW" altLang="en-US" smtClean="0"/>
               <a:pPr/>
-              <a:t>2020/6/23</a:t>
+              <a:t>2020/6/24</a:t>
             </a:fld>
             <a:endParaRPr kumimoji="1" lang="zh-TW" altLang="en-US" dirty="0"/>
           </a:p>
@@ -7740,7 +7800,7 @@
             <a:fld id="{868F4FC5-FE50-A64D-A7E3-22233A0C6925}" type="datetime1">
               <a:rPr kumimoji="1" lang="zh-TW" altLang="en-US" smtClean="0"/>
               <a:pPr/>
-              <a:t>2020/6/23</a:t>
+              <a:t>2020/6/24</a:t>
             </a:fld>
             <a:endParaRPr kumimoji="1" lang="zh-TW" altLang="en-US" dirty="0"/>
           </a:p>
@@ -8881,7 +8941,7 @@
             <a:fld id="{868F4FC5-FE50-A64D-A7E3-22233A0C6925}" type="datetime1">
               <a:rPr kumimoji="1" lang="zh-TW" altLang="en-US" smtClean="0"/>
               <a:pPr/>
-              <a:t>2020/6/23</a:t>
+              <a:t>2020/6/24</a:t>
             </a:fld>
             <a:endParaRPr kumimoji="1" lang="zh-TW" altLang="en-US" dirty="0"/>
           </a:p>
@@ -9343,7 +9403,7 @@
             <a:fld id="{868F4FC5-FE50-A64D-A7E3-22233A0C6925}" type="datetime1">
               <a:rPr kumimoji="1" lang="zh-TW" altLang="en-US" smtClean="0"/>
               <a:pPr/>
-              <a:t>2020/6/23</a:t>
+              <a:t>2020/6/24</a:t>
             </a:fld>
             <a:endParaRPr kumimoji="1" lang="zh-TW" altLang="en-US" dirty="0"/>
           </a:p>
@@ -9914,7 +9974,7 @@
             <a:fld id="{868F4FC5-FE50-A64D-A7E3-22233A0C6925}" type="datetime1">
               <a:rPr kumimoji="1" lang="zh-TW" altLang="en-US" smtClean="0"/>
               <a:pPr/>
-              <a:t>2020/6/23</a:t>
+              <a:t>2020/6/24</a:t>
             </a:fld>
             <a:endParaRPr kumimoji="1" lang="zh-TW" altLang="en-US" dirty="0"/>
           </a:p>
@@ -11114,7 +11174,7 @@
             <a:fld id="{868F4FC5-FE50-A64D-A7E3-22233A0C6925}" type="datetime1">
               <a:rPr kumimoji="1" lang="zh-TW" altLang="en-US" smtClean="0"/>
               <a:pPr/>
-              <a:t>2020/6/23</a:t>
+              <a:t>2020/6/24</a:t>
             </a:fld>
             <a:endParaRPr kumimoji="1" lang="zh-TW" altLang="en-US" dirty="0"/>
           </a:p>
@@ -11673,7 +11733,7 @@
             <a:fld id="{868F4FC5-FE50-A64D-A7E3-22233A0C6925}" type="datetime1">
               <a:rPr kumimoji="1" lang="zh-TW" altLang="en-US" smtClean="0"/>
               <a:pPr/>
-              <a:t>2020/6/23</a:t>
+              <a:t>2020/6/24</a:t>
             </a:fld>
             <a:endParaRPr kumimoji="1" lang="zh-TW" altLang="en-US" dirty="0"/>
           </a:p>
@@ -11872,7 +11932,7 @@
             <a:fld id="{868F4FC5-FE50-A64D-A7E3-22233A0C6925}" type="datetime1">
               <a:rPr kumimoji="1" lang="zh-TW" altLang="en-US" smtClean="0"/>
               <a:pPr/>
-              <a:t>2020/6/23</a:t>
+              <a:t>2020/6/24</a:t>
             </a:fld>
             <a:endParaRPr kumimoji="1" lang="zh-TW" altLang="en-US" dirty="0"/>
           </a:p>
@@ -13358,7 +13418,7 @@
             <a:fld id="{868F4FC5-FE50-A64D-A7E3-22233A0C6925}" type="datetime1">
               <a:rPr kumimoji="1" lang="zh-TW" altLang="en-US" smtClean="0"/>
               <a:pPr/>
-              <a:t>2020/6/23</a:t>
+              <a:t>2020/6/24</a:t>
             </a:fld>
             <a:endParaRPr kumimoji="1" lang="zh-TW" altLang="en-US" dirty="0"/>
           </a:p>
@@ -14544,7 +14604,7 @@
             <a:fld id="{868F4FC5-FE50-A64D-A7E3-22233A0C6925}" type="datetime1">
               <a:rPr kumimoji="1" lang="zh-TW" altLang="en-US" smtClean="0"/>
               <a:pPr/>
-              <a:t>2020/6/23</a:t>
+              <a:t>2020/6/24</a:t>
             </a:fld>
             <a:endParaRPr kumimoji="1" lang="zh-TW" altLang="en-US" dirty="0"/>
           </a:p>
@@ -15375,7 +15435,7 @@
             <a:fld id="{868F4FC5-FE50-A64D-A7E3-22233A0C6925}" type="datetime1">
               <a:rPr kumimoji="1" lang="zh-TW" altLang="en-US" smtClean="0"/>
               <a:pPr/>
-              <a:t>2020/6/23</a:t>
+              <a:t>2020/6/24</a:t>
             </a:fld>
             <a:endParaRPr kumimoji="1" lang="zh-TW" altLang="en-US" dirty="0"/>
           </a:p>
@@ -15936,7 +15996,7 @@
             <a:fld id="{868F4FC5-FE50-A64D-A7E3-22233A0C6925}" type="datetime1">
               <a:rPr kumimoji="1" lang="zh-TW" altLang="en-US" smtClean="0"/>
               <a:pPr/>
-              <a:t>2020/6/23</a:t>
+              <a:t>2020/6/24</a:t>
             </a:fld>
             <a:endParaRPr kumimoji="1" lang="zh-TW" altLang="en-US" dirty="0"/>
           </a:p>
@@ -16135,7 +16195,7 @@
             <a:fld id="{868F4FC5-FE50-A64D-A7E3-22233A0C6925}" type="datetime1">
               <a:rPr kumimoji="1" lang="zh-TW" altLang="en-US" smtClean="0"/>
               <a:pPr/>
-              <a:t>2020/6/23</a:t>
+              <a:t>2020/6/24</a:t>
             </a:fld>
             <a:endParaRPr kumimoji="1" lang="zh-TW" altLang="en-US" dirty="0"/>
           </a:p>
@@ -19957,7 +20017,7 @@
             <a:fld id="{868F4FC5-FE50-A64D-A7E3-22233A0C6925}" type="datetime1">
               <a:rPr kumimoji="1" lang="zh-TW" altLang="en-US" smtClean="0"/>
               <a:pPr/>
-              <a:t>2020/6/23</a:t>
+              <a:t>2020/6/24</a:t>
             </a:fld>
             <a:endParaRPr kumimoji="1" lang="zh-TW" altLang="en-US" dirty="0"/>
           </a:p>
@@ -21625,7 +21685,7 @@
             <a:fld id="{868F4FC5-FE50-A64D-A7E3-22233A0C6925}" type="datetime1">
               <a:rPr kumimoji="1" lang="zh-TW" altLang="en-US" smtClean="0"/>
               <a:pPr/>
-              <a:t>2020/6/23</a:t>
+              <a:t>2020/6/24</a:t>
             </a:fld>
             <a:endParaRPr kumimoji="1" lang="zh-TW" altLang="en-US" dirty="0"/>
           </a:p>
@@ -22191,7 +22251,7 @@
             <a:fld id="{868F4FC5-FE50-A64D-A7E3-22233A0C6925}" type="datetime1">
               <a:rPr kumimoji="1" lang="zh-TW" altLang="en-US" smtClean="0"/>
               <a:pPr/>
-              <a:t>2020/6/23</a:t>
+              <a:t>2020/6/24</a:t>
             </a:fld>
             <a:endParaRPr kumimoji="1" lang="zh-TW" altLang="en-US" dirty="0"/>
           </a:p>
@@ -24106,7 +24166,7 @@
             <a:fld id="{868F4FC5-FE50-A64D-A7E3-22233A0C6925}" type="datetime1">
               <a:rPr kumimoji="1" lang="zh-TW" altLang="en-US" smtClean="0"/>
               <a:pPr/>
-              <a:t>2020/6/23</a:t>
+              <a:t>2020/6/24</a:t>
             </a:fld>
             <a:endParaRPr kumimoji="1" lang="zh-TW" altLang="en-US" dirty="0"/>
           </a:p>
@@ -24937,7 +24997,7 @@
             <a:fld id="{868F4FC5-FE50-A64D-A7E3-22233A0C6925}" type="datetime1">
               <a:rPr kumimoji="1" lang="zh-TW" altLang="en-US" smtClean="0"/>
               <a:pPr/>
-              <a:t>2020/6/23</a:t>
+              <a:t>2020/6/24</a:t>
             </a:fld>
             <a:endParaRPr kumimoji="1" lang="zh-TW" altLang="en-US" dirty="0"/>
           </a:p>
@@ -26149,7 +26209,7 @@
             <a:fld id="{868F4FC5-FE50-A64D-A7E3-22233A0C6925}" type="datetime1">
               <a:rPr kumimoji="1" lang="zh-TW" altLang="en-US" smtClean="0"/>
               <a:pPr/>
-              <a:t>2020/6/23</a:t>
+              <a:t>2020/6/24</a:t>
             </a:fld>
             <a:endParaRPr kumimoji="1" lang="zh-TW" altLang="en-US" dirty="0"/>
           </a:p>
@@ -26489,7 +26549,7 @@
             <a:fld id="{868F4FC5-FE50-A64D-A7E3-22233A0C6925}" type="datetime1">
               <a:rPr kumimoji="1" lang="zh-TW" altLang="en-US" smtClean="0"/>
               <a:pPr/>
-              <a:t>2020/6/23</a:t>
+              <a:t>2020/6/24</a:t>
             </a:fld>
             <a:endParaRPr kumimoji="1" lang="zh-TW" altLang="en-US" dirty="0"/>
           </a:p>
@@ -27164,7 +27224,7 @@
             <a:fld id="{868F4FC5-FE50-A64D-A7E3-22233A0C6925}" type="datetime1">
               <a:rPr kumimoji="1" lang="zh-TW" altLang="en-US" smtClean="0"/>
               <a:pPr/>
-              <a:t>2020/6/23</a:t>
+              <a:t>2020/6/24</a:t>
             </a:fld>
             <a:endParaRPr kumimoji="1" lang="zh-TW" altLang="en-US" dirty="0"/>
           </a:p>
@@ -28217,7 +28277,7 @@
             <a:fld id="{868F4FC5-FE50-A64D-A7E3-22233A0C6925}" type="datetime1">
               <a:rPr kumimoji="1" lang="zh-TW" altLang="en-US" smtClean="0"/>
               <a:pPr/>
-              <a:t>2020/6/23</a:t>
+              <a:t>2020/6/24</a:t>
             </a:fld>
             <a:endParaRPr kumimoji="1" lang="zh-TW" altLang="en-US" dirty="0"/>
           </a:p>
@@ -28858,7 +28918,7 @@
             <a:fld id="{868F4FC5-FE50-A64D-A7E3-22233A0C6925}" type="datetime1">
               <a:rPr kumimoji="1" lang="zh-TW" altLang="en-US" smtClean="0"/>
               <a:pPr/>
-              <a:t>2020/6/23</a:t>
+              <a:t>2020/6/24</a:t>
             </a:fld>
             <a:endParaRPr kumimoji="1" lang="zh-TW" altLang="en-US" dirty="0"/>
           </a:p>
@@ -29019,7 +29079,7 @@
         </p:blipFill>
         <p:spPr>
           <a:xfrm>
-            <a:off x="6642713" y="1344663"/>
+            <a:off x="5867976" y="1252772"/>
             <a:ext cx="2074168" cy="1188335"/>
           </a:xfrm>
           <a:prstGeom prst="rect">
@@ -29048,7 +29108,7 @@
         </p:blipFill>
         <p:spPr>
           <a:xfrm>
-            <a:off x="4920195" y="1281163"/>
+            <a:off x="3036952" y="1031392"/>
             <a:ext cx="1409702" cy="1409715"/>
           </a:xfrm>
           <a:prstGeom prst="rect">
@@ -29056,272 +29116,6 @@
           </a:prstGeom>
         </p:spPr>
       </p:pic>
-      <p:sp>
-        <p:nvSpPr>
-          <p:cNvPr id="15" name="文字方塊 14">
-            <a:extLst>
-              <a:ext uri="{FF2B5EF4-FFF2-40B4-BE49-F238E27FC236}">
-                <a16:creationId xmlns:a16="http://schemas.microsoft.com/office/drawing/2014/main" id="{986248D3-1258-5947-B1B0-253B30E3B446}"/>
-              </a:ext>
-            </a:extLst>
-          </p:cNvPr>
-          <p:cNvSpPr txBox="1"/>
-          <p:nvPr/>
-        </p:nvSpPr>
-        <p:spPr>
-          <a:xfrm>
-            <a:off x="334788" y="1180673"/>
-            <a:ext cx="2878035" cy="5170646"/>
-          </a:xfrm>
-          <a:prstGeom prst="rect">
-            <a:avLst/>
-          </a:prstGeom>
-          <a:noFill/>
-        </p:spPr>
-        <p:txBody>
-          <a:bodyPr wrap="square" rtlCol="0">
-            <a:spAutoFit/>
-          </a:bodyPr>
-          <a:lstStyle/>
-          <a:p>
-            <a:pPr marL="285750" indent="-285750">
-              <a:buFont typeface="Arial" panose="020B0604020202020204" pitchFamily="34" charset="0"/>
-              <a:buChar char="•"/>
-            </a:pPr>
-            <a:r>
-              <a:rPr kumimoji="1" lang="zh-TW" altLang="en-US" sz="1600" dirty="0">
-                <a:latin typeface="Microsoft JhengHei" panose="020B0604030504040204" pitchFamily="34" charset="-120"/>
-                <a:ea typeface="Microsoft JhengHei" panose="020B0604030504040204" pitchFamily="34" charset="-120"/>
-              </a:rPr>
-              <a:t>在將資料輸入上傳到網頁的同時，我們會將：</a:t>
-            </a:r>
-            <a:endParaRPr kumimoji="1" lang="en-US" altLang="zh-TW" sz="1600" dirty="0">
-              <a:latin typeface="Microsoft JhengHei" panose="020B0604030504040204" pitchFamily="34" charset="-120"/>
-              <a:ea typeface="Microsoft JhengHei" panose="020B0604030504040204" pitchFamily="34" charset="-120"/>
-            </a:endParaRPr>
-          </a:p>
-          <a:p>
-            <a:pPr lvl="1"/>
-            <a:endParaRPr kumimoji="1" lang="en-US" altLang="zh-TW" sz="900" dirty="0">
-              <a:latin typeface="Microsoft JhengHei" panose="020B0604030504040204" pitchFamily="34" charset="-120"/>
-              <a:ea typeface="Microsoft JhengHei" panose="020B0604030504040204" pitchFamily="34" charset="-120"/>
-            </a:endParaRPr>
-          </a:p>
-          <a:p>
-            <a:pPr marL="800091" lvl="1" indent="-342891">
-              <a:buAutoNum type="arabicPeriod"/>
-            </a:pPr>
-            <a:r>
-              <a:rPr kumimoji="1" lang="zh-CN" altLang="en-US" sz="1600" dirty="0">
-                <a:latin typeface="Microsoft JhengHei" panose="020B0604030504040204" pitchFamily="34" charset="-120"/>
-                <a:ea typeface="Microsoft JhengHei" panose="020B0604030504040204" pitchFamily="34" charset="-120"/>
-              </a:rPr>
-              <a:t>股票代碼</a:t>
-            </a:r>
-            <a:endParaRPr kumimoji="1" lang="en-US" altLang="zh-CN" sz="1600" dirty="0">
-              <a:latin typeface="Microsoft JhengHei" panose="020B0604030504040204" pitchFamily="34" charset="-120"/>
-              <a:ea typeface="Microsoft JhengHei" panose="020B0604030504040204" pitchFamily="34" charset="-120"/>
-            </a:endParaRPr>
-          </a:p>
-          <a:p>
-            <a:pPr marL="800091" lvl="1" indent="-342891">
-              <a:buAutoNum type="arabicPeriod"/>
-            </a:pPr>
-            <a:r>
-              <a:rPr kumimoji="1" lang="zh-TW" altLang="en-US" sz="1600" dirty="0">
-                <a:latin typeface="Microsoft JhengHei" panose="020B0604030504040204" pitchFamily="34" charset="-120"/>
-                <a:ea typeface="Microsoft JhengHei" panose="020B0604030504040204" pitchFamily="34" charset="-120"/>
-              </a:rPr>
-              <a:t>公司名稱</a:t>
-            </a:r>
-            <a:endParaRPr kumimoji="1" lang="en-US" altLang="zh-TW" sz="1600" dirty="0">
-              <a:latin typeface="Microsoft JhengHei" panose="020B0604030504040204" pitchFamily="34" charset="-120"/>
-              <a:ea typeface="Microsoft JhengHei" panose="020B0604030504040204" pitchFamily="34" charset="-120"/>
-            </a:endParaRPr>
-          </a:p>
-          <a:p>
-            <a:pPr marL="800091" lvl="1" indent="-342891">
-              <a:buAutoNum type="arabicPeriod"/>
-            </a:pPr>
-            <a:r>
-              <a:rPr kumimoji="1" lang="zh-CN" altLang="en-US" sz="1600" dirty="0">
-                <a:latin typeface="Microsoft JhengHei" panose="020B0604030504040204" pitchFamily="34" charset="-120"/>
-                <a:ea typeface="Microsoft JhengHei" panose="020B0604030504040204" pitchFamily="34" charset="-120"/>
-              </a:rPr>
-              <a:t>發生日期</a:t>
-            </a:r>
-            <a:endParaRPr kumimoji="1" lang="en-US" altLang="zh-CN" sz="1600" dirty="0">
-              <a:latin typeface="Microsoft JhengHei" panose="020B0604030504040204" pitchFamily="34" charset="-120"/>
-              <a:ea typeface="Microsoft JhengHei" panose="020B0604030504040204" pitchFamily="34" charset="-120"/>
-            </a:endParaRPr>
-          </a:p>
-          <a:p>
-            <a:pPr marL="800091" lvl="1" indent="-342891">
-              <a:buAutoNum type="arabicPeriod"/>
-            </a:pPr>
-            <a:r>
-              <a:rPr kumimoji="1" lang="zh-CN" altLang="en-US" sz="1600" dirty="0">
-                <a:latin typeface="Microsoft JhengHei" panose="020B0604030504040204" pitchFamily="34" charset="-120"/>
-                <a:ea typeface="Microsoft JhengHei" panose="020B0604030504040204" pitchFamily="34" charset="-120"/>
-              </a:rPr>
-              <a:t>發生時間</a:t>
-            </a:r>
-            <a:endParaRPr kumimoji="1" lang="en-US" altLang="zh-TW" sz="1600" dirty="0">
-              <a:latin typeface="Microsoft JhengHei" panose="020B0604030504040204" pitchFamily="34" charset="-120"/>
-              <a:ea typeface="Microsoft JhengHei" panose="020B0604030504040204" pitchFamily="34" charset="-120"/>
-            </a:endParaRPr>
-          </a:p>
-          <a:p>
-            <a:pPr marL="800091" lvl="1" indent="-342891">
-              <a:buAutoNum type="arabicPeriod"/>
-            </a:pPr>
-            <a:r>
-              <a:rPr kumimoji="1" lang="zh-TW" altLang="en-US" sz="1600" dirty="0">
-                <a:latin typeface="Microsoft JhengHei" panose="020B0604030504040204" pitchFamily="34" charset="-120"/>
-                <a:ea typeface="Microsoft JhengHei" panose="020B0604030504040204" pitchFamily="34" charset="-120"/>
-              </a:rPr>
-              <a:t>預測漲跌狀態</a:t>
-            </a:r>
-            <a:endParaRPr kumimoji="1" lang="en-US" altLang="zh-TW" sz="1600" dirty="0">
-              <a:latin typeface="Microsoft JhengHei" panose="020B0604030504040204" pitchFamily="34" charset="-120"/>
-              <a:ea typeface="Microsoft JhengHei" panose="020B0604030504040204" pitchFamily="34" charset="-120"/>
-            </a:endParaRPr>
-          </a:p>
-          <a:p>
-            <a:pPr marL="800091" lvl="1" indent="-342891">
-              <a:buAutoNum type="arabicPeriod"/>
-            </a:pPr>
-            <a:r>
-              <a:rPr kumimoji="1" lang="zh-TW" altLang="en-US" sz="1600" dirty="0">
-                <a:latin typeface="Microsoft JhengHei" panose="020B0604030504040204" pitchFamily="34" charset="-120"/>
-                <a:ea typeface="Microsoft JhengHei" panose="020B0604030504040204" pitchFamily="34" charset="-120"/>
-              </a:rPr>
-              <a:t>事件強度評分</a:t>
-            </a:r>
-            <a:endParaRPr kumimoji="1" lang="en-US" altLang="zh-TW" sz="1600" dirty="0">
-              <a:latin typeface="Microsoft JhengHei" panose="020B0604030504040204" pitchFamily="34" charset="-120"/>
-              <a:ea typeface="Microsoft JhengHei" panose="020B0604030504040204" pitchFamily="34" charset="-120"/>
-            </a:endParaRPr>
-          </a:p>
-          <a:p>
-            <a:pPr marL="800091" lvl="1" indent="-342891">
-              <a:buAutoNum type="arabicPeriod"/>
-            </a:pPr>
-            <a:r>
-              <a:rPr kumimoji="1" lang="zh-TW" altLang="en-US" sz="1600" dirty="0">
-                <a:latin typeface="Microsoft JhengHei" panose="020B0604030504040204" pitchFamily="34" charset="-120"/>
-                <a:ea typeface="Microsoft JhengHei" panose="020B0604030504040204" pitchFamily="34" charset="-120"/>
-              </a:rPr>
-              <a:t>大事件類別預測</a:t>
-            </a:r>
-            <a:endParaRPr kumimoji="1" lang="en-US" altLang="zh-TW" sz="1600" dirty="0">
-              <a:latin typeface="Microsoft JhengHei" panose="020B0604030504040204" pitchFamily="34" charset="-120"/>
-              <a:ea typeface="Microsoft JhengHei" panose="020B0604030504040204" pitchFamily="34" charset="-120"/>
-            </a:endParaRPr>
-          </a:p>
-          <a:p>
-            <a:pPr marL="800091" lvl="1" indent="-342891">
-              <a:buAutoNum type="arabicPeriod"/>
-            </a:pPr>
-            <a:r>
-              <a:rPr kumimoji="1" lang="zh-TW" altLang="en-US" sz="1600" dirty="0">
-                <a:latin typeface="Microsoft JhengHei" panose="020B0604030504040204" pitchFamily="34" charset="-120"/>
-                <a:ea typeface="Microsoft JhengHei" panose="020B0604030504040204" pitchFamily="34" charset="-120"/>
-              </a:rPr>
-              <a:t>小事件類別預測</a:t>
-            </a:r>
-            <a:endParaRPr kumimoji="1" lang="en-US" altLang="zh-TW" sz="1600" dirty="0">
-              <a:latin typeface="Microsoft JhengHei" panose="020B0604030504040204" pitchFamily="34" charset="-120"/>
-              <a:ea typeface="Microsoft JhengHei" panose="020B0604030504040204" pitchFamily="34" charset="-120"/>
-            </a:endParaRPr>
-          </a:p>
-          <a:p>
-            <a:pPr marL="800091" lvl="1" indent="-342891">
-              <a:buAutoNum type="arabicPeriod"/>
-            </a:pPr>
-            <a:r>
-              <a:rPr kumimoji="1" lang="zh-TW" altLang="en-US" sz="1600" dirty="0">
-                <a:latin typeface="Microsoft JhengHei" panose="020B0604030504040204" pitchFamily="34" charset="-120"/>
-                <a:ea typeface="Microsoft JhengHei" panose="020B0604030504040204" pitchFamily="34" charset="-120"/>
-              </a:rPr>
-              <a:t>新聞內容</a:t>
-            </a:r>
-            <a:endParaRPr kumimoji="1" lang="en-US" altLang="zh-TW" sz="1600" dirty="0">
-              <a:latin typeface="Microsoft JhengHei" panose="020B0604030504040204" pitchFamily="34" charset="-120"/>
-              <a:ea typeface="Microsoft JhengHei" panose="020B0604030504040204" pitchFamily="34" charset="-120"/>
-            </a:endParaRPr>
-          </a:p>
-          <a:p>
-            <a:pPr marL="800091" lvl="1" indent="-342891">
-              <a:buAutoNum type="arabicPeriod"/>
-            </a:pPr>
-            <a:r>
-              <a:rPr kumimoji="1" lang="zh-TW" altLang="en-US" sz="1600" dirty="0">
-                <a:latin typeface="Microsoft JhengHei" panose="020B0604030504040204" pitchFamily="34" charset="-120"/>
-                <a:ea typeface="Microsoft JhengHei" panose="020B0604030504040204" pitchFamily="34" charset="-120"/>
-              </a:rPr>
-              <a:t>新聞切詞結果</a:t>
-            </a:r>
-            <a:endParaRPr kumimoji="1" lang="en-US" altLang="zh-TW" sz="1600" dirty="0">
-              <a:latin typeface="Microsoft JhengHei" panose="020B0604030504040204" pitchFamily="34" charset="-120"/>
-              <a:ea typeface="Microsoft JhengHei" panose="020B0604030504040204" pitchFamily="34" charset="-120"/>
-            </a:endParaRPr>
-          </a:p>
-          <a:p>
-            <a:endParaRPr kumimoji="1" lang="en-US" altLang="zh-TW" sz="900" dirty="0">
-              <a:latin typeface="Microsoft JhengHei" panose="020B0604030504040204" pitchFamily="34" charset="-120"/>
-              <a:ea typeface="Microsoft JhengHei" panose="020B0604030504040204" pitchFamily="34" charset="-120"/>
-            </a:endParaRPr>
-          </a:p>
-          <a:p>
-            <a:pPr lvl="1"/>
-            <a:r>
-              <a:rPr kumimoji="1" lang="zh-TW" altLang="en-US" sz="1600" dirty="0">
-                <a:latin typeface="Microsoft JhengHei" panose="020B0604030504040204" pitchFamily="34" charset="-120"/>
-                <a:ea typeface="Microsoft JhengHei" panose="020B0604030504040204" pitchFamily="34" charset="-120"/>
-              </a:rPr>
-              <a:t>等資料存放在資料庫中，若未來公司需要使用即可直接存取</a:t>
-            </a:r>
-            <a:endParaRPr kumimoji="1" lang="en-US" altLang="zh-TW" sz="1600" dirty="0">
-              <a:latin typeface="Microsoft JhengHei" panose="020B0604030504040204" pitchFamily="34" charset="-120"/>
-              <a:ea typeface="Microsoft JhengHei" panose="020B0604030504040204" pitchFamily="34" charset="-120"/>
-            </a:endParaRPr>
-          </a:p>
-          <a:p>
-            <a:endParaRPr kumimoji="1" lang="en-US" altLang="zh-TW" sz="1600" dirty="0">
-              <a:latin typeface="Microsoft JhengHei" panose="020B0604030504040204" pitchFamily="34" charset="-120"/>
-              <a:ea typeface="Microsoft JhengHei" panose="020B0604030504040204" pitchFamily="34" charset="-120"/>
-            </a:endParaRPr>
-          </a:p>
-          <a:p>
-            <a:pPr marL="285750" indent="-285750">
-              <a:buFont typeface="Arial" panose="020B0604020202020204" pitchFamily="34" charset="0"/>
-              <a:buChar char="•"/>
-            </a:pPr>
-            <a:r>
-              <a:rPr kumimoji="1" lang="zh-TW" altLang="en-US" sz="1600" dirty="0">
-                <a:latin typeface="Microsoft JhengHei" panose="020B0604030504040204" pitchFamily="34" charset="-120"/>
-                <a:ea typeface="Microsoft JhengHei" panose="020B0604030504040204" pitchFamily="34" charset="-120"/>
-              </a:rPr>
-              <a:t>比較過後，本組採用</a:t>
-            </a:r>
-            <a:r>
-              <a:rPr kumimoji="1" lang="en-US" altLang="zh-TW" sz="1600" dirty="0">
-                <a:latin typeface="Microsoft JhengHei" panose="020B0604030504040204" pitchFamily="34" charset="-120"/>
-                <a:ea typeface="Microsoft JhengHei" panose="020B0604030504040204" pitchFamily="34" charset="-120"/>
-              </a:rPr>
-              <a:t>MySQL</a:t>
-            </a:r>
-            <a:r>
-              <a:rPr kumimoji="1" lang="zh-TW" altLang="en-US" sz="1600" dirty="0">
-                <a:latin typeface="Microsoft JhengHei" panose="020B0604030504040204" pitchFamily="34" charset="-120"/>
-                <a:ea typeface="Microsoft JhengHei" panose="020B0604030504040204" pitchFamily="34" charset="-120"/>
-              </a:rPr>
-              <a:t> 作為本組的資料庫工具</a:t>
-            </a:r>
-          </a:p>
-        </p:txBody>
-      </p:sp>
       <p:graphicFrame>
         <p:nvGraphicFramePr>
           <p:cNvPr id="18" name="表格 17">
@@ -29337,14 +29131,14 @@
           <p:nvPr>
             <p:extLst>
               <p:ext uri="{D42A27DB-BD31-4B8C-83A1-F6EECF244321}">
-                <p14:modId xmlns:p14="http://schemas.microsoft.com/office/powerpoint/2010/main" val="140112949"/>
+                <p14:modId xmlns:p14="http://schemas.microsoft.com/office/powerpoint/2010/main" val="2500750860"/>
               </p:ext>
             </p:extLst>
           </p:nvPr>
         </p:nvGraphicFramePr>
         <p:xfrm>
-          <a:off x="3369231" y="2726185"/>
-          <a:ext cx="5483647" cy="3479800"/>
+          <a:off x="459886" y="2574252"/>
+          <a:ext cx="8224228" cy="3200400"/>
         </p:xfrm>
         <a:graphic>
           <a:graphicData uri="http://schemas.openxmlformats.org/drawingml/2006/table">
@@ -29353,21 +29147,21 @@
                 <a:tableStyleId>{85BE263C-DBD7-4A20-BB59-AAB30ACAA65A}</a:tableStyleId>
               </a:tblPr>
               <a:tblGrid>
-                <a:gridCol w="1218710">
+                <a:gridCol w="1827789">
                   <a:extLst>
                     <a:ext uri="{9D8B030D-6E8A-4147-A177-3AD203B41FA5}">
                       <a16:colId xmlns:a16="http://schemas.microsoft.com/office/drawing/2014/main" val="2112095488"/>
                     </a:ext>
                   </a:extLst>
                 </a:gridCol>
-                <a:gridCol w="2082962">
+                <a:gridCol w="3123971">
                   <a:extLst>
                     <a:ext uri="{9D8B030D-6E8A-4147-A177-3AD203B41FA5}">
                       <a16:colId xmlns:a16="http://schemas.microsoft.com/office/drawing/2014/main" val="1412758575"/>
                     </a:ext>
                   </a:extLst>
                 </a:gridCol>
-                <a:gridCol w="2181975">
+                <a:gridCol w="3272468">
                   <a:extLst>
                     <a:ext uri="{9D8B030D-6E8A-4147-A177-3AD203B41FA5}">
                       <a16:colId xmlns:a16="http://schemas.microsoft.com/office/drawing/2014/main" val="4043516421"/>
@@ -29375,7 +29169,7 @@
                   </a:extLst>
                 </a:gridCol>
               </a:tblGrid>
-              <a:tr h="370840">
+              <a:tr h="350652">
                 <a:tc>
                   <a:txBody>
                     <a:bodyPr/>
@@ -29450,7 +29244,7 @@
                   </a:ext>
                 </a:extLst>
               </a:tr>
-              <a:tr h="370840">
+              <a:tr h="605235">
                 <a:tc>
                   <a:txBody>
                     <a:bodyPr/>
@@ -29556,7 +29350,7 @@
                   </a:ext>
                 </a:extLst>
               </a:tr>
-              <a:tr h="370840">
+              <a:tr h="605235">
                 <a:tc>
                   <a:txBody>
                     <a:bodyPr/>
@@ -29654,7 +29448,7 @@
                   </a:ext>
                 </a:extLst>
               </a:tr>
-              <a:tr h="370840">
+              <a:tr h="864621">
                 <a:tc>
                   <a:txBody>
                     <a:bodyPr/>
@@ -29780,7 +29574,7 @@
                   </a:ext>
                 </a:extLst>
               </a:tr>
-              <a:tr h="370840">
+              <a:tr h="605235">
                 <a:tc>
                   <a:txBody>
                     <a:bodyPr/>
@@ -29906,7 +29700,7 @@
         </p:blipFill>
         <p:spPr>
           <a:xfrm rot="1223652">
-            <a:off x="6839449" y="1230821"/>
+            <a:off x="6017023" y="1130839"/>
             <a:ext cx="584777" cy="584777"/>
           </a:xfrm>
           <a:prstGeom prst="rect">
@@ -29914,10 +29708,69 @@
           </a:prstGeom>
         </p:spPr>
       </p:pic>
+      <p:sp>
+        <p:nvSpPr>
+          <p:cNvPr id="3" name="矩形 2">
+            <a:extLst>
+              <a:ext uri="{FF2B5EF4-FFF2-40B4-BE49-F238E27FC236}">
+                <a16:creationId xmlns:a16="http://schemas.microsoft.com/office/drawing/2014/main" id="{CDAA2B86-6B31-414E-965B-ED6F4CBDF2D3}"/>
+              </a:ext>
+            </a:extLst>
+          </p:cNvPr>
+          <p:cNvSpPr/>
+          <p:nvPr/>
+        </p:nvSpPr>
+        <p:spPr>
+          <a:xfrm>
+            <a:off x="1535786" y="5940684"/>
+            <a:ext cx="6072427" cy="400110"/>
+          </a:xfrm>
+          <a:prstGeom prst="rect">
+            <a:avLst/>
+          </a:prstGeom>
+          <a:ln w="28575">
+            <a:solidFill>
+              <a:srgbClr val="FF0000"/>
+            </a:solidFill>
+          </a:ln>
+        </p:spPr>
+        <p:txBody>
+          <a:bodyPr wrap="square">
+            <a:spAutoFit/>
+          </a:bodyPr>
+          <a:lstStyle/>
+          <a:p>
+            <a:r>
+              <a:rPr kumimoji="1" lang="zh-TW" altLang="en-US" sz="2000" dirty="0">
+                <a:latin typeface="Microsoft JhengHei" panose="020B0604030504040204" pitchFamily="34" charset="-120"/>
+                <a:ea typeface="Microsoft JhengHei" panose="020B0604030504040204" pitchFamily="34" charset="-120"/>
+              </a:rPr>
+              <a:t>比較過後，本組採用 </a:t>
+            </a:r>
+            <a:r>
+              <a:rPr kumimoji="1" lang="en-US" altLang="zh-TW" sz="2000" b="1" dirty="0">
+                <a:solidFill>
+                  <a:srgbClr val="FF0000"/>
+                </a:solidFill>
+                <a:latin typeface="Microsoft JhengHei" panose="020B0604030504040204" pitchFamily="34" charset="-120"/>
+                <a:ea typeface="Microsoft JhengHei" panose="020B0604030504040204" pitchFamily="34" charset="-120"/>
+              </a:rPr>
+              <a:t>MySQL</a:t>
+            </a:r>
+            <a:r>
+              <a:rPr kumimoji="1" lang="zh-TW" altLang="en-US" sz="2000" dirty="0">
+                <a:latin typeface="Microsoft JhengHei" panose="020B0604030504040204" pitchFamily="34" charset="-120"/>
+                <a:ea typeface="Microsoft JhengHei" panose="020B0604030504040204" pitchFamily="34" charset="-120"/>
+              </a:rPr>
+              <a:t> 作為本組的資料庫工具</a:t>
+            </a:r>
+          </a:p>
+        </p:txBody>
+      </p:sp>
     </p:spTree>
     <p:extLst>
       <p:ext uri="{BB962C8B-B14F-4D97-AF65-F5344CB8AC3E}">
-        <p14:creationId xmlns:p14="http://schemas.microsoft.com/office/powerpoint/2010/main" val="2965970066"/>
+        <p14:creationId xmlns:p14="http://schemas.microsoft.com/office/powerpoint/2010/main" val="2089848501"/>
       </p:ext>
     </p:extLst>
   </p:cSld>
@@ -29949,7 +29802,7 @@
           <p:cNvPr id="2" name="標題 1">
             <a:extLst>
               <a:ext uri="{FF2B5EF4-FFF2-40B4-BE49-F238E27FC236}">
-                <a16:creationId xmlns:a16="http://schemas.microsoft.com/office/drawing/2014/main" id="{C88CF8B0-7C2D-D644-930E-3AE96EF47704}"/>
+                <a16:creationId xmlns:a16="http://schemas.microsoft.com/office/drawing/2014/main" id="{F1E9B56F-1736-7849-A07D-C7E2E70A0680}"/>
               </a:ext>
             </a:extLst>
           </p:cNvPr>
@@ -29967,128 +29820,8 @@
           <a:p>
             <a:r>
               <a:rPr kumimoji="1" lang="zh-TW" altLang="en-US" dirty="0"/>
-              <a:t>透過 </a:t>
-            </a:r>
-            <a:r>
-              <a:rPr kumimoji="1" lang="en-US" altLang="zh-TW" dirty="0"/>
-              <a:t>WordPress</a:t>
-            </a:r>
-            <a:r>
-              <a:rPr kumimoji="1" lang="zh-TW" altLang="en-US" dirty="0"/>
-              <a:t> 網頁來呈現我們的預測結果</a:t>
-            </a:r>
-          </a:p>
-        </p:txBody>
-      </p:sp>
-      <p:sp>
-        <p:nvSpPr>
-          <p:cNvPr id="3" name="內容版面配置區 2">
-            <a:extLst>
-              <a:ext uri="{FF2B5EF4-FFF2-40B4-BE49-F238E27FC236}">
-                <a16:creationId xmlns:a16="http://schemas.microsoft.com/office/drawing/2014/main" id="{83EE1ADA-747C-6C45-B40B-DD0A715DF1C6}"/>
-              </a:ext>
-            </a:extLst>
-          </p:cNvPr>
-          <p:cNvSpPr>
-            <a:spLocks noGrp="1"/>
-          </p:cNvSpPr>
-          <p:nvPr>
-            <p:ph idx="1"/>
-          </p:nvPr>
-        </p:nvSpPr>
-        <p:spPr>
-          <a:xfrm>
-            <a:off x="628650" y="1219617"/>
-            <a:ext cx="5695950" cy="2340192"/>
-          </a:xfrm>
-        </p:spPr>
-        <p:txBody>
-          <a:bodyPr>
-            <a:normAutofit fontScale="92500" lnSpcReduction="20000"/>
-          </a:bodyPr>
-          <a:lstStyle/>
-          <a:p>
-            <a:pPr marL="285744" indent="-285744">
-              <a:lnSpc>
-                <a:spcPct val="120000"/>
-              </a:lnSpc>
-              <a:buFont typeface="Wingdings" pitchFamily="2" charset="2"/>
-              <a:buChar char="Ø"/>
-            </a:pPr>
-            <a:r>
-              <a:rPr lang="zh-CN" altLang="en-US" dirty="0"/>
-              <a:t>本組採用</a:t>
-            </a:r>
-            <a:r>
-              <a:rPr lang="zh-TW" altLang="en-US" dirty="0"/>
-              <a:t> </a:t>
-            </a:r>
-            <a:r>
-              <a:rPr lang="en-US" altLang="zh-CN" dirty="0"/>
-              <a:t>AWS</a:t>
-            </a:r>
-            <a:r>
-              <a:rPr lang="zh-TW" altLang="en-US" dirty="0"/>
-              <a:t> </a:t>
-            </a:r>
-            <a:r>
-              <a:rPr lang="zh-CN" altLang="en-US" dirty="0"/>
-              <a:t>與</a:t>
-            </a:r>
-            <a:r>
-              <a:rPr lang="zh-TW" altLang="en-US" dirty="0"/>
-              <a:t> </a:t>
-            </a:r>
-            <a:r>
-              <a:rPr lang="en-US" altLang="zh-CN" dirty="0"/>
-              <a:t>WordPress</a:t>
-            </a:r>
-            <a:r>
-              <a:rPr lang="zh-TW" altLang="en-US" dirty="0"/>
-              <a:t> </a:t>
-            </a:r>
-            <a:r>
-              <a:rPr lang="zh-CN" altLang="en-US" dirty="0"/>
-              <a:t>架構個股新聞評分系統網站，並利用</a:t>
-            </a:r>
-            <a:r>
-              <a:rPr lang="zh-TW" altLang="en-US" dirty="0"/>
-              <a:t> </a:t>
-            </a:r>
-            <a:r>
-              <a:rPr lang="en" altLang="zh-CN" dirty="0"/>
-              <a:t>wordpress-xmlrpc</a:t>
-            </a:r>
-            <a:r>
-              <a:rPr lang="zh-TW" altLang="en-US" dirty="0"/>
-              <a:t> 套件完成自動發文的功能</a:t>
-            </a:r>
-            <a:endParaRPr lang="en-US" altLang="zh-TW" dirty="0"/>
-          </a:p>
-          <a:p>
-            <a:pPr marL="285744" indent="-285744">
-              <a:lnSpc>
-                <a:spcPct val="120000"/>
-              </a:lnSpc>
-              <a:buFont typeface="Wingdings" pitchFamily="2" charset="2"/>
-              <a:buChar char="Ø"/>
-            </a:pPr>
-            <a:r>
-              <a:rPr lang="zh-CN" altLang="en-US" dirty="0"/>
-              <a:t>我們預期將使用爬蟲爬取最新新聞內容後，經過我們的評分與股價預測系統模型預測，將重要的新聞（評分絕對值大於</a:t>
-            </a:r>
-            <a:r>
-              <a:rPr lang="en-US" altLang="zh-TW" dirty="0"/>
-              <a:t>1</a:t>
-            </a:r>
-            <a:r>
-              <a:rPr lang="zh-CN" altLang="en-US" dirty="0"/>
-              <a:t>的新聞）呈現在我們的網站中</a:t>
-            </a:r>
-            <a:endParaRPr lang="en-US" altLang="zh-TW" dirty="0"/>
-          </a:p>
-          <a:p>
-            <a:endParaRPr kumimoji="1" lang="zh-TW" altLang="en-US" dirty="0"/>
+              <a:t>建立資料庫，存取最新新聞斷詞與評分預測結果</a:t>
+            </a:r>
           </a:p>
         </p:txBody>
       </p:sp>
@@ -30097,7 +29830,7 @@
           <p:cNvPr id="4" name="日期版面配置區 3">
             <a:extLst>
               <a:ext uri="{FF2B5EF4-FFF2-40B4-BE49-F238E27FC236}">
-                <a16:creationId xmlns:a16="http://schemas.microsoft.com/office/drawing/2014/main" id="{4237B44F-5FB7-324E-99AA-2CF725025DA2}"/>
+                <a16:creationId xmlns:a16="http://schemas.microsoft.com/office/drawing/2014/main" id="{18A140BA-198A-A24B-B5C1-90E7699084AB}"/>
               </a:ext>
             </a:extLst>
           </p:cNvPr>
@@ -30116,7 +29849,7 @@
             <a:fld id="{868F4FC5-FE50-A64D-A7E3-22233A0C6925}" type="datetime1">
               <a:rPr kumimoji="1" lang="zh-TW" altLang="en-US" smtClean="0"/>
               <a:pPr/>
-              <a:t>2020/6/23</a:t>
+              <a:t>2020/6/24</a:t>
             </a:fld>
             <a:endParaRPr kumimoji="1" lang="zh-TW" altLang="en-US" dirty="0"/>
           </a:p>
@@ -30127,7 +29860,7 @@
           <p:cNvPr id="5" name="投影片編號版面配置區 4">
             <a:extLst>
               <a:ext uri="{FF2B5EF4-FFF2-40B4-BE49-F238E27FC236}">
-                <a16:creationId xmlns:a16="http://schemas.microsoft.com/office/drawing/2014/main" id="{609D2781-5155-824B-9BE5-F6006EF41C34}"/>
+                <a16:creationId xmlns:a16="http://schemas.microsoft.com/office/drawing/2014/main" id="{0B1AA02D-5AB2-0B40-BCE3-D18BB416BA1B}"/>
               </a:ext>
             </a:extLst>
           </p:cNvPr>
@@ -30157,7 +29890,7 @@
           <p:cNvPr id="6" name="文字方塊 5">
             <a:extLst>
               <a:ext uri="{FF2B5EF4-FFF2-40B4-BE49-F238E27FC236}">
-                <a16:creationId xmlns:a16="http://schemas.microsoft.com/office/drawing/2014/main" id="{DA137C1A-6166-9641-9326-51711E34D928}"/>
+                <a16:creationId xmlns:a16="http://schemas.microsoft.com/office/drawing/2014/main" id="{E10A56DE-A000-5B40-8CF6-85A7DA03575E}"/>
               </a:ext>
             </a:extLst>
           </p:cNvPr>
@@ -30209,13 +29942,7 @@
               <a:t>｜</a:t>
             </a:r>
             <a:r>
-              <a:rPr lang="zh-CN" altLang="en-US" sz="1600" dirty="0">
-                <a:solidFill>
-                  <a:schemeClr val="tx1">
-                    <a:lumMod val="65000"/>
-                    <a:lumOff val="35000"/>
-                  </a:schemeClr>
-                </a:solidFill>
+              <a:rPr lang="zh-CN" altLang="en-US" sz="1600" b="1" dirty="0">
                 <a:latin typeface="Microsoft JhengHei" panose="020B0604030504040204" pitchFamily="34" charset="-120"/>
                 <a:ea typeface="Microsoft JhengHei" panose="020B0604030504040204" pitchFamily="34" charset="-120"/>
               </a:rPr>
@@ -30236,13 +29963,25 @@
               <a:t>｜</a:t>
             </a:r>
             <a:r>
-              <a:rPr lang="zh-CN" altLang="en-US" sz="1600" b="1" dirty="0">
+              <a:rPr lang="zh-CN" altLang="en-US" sz="1600" dirty="0">
+                <a:solidFill>
+                  <a:schemeClr val="tx1">
+                    <a:lumMod val="65000"/>
+                    <a:lumOff val="35000"/>
+                  </a:schemeClr>
+                </a:solidFill>
                 <a:latin typeface="Microsoft JhengHei" panose="020B0604030504040204" pitchFamily="34" charset="-120"/>
                 <a:ea typeface="Microsoft JhengHei" panose="020B0604030504040204" pitchFamily="34" charset="-120"/>
               </a:rPr>
               <a:t>網頁呈現</a:t>
             </a:r>
-            <a:endParaRPr kumimoji="1" lang="zh-TW" altLang="en-US" sz="1600" b="1" dirty="0">
+            <a:endParaRPr kumimoji="1" lang="zh-TW" altLang="en-US" sz="1600" dirty="0">
+              <a:solidFill>
+                <a:schemeClr val="tx1">
+                  <a:lumMod val="65000"/>
+                  <a:lumOff val="35000"/>
+                </a:schemeClr>
+              </a:solidFill>
               <a:latin typeface="微軟正黑體" pitchFamily="34" charset="-120"/>
               <a:ea typeface="微軟正黑體" pitchFamily="34" charset="-120"/>
               <a:cs typeface="BiauKai"/>
@@ -30250,106 +29989,64 @@
           </a:p>
         </p:txBody>
       </p:sp>
-      <p:grpSp>
-        <p:nvGrpSpPr>
-          <p:cNvPr id="15" name="群組 14">
-            <a:extLst>
-              <a:ext uri="{FF2B5EF4-FFF2-40B4-BE49-F238E27FC236}">
-                <a16:creationId xmlns:a16="http://schemas.microsoft.com/office/drawing/2014/main" id="{E46751F7-51AC-7747-B42B-5C79F510ACE9}"/>
-              </a:ext>
-            </a:extLst>
-          </p:cNvPr>
-          <p:cNvGrpSpPr/>
+      <p:sp>
+        <p:nvSpPr>
+          <p:cNvPr id="15" name="文字方塊 14">
+            <a:extLst>
+              <a:ext uri="{FF2B5EF4-FFF2-40B4-BE49-F238E27FC236}">
+                <a16:creationId xmlns:a16="http://schemas.microsoft.com/office/drawing/2014/main" id="{986248D3-1258-5947-B1B0-253B30E3B446}"/>
+              </a:ext>
+            </a:extLst>
+          </p:cNvPr>
+          <p:cNvSpPr txBox="1"/>
           <p:nvPr/>
-        </p:nvGrpSpPr>
-        <p:grpSpPr>
+        </p:nvSpPr>
+        <p:spPr>
           <a:xfrm>
-            <a:off x="6577308" y="1206774"/>
-            <a:ext cx="2112070" cy="4514768"/>
-            <a:chOff x="6678908" y="1331936"/>
-            <a:chExt cx="2112070" cy="4514768"/>
+            <a:off x="368343" y="1119627"/>
+            <a:ext cx="8407313" cy="923330"/>
           </a:xfrm>
-        </p:grpSpPr>
-        <p:pic>
-          <p:nvPicPr>
-            <p:cNvPr id="8" name="圖片 7" descr="一張含有 山, 標誌 的圖片&#10;&#10;自動產生的描述">
-              <a:extLst>
-                <a:ext uri="{FF2B5EF4-FFF2-40B4-BE49-F238E27FC236}">
-                  <a16:creationId xmlns:a16="http://schemas.microsoft.com/office/drawing/2014/main" id="{EC183262-9B7C-EF45-8548-7A7942219CCE}"/>
-                </a:ext>
-              </a:extLst>
-            </p:cNvPr>
-            <p:cNvPicPr>
-              <a:picLocks noChangeAspect="1"/>
-            </p:cNvPicPr>
-            <p:nvPr/>
-          </p:nvPicPr>
-          <p:blipFill>
-            <a:blip r:embed="rId2"/>
-            <a:stretch>
-              <a:fillRect/>
-            </a:stretch>
-          </p:blipFill>
-          <p:spPr>
-            <a:xfrm>
-              <a:off x="6678908" y="1710879"/>
-              <a:ext cx="2112070" cy="4135825"/>
-            </a:xfrm>
-            <a:prstGeom prst="rect">
-              <a:avLst/>
-            </a:prstGeom>
-            <a:ln>
-              <a:solidFill>
-                <a:schemeClr val="tx1"/>
-              </a:solidFill>
-            </a:ln>
-          </p:spPr>
-        </p:pic>
-        <p:sp>
-          <p:nvSpPr>
-            <p:cNvPr id="12" name="文字方塊 11">
-              <a:extLst>
-                <a:ext uri="{FF2B5EF4-FFF2-40B4-BE49-F238E27FC236}">
-                  <a16:creationId xmlns:a16="http://schemas.microsoft.com/office/drawing/2014/main" id="{6DCB2E0C-FBD1-3448-AE0E-1A1A2801B2A8}"/>
-                </a:ext>
-              </a:extLst>
-            </p:cNvPr>
-            <p:cNvSpPr txBox="1"/>
-            <p:nvPr/>
-          </p:nvSpPr>
-          <p:spPr>
-            <a:xfrm>
-              <a:off x="7129649" y="1331936"/>
-              <a:ext cx="1210588" cy="338554"/>
-            </a:xfrm>
-            <a:prstGeom prst="rect">
-              <a:avLst/>
-            </a:prstGeom>
-            <a:noFill/>
-          </p:spPr>
-          <p:txBody>
-            <a:bodyPr wrap="none" rtlCol="0">
-              <a:spAutoFit/>
-            </a:bodyPr>
-            <a:lstStyle/>
-            <a:p>
-              <a:r>
-                <a:rPr kumimoji="1" lang="zh-TW" altLang="en-US" sz="1600" dirty="0">
-                  <a:latin typeface="Microsoft JhengHei" panose="020B0604030504040204" pitchFamily="34" charset="-120"/>
-                  <a:ea typeface="Microsoft JhengHei" panose="020B0604030504040204" pitchFamily="34" charset="-120"/>
-                </a:rPr>
-                <a:t>手機版頁面</a:t>
-              </a:r>
-            </a:p>
-          </p:txBody>
-        </p:sp>
-      </p:grpSp>
+          <a:prstGeom prst="rect">
+            <a:avLst/>
+          </a:prstGeom>
+          <a:noFill/>
+        </p:spPr>
+        <p:txBody>
+          <a:bodyPr wrap="square" rtlCol="0">
+            <a:spAutoFit/>
+          </a:bodyPr>
+          <a:lstStyle/>
+          <a:p>
+            <a:pPr marL="285750" indent="-285750">
+              <a:buFont typeface="Arial" panose="020B0604020202020204" pitchFamily="34" charset="0"/>
+              <a:buChar char="•"/>
+            </a:pPr>
+            <a:r>
+              <a:rPr kumimoji="1" lang="zh-TW" altLang="en-US" dirty="0">
+                <a:latin typeface="Microsoft JhengHei" panose="020B0604030504040204" pitchFamily="34" charset="-120"/>
+                <a:ea typeface="Microsoft JhengHei" panose="020B0604030504040204" pitchFamily="34" charset="-120"/>
+              </a:rPr>
+              <a:t>在將資料輸入上傳到網頁的同時，我們會將下列資料存放在資料庫中，若未來公司需要使用即可直接存取</a:t>
+            </a:r>
+            <a:endParaRPr kumimoji="1" lang="en-US" altLang="zh-TW" dirty="0">
+              <a:latin typeface="Microsoft JhengHei" panose="020B0604030504040204" pitchFamily="34" charset="-120"/>
+              <a:ea typeface="Microsoft JhengHei" panose="020B0604030504040204" pitchFamily="34" charset="-120"/>
+            </a:endParaRPr>
+          </a:p>
+          <a:p>
+            <a:endParaRPr kumimoji="1" lang="en-US" altLang="zh-TW" dirty="0">
+              <a:latin typeface="Microsoft JhengHei" panose="020B0604030504040204" pitchFamily="34" charset="-120"/>
+              <a:ea typeface="Microsoft JhengHei" panose="020B0604030504040204" pitchFamily="34" charset="-120"/>
+            </a:endParaRPr>
+          </a:p>
+        </p:txBody>
+      </p:sp>
       <p:pic>
         <p:nvPicPr>
-          <p:cNvPr id="16" name="圖片 15">
-            <a:extLst>
-              <a:ext uri="{FF2B5EF4-FFF2-40B4-BE49-F238E27FC236}">
-                <a16:creationId xmlns:a16="http://schemas.microsoft.com/office/drawing/2014/main" id="{88E6012C-9530-4137-8B66-32A2A9EDCA31}"/>
+          <p:cNvPr id="3" name="圖片 2">
+            <a:extLst>
+              <a:ext uri="{FF2B5EF4-FFF2-40B4-BE49-F238E27FC236}">
+                <a16:creationId xmlns:a16="http://schemas.microsoft.com/office/drawing/2014/main" id="{70B4AB7C-71AF-014B-9307-D68178B644B0}"/>
               </a:ext>
             </a:extLst>
           </p:cNvPr>
@@ -30358,16 +30055,15 @@
           </p:cNvPicPr>
           <p:nvPr/>
         </p:nvPicPr>
-        <p:blipFill>
-          <a:blip r:embed="rId3"/>
-          <a:stretch>
-            <a:fillRect/>
-          </a:stretch>
+        <p:blipFill rotWithShape="1">
+          <a:blip r:embed="rId2"/>
+          <a:srcRect r="1261" b="30009"/>
+          <a:stretch/>
         </p:blipFill>
         <p:spPr>
           <a:xfrm>
-            <a:off x="628650" y="4145275"/>
-            <a:ext cx="2546344" cy="1735469"/>
+            <a:off x="515275" y="4319122"/>
+            <a:ext cx="8113451" cy="2018327"/>
           </a:xfrm>
           <a:prstGeom prst="rect">
             <a:avLst/>
@@ -30379,12 +30075,657 @@
           </a:ln>
         </p:spPr>
       </p:pic>
+      <p:graphicFrame>
+        <p:nvGraphicFramePr>
+          <p:cNvPr id="9" name="表格 8">
+            <a:extLst>
+              <a:ext uri="{FF2B5EF4-FFF2-40B4-BE49-F238E27FC236}">
+                <a16:creationId xmlns:a16="http://schemas.microsoft.com/office/drawing/2014/main" id="{1AC89488-4EC8-A04D-8934-410522D8BD73}"/>
+              </a:ext>
+            </a:extLst>
+          </p:cNvPr>
+          <p:cNvGraphicFramePr>
+            <a:graphicFrameLocks noGrp="1"/>
+          </p:cNvGraphicFramePr>
+          <p:nvPr>
+            <p:extLst>
+              <p:ext uri="{D42A27DB-BD31-4B8C-83A1-F6EECF244321}">
+                <p14:modId xmlns:p14="http://schemas.microsoft.com/office/powerpoint/2010/main" val="1482127902"/>
+              </p:ext>
+            </p:extLst>
+          </p:nvPr>
+        </p:nvGraphicFramePr>
+        <p:xfrm>
+          <a:off x="515275" y="1923769"/>
+          <a:ext cx="8113450" cy="1841263"/>
+        </p:xfrm>
+        <a:graphic>
+          <a:graphicData uri="http://schemas.openxmlformats.org/drawingml/2006/table">
+            <a:tbl>
+              <a:tblPr firstRow="1" bandRow="1">
+                <a:tableStyleId>{21E4AEA4-8DFA-4A89-87EB-49C32662AFE0}</a:tableStyleId>
+              </a:tblPr>
+              <a:tblGrid>
+                <a:gridCol w="1622690">
+                  <a:extLst>
+                    <a:ext uri="{9D8B030D-6E8A-4147-A177-3AD203B41FA5}">
+                      <a16:colId xmlns:a16="http://schemas.microsoft.com/office/drawing/2014/main" val="3406554484"/>
+                    </a:ext>
+                  </a:extLst>
+                </a:gridCol>
+                <a:gridCol w="1622690">
+                  <a:extLst>
+                    <a:ext uri="{9D8B030D-6E8A-4147-A177-3AD203B41FA5}">
+                      <a16:colId xmlns:a16="http://schemas.microsoft.com/office/drawing/2014/main" val="2120085034"/>
+                    </a:ext>
+                  </a:extLst>
+                </a:gridCol>
+                <a:gridCol w="1622690">
+                  <a:extLst>
+                    <a:ext uri="{9D8B030D-6E8A-4147-A177-3AD203B41FA5}">
+                      <a16:colId xmlns:a16="http://schemas.microsoft.com/office/drawing/2014/main" val="1989775154"/>
+                    </a:ext>
+                  </a:extLst>
+                </a:gridCol>
+                <a:gridCol w="1622690">
+                  <a:extLst>
+                    <a:ext uri="{9D8B030D-6E8A-4147-A177-3AD203B41FA5}">
+                      <a16:colId xmlns:a16="http://schemas.microsoft.com/office/drawing/2014/main" val="2807852129"/>
+                    </a:ext>
+                  </a:extLst>
+                </a:gridCol>
+                <a:gridCol w="1622690">
+                  <a:extLst>
+                    <a:ext uri="{9D8B030D-6E8A-4147-A177-3AD203B41FA5}">
+                      <a16:colId xmlns:a16="http://schemas.microsoft.com/office/drawing/2014/main" val="756855743"/>
+                    </a:ext>
+                  </a:extLst>
+                </a:gridCol>
+              </a:tblGrid>
+              <a:tr h="396343">
+                <a:tc gridSpan="5">
+                  <a:txBody>
+                    <a:bodyPr/>
+                    <a:lstStyle/>
+                    <a:p>
+                      <a:pPr marL="0" marR="0" lvl="0" indent="0" algn="ctr" defTabSz="914400" rtl="0" eaLnBrk="1" fontAlgn="auto" latinLnBrk="0" hangingPunct="1">
+                        <a:lnSpc>
+                          <a:spcPct val="100000"/>
+                        </a:lnSpc>
+                        <a:spcBef>
+                          <a:spcPts val="0"/>
+                        </a:spcBef>
+                        <a:spcAft>
+                          <a:spcPts val="0"/>
+                        </a:spcAft>
+                        <a:buClrTx/>
+                        <a:buSzTx/>
+                        <a:buFontTx/>
+                        <a:buNone/>
+                        <a:tabLst/>
+                        <a:defRPr/>
+                      </a:pPr>
+                      <a:r>
+                        <a:rPr kumimoji="1" lang="zh-CN" altLang="en-US" sz="1800" dirty="0">
+                          <a:latin typeface="Microsoft JhengHei" panose="020B0604030504040204" pitchFamily="34" charset="-120"/>
+                          <a:ea typeface="Microsoft JhengHei" panose="020B0604030504040204" pitchFamily="34" charset="-120"/>
+                        </a:rPr>
+                        <a:t>各項資料儲存欄位</a:t>
+                      </a:r>
+                      <a:endParaRPr kumimoji="1" lang="en-US" altLang="zh-CN" sz="1800" dirty="0">
+                        <a:latin typeface="Microsoft JhengHei" panose="020B0604030504040204" pitchFamily="34" charset="-120"/>
+                        <a:ea typeface="Microsoft JhengHei" panose="020B0604030504040204" pitchFamily="34" charset="-120"/>
+                      </a:endParaRPr>
+                    </a:p>
+                  </a:txBody>
+                  <a:tcPr anchor="ctr"/>
+                </a:tc>
+                <a:tc hMerge="1">
+                  <a:txBody>
+                    <a:bodyPr/>
+                    <a:lstStyle/>
+                    <a:p>
+                      <a:pPr marL="0" marR="0" lvl="0" indent="0" algn="ctr" defTabSz="914400" rtl="0" eaLnBrk="1" fontAlgn="auto" latinLnBrk="0" hangingPunct="1">
+                        <a:lnSpc>
+                          <a:spcPct val="100000"/>
+                        </a:lnSpc>
+                        <a:spcBef>
+                          <a:spcPts val="0"/>
+                        </a:spcBef>
+                        <a:spcAft>
+                          <a:spcPts val="0"/>
+                        </a:spcAft>
+                        <a:buClrTx/>
+                        <a:buSzTx/>
+                        <a:buFontTx/>
+                        <a:buNone/>
+                        <a:tabLst/>
+                        <a:defRPr/>
+                      </a:pPr>
+                      <a:endParaRPr kumimoji="1" lang="en-US" altLang="zh-TW" sz="1800" dirty="0">
+                        <a:latin typeface="Microsoft JhengHei" panose="020B0604030504040204" pitchFamily="34" charset="-120"/>
+                        <a:ea typeface="Microsoft JhengHei" panose="020B0604030504040204" pitchFamily="34" charset="-120"/>
+                      </a:endParaRPr>
+                    </a:p>
+                  </a:txBody>
+                  <a:tcPr anchor="ctr"/>
+                </a:tc>
+                <a:tc hMerge="1">
+                  <a:txBody>
+                    <a:bodyPr/>
+                    <a:lstStyle/>
+                    <a:p>
+                      <a:pPr marL="0" marR="0" lvl="0" indent="0" algn="ctr" defTabSz="914400" rtl="0" eaLnBrk="1" fontAlgn="auto" latinLnBrk="0" hangingPunct="1">
+                        <a:lnSpc>
+                          <a:spcPct val="100000"/>
+                        </a:lnSpc>
+                        <a:spcBef>
+                          <a:spcPts val="0"/>
+                        </a:spcBef>
+                        <a:spcAft>
+                          <a:spcPts val="0"/>
+                        </a:spcAft>
+                        <a:buClrTx/>
+                        <a:buSzTx/>
+                        <a:buFontTx/>
+                        <a:buNone/>
+                        <a:tabLst/>
+                        <a:defRPr/>
+                      </a:pPr>
+                      <a:endParaRPr kumimoji="1" lang="en-US" altLang="zh-CN" sz="1800" dirty="0">
+                        <a:latin typeface="Microsoft JhengHei" panose="020B0604030504040204" pitchFamily="34" charset="-120"/>
+                        <a:ea typeface="Microsoft JhengHei" panose="020B0604030504040204" pitchFamily="34" charset="-120"/>
+                      </a:endParaRPr>
+                    </a:p>
+                  </a:txBody>
+                  <a:tcPr anchor="ctr"/>
+                </a:tc>
+                <a:tc hMerge="1">
+                  <a:txBody>
+                    <a:bodyPr/>
+                    <a:lstStyle/>
+                    <a:p>
+                      <a:pPr marL="0" marR="0" lvl="0" indent="0" algn="ctr" defTabSz="914400" rtl="0" eaLnBrk="1" fontAlgn="auto" latinLnBrk="0" hangingPunct="1">
+                        <a:lnSpc>
+                          <a:spcPct val="100000"/>
+                        </a:lnSpc>
+                        <a:spcBef>
+                          <a:spcPts val="0"/>
+                        </a:spcBef>
+                        <a:spcAft>
+                          <a:spcPts val="0"/>
+                        </a:spcAft>
+                        <a:buClrTx/>
+                        <a:buSzTx/>
+                        <a:buFontTx/>
+                        <a:buNone/>
+                        <a:tabLst/>
+                        <a:defRPr/>
+                      </a:pPr>
+                      <a:endParaRPr kumimoji="1" lang="en-US" altLang="zh-TW" sz="1800" dirty="0">
+                        <a:latin typeface="Microsoft JhengHei" panose="020B0604030504040204" pitchFamily="34" charset="-120"/>
+                        <a:ea typeface="Microsoft JhengHei" panose="020B0604030504040204" pitchFamily="34" charset="-120"/>
+                      </a:endParaRPr>
+                    </a:p>
+                  </a:txBody>
+                  <a:tcPr anchor="ctr"/>
+                </a:tc>
+                <a:tc hMerge="1">
+                  <a:txBody>
+                    <a:bodyPr/>
+                    <a:lstStyle/>
+                    <a:p>
+                      <a:pPr marL="0" marR="0" lvl="0" indent="0" algn="ctr" defTabSz="914400" rtl="0" eaLnBrk="1" fontAlgn="auto" latinLnBrk="0" hangingPunct="1">
+                        <a:lnSpc>
+                          <a:spcPct val="100000"/>
+                        </a:lnSpc>
+                        <a:spcBef>
+                          <a:spcPts val="0"/>
+                        </a:spcBef>
+                        <a:spcAft>
+                          <a:spcPts val="0"/>
+                        </a:spcAft>
+                        <a:buClrTx/>
+                        <a:buSzTx/>
+                        <a:buFontTx/>
+                        <a:buNone/>
+                        <a:tabLst/>
+                        <a:defRPr/>
+                      </a:pPr>
+                      <a:endParaRPr kumimoji="1" lang="en-US" altLang="zh-TW" sz="1800" dirty="0">
+                        <a:latin typeface="Microsoft JhengHei" panose="020B0604030504040204" pitchFamily="34" charset="-120"/>
+                        <a:ea typeface="Microsoft JhengHei" panose="020B0604030504040204" pitchFamily="34" charset="-120"/>
+                      </a:endParaRPr>
+                    </a:p>
+                  </a:txBody>
+                  <a:tcPr anchor="ctr"/>
+                </a:tc>
+                <a:extLst>
+                  <a:ext uri="{0D108BD9-81ED-4DB2-BD59-A6C34878D82A}">
+                    <a16:rowId xmlns:a16="http://schemas.microsoft.com/office/drawing/2014/main" val="101188708"/>
+                  </a:ext>
+                </a:extLst>
+              </a:tr>
+              <a:tr h="722460">
+                <a:tc>
+                  <a:txBody>
+                    <a:bodyPr/>
+                    <a:lstStyle/>
+                    <a:p>
+                      <a:pPr marL="0" marR="0" lvl="0" indent="0" algn="ctr" defTabSz="914400" rtl="0" eaLnBrk="1" fontAlgn="auto" latinLnBrk="0" hangingPunct="1">
+                        <a:lnSpc>
+                          <a:spcPct val="100000"/>
+                        </a:lnSpc>
+                        <a:spcBef>
+                          <a:spcPts val="0"/>
+                        </a:spcBef>
+                        <a:spcAft>
+                          <a:spcPts val="0"/>
+                        </a:spcAft>
+                        <a:buClrTx/>
+                        <a:buSzTx/>
+                        <a:buFontTx/>
+                        <a:buNone/>
+                        <a:tabLst/>
+                        <a:defRPr/>
+                      </a:pPr>
+                      <a:r>
+                        <a:rPr kumimoji="1" lang="zh-CN" altLang="en-US" sz="1800" dirty="0">
+                          <a:latin typeface="Microsoft JhengHei" panose="020B0604030504040204" pitchFamily="34" charset="-120"/>
+                          <a:ea typeface="Microsoft JhengHei" panose="020B0604030504040204" pitchFamily="34" charset="-120"/>
+                        </a:rPr>
+                        <a:t>股票代碼</a:t>
+                      </a:r>
+                      <a:endParaRPr kumimoji="1" lang="en-US" altLang="zh-CN" sz="1800" dirty="0">
+                        <a:latin typeface="Microsoft JhengHei" panose="020B0604030504040204" pitchFamily="34" charset="-120"/>
+                        <a:ea typeface="Microsoft JhengHei" panose="020B0604030504040204" pitchFamily="34" charset="-120"/>
+                      </a:endParaRPr>
+                    </a:p>
+                  </a:txBody>
+                  <a:tcPr anchor="ctr"/>
+                </a:tc>
+                <a:tc>
+                  <a:txBody>
+                    <a:bodyPr/>
+                    <a:lstStyle/>
+                    <a:p>
+                      <a:pPr marL="0" marR="0" lvl="0" indent="0" algn="ctr" defTabSz="914400" rtl="0" eaLnBrk="1" fontAlgn="auto" latinLnBrk="0" hangingPunct="1">
+                        <a:lnSpc>
+                          <a:spcPct val="100000"/>
+                        </a:lnSpc>
+                        <a:spcBef>
+                          <a:spcPts val="0"/>
+                        </a:spcBef>
+                        <a:spcAft>
+                          <a:spcPts val="0"/>
+                        </a:spcAft>
+                        <a:buClrTx/>
+                        <a:buSzTx/>
+                        <a:buFontTx/>
+                        <a:buNone/>
+                        <a:tabLst/>
+                        <a:defRPr/>
+                      </a:pPr>
+                      <a:r>
+                        <a:rPr kumimoji="1" lang="zh-TW" altLang="en-US" sz="1800" dirty="0">
+                          <a:latin typeface="Microsoft JhengHei" panose="020B0604030504040204" pitchFamily="34" charset="-120"/>
+                          <a:ea typeface="Microsoft JhengHei" panose="020B0604030504040204" pitchFamily="34" charset="-120"/>
+                        </a:rPr>
+                        <a:t>公司名稱</a:t>
+                      </a:r>
+                      <a:endParaRPr kumimoji="1" lang="en-US" altLang="zh-TW" sz="1800" dirty="0">
+                        <a:latin typeface="Microsoft JhengHei" panose="020B0604030504040204" pitchFamily="34" charset="-120"/>
+                        <a:ea typeface="Microsoft JhengHei" panose="020B0604030504040204" pitchFamily="34" charset="-120"/>
+                      </a:endParaRPr>
+                    </a:p>
+                  </a:txBody>
+                  <a:tcPr anchor="ctr"/>
+                </a:tc>
+                <a:tc>
+                  <a:txBody>
+                    <a:bodyPr/>
+                    <a:lstStyle/>
+                    <a:p>
+                      <a:pPr marL="0" marR="0" lvl="0" indent="0" algn="ctr" defTabSz="914400" rtl="0" eaLnBrk="1" fontAlgn="auto" latinLnBrk="0" hangingPunct="1">
+                        <a:lnSpc>
+                          <a:spcPct val="100000"/>
+                        </a:lnSpc>
+                        <a:spcBef>
+                          <a:spcPts val="0"/>
+                        </a:spcBef>
+                        <a:spcAft>
+                          <a:spcPts val="0"/>
+                        </a:spcAft>
+                        <a:buClrTx/>
+                        <a:buSzTx/>
+                        <a:buFontTx/>
+                        <a:buNone/>
+                        <a:tabLst/>
+                        <a:defRPr/>
+                      </a:pPr>
+                      <a:r>
+                        <a:rPr kumimoji="1" lang="zh-CN" altLang="en-US" sz="1800" dirty="0">
+                          <a:latin typeface="Microsoft JhengHei" panose="020B0604030504040204" pitchFamily="34" charset="-120"/>
+                          <a:ea typeface="Microsoft JhengHei" panose="020B0604030504040204" pitchFamily="34" charset="-120"/>
+                        </a:rPr>
+                        <a:t>發生日期</a:t>
+                      </a:r>
+                      <a:endParaRPr kumimoji="1" lang="en-US" altLang="zh-CN" sz="1800" dirty="0">
+                        <a:latin typeface="Microsoft JhengHei" panose="020B0604030504040204" pitchFamily="34" charset="-120"/>
+                        <a:ea typeface="Microsoft JhengHei" panose="020B0604030504040204" pitchFamily="34" charset="-120"/>
+                      </a:endParaRPr>
+                    </a:p>
+                  </a:txBody>
+                  <a:tcPr anchor="ctr"/>
+                </a:tc>
+                <a:tc>
+                  <a:txBody>
+                    <a:bodyPr/>
+                    <a:lstStyle/>
+                    <a:p>
+                      <a:pPr marL="0" marR="0" lvl="0" indent="0" algn="ctr" defTabSz="914400" rtl="0" eaLnBrk="1" fontAlgn="auto" latinLnBrk="0" hangingPunct="1">
+                        <a:lnSpc>
+                          <a:spcPct val="100000"/>
+                        </a:lnSpc>
+                        <a:spcBef>
+                          <a:spcPts val="0"/>
+                        </a:spcBef>
+                        <a:spcAft>
+                          <a:spcPts val="0"/>
+                        </a:spcAft>
+                        <a:buClrTx/>
+                        <a:buSzTx/>
+                        <a:buFontTx/>
+                        <a:buNone/>
+                        <a:tabLst/>
+                        <a:defRPr/>
+                      </a:pPr>
+                      <a:r>
+                        <a:rPr kumimoji="1" lang="zh-CN" altLang="en-US" sz="1800" dirty="0">
+                          <a:latin typeface="Microsoft JhengHei" panose="020B0604030504040204" pitchFamily="34" charset="-120"/>
+                          <a:ea typeface="Microsoft JhengHei" panose="020B0604030504040204" pitchFamily="34" charset="-120"/>
+                        </a:rPr>
+                        <a:t>發生時間</a:t>
+                      </a:r>
+                      <a:endParaRPr kumimoji="1" lang="en-US" altLang="zh-TW" sz="1800" dirty="0">
+                        <a:latin typeface="Microsoft JhengHei" panose="020B0604030504040204" pitchFamily="34" charset="-120"/>
+                        <a:ea typeface="Microsoft JhengHei" panose="020B0604030504040204" pitchFamily="34" charset="-120"/>
+                      </a:endParaRPr>
+                    </a:p>
+                  </a:txBody>
+                  <a:tcPr anchor="ctr"/>
+                </a:tc>
+                <a:tc>
+                  <a:txBody>
+                    <a:bodyPr/>
+                    <a:lstStyle/>
+                    <a:p>
+                      <a:pPr marL="0" marR="0" lvl="0" indent="0" algn="ctr" defTabSz="914400" rtl="0" eaLnBrk="1" fontAlgn="auto" latinLnBrk="0" hangingPunct="1">
+                        <a:lnSpc>
+                          <a:spcPct val="100000"/>
+                        </a:lnSpc>
+                        <a:spcBef>
+                          <a:spcPts val="0"/>
+                        </a:spcBef>
+                        <a:spcAft>
+                          <a:spcPts val="0"/>
+                        </a:spcAft>
+                        <a:buClrTx/>
+                        <a:buSzTx/>
+                        <a:buFontTx/>
+                        <a:buNone/>
+                        <a:tabLst/>
+                        <a:defRPr/>
+                      </a:pPr>
+                      <a:r>
+                        <a:rPr kumimoji="1" lang="zh-TW" altLang="en-US" sz="1800" dirty="0">
+                          <a:latin typeface="Microsoft JhengHei" panose="020B0604030504040204" pitchFamily="34" charset="-120"/>
+                          <a:ea typeface="Microsoft JhengHei" panose="020B0604030504040204" pitchFamily="34" charset="-120"/>
+                        </a:rPr>
+                        <a:t>預測漲跌狀態</a:t>
+                      </a:r>
+                      <a:endParaRPr kumimoji="1" lang="en-US" altLang="zh-TW" sz="1800" dirty="0">
+                        <a:latin typeface="Microsoft JhengHei" panose="020B0604030504040204" pitchFamily="34" charset="-120"/>
+                        <a:ea typeface="Microsoft JhengHei" panose="020B0604030504040204" pitchFamily="34" charset="-120"/>
+                      </a:endParaRPr>
+                    </a:p>
+                  </a:txBody>
+                  <a:tcPr anchor="ctr"/>
+                </a:tc>
+                <a:extLst>
+                  <a:ext uri="{0D108BD9-81ED-4DB2-BD59-A6C34878D82A}">
+                    <a16:rowId xmlns:a16="http://schemas.microsoft.com/office/drawing/2014/main" val="1737503998"/>
+                  </a:ext>
+                </a:extLst>
+              </a:tr>
+              <a:tr h="722460">
+                <a:tc>
+                  <a:txBody>
+                    <a:bodyPr/>
+                    <a:lstStyle/>
+                    <a:p>
+                      <a:pPr marL="0" marR="0" lvl="0" indent="0" algn="ctr" defTabSz="914400" rtl="0" eaLnBrk="1" fontAlgn="auto" latinLnBrk="0" hangingPunct="1">
+                        <a:lnSpc>
+                          <a:spcPct val="100000"/>
+                        </a:lnSpc>
+                        <a:spcBef>
+                          <a:spcPts val="0"/>
+                        </a:spcBef>
+                        <a:spcAft>
+                          <a:spcPts val="0"/>
+                        </a:spcAft>
+                        <a:buClrTx/>
+                        <a:buSzTx/>
+                        <a:buFontTx/>
+                        <a:buNone/>
+                        <a:tabLst/>
+                        <a:defRPr/>
+                      </a:pPr>
+                      <a:r>
+                        <a:rPr kumimoji="1" lang="zh-TW" altLang="en-US" sz="1800" dirty="0">
+                          <a:latin typeface="Microsoft JhengHei" panose="020B0604030504040204" pitchFamily="34" charset="-120"/>
+                          <a:ea typeface="Microsoft JhengHei" panose="020B0604030504040204" pitchFamily="34" charset="-120"/>
+                        </a:rPr>
+                        <a:t>事件強度評分</a:t>
+                      </a:r>
+                      <a:endParaRPr kumimoji="1" lang="en-US" altLang="zh-TW" sz="1800" dirty="0">
+                        <a:latin typeface="Microsoft JhengHei" panose="020B0604030504040204" pitchFamily="34" charset="-120"/>
+                        <a:ea typeface="Microsoft JhengHei" panose="020B0604030504040204" pitchFamily="34" charset="-120"/>
+                      </a:endParaRPr>
+                    </a:p>
+                  </a:txBody>
+                  <a:tcPr anchor="ctr"/>
+                </a:tc>
+                <a:tc>
+                  <a:txBody>
+                    <a:bodyPr/>
+                    <a:lstStyle/>
+                    <a:p>
+                      <a:pPr marL="0" marR="0" lvl="0" indent="0" algn="ctr" defTabSz="914400" rtl="0" eaLnBrk="1" fontAlgn="auto" latinLnBrk="0" hangingPunct="1">
+                        <a:lnSpc>
+                          <a:spcPct val="100000"/>
+                        </a:lnSpc>
+                        <a:spcBef>
+                          <a:spcPts val="0"/>
+                        </a:spcBef>
+                        <a:spcAft>
+                          <a:spcPts val="0"/>
+                        </a:spcAft>
+                        <a:buClrTx/>
+                        <a:buSzTx/>
+                        <a:buFontTx/>
+                        <a:buNone/>
+                        <a:tabLst/>
+                        <a:defRPr/>
+                      </a:pPr>
+                      <a:r>
+                        <a:rPr kumimoji="1" lang="zh-TW" altLang="en-US" sz="1800" dirty="0">
+                          <a:latin typeface="Microsoft JhengHei" panose="020B0604030504040204" pitchFamily="34" charset="-120"/>
+                          <a:ea typeface="Microsoft JhengHei" panose="020B0604030504040204" pitchFamily="34" charset="-120"/>
+                        </a:rPr>
+                        <a:t>大事件</a:t>
+                      </a:r>
+                      <a:br>
+                        <a:rPr kumimoji="1" lang="en-US" altLang="zh-TW" sz="1800" dirty="0">
+                          <a:latin typeface="Microsoft JhengHei" panose="020B0604030504040204" pitchFamily="34" charset="-120"/>
+                          <a:ea typeface="Microsoft JhengHei" panose="020B0604030504040204" pitchFamily="34" charset="-120"/>
+                        </a:rPr>
+                      </a:br>
+                      <a:r>
+                        <a:rPr kumimoji="1" lang="zh-TW" altLang="en-US" sz="1800" dirty="0">
+                          <a:latin typeface="Microsoft JhengHei" panose="020B0604030504040204" pitchFamily="34" charset="-120"/>
+                          <a:ea typeface="Microsoft JhengHei" panose="020B0604030504040204" pitchFamily="34" charset="-120"/>
+                        </a:rPr>
+                        <a:t>類別預測</a:t>
+                      </a:r>
+                      <a:endParaRPr kumimoji="1" lang="en-US" altLang="zh-TW" sz="1800" dirty="0">
+                        <a:latin typeface="Microsoft JhengHei" panose="020B0604030504040204" pitchFamily="34" charset="-120"/>
+                        <a:ea typeface="Microsoft JhengHei" panose="020B0604030504040204" pitchFamily="34" charset="-120"/>
+                      </a:endParaRPr>
+                    </a:p>
+                  </a:txBody>
+                  <a:tcPr anchor="ctr"/>
+                </a:tc>
+                <a:tc>
+                  <a:txBody>
+                    <a:bodyPr/>
+                    <a:lstStyle/>
+                    <a:p>
+                      <a:pPr marL="0" marR="0" lvl="0" indent="0" algn="ctr" defTabSz="914400" rtl="0" eaLnBrk="1" fontAlgn="auto" latinLnBrk="0" hangingPunct="1">
+                        <a:lnSpc>
+                          <a:spcPct val="100000"/>
+                        </a:lnSpc>
+                        <a:spcBef>
+                          <a:spcPts val="0"/>
+                        </a:spcBef>
+                        <a:spcAft>
+                          <a:spcPts val="0"/>
+                        </a:spcAft>
+                        <a:buClrTx/>
+                        <a:buSzTx/>
+                        <a:buFontTx/>
+                        <a:buNone/>
+                        <a:tabLst/>
+                        <a:defRPr/>
+                      </a:pPr>
+                      <a:r>
+                        <a:rPr kumimoji="1" lang="zh-TW" altLang="en-US" sz="1800" dirty="0">
+                          <a:latin typeface="Microsoft JhengHei" panose="020B0604030504040204" pitchFamily="34" charset="-120"/>
+                          <a:ea typeface="Microsoft JhengHei" panose="020B0604030504040204" pitchFamily="34" charset="-120"/>
+                        </a:rPr>
+                        <a:t>小事件</a:t>
+                      </a:r>
+                      <a:br>
+                        <a:rPr kumimoji="1" lang="en-US" altLang="zh-TW" sz="1800" dirty="0">
+                          <a:latin typeface="Microsoft JhengHei" panose="020B0604030504040204" pitchFamily="34" charset="-120"/>
+                          <a:ea typeface="Microsoft JhengHei" panose="020B0604030504040204" pitchFamily="34" charset="-120"/>
+                        </a:rPr>
+                      </a:br>
+                      <a:r>
+                        <a:rPr kumimoji="1" lang="zh-TW" altLang="en-US" sz="1800" dirty="0">
+                          <a:latin typeface="Microsoft JhengHei" panose="020B0604030504040204" pitchFamily="34" charset="-120"/>
+                          <a:ea typeface="Microsoft JhengHei" panose="020B0604030504040204" pitchFamily="34" charset="-120"/>
+                        </a:rPr>
+                        <a:t>類別預測</a:t>
+                      </a:r>
+                      <a:endParaRPr kumimoji="1" lang="en-US" altLang="zh-TW" sz="1800" dirty="0">
+                        <a:latin typeface="Microsoft JhengHei" panose="020B0604030504040204" pitchFamily="34" charset="-120"/>
+                        <a:ea typeface="Microsoft JhengHei" panose="020B0604030504040204" pitchFamily="34" charset="-120"/>
+                      </a:endParaRPr>
+                    </a:p>
+                  </a:txBody>
+                  <a:tcPr anchor="ctr"/>
+                </a:tc>
+                <a:tc>
+                  <a:txBody>
+                    <a:bodyPr/>
+                    <a:lstStyle/>
+                    <a:p>
+                      <a:pPr marL="0" marR="0" lvl="0" indent="0" algn="ctr" defTabSz="914400" rtl="0" eaLnBrk="1" fontAlgn="auto" latinLnBrk="0" hangingPunct="1">
+                        <a:lnSpc>
+                          <a:spcPct val="100000"/>
+                        </a:lnSpc>
+                        <a:spcBef>
+                          <a:spcPts val="0"/>
+                        </a:spcBef>
+                        <a:spcAft>
+                          <a:spcPts val="0"/>
+                        </a:spcAft>
+                        <a:buClrTx/>
+                        <a:buSzTx/>
+                        <a:buFontTx/>
+                        <a:buNone/>
+                        <a:tabLst/>
+                        <a:defRPr/>
+                      </a:pPr>
+                      <a:r>
+                        <a:rPr kumimoji="1" lang="zh-TW" altLang="en-US" sz="1800" dirty="0">
+                          <a:latin typeface="Microsoft JhengHei" panose="020B0604030504040204" pitchFamily="34" charset="-120"/>
+                          <a:ea typeface="Microsoft JhengHei" panose="020B0604030504040204" pitchFamily="34" charset="-120"/>
+                        </a:rPr>
+                        <a:t>新聞內容</a:t>
+                      </a:r>
+                      <a:endParaRPr kumimoji="1" lang="en-US" altLang="zh-TW" sz="1800" dirty="0">
+                        <a:latin typeface="Microsoft JhengHei" panose="020B0604030504040204" pitchFamily="34" charset="-120"/>
+                        <a:ea typeface="Microsoft JhengHei" panose="020B0604030504040204" pitchFamily="34" charset="-120"/>
+                      </a:endParaRPr>
+                    </a:p>
+                  </a:txBody>
+                  <a:tcPr anchor="ctr"/>
+                </a:tc>
+                <a:tc>
+                  <a:txBody>
+                    <a:bodyPr/>
+                    <a:lstStyle/>
+                    <a:p>
+                      <a:pPr marL="0" marR="0" lvl="0" indent="0" algn="ctr" defTabSz="914400" rtl="0" eaLnBrk="1" fontAlgn="auto" latinLnBrk="0" hangingPunct="1">
+                        <a:lnSpc>
+                          <a:spcPct val="100000"/>
+                        </a:lnSpc>
+                        <a:spcBef>
+                          <a:spcPts val="0"/>
+                        </a:spcBef>
+                        <a:spcAft>
+                          <a:spcPts val="0"/>
+                        </a:spcAft>
+                        <a:buClrTx/>
+                        <a:buSzTx/>
+                        <a:buFontTx/>
+                        <a:buNone/>
+                        <a:tabLst/>
+                        <a:defRPr/>
+                      </a:pPr>
+                      <a:r>
+                        <a:rPr kumimoji="1" lang="zh-TW" altLang="en-US" sz="1800" dirty="0">
+                          <a:latin typeface="Microsoft JhengHei" panose="020B0604030504040204" pitchFamily="34" charset="-120"/>
+                          <a:ea typeface="Microsoft JhengHei" panose="020B0604030504040204" pitchFamily="34" charset="-120"/>
+                        </a:rPr>
+                        <a:t>新聞切詞結果</a:t>
+                      </a:r>
+                      <a:endParaRPr kumimoji="1" lang="en-US" altLang="zh-TW" sz="1800" dirty="0">
+                        <a:latin typeface="Microsoft JhengHei" panose="020B0604030504040204" pitchFamily="34" charset="-120"/>
+                        <a:ea typeface="Microsoft JhengHei" panose="020B0604030504040204" pitchFamily="34" charset="-120"/>
+                      </a:endParaRPr>
+                    </a:p>
+                  </a:txBody>
+                  <a:tcPr anchor="ctr"/>
+                </a:tc>
+                <a:extLst>
+                  <a:ext uri="{0D108BD9-81ED-4DB2-BD59-A6C34878D82A}">
+                    <a16:rowId xmlns:a16="http://schemas.microsoft.com/office/drawing/2014/main" val="2611042636"/>
+                  </a:ext>
+                </a:extLst>
+              </a:tr>
+            </a:tbl>
+          </a:graphicData>
+        </a:graphic>
+      </p:graphicFrame>
       <p:sp>
         <p:nvSpPr>
-          <p:cNvPr id="18" name="文字方塊 17">
-            <a:extLst>
-              <a:ext uri="{FF2B5EF4-FFF2-40B4-BE49-F238E27FC236}">
-                <a16:creationId xmlns:a16="http://schemas.microsoft.com/office/drawing/2014/main" id="{9F950B86-0FC6-40A2-A33A-795C75BBE59E}"/>
+          <p:cNvPr id="13" name="文字方塊 12">
+            <a:extLst>
+              <a:ext uri="{FF2B5EF4-FFF2-40B4-BE49-F238E27FC236}">
+                <a16:creationId xmlns:a16="http://schemas.microsoft.com/office/drawing/2014/main" id="{CFE1835C-DCAA-D245-B7F2-F03DFC2C21A9}"/>
               </a:ext>
             </a:extLst>
           </p:cNvPr>
@@ -30393,8 +30734,8 @@
         </p:nvSpPr>
         <p:spPr>
           <a:xfrm>
-            <a:off x="4077047" y="3721836"/>
-            <a:ext cx="1415772" cy="338554"/>
+            <a:off x="2686050" y="3857411"/>
+            <a:ext cx="3757808" cy="369332"/>
           </a:xfrm>
           <a:prstGeom prst="rect">
             <a:avLst/>
@@ -30402,104 +30743,33 @@
           <a:noFill/>
         </p:spPr>
         <p:txBody>
-          <a:bodyPr wrap="none" rtlCol="0">
+          <a:bodyPr wrap="square" rtlCol="0">
             <a:spAutoFit/>
           </a:bodyPr>
           <a:lstStyle/>
           <a:p>
-            <a:r>
-              <a:rPr kumimoji="1" lang="zh-TW" altLang="en-US" sz="1600" dirty="0">
+            <a:pPr algn="ctr"/>
+            <a:r>
+              <a:rPr kumimoji="1" lang="en-US" altLang="zh-TW" dirty="0">
                 <a:latin typeface="Microsoft JhengHei" panose="020B0604030504040204" pitchFamily="34" charset="-120"/>
                 <a:ea typeface="Microsoft JhengHei" panose="020B0604030504040204" pitchFamily="34" charset="-120"/>
               </a:rPr>
-              <a:t>發文更新畫面</a:t>
+              <a:t>MySQL </a:t>
+            </a:r>
+            <a:r>
+              <a:rPr kumimoji="1" lang="zh-TW" altLang="en-US" dirty="0">
+                <a:latin typeface="Microsoft JhengHei" panose="020B0604030504040204" pitchFamily="34" charset="-120"/>
+                <a:ea typeface="Microsoft JhengHei" panose="020B0604030504040204" pitchFamily="34" charset="-120"/>
+              </a:rPr>
+              <a:t>資料儲存狀況</a:t>
             </a:r>
           </a:p>
         </p:txBody>
       </p:sp>
-      <p:sp>
-        <p:nvSpPr>
-          <p:cNvPr id="19" name="文字方塊 18">
-            <a:extLst>
-              <a:ext uri="{FF2B5EF4-FFF2-40B4-BE49-F238E27FC236}">
-                <a16:creationId xmlns:a16="http://schemas.microsoft.com/office/drawing/2014/main" id="{884F2A54-BEC9-413E-A950-1B8D1A7DAADA}"/>
-              </a:ext>
-            </a:extLst>
-          </p:cNvPr>
-          <p:cNvSpPr txBox="1"/>
-          <p:nvPr/>
-        </p:nvSpPr>
-        <p:spPr>
-          <a:xfrm>
-            <a:off x="949982" y="3721836"/>
-            <a:ext cx="1678665" cy="338554"/>
-          </a:xfrm>
-          <a:prstGeom prst="rect">
-            <a:avLst/>
-          </a:prstGeom>
-          <a:noFill/>
-        </p:spPr>
-        <p:txBody>
-          <a:bodyPr wrap="none" rtlCol="0">
-            <a:spAutoFit/>
-          </a:bodyPr>
-          <a:lstStyle/>
-          <a:p>
-            <a:r>
-              <a:rPr kumimoji="1" lang="en-US" altLang="zh-TW" sz="1600" dirty="0">
-                <a:latin typeface="Microsoft JhengHei" panose="020B0604030504040204" pitchFamily="34" charset="-120"/>
-                <a:ea typeface="Microsoft JhengHei" panose="020B0604030504040204" pitchFamily="34" charset="-120"/>
-              </a:rPr>
-              <a:t>AWS EC2</a:t>
-            </a:r>
-            <a:r>
-              <a:rPr kumimoji="1" lang="zh-TW" altLang="en-US" sz="1600" dirty="0">
-                <a:latin typeface="Microsoft JhengHei" panose="020B0604030504040204" pitchFamily="34" charset="-120"/>
-                <a:ea typeface="Microsoft JhengHei" panose="020B0604030504040204" pitchFamily="34" charset="-120"/>
-              </a:rPr>
-              <a:t>控制台</a:t>
-            </a:r>
-          </a:p>
-        </p:txBody>
-      </p:sp>
-      <p:pic>
-        <p:nvPicPr>
-          <p:cNvPr id="9" name="圖片 8" descr="一張含有 螢幕擷取畫面, 鳥 的圖片&#10;&#10;自動產生的描述">
-            <a:extLst>
-              <a:ext uri="{FF2B5EF4-FFF2-40B4-BE49-F238E27FC236}">
-                <a16:creationId xmlns:a16="http://schemas.microsoft.com/office/drawing/2014/main" id="{32224E3A-39DC-014A-ADFF-D5BBA578DC4C}"/>
-              </a:ext>
-            </a:extLst>
-          </p:cNvPr>
-          <p:cNvPicPr>
-            <a:picLocks noChangeAspect="1"/>
-          </p:cNvPicPr>
-          <p:nvPr/>
-        </p:nvPicPr>
-        <p:blipFill rotWithShape="1">
-          <a:blip r:embed="rId4"/>
-          <a:srcRect r="17459"/>
-          <a:stretch/>
-        </p:blipFill>
-        <p:spPr>
-          <a:xfrm>
-            <a:off x="3510260" y="4060390"/>
-            <a:ext cx="2583013" cy="1971236"/>
-          </a:xfrm>
-          <a:prstGeom prst="rect">
-            <a:avLst/>
-          </a:prstGeom>
-          <a:ln>
-            <a:solidFill>
-              <a:schemeClr val="tx1"/>
-            </a:solidFill>
-          </a:ln>
-        </p:spPr>
-      </p:pic>
     </p:spTree>
     <p:extLst>
       <p:ext uri="{BB962C8B-B14F-4D97-AF65-F5344CB8AC3E}">
-        <p14:creationId xmlns:p14="http://schemas.microsoft.com/office/powerpoint/2010/main" val="2360991936"/>
+        <p14:creationId xmlns:p14="http://schemas.microsoft.com/office/powerpoint/2010/main" val="2965970066"/>
       </p:ext>
     </p:extLst>
   </p:cSld>
@@ -30550,7 +30820,7 @@
             <a:fld id="{868F4FC5-FE50-A64D-A7E3-22233A0C6925}" type="datetime1">
               <a:rPr kumimoji="1" lang="zh-TW" altLang="en-US" smtClean="0"/>
               <a:pPr/>
-              <a:t>2020/6/23</a:t>
+              <a:t>2020/6/24</a:t>
             </a:fld>
             <a:endParaRPr kumimoji="1" lang="zh-TW" altLang="en-US" dirty="0"/>
           </a:p>
@@ -31951,10 +32221,10 @@
       </p:grpSpPr>
       <p:sp>
         <p:nvSpPr>
-          <p:cNvPr id="4" name="標題 3">
-            <a:extLst>
-              <a:ext uri="{FF2B5EF4-FFF2-40B4-BE49-F238E27FC236}">
-                <a16:creationId xmlns:a16="http://schemas.microsoft.com/office/drawing/2014/main" id="{65D8D0B7-A88F-8444-A50B-614843E904C6}"/>
+          <p:cNvPr id="2" name="標題 1">
+            <a:extLst>
+              <a:ext uri="{FF2B5EF4-FFF2-40B4-BE49-F238E27FC236}">
+                <a16:creationId xmlns:a16="http://schemas.microsoft.com/office/drawing/2014/main" id="{C88CF8B0-7C2D-D644-930E-3AE96EF47704}"/>
               </a:ext>
             </a:extLst>
           </p:cNvPr>
@@ -31971,29 +32241,26 @@
           <a:lstStyle/>
           <a:p>
             <a:r>
-              <a:rPr lang="en-US" altLang="zh-TW" dirty="0">
-                <a:solidFill>
-                  <a:srgbClr val="4AAC99"/>
-                </a:solidFill>
-                <a:latin typeface="Microsoft JhengHei" panose="020B0604030504040204" pitchFamily="34" charset="-120"/>
-              </a:rPr>
-              <a:t>05</a:t>
-            </a:r>
-            <a:endParaRPr lang="zh-TW" altLang="en-US" dirty="0">
-              <a:solidFill>
-                <a:srgbClr val="4AAC99"/>
-              </a:solidFill>
-              <a:latin typeface="Microsoft JhengHei" panose="020B0604030504040204" pitchFamily="34" charset="-120"/>
-            </a:endParaRPr>
+              <a:rPr kumimoji="1" lang="zh-TW" altLang="en-US" dirty="0"/>
+              <a:t>透過 </a:t>
+            </a:r>
+            <a:r>
+              <a:rPr kumimoji="1" lang="en-US" altLang="zh-TW" dirty="0"/>
+              <a:t>WordPress</a:t>
+            </a:r>
+            <a:r>
+              <a:rPr kumimoji="1" lang="zh-TW" altLang="en-US" dirty="0"/>
+              <a:t> 網頁來呈現我們的預測結果</a:t>
+            </a:r>
           </a:p>
         </p:txBody>
       </p:sp>
       <p:sp>
         <p:nvSpPr>
-          <p:cNvPr id="5" name="文字版面配置區 4">
-            <a:extLst>
-              <a:ext uri="{FF2B5EF4-FFF2-40B4-BE49-F238E27FC236}">
-                <a16:creationId xmlns:a16="http://schemas.microsoft.com/office/drawing/2014/main" id="{001D45A4-756B-054A-88C9-BD20D1A2C25B}"/>
+          <p:cNvPr id="3" name="內容版面配置區 2">
+            <a:extLst>
+              <a:ext uri="{FF2B5EF4-FFF2-40B4-BE49-F238E27FC236}">
+                <a16:creationId xmlns:a16="http://schemas.microsoft.com/office/drawing/2014/main" id="{83EE1ADA-747C-6C45-B40B-DD0A715DF1C6}"/>
               </a:ext>
             </a:extLst>
           </p:cNvPr>
@@ -32001,42 +32268,513 @@
             <a:spLocks noGrp="1"/>
           </p:cNvSpPr>
           <p:nvPr>
-            <p:ph type="body" sz="quarter" idx="13"/>
+            <p:ph idx="1"/>
           </p:nvPr>
         </p:nvSpPr>
         <p:spPr>
           <a:xfrm>
-            <a:off x="2104373" y="3171031"/>
-            <a:ext cx="4982227" cy="515938"/>
+            <a:off x="628650" y="1219617"/>
+            <a:ext cx="5695950" cy="2340192"/>
           </a:xfrm>
         </p:spPr>
         <p:txBody>
+          <a:bodyPr>
+            <a:normAutofit fontScale="92500" lnSpcReduction="20000"/>
+          </a:bodyPr>
+          <a:lstStyle/>
+          <a:p>
+            <a:pPr marL="285744" indent="-285744">
+              <a:lnSpc>
+                <a:spcPct val="120000"/>
+              </a:lnSpc>
+              <a:buFont typeface="Wingdings" pitchFamily="2" charset="2"/>
+              <a:buChar char="Ø"/>
+            </a:pPr>
+            <a:r>
+              <a:rPr lang="zh-CN" altLang="en-US" dirty="0"/>
+              <a:t>本組採用</a:t>
+            </a:r>
+            <a:r>
+              <a:rPr lang="zh-TW" altLang="en-US" dirty="0"/>
+              <a:t> </a:t>
+            </a:r>
+            <a:r>
+              <a:rPr lang="en-US" altLang="zh-CN" dirty="0"/>
+              <a:t>AWS</a:t>
+            </a:r>
+            <a:r>
+              <a:rPr lang="zh-TW" altLang="en-US" dirty="0"/>
+              <a:t> </a:t>
+            </a:r>
+            <a:r>
+              <a:rPr lang="zh-CN" altLang="en-US" dirty="0"/>
+              <a:t>與</a:t>
+            </a:r>
+            <a:r>
+              <a:rPr lang="zh-TW" altLang="en-US" dirty="0"/>
+              <a:t> </a:t>
+            </a:r>
+            <a:r>
+              <a:rPr lang="en-US" altLang="zh-CN" dirty="0"/>
+              <a:t>WordPress</a:t>
+            </a:r>
+            <a:r>
+              <a:rPr lang="zh-TW" altLang="en-US" dirty="0"/>
+              <a:t> </a:t>
+            </a:r>
+            <a:r>
+              <a:rPr lang="zh-CN" altLang="en-US" dirty="0"/>
+              <a:t>架構個股新聞評分系統網站，並利用</a:t>
+            </a:r>
+            <a:r>
+              <a:rPr lang="zh-TW" altLang="en-US" dirty="0"/>
+              <a:t> </a:t>
+            </a:r>
+            <a:r>
+              <a:rPr lang="en" altLang="zh-CN" dirty="0"/>
+              <a:t>wordpress-xmlrpc</a:t>
+            </a:r>
+            <a:r>
+              <a:rPr lang="zh-TW" altLang="en-US" dirty="0"/>
+              <a:t> 套件完成自動發文的功能</a:t>
+            </a:r>
+            <a:endParaRPr lang="en-US" altLang="zh-TW" dirty="0"/>
+          </a:p>
+          <a:p>
+            <a:pPr marL="285744" indent="-285744">
+              <a:lnSpc>
+                <a:spcPct val="120000"/>
+              </a:lnSpc>
+              <a:buFont typeface="Wingdings" pitchFamily="2" charset="2"/>
+              <a:buChar char="Ø"/>
+            </a:pPr>
+            <a:r>
+              <a:rPr lang="zh-CN" altLang="en-US" dirty="0"/>
+              <a:t>我們預期將使用爬蟲爬取最新新聞內容後，經過我們的評分與股價預測系統模型預測，將重要的新聞（評分絕對值大於</a:t>
+            </a:r>
+            <a:r>
+              <a:rPr lang="en-US" altLang="zh-TW" dirty="0"/>
+              <a:t>1</a:t>
+            </a:r>
+            <a:r>
+              <a:rPr lang="zh-CN" altLang="en-US" dirty="0"/>
+              <a:t>的新聞）呈現在我們的網站中</a:t>
+            </a:r>
+            <a:endParaRPr lang="en-US" altLang="zh-TW" dirty="0"/>
+          </a:p>
+          <a:p>
+            <a:endParaRPr kumimoji="1" lang="zh-TW" altLang="en-US" dirty="0"/>
+          </a:p>
+        </p:txBody>
+      </p:sp>
+      <p:sp>
+        <p:nvSpPr>
+          <p:cNvPr id="4" name="日期版面配置區 3">
+            <a:extLst>
+              <a:ext uri="{FF2B5EF4-FFF2-40B4-BE49-F238E27FC236}">
+                <a16:creationId xmlns:a16="http://schemas.microsoft.com/office/drawing/2014/main" id="{4237B44F-5FB7-324E-99AA-2CF725025DA2}"/>
+              </a:ext>
+            </a:extLst>
+          </p:cNvPr>
+          <p:cNvSpPr>
+            <a:spLocks noGrp="1"/>
+          </p:cNvSpPr>
+          <p:nvPr>
+            <p:ph type="dt" sz="half" idx="10"/>
+          </p:nvPr>
+        </p:nvSpPr>
+        <p:spPr/>
+        <p:txBody>
           <a:bodyPr/>
           <a:lstStyle/>
           <a:p>
-            <a:pPr>
-              <a:spcBef>
-                <a:spcPct val="0"/>
-              </a:spcBef>
-            </a:pPr>
-            <a:r>
-              <a:rPr lang="zh-CN" altLang="en-US" dirty="0">
-                <a:latin typeface="微軟正黑體" panose="020B0604030504040204" pitchFamily="34" charset="-120"/>
-                <a:ea typeface="微軟正黑體" panose="020B0604030504040204" pitchFamily="34" charset="-120"/>
-              </a:rPr>
-              <a:t>結論與小組分工</a:t>
-            </a:r>
-            <a:endParaRPr lang="en-US" altLang="zh-CN" dirty="0">
-              <a:latin typeface="微軟正黑體" panose="020B0604030504040204" pitchFamily="34" charset="-120"/>
-              <a:ea typeface="微軟正黑體" panose="020B0604030504040204" pitchFamily="34" charset="-120"/>
-            </a:endParaRPr>
+            <a:fld id="{868F4FC5-FE50-A64D-A7E3-22233A0C6925}" type="datetime1">
+              <a:rPr kumimoji="1" lang="zh-TW" altLang="en-US" smtClean="0"/>
+              <a:pPr/>
+              <a:t>2020/6/24</a:t>
+            </a:fld>
+            <a:endParaRPr kumimoji="1" lang="zh-TW" altLang="en-US" dirty="0"/>
           </a:p>
         </p:txBody>
       </p:sp>
+      <p:sp>
+        <p:nvSpPr>
+          <p:cNvPr id="5" name="投影片編號版面配置區 4">
+            <a:extLst>
+              <a:ext uri="{FF2B5EF4-FFF2-40B4-BE49-F238E27FC236}">
+                <a16:creationId xmlns:a16="http://schemas.microsoft.com/office/drawing/2014/main" id="{609D2781-5155-824B-9BE5-F6006EF41C34}"/>
+              </a:ext>
+            </a:extLst>
+          </p:cNvPr>
+          <p:cNvSpPr>
+            <a:spLocks noGrp="1"/>
+          </p:cNvSpPr>
+          <p:nvPr>
+            <p:ph type="sldNum" sz="quarter" idx="12"/>
+          </p:nvPr>
+        </p:nvSpPr>
+        <p:spPr/>
+        <p:txBody>
+          <a:bodyPr/>
+          <a:lstStyle/>
+          <a:p>
+            <a:fld id="{80929F01-733D-5847-83A7-C9CEA74310DB}" type="slidenum">
+              <a:rPr kumimoji="1" lang="zh-TW" altLang="en-US" smtClean="0"/>
+              <a:pPr/>
+              <a:t>40</a:t>
+            </a:fld>
+            <a:endParaRPr kumimoji="1" lang="zh-TW" altLang="en-US" dirty="0"/>
+          </a:p>
+        </p:txBody>
+      </p:sp>
+      <p:sp>
+        <p:nvSpPr>
+          <p:cNvPr id="6" name="文字方塊 5">
+            <a:extLst>
+              <a:ext uri="{FF2B5EF4-FFF2-40B4-BE49-F238E27FC236}">
+                <a16:creationId xmlns:a16="http://schemas.microsoft.com/office/drawing/2014/main" id="{DA137C1A-6166-9641-9326-51711E34D928}"/>
+              </a:ext>
+            </a:extLst>
+          </p:cNvPr>
+          <p:cNvSpPr txBox="1"/>
+          <p:nvPr/>
+        </p:nvSpPr>
+        <p:spPr>
+          <a:xfrm>
+            <a:off x="5217198" y="120951"/>
+            <a:ext cx="3672800" cy="338554"/>
+          </a:xfrm>
+          <a:prstGeom prst="rect">
+            <a:avLst/>
+          </a:prstGeom>
+          <a:noFill/>
+        </p:spPr>
+        <p:txBody>
+          <a:bodyPr wrap="none" rtlCol="0">
+            <a:spAutoFit/>
+          </a:bodyPr>
+          <a:lstStyle/>
+          <a:p>
+            <a:pPr algn="r"/>
+            <a:r>
+              <a:rPr lang="zh-CN" altLang="en-US" sz="1600" dirty="0">
+                <a:solidFill>
+                  <a:schemeClr val="tx1">
+                    <a:lumMod val="65000"/>
+                    <a:lumOff val="35000"/>
+                  </a:schemeClr>
+                </a:solidFill>
+                <a:latin typeface="Microsoft JhengHei" panose="020B0604030504040204" pitchFamily="34" charset="-120"/>
+                <a:ea typeface="Microsoft JhengHei" panose="020B0604030504040204" pitchFamily="34" charset="-120"/>
+              </a:rPr>
+              <a:t>股價預測模型</a:t>
+            </a:r>
+            <a:r>
+              <a:rPr kumimoji="1" lang="zh-CN" altLang="en-US" sz="1600" dirty="0">
+                <a:solidFill>
+                  <a:schemeClr val="tx1">
+                    <a:lumMod val="65000"/>
+                    <a:lumOff val="35000"/>
+                  </a:schemeClr>
+                </a:solidFill>
+                <a:latin typeface="微軟正黑體" pitchFamily="34" charset="-120"/>
+                <a:ea typeface="微軟正黑體" pitchFamily="34" charset="-120"/>
+                <a:cs typeface="BiauKai"/>
+              </a:rPr>
+              <a:t>｜</a:t>
+            </a:r>
+            <a:r>
+              <a:rPr lang="zh-CN" altLang="en-US" sz="1600" dirty="0">
+                <a:solidFill>
+                  <a:schemeClr val="tx1">
+                    <a:lumMod val="65000"/>
+                    <a:lumOff val="35000"/>
+                  </a:schemeClr>
+                </a:solidFill>
+                <a:latin typeface="Microsoft JhengHei" panose="020B0604030504040204" pitchFamily="34" charset="-120"/>
+                <a:ea typeface="Microsoft JhengHei" panose="020B0604030504040204" pitchFamily="34" charset="-120"/>
+              </a:rPr>
+              <a:t>資料庫建立</a:t>
+            </a:r>
+            <a:r>
+              <a:rPr kumimoji="1" lang="zh-CN" altLang="en-US" sz="1600" dirty="0">
+                <a:solidFill>
+                  <a:schemeClr val="tx1">
+                    <a:lumMod val="65000"/>
+                    <a:lumOff val="35000"/>
+                  </a:schemeClr>
+                </a:solidFill>
+                <a:latin typeface="微軟正黑體" pitchFamily="34" charset="-120"/>
+                <a:ea typeface="微軟正黑體" pitchFamily="34" charset="-120"/>
+                <a:cs typeface="BiauKai"/>
+              </a:rPr>
+              <a:t>｜</a:t>
+            </a:r>
+            <a:r>
+              <a:rPr lang="zh-CN" altLang="en-US" sz="1600" b="1" dirty="0">
+                <a:latin typeface="Microsoft JhengHei" panose="020B0604030504040204" pitchFamily="34" charset="-120"/>
+                <a:ea typeface="Microsoft JhengHei" panose="020B0604030504040204" pitchFamily="34" charset="-120"/>
+              </a:rPr>
+              <a:t>網頁呈現</a:t>
+            </a:r>
+            <a:endParaRPr kumimoji="1" lang="zh-TW" altLang="en-US" sz="1600" b="1" dirty="0">
+              <a:latin typeface="微軟正黑體" pitchFamily="34" charset="-120"/>
+              <a:ea typeface="微軟正黑體" pitchFamily="34" charset="-120"/>
+              <a:cs typeface="BiauKai"/>
+            </a:endParaRPr>
+          </a:p>
+        </p:txBody>
+      </p:sp>
+      <p:grpSp>
+        <p:nvGrpSpPr>
+          <p:cNvPr id="15" name="群組 14">
+            <a:extLst>
+              <a:ext uri="{FF2B5EF4-FFF2-40B4-BE49-F238E27FC236}">
+                <a16:creationId xmlns:a16="http://schemas.microsoft.com/office/drawing/2014/main" id="{E46751F7-51AC-7747-B42B-5C79F510ACE9}"/>
+              </a:ext>
+            </a:extLst>
+          </p:cNvPr>
+          <p:cNvGrpSpPr/>
+          <p:nvPr/>
+        </p:nvGrpSpPr>
+        <p:grpSpPr>
+          <a:xfrm>
+            <a:off x="6577308" y="1206774"/>
+            <a:ext cx="2112070" cy="4514768"/>
+            <a:chOff x="6678908" y="1331936"/>
+            <a:chExt cx="2112070" cy="4514768"/>
+          </a:xfrm>
+        </p:grpSpPr>
+        <p:pic>
+          <p:nvPicPr>
+            <p:cNvPr id="8" name="圖片 7" descr="一張含有 山, 標誌 的圖片&#10;&#10;自動產生的描述">
+              <a:extLst>
+                <a:ext uri="{FF2B5EF4-FFF2-40B4-BE49-F238E27FC236}">
+                  <a16:creationId xmlns:a16="http://schemas.microsoft.com/office/drawing/2014/main" id="{EC183262-9B7C-EF45-8548-7A7942219CCE}"/>
+                </a:ext>
+              </a:extLst>
+            </p:cNvPr>
+            <p:cNvPicPr>
+              <a:picLocks noChangeAspect="1"/>
+            </p:cNvPicPr>
+            <p:nvPr/>
+          </p:nvPicPr>
+          <p:blipFill>
+            <a:blip r:embed="rId2"/>
+            <a:stretch>
+              <a:fillRect/>
+            </a:stretch>
+          </p:blipFill>
+          <p:spPr>
+            <a:xfrm>
+              <a:off x="6678908" y="1710879"/>
+              <a:ext cx="2112070" cy="4135825"/>
+            </a:xfrm>
+            <a:prstGeom prst="rect">
+              <a:avLst/>
+            </a:prstGeom>
+            <a:ln>
+              <a:solidFill>
+                <a:schemeClr val="tx1"/>
+              </a:solidFill>
+            </a:ln>
+          </p:spPr>
+        </p:pic>
+        <p:sp>
+          <p:nvSpPr>
+            <p:cNvPr id="12" name="文字方塊 11">
+              <a:extLst>
+                <a:ext uri="{FF2B5EF4-FFF2-40B4-BE49-F238E27FC236}">
+                  <a16:creationId xmlns:a16="http://schemas.microsoft.com/office/drawing/2014/main" id="{6DCB2E0C-FBD1-3448-AE0E-1A1A2801B2A8}"/>
+                </a:ext>
+              </a:extLst>
+            </p:cNvPr>
+            <p:cNvSpPr txBox="1"/>
+            <p:nvPr/>
+          </p:nvSpPr>
+          <p:spPr>
+            <a:xfrm>
+              <a:off x="7129649" y="1331936"/>
+              <a:ext cx="1210588" cy="338554"/>
+            </a:xfrm>
+            <a:prstGeom prst="rect">
+              <a:avLst/>
+            </a:prstGeom>
+            <a:noFill/>
+          </p:spPr>
+          <p:txBody>
+            <a:bodyPr wrap="none" rtlCol="0">
+              <a:spAutoFit/>
+            </a:bodyPr>
+            <a:lstStyle/>
+            <a:p>
+              <a:r>
+                <a:rPr kumimoji="1" lang="zh-TW" altLang="en-US" sz="1600" dirty="0">
+                  <a:latin typeface="Microsoft JhengHei" panose="020B0604030504040204" pitchFamily="34" charset="-120"/>
+                  <a:ea typeface="Microsoft JhengHei" panose="020B0604030504040204" pitchFamily="34" charset="-120"/>
+                </a:rPr>
+                <a:t>手機版頁面</a:t>
+              </a:r>
+            </a:p>
+          </p:txBody>
+        </p:sp>
+      </p:grpSp>
+      <p:pic>
+        <p:nvPicPr>
+          <p:cNvPr id="16" name="圖片 15">
+            <a:extLst>
+              <a:ext uri="{FF2B5EF4-FFF2-40B4-BE49-F238E27FC236}">
+                <a16:creationId xmlns:a16="http://schemas.microsoft.com/office/drawing/2014/main" id="{88E6012C-9530-4137-8B66-32A2A9EDCA31}"/>
+              </a:ext>
+            </a:extLst>
+          </p:cNvPr>
+          <p:cNvPicPr>
+            <a:picLocks noChangeAspect="1"/>
+          </p:cNvPicPr>
+          <p:nvPr/>
+        </p:nvPicPr>
+        <p:blipFill>
+          <a:blip r:embed="rId3"/>
+          <a:stretch>
+            <a:fillRect/>
+          </a:stretch>
+        </p:blipFill>
+        <p:spPr>
+          <a:xfrm>
+            <a:off x="628650" y="4145275"/>
+            <a:ext cx="2546344" cy="1735469"/>
+          </a:xfrm>
+          <a:prstGeom prst="rect">
+            <a:avLst/>
+          </a:prstGeom>
+          <a:ln>
+            <a:solidFill>
+              <a:schemeClr val="tx1"/>
+            </a:solidFill>
+          </a:ln>
+        </p:spPr>
+      </p:pic>
+      <p:sp>
+        <p:nvSpPr>
+          <p:cNvPr id="18" name="文字方塊 17">
+            <a:extLst>
+              <a:ext uri="{FF2B5EF4-FFF2-40B4-BE49-F238E27FC236}">
+                <a16:creationId xmlns:a16="http://schemas.microsoft.com/office/drawing/2014/main" id="{9F950B86-0FC6-40A2-A33A-795C75BBE59E}"/>
+              </a:ext>
+            </a:extLst>
+          </p:cNvPr>
+          <p:cNvSpPr txBox="1"/>
+          <p:nvPr/>
+        </p:nvSpPr>
+        <p:spPr>
+          <a:xfrm>
+            <a:off x="4077047" y="3721836"/>
+            <a:ext cx="1415772" cy="338554"/>
+          </a:xfrm>
+          <a:prstGeom prst="rect">
+            <a:avLst/>
+          </a:prstGeom>
+          <a:noFill/>
+        </p:spPr>
+        <p:txBody>
+          <a:bodyPr wrap="none" rtlCol="0">
+            <a:spAutoFit/>
+          </a:bodyPr>
+          <a:lstStyle/>
+          <a:p>
+            <a:r>
+              <a:rPr kumimoji="1" lang="zh-TW" altLang="en-US" sz="1600" dirty="0">
+                <a:latin typeface="Microsoft JhengHei" panose="020B0604030504040204" pitchFamily="34" charset="-120"/>
+                <a:ea typeface="Microsoft JhengHei" panose="020B0604030504040204" pitchFamily="34" charset="-120"/>
+              </a:rPr>
+              <a:t>發文更新畫面</a:t>
+            </a:r>
+          </a:p>
+        </p:txBody>
+      </p:sp>
+      <p:sp>
+        <p:nvSpPr>
+          <p:cNvPr id="19" name="文字方塊 18">
+            <a:extLst>
+              <a:ext uri="{FF2B5EF4-FFF2-40B4-BE49-F238E27FC236}">
+                <a16:creationId xmlns:a16="http://schemas.microsoft.com/office/drawing/2014/main" id="{884F2A54-BEC9-413E-A950-1B8D1A7DAADA}"/>
+              </a:ext>
+            </a:extLst>
+          </p:cNvPr>
+          <p:cNvSpPr txBox="1"/>
+          <p:nvPr/>
+        </p:nvSpPr>
+        <p:spPr>
+          <a:xfrm>
+            <a:off x="949982" y="3721836"/>
+            <a:ext cx="1678665" cy="338554"/>
+          </a:xfrm>
+          <a:prstGeom prst="rect">
+            <a:avLst/>
+          </a:prstGeom>
+          <a:noFill/>
+        </p:spPr>
+        <p:txBody>
+          <a:bodyPr wrap="none" rtlCol="0">
+            <a:spAutoFit/>
+          </a:bodyPr>
+          <a:lstStyle/>
+          <a:p>
+            <a:r>
+              <a:rPr kumimoji="1" lang="en-US" altLang="zh-TW" sz="1600" dirty="0">
+                <a:latin typeface="Microsoft JhengHei" panose="020B0604030504040204" pitchFamily="34" charset="-120"/>
+                <a:ea typeface="Microsoft JhengHei" panose="020B0604030504040204" pitchFamily="34" charset="-120"/>
+              </a:rPr>
+              <a:t>AWS EC2</a:t>
+            </a:r>
+            <a:r>
+              <a:rPr kumimoji="1" lang="zh-TW" altLang="en-US" sz="1600" dirty="0">
+                <a:latin typeface="Microsoft JhengHei" panose="020B0604030504040204" pitchFamily="34" charset="-120"/>
+                <a:ea typeface="Microsoft JhengHei" panose="020B0604030504040204" pitchFamily="34" charset="-120"/>
+              </a:rPr>
+              <a:t>控制台</a:t>
+            </a:r>
+          </a:p>
+        </p:txBody>
+      </p:sp>
+      <p:pic>
+        <p:nvPicPr>
+          <p:cNvPr id="9" name="圖片 8" descr="一張含有 螢幕擷取畫面, 鳥 的圖片&#10;&#10;自動產生的描述">
+            <a:extLst>
+              <a:ext uri="{FF2B5EF4-FFF2-40B4-BE49-F238E27FC236}">
+                <a16:creationId xmlns:a16="http://schemas.microsoft.com/office/drawing/2014/main" id="{32224E3A-39DC-014A-ADFF-D5BBA578DC4C}"/>
+              </a:ext>
+            </a:extLst>
+          </p:cNvPr>
+          <p:cNvPicPr>
+            <a:picLocks noChangeAspect="1"/>
+          </p:cNvPicPr>
+          <p:nvPr/>
+        </p:nvPicPr>
+        <p:blipFill rotWithShape="1">
+          <a:blip r:embed="rId4"/>
+          <a:srcRect r="17459"/>
+          <a:stretch/>
+        </p:blipFill>
+        <p:spPr>
+          <a:xfrm>
+            <a:off x="3510260" y="4035338"/>
+            <a:ext cx="2583013" cy="1971236"/>
+          </a:xfrm>
+          <a:prstGeom prst="rect">
+            <a:avLst/>
+          </a:prstGeom>
+          <a:ln>
+            <a:solidFill>
+              <a:schemeClr val="tx1"/>
+            </a:solidFill>
+          </a:ln>
+        </p:spPr>
+      </p:pic>
     </p:spTree>
     <p:extLst>
       <p:ext uri="{BB962C8B-B14F-4D97-AF65-F5344CB8AC3E}">
-        <p14:creationId xmlns:p14="http://schemas.microsoft.com/office/powerpoint/2010/main" val="665831414"/>
+        <p14:creationId xmlns:p14="http://schemas.microsoft.com/office/powerpoint/2010/main" val="2360991936"/>
       </p:ext>
     </p:extLst>
   </p:cSld>
@@ -32065,10 +32803,10 @@
       </p:grpSpPr>
       <p:sp>
         <p:nvSpPr>
-          <p:cNvPr id="2" name="標題 1">
-            <a:extLst>
-              <a:ext uri="{FF2B5EF4-FFF2-40B4-BE49-F238E27FC236}">
-                <a16:creationId xmlns:a16="http://schemas.microsoft.com/office/drawing/2014/main" id="{127CA863-CCF2-1E44-BD7D-F315ED2EAA75}"/>
+          <p:cNvPr id="4" name="標題 3">
+            <a:extLst>
+              <a:ext uri="{FF2B5EF4-FFF2-40B4-BE49-F238E27FC236}">
+                <a16:creationId xmlns:a16="http://schemas.microsoft.com/office/drawing/2014/main" id="{65D8D0B7-A88F-8444-A50B-614843E904C6}"/>
               </a:ext>
             </a:extLst>
           </p:cNvPr>
@@ -32085,6 +32823,120 @@
           <a:lstStyle/>
           <a:p>
             <a:r>
+              <a:rPr lang="en-US" altLang="zh-TW" dirty="0">
+                <a:solidFill>
+                  <a:srgbClr val="4AAC99"/>
+                </a:solidFill>
+                <a:latin typeface="Microsoft JhengHei" panose="020B0604030504040204" pitchFamily="34" charset="-120"/>
+              </a:rPr>
+              <a:t>05</a:t>
+            </a:r>
+            <a:endParaRPr lang="zh-TW" altLang="en-US" dirty="0">
+              <a:solidFill>
+                <a:srgbClr val="4AAC99"/>
+              </a:solidFill>
+              <a:latin typeface="Microsoft JhengHei" panose="020B0604030504040204" pitchFamily="34" charset="-120"/>
+            </a:endParaRPr>
+          </a:p>
+        </p:txBody>
+      </p:sp>
+      <p:sp>
+        <p:nvSpPr>
+          <p:cNvPr id="5" name="文字版面配置區 4">
+            <a:extLst>
+              <a:ext uri="{FF2B5EF4-FFF2-40B4-BE49-F238E27FC236}">
+                <a16:creationId xmlns:a16="http://schemas.microsoft.com/office/drawing/2014/main" id="{001D45A4-756B-054A-88C9-BD20D1A2C25B}"/>
+              </a:ext>
+            </a:extLst>
+          </p:cNvPr>
+          <p:cNvSpPr>
+            <a:spLocks noGrp="1"/>
+          </p:cNvSpPr>
+          <p:nvPr>
+            <p:ph type="body" sz="quarter" idx="13"/>
+          </p:nvPr>
+        </p:nvSpPr>
+        <p:spPr>
+          <a:xfrm>
+            <a:off x="2104373" y="3171031"/>
+            <a:ext cx="4982227" cy="515938"/>
+          </a:xfrm>
+        </p:spPr>
+        <p:txBody>
+          <a:bodyPr/>
+          <a:lstStyle/>
+          <a:p>
+            <a:pPr>
+              <a:spcBef>
+                <a:spcPct val="0"/>
+              </a:spcBef>
+            </a:pPr>
+            <a:r>
+              <a:rPr lang="zh-CN" altLang="en-US" dirty="0">
+                <a:latin typeface="微軟正黑體" panose="020B0604030504040204" pitchFamily="34" charset="-120"/>
+                <a:ea typeface="微軟正黑體" panose="020B0604030504040204" pitchFamily="34" charset="-120"/>
+              </a:rPr>
+              <a:t>結論與小組分工</a:t>
+            </a:r>
+            <a:endParaRPr lang="en-US" altLang="zh-CN" dirty="0">
+              <a:latin typeface="微軟正黑體" panose="020B0604030504040204" pitchFamily="34" charset="-120"/>
+              <a:ea typeface="微軟正黑體" panose="020B0604030504040204" pitchFamily="34" charset="-120"/>
+            </a:endParaRPr>
+          </a:p>
+        </p:txBody>
+      </p:sp>
+    </p:spTree>
+    <p:extLst>
+      <p:ext uri="{BB962C8B-B14F-4D97-AF65-F5344CB8AC3E}">
+        <p14:creationId xmlns:p14="http://schemas.microsoft.com/office/powerpoint/2010/main" val="665831414"/>
+      </p:ext>
+    </p:extLst>
+  </p:cSld>
+  <p:clrMapOvr>
+    <a:masterClrMapping/>
+  </p:clrMapOvr>
+</p:sld>
+</file>
+
+<file path=ppt/slides/slide42.xml><?xml version="1.0" encoding="utf-8"?>
+<p:sld xmlns:a="http://schemas.openxmlformats.org/drawingml/2006/main" xmlns:r="http://schemas.openxmlformats.org/officeDocument/2006/relationships" xmlns:p="http://schemas.openxmlformats.org/presentationml/2006/main">
+  <p:cSld>
+    <p:spTree>
+      <p:nvGrpSpPr>
+        <p:cNvPr id="1" name=""/>
+        <p:cNvGrpSpPr/>
+        <p:nvPr/>
+      </p:nvGrpSpPr>
+      <p:grpSpPr>
+        <a:xfrm>
+          <a:off x="0" y="0"/>
+          <a:ext cx="0" cy="0"/>
+          <a:chOff x="0" y="0"/>
+          <a:chExt cx="0" cy="0"/>
+        </a:xfrm>
+      </p:grpSpPr>
+      <p:sp>
+        <p:nvSpPr>
+          <p:cNvPr id="2" name="標題 1">
+            <a:extLst>
+              <a:ext uri="{FF2B5EF4-FFF2-40B4-BE49-F238E27FC236}">
+                <a16:creationId xmlns:a16="http://schemas.microsoft.com/office/drawing/2014/main" id="{127CA863-CCF2-1E44-BD7D-F315ED2EAA75}"/>
+              </a:ext>
+            </a:extLst>
+          </p:cNvPr>
+          <p:cNvSpPr>
+            <a:spLocks noGrp="1"/>
+          </p:cNvSpPr>
+          <p:nvPr>
+            <p:ph type="title"/>
+          </p:nvPr>
+        </p:nvSpPr>
+        <p:spPr/>
+        <p:txBody>
+          <a:bodyPr/>
+          <a:lstStyle/>
+          <a:p>
+            <a:r>
               <a:rPr lang="zh-CN" altLang="en-US" dirty="0"/>
               <a:t>結論</a:t>
             </a:r>
@@ -32116,7 +32968,7 @@
             <a:fld id="{868F4FC5-FE50-A64D-A7E3-22233A0C6925}" type="datetime1">
               <a:rPr kumimoji="1" lang="zh-TW" altLang="en-US" smtClean="0"/>
               <a:pPr/>
-              <a:t>2020/6/23</a:t>
+              <a:t>2020/6/24</a:t>
             </a:fld>
             <a:endParaRPr kumimoji="1" lang="zh-TW" altLang="en-US" dirty="0"/>
           </a:p>
@@ -32146,7 +32998,7 @@
             <a:fld id="{80929F01-733D-5847-83A7-C9CEA74310DB}" type="slidenum">
               <a:rPr kumimoji="1" lang="zh-TW" altLang="en-US" smtClean="0"/>
               <a:pPr/>
-              <a:t>41</a:t>
+              <a:t>42</a:t>
             </a:fld>
             <a:endParaRPr kumimoji="1" lang="zh-TW" altLang="en-US" dirty="0"/>
           </a:p>
@@ -32509,7 +33361,7 @@
 </p:sld>
 </file>
 
-<file path=ppt/slides/slide42.xml><?xml version="1.0" encoding="utf-8"?>
+<file path=ppt/slides/slide43.xml><?xml version="1.0" encoding="utf-8"?>
 <p:sld xmlns:a="http://schemas.openxmlformats.org/drawingml/2006/main" xmlns:r="http://schemas.openxmlformats.org/officeDocument/2006/relationships" xmlns:p="http://schemas.openxmlformats.org/presentationml/2006/main">
   <p:cSld>
     <p:spTree>
@@ -32578,7 +33430,7 @@
             <a:fld id="{868F4FC5-FE50-A64D-A7E3-22233A0C6925}" type="datetime1">
               <a:rPr kumimoji="1" lang="zh-TW" altLang="en-US" smtClean="0"/>
               <a:pPr/>
-              <a:t>2020/6/23</a:t>
+              <a:t>2020/6/24</a:t>
             </a:fld>
             <a:endParaRPr kumimoji="1" lang="zh-TW" altLang="en-US" dirty="0"/>
           </a:p>
@@ -32608,214 +33460,9 @@
             <a:fld id="{80929F01-733D-5847-83A7-C9CEA74310DB}" type="slidenum">
               <a:rPr kumimoji="1" lang="zh-TW" altLang="en-US" smtClean="0"/>
               <a:pPr/>
-              <a:t>42</a:t>
+              <a:t>43</a:t>
             </a:fld>
             <a:endParaRPr kumimoji="1" lang="zh-TW" altLang="en-US" dirty="0"/>
-          </a:p>
-        </p:txBody>
-      </p:sp>
-      <p:sp>
-        <p:nvSpPr>
-          <p:cNvPr id="6" name="內容版面配置區 2">
-            <a:extLst>
-              <a:ext uri="{FF2B5EF4-FFF2-40B4-BE49-F238E27FC236}">
-                <a16:creationId xmlns:a16="http://schemas.microsoft.com/office/drawing/2014/main" id="{7208F1E8-AB6F-E24A-B21E-EC32FEA8A1E8}"/>
-              </a:ext>
-            </a:extLst>
-          </p:cNvPr>
-          <p:cNvSpPr>
-            <a:spLocks noGrp="1"/>
-          </p:cNvSpPr>
-          <p:nvPr>
-            <p:ph idx="1"/>
-          </p:nvPr>
-        </p:nvSpPr>
-        <p:spPr>
-          <a:xfrm>
-            <a:off x="915379" y="1657673"/>
-            <a:ext cx="7313242" cy="1862070"/>
-          </a:xfrm>
-        </p:spPr>
-        <p:txBody>
-          <a:bodyPr>
-            <a:normAutofit/>
-          </a:bodyPr>
-          <a:lstStyle/>
-          <a:p>
-            <a:pPr marL="0" indent="0">
-              <a:buNone/>
-            </a:pPr>
-            <a:r>
-              <a:rPr lang="zh-TW" altLang="en-US" sz="2000" dirty="0">
-                <a:solidFill>
-                  <a:schemeClr val="tx1"/>
-                </a:solidFill>
-                <a:latin typeface="Microsoft JhengHei" panose="020B0604030504040204" pitchFamily="34" charset="-120"/>
-                <a:ea typeface="Microsoft JhengHei" panose="020B0604030504040204" pitchFamily="34" charset="-120"/>
-              </a:rPr>
-              <a:t>劉品妤：</a:t>
-            </a:r>
-            <a:r>
-              <a:rPr lang="en-US" altLang="zh-TW" sz="2000" dirty="0">
-                <a:solidFill>
-                  <a:schemeClr val="tx1"/>
-                </a:solidFill>
-                <a:latin typeface="Microsoft JhengHei" panose="020B0604030504040204" pitchFamily="34" charset="-120"/>
-                <a:ea typeface="Microsoft JhengHei" panose="020B0604030504040204" pitchFamily="34" charset="-120"/>
-              </a:rPr>
-              <a:t>AWS</a:t>
-            </a:r>
-            <a:r>
-              <a:rPr lang="zh-TW" altLang="en-US" sz="2000" dirty="0">
-                <a:solidFill>
-                  <a:schemeClr val="tx1"/>
-                </a:solidFill>
-                <a:latin typeface="Microsoft JhengHei" panose="020B0604030504040204" pitchFamily="34" charset="-120"/>
-                <a:ea typeface="Microsoft JhengHei" panose="020B0604030504040204" pitchFamily="34" charset="-120"/>
-              </a:rPr>
-              <a:t> </a:t>
-            </a:r>
-            <a:r>
-              <a:rPr lang="zh-CN" altLang="en-US" sz="2000" dirty="0">
-                <a:solidFill>
-                  <a:schemeClr val="tx1"/>
-                </a:solidFill>
-                <a:latin typeface="Microsoft JhengHei" panose="020B0604030504040204" pitchFamily="34" charset="-120"/>
-                <a:ea typeface="Microsoft JhengHei" panose="020B0604030504040204" pitchFamily="34" charset="-120"/>
-              </a:rPr>
-              <a:t>與</a:t>
-            </a:r>
-            <a:r>
-              <a:rPr lang="zh-TW" altLang="en-US" sz="2000" dirty="0">
-                <a:solidFill>
-                  <a:schemeClr val="tx1"/>
-                </a:solidFill>
-                <a:latin typeface="Microsoft JhengHei" panose="020B0604030504040204" pitchFamily="34" charset="-120"/>
-                <a:ea typeface="Microsoft JhengHei" panose="020B0604030504040204" pitchFamily="34" charset="-120"/>
-              </a:rPr>
-              <a:t> </a:t>
-            </a:r>
-            <a:r>
-              <a:rPr lang="en-US" altLang="zh-CN" sz="2000" dirty="0">
-                <a:solidFill>
-                  <a:schemeClr val="tx1"/>
-                </a:solidFill>
-                <a:latin typeface="Microsoft JhengHei" panose="020B0604030504040204" pitchFamily="34" charset="-120"/>
-                <a:ea typeface="Microsoft JhengHei" panose="020B0604030504040204" pitchFamily="34" charset="-120"/>
-              </a:rPr>
-              <a:t>WordPress</a:t>
-            </a:r>
-            <a:r>
-              <a:rPr lang="zh-TW" altLang="en-US" sz="2000" dirty="0">
-                <a:solidFill>
-                  <a:schemeClr val="tx1"/>
-                </a:solidFill>
-                <a:latin typeface="Microsoft JhengHei" panose="020B0604030504040204" pitchFamily="34" charset="-120"/>
-                <a:ea typeface="Microsoft JhengHei" panose="020B0604030504040204" pitchFamily="34" charset="-120"/>
-              </a:rPr>
-              <a:t> 網頁製作、爬蟲最新新聞資料</a:t>
-            </a:r>
-            <a:endParaRPr lang="en-US" altLang="zh-TW" sz="2000" dirty="0">
-              <a:solidFill>
-                <a:schemeClr val="tx1"/>
-              </a:solidFill>
-              <a:latin typeface="Microsoft JhengHei" panose="020B0604030504040204" pitchFamily="34" charset="-120"/>
-              <a:ea typeface="Microsoft JhengHei" panose="020B0604030504040204" pitchFamily="34" charset="-120"/>
-            </a:endParaRPr>
-          </a:p>
-          <a:p>
-            <a:pPr marL="0" indent="0">
-              <a:buNone/>
-            </a:pPr>
-            <a:r>
-              <a:rPr lang="zh-TW" altLang="en-US" sz="2000" dirty="0">
-                <a:solidFill>
-                  <a:schemeClr val="tx1"/>
-                </a:solidFill>
-                <a:latin typeface="Microsoft JhengHei" panose="020B0604030504040204" pitchFamily="34" charset="-120"/>
-                <a:ea typeface="Microsoft JhengHei" panose="020B0604030504040204" pitchFamily="34" charset="-120"/>
-              </a:rPr>
-              <a:t>王昱達：</a:t>
-            </a:r>
-            <a:r>
-              <a:rPr lang="zh-CN" altLang="en-US" sz="2000" dirty="0">
-                <a:solidFill>
-                  <a:schemeClr val="tx1"/>
-                </a:solidFill>
-                <a:latin typeface="Microsoft JhengHei" panose="020B0604030504040204" pitchFamily="34" charset="-120"/>
-                <a:ea typeface="Microsoft JhengHei" panose="020B0604030504040204" pitchFamily="34" charset="-120"/>
-              </a:rPr>
-              <a:t>股價資料整理、資料庫建立、網頁串接</a:t>
-            </a:r>
-            <a:r>
-              <a:rPr lang="zh-CN" altLang="en-US" dirty="0"/>
-              <a:t>、簡報整理</a:t>
-            </a:r>
-            <a:endParaRPr lang="en-US" altLang="zh-TW" sz="2000" dirty="0">
-              <a:solidFill>
-                <a:schemeClr val="tx1"/>
-              </a:solidFill>
-              <a:latin typeface="Microsoft JhengHei" panose="020B0604030504040204" pitchFamily="34" charset="-120"/>
-              <a:ea typeface="Microsoft JhengHei" panose="020B0604030504040204" pitchFamily="34" charset="-120"/>
-            </a:endParaRPr>
-          </a:p>
-          <a:p>
-            <a:pPr marL="0" indent="0">
-              <a:buNone/>
-            </a:pPr>
-            <a:r>
-              <a:rPr lang="zh-TW" altLang="en-US" sz="2000" dirty="0">
-                <a:solidFill>
-                  <a:schemeClr val="tx1"/>
-                </a:solidFill>
-                <a:latin typeface="Microsoft JhengHei" panose="020B0604030504040204" pitchFamily="34" charset="-120"/>
-                <a:ea typeface="Microsoft JhengHei" panose="020B0604030504040204" pitchFamily="34" charset="-120"/>
-              </a:rPr>
-              <a:t>楊廣元：新聞評分與股價預測模型的建立與調整參數</a:t>
-            </a:r>
-            <a:endParaRPr lang="en-US" altLang="zh-TW" sz="2000" dirty="0">
-              <a:solidFill>
-                <a:schemeClr val="tx1"/>
-              </a:solidFill>
-              <a:latin typeface="Microsoft JhengHei" panose="020B0604030504040204" pitchFamily="34" charset="-120"/>
-              <a:ea typeface="Microsoft JhengHei" panose="020B0604030504040204" pitchFamily="34" charset="-120"/>
-            </a:endParaRPr>
-          </a:p>
-          <a:p>
-            <a:pPr marL="0" indent="0">
-              <a:buNone/>
-            </a:pPr>
-            <a:r>
-              <a:rPr lang="zh-TW" altLang="en-US" sz="2000" dirty="0">
-                <a:solidFill>
-                  <a:schemeClr val="tx1"/>
-                </a:solidFill>
-                <a:latin typeface="Microsoft JhengHei" panose="020B0604030504040204" pitchFamily="34" charset="-120"/>
-                <a:ea typeface="Microsoft JhengHei" panose="020B0604030504040204" pitchFamily="34" charset="-120"/>
-              </a:rPr>
-              <a:t>呂明諺：</a:t>
-            </a:r>
-            <a:r>
-              <a:rPr lang="zh-CN" altLang="en-US" sz="2000" dirty="0">
-                <a:solidFill>
-                  <a:schemeClr val="tx1"/>
-                </a:solidFill>
-                <a:latin typeface="Microsoft JhengHei" panose="020B0604030504040204" pitchFamily="34" charset="-120"/>
-                <a:ea typeface="Microsoft JhengHei" panose="020B0604030504040204" pitchFamily="34" charset="-120"/>
-              </a:rPr>
-              <a:t>切詞與進一步的優化</a:t>
-            </a:r>
-            <a:r>
-              <a:rPr lang="zh-CN" altLang="en-US" dirty="0"/>
-              <a:t>、簡報整理</a:t>
-            </a:r>
-            <a:endParaRPr lang="en-US" altLang="zh-CN" sz="2000" dirty="0">
-              <a:solidFill>
-                <a:schemeClr val="tx1"/>
-              </a:solidFill>
-              <a:latin typeface="Microsoft JhengHei" panose="020B0604030504040204" pitchFamily="34" charset="-120"/>
-              <a:ea typeface="Microsoft JhengHei" panose="020B0604030504040204" pitchFamily="34" charset="-120"/>
-            </a:endParaRPr>
           </a:p>
         </p:txBody>
       </p:sp>
@@ -32833,7 +33480,7 @@
         </p:nvSpPr>
         <p:spPr>
           <a:xfrm>
-            <a:off x="552450" y="3809773"/>
+            <a:off x="471425" y="4804994"/>
             <a:ext cx="3236181" cy="646331"/>
           </a:xfrm>
           <a:prstGeom prst="rect">
@@ -32918,7 +33565,7 @@
         </p:nvSpPr>
         <p:spPr>
           <a:xfrm>
-            <a:off x="3302794" y="3809773"/>
+            <a:off x="3221769" y="4804994"/>
             <a:ext cx="3236181" cy="646331"/>
           </a:xfrm>
           <a:prstGeom prst="rect">
@@ -33003,7 +33650,7 @@
         </p:nvSpPr>
         <p:spPr>
           <a:xfrm>
-            <a:off x="6194116" y="3622078"/>
+            <a:off x="6113091" y="4617299"/>
             <a:ext cx="3236181" cy="1200329"/>
           </a:xfrm>
           <a:prstGeom prst="rect">
@@ -33074,51 +33721,539 @@
           </a:p>
         </p:txBody>
       </p:sp>
-      <p:sp>
-        <p:nvSpPr>
-          <p:cNvPr id="10" name="文字方塊 9">
-            <a:extLst>
-              <a:ext uri="{FF2B5EF4-FFF2-40B4-BE49-F238E27FC236}">
-                <a16:creationId xmlns:a16="http://schemas.microsoft.com/office/drawing/2014/main" id="{4D388D2E-6004-9E46-830C-F7DA3195DAA2}"/>
-              </a:ext>
-            </a:extLst>
-          </p:cNvPr>
-          <p:cNvSpPr txBox="1"/>
-          <p:nvPr/>
-        </p:nvSpPr>
-        <p:spPr>
-          <a:xfrm>
-            <a:off x="915379" y="5200327"/>
-            <a:ext cx="7492021" cy="646331"/>
-          </a:xfrm>
-          <a:prstGeom prst="rect">
-            <a:avLst/>
-          </a:prstGeom>
-          <a:noFill/>
-        </p:spPr>
-        <p:txBody>
-          <a:bodyPr wrap="square" rtlCol="0">
-            <a:spAutoFit/>
-          </a:bodyPr>
-          <a:lstStyle/>
-          <a:p>
-            <a:r>
-              <a:rPr kumimoji="1" lang="en-US" altLang="zh-TW" dirty="0">
-                <a:latin typeface="Microsoft JhengHei" panose="020B0604030504040204" pitchFamily="34" charset="-120"/>
-                <a:ea typeface="Microsoft JhengHei" panose="020B0604030504040204" pitchFamily="34" charset="-120"/>
-              </a:rPr>
-              <a:t>P.S. </a:t>
-            </a:r>
-            <a:r>
-              <a:rPr kumimoji="1" lang="zh-TW" altLang="en-US" dirty="0">
-                <a:latin typeface="Microsoft JhengHei" panose="020B0604030504040204" pitchFamily="34" charset="-120"/>
-                <a:ea typeface="Microsoft JhengHei" panose="020B0604030504040204" pitchFamily="34" charset="-120"/>
-              </a:rPr>
-              <a:t>目前最後的資料庫與網頁串接部分尚未完成，因此目前網站僅有架構，整個產品還未正式上線，完成後會在下週以影片來呈現</a:t>
-            </a:r>
-          </a:p>
-        </p:txBody>
-      </p:sp>
+      <p:graphicFrame>
+        <p:nvGraphicFramePr>
+          <p:cNvPr id="3" name="表格 2">
+            <a:extLst>
+              <a:ext uri="{FF2B5EF4-FFF2-40B4-BE49-F238E27FC236}">
+                <a16:creationId xmlns:a16="http://schemas.microsoft.com/office/drawing/2014/main" id="{406AA027-C994-B74E-98B0-C81BD4B2AB0D}"/>
+              </a:ext>
+            </a:extLst>
+          </p:cNvPr>
+          <p:cNvGraphicFramePr>
+            <a:graphicFrameLocks noGrp="1"/>
+          </p:cNvGraphicFramePr>
+          <p:nvPr>
+            <p:extLst>
+              <p:ext uri="{D42A27DB-BD31-4B8C-83A1-F6EECF244321}">
+                <p14:modId xmlns:p14="http://schemas.microsoft.com/office/powerpoint/2010/main" val="770269490"/>
+              </p:ext>
+            </p:extLst>
+          </p:nvPr>
+        </p:nvGraphicFramePr>
+        <p:xfrm>
+          <a:off x="628650" y="1307321"/>
+          <a:ext cx="7886700" cy="3131370"/>
+        </p:xfrm>
+        <a:graphic>
+          <a:graphicData uri="http://schemas.openxmlformats.org/drawingml/2006/table">
+            <a:tbl>
+              <a:tblPr bandRow="1">
+                <a:tableStyleId>{21E4AEA4-8DFA-4A89-87EB-49C32662AFE0}</a:tableStyleId>
+              </a:tblPr>
+              <a:tblGrid>
+                <a:gridCol w="1428452">
+                  <a:extLst>
+                    <a:ext uri="{9D8B030D-6E8A-4147-A177-3AD203B41FA5}">
+                      <a16:colId xmlns:a16="http://schemas.microsoft.com/office/drawing/2014/main" val="4275042337"/>
+                    </a:ext>
+                  </a:extLst>
+                </a:gridCol>
+                <a:gridCol w="6458248">
+                  <a:extLst>
+                    <a:ext uri="{9D8B030D-6E8A-4147-A177-3AD203B41FA5}">
+                      <a16:colId xmlns:a16="http://schemas.microsoft.com/office/drawing/2014/main" val="2895150346"/>
+                    </a:ext>
+                  </a:extLst>
+                </a:gridCol>
+              </a:tblGrid>
+              <a:tr h="813271">
+                <a:tc>
+                  <a:txBody>
+                    <a:bodyPr/>
+                    <a:lstStyle/>
+                    <a:p>
+                      <a:pPr algn="ctr"/>
+                      <a:r>
+                        <a:rPr lang="zh-TW" altLang="en-US" sz="1800" dirty="0">
+                          <a:solidFill>
+                            <a:schemeClr val="tx1"/>
+                          </a:solidFill>
+                          <a:latin typeface="Microsoft JhengHei" panose="020B0604030504040204" pitchFamily="34" charset="-120"/>
+                          <a:ea typeface="Microsoft JhengHei" panose="020B0604030504040204" pitchFamily="34" charset="-120"/>
+                        </a:rPr>
+                        <a:t>劉品妤</a:t>
+                      </a:r>
+                      <a:endParaRPr lang="zh-TW" altLang="en-US" dirty="0">
+                        <a:latin typeface="Microsoft JhengHei" panose="020B0604030504040204" pitchFamily="34" charset="-120"/>
+                        <a:ea typeface="Microsoft JhengHei" panose="020B0604030504040204" pitchFamily="34" charset="-120"/>
+                      </a:endParaRPr>
+                    </a:p>
+                  </a:txBody>
+                  <a:tcPr anchor="ctr">
+                    <a:lnL w="12700" cap="flat" cmpd="sng" algn="ctr">
+                      <a:solidFill>
+                        <a:schemeClr val="tx1"/>
+                      </a:solidFill>
+                      <a:prstDash val="solid"/>
+                      <a:round/>
+                      <a:headEnd type="none" w="med" len="med"/>
+                      <a:tailEnd type="none" w="med" len="med"/>
+                    </a:lnL>
+                    <a:lnT w="12700" cap="flat" cmpd="sng" algn="ctr">
+                      <a:solidFill>
+                        <a:schemeClr val="tx1"/>
+                      </a:solidFill>
+                      <a:prstDash val="solid"/>
+                      <a:round/>
+                      <a:headEnd type="none" w="med" len="med"/>
+                      <a:tailEnd type="none" w="med" len="med"/>
+                    </a:lnT>
+                  </a:tcPr>
+                </a:tc>
+                <a:tc>
+                  <a:txBody>
+                    <a:bodyPr/>
+                    <a:lstStyle/>
+                    <a:p>
+                      <a:pPr algn="l"/>
+                      <a:r>
+                        <a:rPr lang="zh-TW" altLang="en-US" sz="1800" dirty="0">
+                          <a:solidFill>
+                            <a:schemeClr val="tx1"/>
+                          </a:solidFill>
+                          <a:latin typeface="Microsoft JhengHei" panose="020B0604030504040204" pitchFamily="34" charset="-120"/>
+                          <a:ea typeface="Microsoft JhengHei" panose="020B0604030504040204" pitchFamily="34" charset="-120"/>
+                        </a:rPr>
+                        <a:t>資料 </a:t>
+                      </a:r>
+                      <a:r>
+                        <a:rPr lang="en-US" altLang="zh-TW" sz="1800" dirty="0">
+                          <a:solidFill>
+                            <a:schemeClr val="tx1"/>
+                          </a:solidFill>
+                          <a:latin typeface="Microsoft JhengHei" panose="020B0604030504040204" pitchFamily="34" charset="-120"/>
+                          <a:ea typeface="Microsoft JhengHei" panose="020B0604030504040204" pitchFamily="34" charset="-120"/>
+                        </a:rPr>
+                        <a:t>EDA</a:t>
+                      </a:r>
+                      <a:r>
+                        <a:rPr lang="zh-TW" altLang="en-US" sz="1800" dirty="0">
+                          <a:solidFill>
+                            <a:schemeClr val="tx1"/>
+                          </a:solidFill>
+                          <a:latin typeface="Microsoft JhengHei" panose="020B0604030504040204" pitchFamily="34" charset="-120"/>
+                          <a:ea typeface="Microsoft JhengHei" panose="020B0604030504040204" pitchFamily="34" charset="-120"/>
+                        </a:rPr>
+                        <a:t> 處理、</a:t>
+                      </a:r>
+                      <a:r>
+                        <a:rPr lang="en-US" altLang="zh-TW" sz="1800" dirty="0">
+                          <a:solidFill>
+                            <a:schemeClr val="tx1"/>
+                          </a:solidFill>
+                          <a:latin typeface="Microsoft JhengHei" panose="020B0604030504040204" pitchFamily="34" charset="-120"/>
+                          <a:ea typeface="Microsoft JhengHei" panose="020B0604030504040204" pitchFamily="34" charset="-120"/>
+                        </a:rPr>
+                        <a:t>AWS</a:t>
+                      </a:r>
+                      <a:r>
+                        <a:rPr lang="zh-TW" altLang="en-US" sz="1800" dirty="0">
+                          <a:solidFill>
+                            <a:schemeClr val="tx1"/>
+                          </a:solidFill>
+                          <a:latin typeface="Microsoft JhengHei" panose="020B0604030504040204" pitchFamily="34" charset="-120"/>
+                          <a:ea typeface="Microsoft JhengHei" panose="020B0604030504040204" pitchFamily="34" charset="-120"/>
+                        </a:rPr>
+                        <a:t> </a:t>
+                      </a:r>
+                      <a:r>
+                        <a:rPr lang="zh-CN" altLang="en-US" sz="1800" dirty="0">
+                          <a:solidFill>
+                            <a:schemeClr val="tx1"/>
+                          </a:solidFill>
+                          <a:latin typeface="Microsoft JhengHei" panose="020B0604030504040204" pitchFamily="34" charset="-120"/>
+                          <a:ea typeface="Microsoft JhengHei" panose="020B0604030504040204" pitchFamily="34" charset="-120"/>
+                        </a:rPr>
+                        <a:t>與</a:t>
+                      </a:r>
+                      <a:r>
+                        <a:rPr lang="zh-TW" altLang="en-US" sz="1800" dirty="0">
+                          <a:solidFill>
+                            <a:schemeClr val="tx1"/>
+                          </a:solidFill>
+                          <a:latin typeface="Microsoft JhengHei" panose="020B0604030504040204" pitchFamily="34" charset="-120"/>
+                          <a:ea typeface="Microsoft JhengHei" panose="020B0604030504040204" pitchFamily="34" charset="-120"/>
+                        </a:rPr>
+                        <a:t> </a:t>
+                      </a:r>
+                      <a:r>
+                        <a:rPr lang="en-US" altLang="zh-CN" sz="1800" dirty="0">
+                          <a:solidFill>
+                            <a:schemeClr val="tx1"/>
+                          </a:solidFill>
+                          <a:latin typeface="Microsoft JhengHei" panose="020B0604030504040204" pitchFamily="34" charset="-120"/>
+                          <a:ea typeface="Microsoft JhengHei" panose="020B0604030504040204" pitchFamily="34" charset="-120"/>
+                        </a:rPr>
+                        <a:t>WordPress</a:t>
+                      </a:r>
+                      <a:r>
+                        <a:rPr lang="zh-TW" altLang="en-US" sz="1800" dirty="0">
+                          <a:solidFill>
+                            <a:schemeClr val="tx1"/>
+                          </a:solidFill>
+                          <a:latin typeface="Microsoft JhengHei" panose="020B0604030504040204" pitchFamily="34" charset="-120"/>
+                          <a:ea typeface="Microsoft JhengHei" panose="020B0604030504040204" pitchFamily="34" charset="-120"/>
+                        </a:rPr>
+                        <a:t> 網頁製作、爬蟲最新新聞資料、製作爬蟲函數、影片處理與嵌入字幕</a:t>
+                      </a:r>
+                      <a:endParaRPr lang="zh-TW" altLang="en-US" dirty="0">
+                        <a:latin typeface="Microsoft JhengHei" panose="020B0604030504040204" pitchFamily="34" charset="-120"/>
+                        <a:ea typeface="Microsoft JhengHei" panose="020B0604030504040204" pitchFamily="34" charset="-120"/>
+                      </a:endParaRPr>
+                    </a:p>
+                  </a:txBody>
+                  <a:tcPr anchor="ctr">
+                    <a:lnR w="12700" cap="flat" cmpd="sng" algn="ctr">
+                      <a:solidFill>
+                        <a:schemeClr val="tx1"/>
+                      </a:solidFill>
+                      <a:prstDash val="solid"/>
+                      <a:round/>
+                      <a:headEnd type="none" w="med" len="med"/>
+                      <a:tailEnd type="none" w="med" len="med"/>
+                    </a:lnR>
+                    <a:lnT w="12700" cap="flat" cmpd="sng" algn="ctr">
+                      <a:solidFill>
+                        <a:schemeClr val="tx1"/>
+                      </a:solidFill>
+                      <a:prstDash val="solid"/>
+                      <a:round/>
+                      <a:headEnd type="none" w="med" len="med"/>
+                      <a:tailEnd type="none" w="med" len="med"/>
+                    </a:lnT>
+                  </a:tcPr>
+                </a:tc>
+                <a:extLst>
+                  <a:ext uri="{0D108BD9-81ED-4DB2-BD59-A6C34878D82A}">
+                    <a16:rowId xmlns:a16="http://schemas.microsoft.com/office/drawing/2014/main" val="2472445452"/>
+                  </a:ext>
+                </a:extLst>
+              </a:tr>
+              <a:tr h="752414">
+                <a:tc>
+                  <a:txBody>
+                    <a:bodyPr/>
+                    <a:lstStyle/>
+                    <a:p>
+                      <a:pPr algn="ctr"/>
+                      <a:r>
+                        <a:rPr lang="zh-TW" altLang="en-US" sz="1800" dirty="0">
+                          <a:solidFill>
+                            <a:schemeClr val="tx1"/>
+                          </a:solidFill>
+                          <a:latin typeface="Microsoft JhengHei" panose="020B0604030504040204" pitchFamily="34" charset="-120"/>
+                          <a:ea typeface="Microsoft JhengHei" panose="020B0604030504040204" pitchFamily="34" charset="-120"/>
+                        </a:rPr>
+                        <a:t>王昱達</a:t>
+                      </a:r>
+                      <a:endParaRPr lang="zh-TW" altLang="en-US" dirty="0">
+                        <a:latin typeface="Microsoft JhengHei" panose="020B0604030504040204" pitchFamily="34" charset="-120"/>
+                        <a:ea typeface="Microsoft JhengHei" panose="020B0604030504040204" pitchFamily="34" charset="-120"/>
+                      </a:endParaRPr>
+                    </a:p>
+                  </a:txBody>
+                  <a:tcPr anchor="ctr">
+                    <a:lnL w="12700" cap="flat" cmpd="sng" algn="ctr">
+                      <a:solidFill>
+                        <a:schemeClr val="tx1"/>
+                      </a:solidFill>
+                      <a:prstDash val="solid"/>
+                      <a:round/>
+                      <a:headEnd type="none" w="med" len="med"/>
+                      <a:tailEnd type="none" w="med" len="med"/>
+                    </a:lnL>
+                  </a:tcPr>
+                </a:tc>
+                <a:tc>
+                  <a:txBody>
+                    <a:bodyPr/>
+                    <a:lstStyle/>
+                    <a:p>
+                      <a:pPr algn="l"/>
+                      <a:r>
+                        <a:rPr lang="zh-CN" altLang="en-US" sz="1800" dirty="0">
+                          <a:solidFill>
+                            <a:schemeClr val="tx1"/>
+                          </a:solidFill>
+                          <a:latin typeface="Microsoft JhengHei" panose="020B0604030504040204" pitchFamily="34" charset="-120"/>
+                          <a:ea typeface="Microsoft JhengHei" panose="020B0604030504040204" pitchFamily="34" charset="-120"/>
+                        </a:rPr>
+                        <a:t>股價資料整理、</a:t>
+                      </a:r>
+                      <a:r>
+                        <a:rPr lang="en-US" altLang="zh-CN" sz="1800" dirty="0">
+                          <a:solidFill>
+                            <a:schemeClr val="tx1"/>
+                          </a:solidFill>
+                          <a:latin typeface="Microsoft JhengHei" panose="020B0604030504040204" pitchFamily="34" charset="-120"/>
+                          <a:ea typeface="Microsoft JhengHei" panose="020B0604030504040204" pitchFamily="34" charset="-120"/>
+                        </a:rPr>
+                        <a:t>MySQL </a:t>
+                      </a:r>
+                      <a:r>
+                        <a:rPr lang="zh-CN" altLang="en-US" sz="1800" dirty="0">
+                          <a:solidFill>
+                            <a:schemeClr val="tx1"/>
+                          </a:solidFill>
+                          <a:latin typeface="Microsoft JhengHei" panose="020B0604030504040204" pitchFamily="34" charset="-120"/>
+                          <a:ea typeface="Microsoft JhengHei" panose="020B0604030504040204" pitchFamily="34" charset="-120"/>
+                        </a:rPr>
+                        <a:t>資料庫建立、網頁串接</a:t>
+                      </a:r>
+                      <a:r>
+                        <a:rPr lang="zh-CN" altLang="en-US" dirty="0">
+                          <a:latin typeface="Microsoft JhengHei" panose="020B0604030504040204" pitchFamily="34" charset="-120"/>
+                          <a:ea typeface="Microsoft JhengHei" panose="020B0604030504040204" pitchFamily="34" charset="-120"/>
+                        </a:rPr>
+                        <a:t>、主程式串接、簡報整理、影片錄音</a:t>
+                      </a:r>
+                      <a:endParaRPr lang="zh-TW" altLang="en-US" dirty="0">
+                        <a:latin typeface="Microsoft JhengHei" panose="020B0604030504040204" pitchFamily="34" charset="-120"/>
+                        <a:ea typeface="Microsoft JhengHei" panose="020B0604030504040204" pitchFamily="34" charset="-120"/>
+                      </a:endParaRPr>
+                    </a:p>
+                  </a:txBody>
+                  <a:tcPr anchor="ctr">
+                    <a:lnR w="12700" cap="flat" cmpd="sng" algn="ctr">
+                      <a:solidFill>
+                        <a:schemeClr val="tx1"/>
+                      </a:solidFill>
+                      <a:prstDash val="solid"/>
+                      <a:round/>
+                      <a:headEnd type="none" w="med" len="med"/>
+                      <a:tailEnd type="none" w="med" len="med"/>
+                    </a:lnR>
+                  </a:tcPr>
+                </a:tc>
+                <a:extLst>
+                  <a:ext uri="{0D108BD9-81ED-4DB2-BD59-A6C34878D82A}">
+                    <a16:rowId xmlns:a16="http://schemas.microsoft.com/office/drawing/2014/main" val="274490607"/>
+                  </a:ext>
+                </a:extLst>
+              </a:tr>
+              <a:tr h="813271">
+                <a:tc>
+                  <a:txBody>
+                    <a:bodyPr/>
+                    <a:lstStyle/>
+                    <a:p>
+                      <a:pPr algn="ctr"/>
+                      <a:r>
+                        <a:rPr lang="zh-TW" altLang="en-US" sz="1800" dirty="0">
+                          <a:solidFill>
+                            <a:schemeClr val="tx1"/>
+                          </a:solidFill>
+                          <a:latin typeface="Microsoft JhengHei" panose="020B0604030504040204" pitchFamily="34" charset="-120"/>
+                          <a:ea typeface="Microsoft JhengHei" panose="020B0604030504040204" pitchFamily="34" charset="-120"/>
+                        </a:rPr>
+                        <a:t>楊廣元</a:t>
+                      </a:r>
+                      <a:endParaRPr lang="zh-TW" altLang="en-US" dirty="0">
+                        <a:latin typeface="Microsoft JhengHei" panose="020B0604030504040204" pitchFamily="34" charset="-120"/>
+                        <a:ea typeface="Microsoft JhengHei" panose="020B0604030504040204" pitchFamily="34" charset="-120"/>
+                      </a:endParaRPr>
+                    </a:p>
+                  </a:txBody>
+                  <a:tcPr anchor="ctr">
+                    <a:lnL w="12700" cap="flat" cmpd="sng" algn="ctr">
+                      <a:solidFill>
+                        <a:schemeClr val="tx1"/>
+                      </a:solidFill>
+                      <a:prstDash val="solid"/>
+                      <a:round/>
+                      <a:headEnd type="none" w="med" len="med"/>
+                      <a:tailEnd type="none" w="med" len="med"/>
+                    </a:lnL>
+                  </a:tcPr>
+                </a:tc>
+                <a:tc>
+                  <a:txBody>
+                    <a:bodyPr/>
+                    <a:lstStyle/>
+                    <a:p>
+                      <a:pPr marL="0" marR="0" lvl="0" indent="0" algn="l" defTabSz="914400" rtl="0" eaLnBrk="1" fontAlgn="auto" latinLnBrk="0" hangingPunct="1">
+                        <a:lnSpc>
+                          <a:spcPct val="100000"/>
+                        </a:lnSpc>
+                        <a:spcBef>
+                          <a:spcPts val="0"/>
+                        </a:spcBef>
+                        <a:spcAft>
+                          <a:spcPts val="0"/>
+                        </a:spcAft>
+                        <a:buClrTx/>
+                        <a:buSzTx/>
+                        <a:buFontTx/>
+                        <a:buNone/>
+                        <a:tabLst/>
+                        <a:defRPr/>
+                      </a:pPr>
+                      <a:r>
+                        <a:rPr lang="zh-TW" altLang="en-US" sz="1800" dirty="0">
+                          <a:solidFill>
+                            <a:schemeClr val="tx1"/>
+                          </a:solidFill>
+                          <a:latin typeface="Microsoft JhengHei" panose="020B0604030504040204" pitchFamily="34" charset="-120"/>
+                          <a:ea typeface="Microsoft JhengHei" panose="020B0604030504040204" pitchFamily="34" charset="-120"/>
+                        </a:rPr>
+                        <a:t>新聞評分、大小事件類別與股價預測模型的建立</a:t>
+                      </a:r>
+                      <a:r>
+                        <a:rPr lang="zh-TW" altLang="en-US" dirty="0">
+                          <a:latin typeface="Microsoft JhengHei" panose="020B0604030504040204" pitchFamily="34" charset="-120"/>
+                          <a:ea typeface="Microsoft JhengHei" panose="020B0604030504040204" pitchFamily="34" charset="-120"/>
+                        </a:rPr>
+                        <a:t>與參數調整、製作所有機器學習的模型函數、</a:t>
+                      </a:r>
+                      <a:r>
+                        <a:rPr lang="zh-CN" altLang="en-US" dirty="0">
+                          <a:latin typeface="Microsoft JhengHei" panose="020B0604030504040204" pitchFamily="34" charset="-120"/>
+                          <a:ea typeface="Microsoft JhengHei" panose="020B0604030504040204" pitchFamily="34" charset="-120"/>
+                        </a:rPr>
+                        <a:t>影片錄音</a:t>
+                      </a:r>
+                      <a:endParaRPr lang="en-US" altLang="zh-TW" sz="1800" dirty="0">
+                        <a:solidFill>
+                          <a:schemeClr val="tx1"/>
+                        </a:solidFill>
+                        <a:latin typeface="Microsoft JhengHei" panose="020B0604030504040204" pitchFamily="34" charset="-120"/>
+                        <a:ea typeface="Microsoft JhengHei" panose="020B0604030504040204" pitchFamily="34" charset="-120"/>
+                      </a:endParaRPr>
+                    </a:p>
+                  </a:txBody>
+                  <a:tcPr anchor="ctr">
+                    <a:lnR w="12700" cap="flat" cmpd="sng" algn="ctr">
+                      <a:solidFill>
+                        <a:schemeClr val="tx1"/>
+                      </a:solidFill>
+                      <a:prstDash val="solid"/>
+                      <a:round/>
+                      <a:headEnd type="none" w="med" len="med"/>
+                      <a:tailEnd type="none" w="med" len="med"/>
+                    </a:lnR>
+                  </a:tcPr>
+                </a:tc>
+                <a:extLst>
+                  <a:ext uri="{0D108BD9-81ED-4DB2-BD59-A6C34878D82A}">
+                    <a16:rowId xmlns:a16="http://schemas.microsoft.com/office/drawing/2014/main" val="3191792261"/>
+                  </a:ext>
+                </a:extLst>
+              </a:tr>
+              <a:tr h="752414">
+                <a:tc>
+                  <a:txBody>
+                    <a:bodyPr/>
+                    <a:lstStyle/>
+                    <a:p>
+                      <a:pPr algn="ctr"/>
+                      <a:r>
+                        <a:rPr lang="zh-TW" altLang="en-US" sz="1800" dirty="0">
+                          <a:solidFill>
+                            <a:schemeClr val="tx1"/>
+                          </a:solidFill>
+                          <a:latin typeface="Microsoft JhengHei" panose="020B0604030504040204" pitchFamily="34" charset="-120"/>
+                          <a:ea typeface="Microsoft JhengHei" panose="020B0604030504040204" pitchFamily="34" charset="-120"/>
+                        </a:rPr>
+                        <a:t>呂明諺</a:t>
+                      </a:r>
+                      <a:endParaRPr lang="zh-TW" altLang="en-US" dirty="0">
+                        <a:latin typeface="Microsoft JhengHei" panose="020B0604030504040204" pitchFamily="34" charset="-120"/>
+                        <a:ea typeface="Microsoft JhengHei" panose="020B0604030504040204" pitchFamily="34" charset="-120"/>
+                      </a:endParaRPr>
+                    </a:p>
+                  </a:txBody>
+                  <a:tcPr anchor="ctr">
+                    <a:lnL w="12700" cap="flat" cmpd="sng" algn="ctr">
+                      <a:solidFill>
+                        <a:schemeClr val="tx1"/>
+                      </a:solidFill>
+                      <a:prstDash val="solid"/>
+                      <a:round/>
+                      <a:headEnd type="none" w="med" len="med"/>
+                      <a:tailEnd type="none" w="med" len="med"/>
+                    </a:lnL>
+                    <a:lnB w="12700" cap="flat" cmpd="sng" algn="ctr">
+                      <a:solidFill>
+                        <a:schemeClr val="tx1"/>
+                      </a:solidFill>
+                      <a:prstDash val="solid"/>
+                      <a:round/>
+                      <a:headEnd type="none" w="med" len="med"/>
+                      <a:tailEnd type="none" w="med" len="med"/>
+                    </a:lnB>
+                  </a:tcPr>
+                </a:tc>
+                <a:tc>
+                  <a:txBody>
+                    <a:bodyPr/>
+                    <a:lstStyle/>
+                    <a:p>
+                      <a:pPr algn="l"/>
+                      <a:r>
+                        <a:rPr lang="zh-CN" altLang="en-US" sz="1800" dirty="0">
+                          <a:solidFill>
+                            <a:schemeClr val="tx1"/>
+                          </a:solidFill>
+                          <a:latin typeface="Microsoft JhengHei" panose="020B0604030504040204" pitchFamily="34" charset="-120"/>
+                          <a:ea typeface="Microsoft JhengHei" panose="020B0604030504040204" pitchFamily="34" charset="-120"/>
+                        </a:rPr>
+                        <a:t>看門狗資料清洗、斷詞與進一步的優化</a:t>
+                      </a:r>
+                      <a:r>
+                        <a:rPr lang="zh-CN" altLang="en-US" dirty="0">
+                          <a:latin typeface="Microsoft JhengHei" panose="020B0604030504040204" pitchFamily="34" charset="-120"/>
+                          <a:ea typeface="Microsoft JhengHei" panose="020B0604030504040204" pitchFamily="34" charset="-120"/>
+                        </a:rPr>
+                        <a:t>、製作斷詞函數、簡報整理、影片錄音</a:t>
+                      </a:r>
+                      <a:endParaRPr lang="zh-TW" altLang="en-US" dirty="0">
+                        <a:latin typeface="Microsoft JhengHei" panose="020B0604030504040204" pitchFamily="34" charset="-120"/>
+                        <a:ea typeface="Microsoft JhengHei" panose="020B0604030504040204" pitchFamily="34" charset="-120"/>
+                      </a:endParaRPr>
+                    </a:p>
+                  </a:txBody>
+                  <a:tcPr anchor="ctr">
+                    <a:lnR w="12700" cap="flat" cmpd="sng" algn="ctr">
+                      <a:solidFill>
+                        <a:schemeClr val="tx1"/>
+                      </a:solidFill>
+                      <a:prstDash val="solid"/>
+                      <a:round/>
+                      <a:headEnd type="none" w="med" len="med"/>
+                      <a:tailEnd type="none" w="med" len="med"/>
+                    </a:lnR>
+                    <a:lnB w="12700" cap="flat" cmpd="sng" algn="ctr">
+                      <a:solidFill>
+                        <a:schemeClr val="tx1"/>
+                      </a:solidFill>
+                      <a:prstDash val="solid"/>
+                      <a:round/>
+                      <a:headEnd type="none" w="med" len="med"/>
+                      <a:tailEnd type="none" w="med" len="med"/>
+                    </a:lnB>
+                  </a:tcPr>
+                </a:tc>
+                <a:extLst>
+                  <a:ext uri="{0D108BD9-81ED-4DB2-BD59-A6C34878D82A}">
+                    <a16:rowId xmlns:a16="http://schemas.microsoft.com/office/drawing/2014/main" val="2809700169"/>
+                  </a:ext>
+                </a:extLst>
+              </a:tr>
+            </a:tbl>
+          </a:graphicData>
+        </a:graphic>
+      </p:graphicFrame>
     </p:spTree>
     <p:extLst>
       <p:ext uri="{BB962C8B-B14F-4D97-AF65-F5344CB8AC3E}">
@@ -33132,7 +34267,7 @@
 </p:sld>
 </file>
 
-<file path=ppt/slides/slide43.xml><?xml version="1.0" encoding="utf-8"?>
+<file path=ppt/slides/slide44.xml><?xml version="1.0" encoding="utf-8"?>
 <p:sld xmlns:a="http://schemas.openxmlformats.org/drawingml/2006/main" xmlns:r="http://schemas.openxmlformats.org/officeDocument/2006/relationships" xmlns:p="http://schemas.openxmlformats.org/presentationml/2006/main">
   <p:cSld>
     <p:spTree>
@@ -33248,7 +34383,7 @@
             <a:fld id="{868F4FC5-FE50-A64D-A7E3-22233A0C6925}" type="datetime1">
               <a:rPr kumimoji="1" lang="zh-TW" altLang="en-US" smtClean="0"/>
               <a:pPr/>
-              <a:t>2020/6/23</a:t>
+              <a:t>2020/6/24</a:t>
             </a:fld>
             <a:endParaRPr kumimoji="1" lang="zh-TW" altLang="en-US" dirty="0"/>
           </a:p>
@@ -34002,7 +35137,7 @@
             <a:fld id="{868F4FC5-FE50-A64D-A7E3-22233A0C6925}" type="datetime1">
               <a:rPr kumimoji="1" lang="zh-TW" altLang="en-US" smtClean="0"/>
               <a:pPr/>
-              <a:t>2020/6/23</a:t>
+              <a:t>2020/6/24</a:t>
             </a:fld>
             <a:endParaRPr kumimoji="1" lang="zh-TW" altLang="en-US" dirty="0"/>
           </a:p>
@@ -34832,7 +35967,7 @@
             <a:fld id="{868F4FC5-FE50-A64D-A7E3-22233A0C6925}" type="datetime1">
               <a:rPr kumimoji="1" lang="zh-TW" altLang="en-US" smtClean="0"/>
               <a:pPr/>
-              <a:t>2020/6/23</a:t>
+              <a:t>2020/6/24</a:t>
             </a:fld>
             <a:endParaRPr kumimoji="1" lang="zh-TW" altLang="en-US" dirty="0"/>
           </a:p>
@@ -35704,7 +36839,7 @@
             <a:fld id="{868F4FC5-FE50-A64D-A7E3-22233A0C6925}" type="datetime1">
               <a:rPr kumimoji="1" lang="zh-TW" altLang="en-US" smtClean="0"/>
               <a:pPr/>
-              <a:t>2020/6/23</a:t>
+              <a:t>2020/6/24</a:t>
             </a:fld>
             <a:endParaRPr kumimoji="1" lang="zh-TW" altLang="en-US" dirty="0"/>
           </a:p>
@@ -36465,7 +37600,7 @@
                 <a:ea typeface="微軟正黑體" panose="020B0604030504040204" pitchFamily="34" charset="-120"/>
                 <a:cs typeface="Arial" pitchFamily="34" charset="0"/>
               </a:rPr>
-              <a:t>針對公開資訊觀測站，每十秒爬一次，即時更新</a:t>
+              <a:t>針對公開資訊觀測站，每兩分鐘爬一次，即時更新</a:t>
             </a:r>
             <a:endParaRPr lang="en-US" altLang="zh-TW" sz="2000" b="1" dirty="0">
               <a:solidFill>
@@ -36579,7 +37714,7 @@
             <a:fld id="{868F4FC5-FE50-A64D-A7E3-22233A0C6925}" type="datetime1">
               <a:rPr kumimoji="1" lang="zh-TW" altLang="en-US" smtClean="0"/>
               <a:pPr/>
-              <a:t>2020/6/23</a:t>
+              <a:t>2020/6/24</a:t>
             </a:fld>
             <a:endParaRPr kumimoji="1" lang="zh-TW" altLang="en-US" dirty="0"/>
           </a:p>
